--- a/Lectures/Hybrid Concurrency/Hybrid Concurrency.pptx
+++ b/Lectures/Hybrid Concurrency/Hybrid Concurrency.pptx
@@ -5,7 +5,7 @@
     <p:sldMasterId id="2147483660" r:id="rId1"/>
   </p:sldMasterIdLst>
   <p:notesMasterIdLst>
-    <p:notesMasterId r:id="rId10"/>
+    <p:notesMasterId r:id="rId22"/>
   </p:notesMasterIdLst>
   <p:sldIdLst>
     <p:sldId id="256" r:id="rId2"/>
@@ -16,6 +16,18 @@
     <p:sldId id="261" r:id="rId7"/>
     <p:sldId id="263" r:id="rId8"/>
     <p:sldId id="262" r:id="rId9"/>
+    <p:sldId id="264" r:id="rId10"/>
+    <p:sldId id="265" r:id="rId11"/>
+    <p:sldId id="266" r:id="rId12"/>
+    <p:sldId id="267" r:id="rId13"/>
+    <p:sldId id="268" r:id="rId14"/>
+    <p:sldId id="269" r:id="rId15"/>
+    <p:sldId id="270" r:id="rId16"/>
+    <p:sldId id="271" r:id="rId17"/>
+    <p:sldId id="272" r:id="rId18"/>
+    <p:sldId id="273" r:id="rId19"/>
+    <p:sldId id="274" r:id="rId20"/>
+    <p:sldId id="275" r:id="rId21"/>
   </p:sldIdLst>
   <p:sldSz cx="9144000" cy="6858000" type="screen4x3"/>
   <p:notesSz cx="6858000" cy="9144000"/>
@@ -199,7 +211,7 @@
           <a:p>
             <a:fld id="{DBE0ECA1-3FBF-48AE-AD2A-4439AE745E19}" type="datetimeFigureOut">
               <a:rPr lang="en-US" smtClean="0"/>
-              <a:t>1/12/2014</a:t>
+              <a:t>1/13/2014</a:t>
             </a:fld>
             <a:endParaRPr lang="en-US"/>
           </a:p>
@@ -660,7 +672,7 @@
           <a:p>
             <a:fld id="{9769DED8-28D4-45B9-A00F-7CFE9335FEA6}" type="datetime1">
               <a:rPr lang="en-US" smtClean="0"/>
-              <a:t>1/12/2014</a:t>
+              <a:t>1/13/2014</a:t>
             </a:fld>
             <a:endParaRPr lang="en-US"/>
           </a:p>
@@ -925,7 +937,7 @@
           <a:p>
             <a:fld id="{2DB3D439-1F88-44B4-B5F7-F9BCD4064257}" type="datetime1">
               <a:rPr lang="en-US" smtClean="0"/>
-              <a:t>1/12/2014</a:t>
+              <a:t>1/13/2014</a:t>
             </a:fld>
             <a:endParaRPr lang="en-US"/>
           </a:p>
@@ -1100,7 +1112,7 @@
           <a:p>
             <a:fld id="{99C5638F-6F55-4055-935C-67841BE78C36}" type="datetime1">
               <a:rPr lang="en-US" smtClean="0"/>
-              <a:t>1/12/2014</a:t>
+              <a:t>1/13/2014</a:t>
             </a:fld>
             <a:endParaRPr lang="en-US"/>
           </a:p>
@@ -1265,7 +1277,7 @@
           <a:p>
             <a:fld id="{E6987D90-0C92-4B22-A29D-FED15412CED2}" type="datetime1">
               <a:rPr lang="en-US" smtClean="0"/>
-              <a:t>1/12/2014</a:t>
+              <a:t>1/13/2014</a:t>
             </a:fld>
             <a:endParaRPr lang="en-US"/>
           </a:p>
@@ -1514,7 +1526,7 @@
           <a:p>
             <a:fld id="{DDB67BC4-9554-49E0-BCB3-D1EF965BA0B8}" type="datetime1">
               <a:rPr lang="en-US" smtClean="0"/>
-              <a:t>1/12/2014</a:t>
+              <a:t>1/13/2014</a:t>
             </a:fld>
             <a:endParaRPr lang="en-US"/>
           </a:p>
@@ -1797,7 +1809,7 @@
           <a:p>
             <a:fld id="{EC24D770-803D-4E01-921C-9C100DD8230C}" type="datetime1">
               <a:rPr lang="en-US" smtClean="0"/>
-              <a:t>1/12/2014</a:t>
+              <a:t>1/13/2014</a:t>
             </a:fld>
             <a:endParaRPr lang="en-US"/>
           </a:p>
@@ -2236,7 +2248,7 @@
           <a:p>
             <a:fld id="{356AD44B-78A4-4209-8070-7DCBE2DC4992}" type="datetime1">
               <a:rPr lang="en-US" smtClean="0"/>
-              <a:t>1/12/2014</a:t>
+              <a:t>1/13/2014</a:t>
             </a:fld>
             <a:endParaRPr lang="en-US"/>
           </a:p>
@@ -2349,7 +2361,7 @@
           <a:p>
             <a:fld id="{A993C59A-7CA2-467F-B7F1-9096881A01B8}" type="datetime1">
               <a:rPr lang="en-US" smtClean="0"/>
-              <a:t>1/12/2014</a:t>
+              <a:t>1/13/2014</a:t>
             </a:fld>
             <a:endParaRPr lang="en-US"/>
           </a:p>
@@ -2439,7 +2451,7 @@
           <a:p>
             <a:fld id="{2B6B58D0-2488-434A-8ED1-692E09B85CC5}" type="datetime1">
               <a:rPr lang="en-US" smtClean="0"/>
-              <a:t>1/12/2014</a:t>
+              <a:t>1/13/2014</a:t>
             </a:fld>
             <a:endParaRPr lang="en-US"/>
           </a:p>
@@ -2681,7 +2693,7 @@
           <a:p>
             <a:fld id="{FDB0AFC2-7D64-4F61-A7B7-9932D3305DDA}" type="datetime1">
               <a:rPr lang="en-US" smtClean="0"/>
-              <a:t>1/12/2014</a:t>
+              <a:t>1/13/2014</a:t>
             </a:fld>
             <a:endParaRPr lang="en-US"/>
           </a:p>
@@ -2975,7 +2987,7 @@
           <a:p>
             <a:fld id="{4983D17A-D7B2-4ECE-8A2C-93679B9D177B}" type="datetime1">
               <a:rPr lang="en-US" smtClean="0"/>
-              <a:t>1/12/2014</a:t>
+              <a:t>1/13/2014</a:t>
             </a:fld>
             <a:endParaRPr lang="en-US"/>
           </a:p>
@@ -3269,7 +3281,7 @@
           <a:p>
             <a:fld id="{2A5275F7-419E-4C23-8A3D-2EE5742B2EC9}" type="datetime1">
               <a:rPr lang="en-US" smtClean="0"/>
-              <a:t>1/12/2014</a:t>
+              <a:t>1/13/2014</a:t>
             </a:fld>
             <a:endParaRPr lang="en-US"/>
           </a:p>
@@ -3844,6 +3856,2799 @@
       </p:par>
     </p:tnLst>
   </p:timing>
+</p:sld>
+</file>
+
+<file path=ppt/slides/slide10.xml><?xml version="1.0" encoding="utf-8"?>
+<p:sld xmlns:a="http://schemas.openxmlformats.org/drawingml/2006/main" xmlns:r="http://schemas.openxmlformats.org/officeDocument/2006/relationships" xmlns:p="http://schemas.openxmlformats.org/presentationml/2006/main">
+  <p:cSld>
+    <p:spTree>
+      <p:nvGrpSpPr>
+        <p:cNvPr id="1" name=""/>
+        <p:cNvGrpSpPr/>
+        <p:nvPr/>
+      </p:nvGrpSpPr>
+      <p:grpSpPr>
+        <a:xfrm>
+          <a:off x="0" y="0"/>
+          <a:ext cx="0" cy="0"/>
+          <a:chOff x="0" y="0"/>
+          <a:chExt cx="0" cy="0"/>
+        </a:xfrm>
+      </p:grpSpPr>
+      <p:sp>
+        <p:nvSpPr>
+          <p:cNvPr id="2" name="Title 1"/>
+          <p:cNvSpPr>
+            <a:spLocks noGrp="1"/>
+          </p:cNvSpPr>
+          <p:nvPr>
+            <p:ph type="title"/>
+          </p:nvPr>
+        </p:nvSpPr>
+        <p:spPr/>
+        <p:txBody>
+          <a:bodyPr/>
+          <a:lstStyle/>
+          <a:p>
+            <a:r>
+              <a:rPr lang="en-US" dirty="0" smtClean="0"/>
+              <a:t>Xeon Phi Architecture</a:t>
+            </a:r>
+            <a:endParaRPr lang="en-US" dirty="0"/>
+          </a:p>
+        </p:txBody>
+      </p:sp>
+      <p:sp>
+        <p:nvSpPr>
+          <p:cNvPr id="4" name="Slide Number Placeholder 3"/>
+          <p:cNvSpPr>
+            <a:spLocks noGrp="1"/>
+          </p:cNvSpPr>
+          <p:nvPr>
+            <p:ph type="sldNum" sz="quarter" idx="12"/>
+          </p:nvPr>
+        </p:nvSpPr>
+        <p:spPr/>
+        <p:txBody>
+          <a:bodyPr/>
+          <a:lstStyle/>
+          <a:p>
+            <a:fld id="{6DA12B36-9664-4CB0-8B2E-F4A2F44AE97E}" type="slidenum">
+              <a:rPr lang="en-US" smtClean="0"/>
+              <a:t>10</a:t>
+            </a:fld>
+            <a:endParaRPr lang="en-US"/>
+          </a:p>
+        </p:txBody>
+      </p:sp>
+      <p:pic>
+        <p:nvPicPr>
+          <p:cNvPr id="2050" name="Picture 2"/>
+          <p:cNvPicPr>
+            <a:picLocks noChangeAspect="1" noChangeArrowheads="1"/>
+          </p:cNvPicPr>
+          <p:nvPr/>
+        </p:nvPicPr>
+        <p:blipFill>
+          <a:blip r:embed="rId2">
+            <a:extLst>
+              <a:ext uri="{28A0092B-C50C-407E-A947-70E740481C1C}">
+                <a14:useLocalDpi xmlns:a14="http://schemas.microsoft.com/office/drawing/2010/main" val="0"/>
+              </a:ext>
+            </a:extLst>
+          </a:blip>
+          <a:srcRect/>
+          <a:stretch>
+            <a:fillRect/>
+          </a:stretch>
+        </p:blipFill>
+        <p:spPr bwMode="auto">
+          <a:xfrm>
+            <a:off x="762000" y="1676400"/>
+            <a:ext cx="7433140" cy="4668012"/>
+          </a:xfrm>
+          <a:prstGeom prst="rect">
+            <a:avLst/>
+          </a:prstGeom>
+          <a:noFill/>
+          <a:ln>
+            <a:noFill/>
+          </a:ln>
+          <a:extLst>
+            <a:ext uri="{909E8E84-426E-40DD-AFC4-6F175D3DCCD1}">
+              <a14:hiddenFill xmlns:a14="http://schemas.microsoft.com/office/drawing/2010/main">
+                <a:solidFill>
+                  <a:schemeClr val="accent1"/>
+                </a:solidFill>
+              </a14:hiddenFill>
+            </a:ext>
+            <a:ext uri="{91240B29-F687-4F45-9708-019B960494DF}">
+              <a14:hiddenLine xmlns:a14="http://schemas.microsoft.com/office/drawing/2010/main" w="9525">
+                <a:solidFill>
+                  <a:schemeClr val="tx1"/>
+                </a:solidFill>
+                <a:miter lim="800000"/>
+                <a:headEnd/>
+                <a:tailEnd/>
+              </a14:hiddenLine>
+            </a:ext>
+          </a:extLst>
+        </p:spPr>
+      </p:pic>
+      <p:sp>
+        <p:nvSpPr>
+          <p:cNvPr id="7" name="Footer Placeholder 6"/>
+          <p:cNvSpPr>
+            <a:spLocks noGrp="1"/>
+          </p:cNvSpPr>
+          <p:nvPr>
+            <p:ph type="ftr" sz="quarter" idx="11"/>
+          </p:nvPr>
+        </p:nvSpPr>
+        <p:spPr/>
+        <p:txBody>
+          <a:bodyPr/>
+          <a:lstStyle/>
+          <a:p>
+            <a:r>
+              <a:rPr lang="en-US" dirty="0"/>
+              <a:t>Source: </a:t>
+            </a:r>
+            <a:r>
+              <a:rPr lang="en-US" dirty="0">
+                <a:hlinkClick r:id="rId3"/>
+              </a:rPr>
+              <a:t>Intel</a:t>
+            </a:r>
+            <a:endParaRPr lang="en-US" dirty="0"/>
+          </a:p>
+        </p:txBody>
+      </p:sp>
+    </p:spTree>
+    <p:extLst>
+      <p:ext uri="{BB962C8B-B14F-4D97-AF65-F5344CB8AC3E}">
+        <p14:creationId xmlns:p14="http://schemas.microsoft.com/office/powerpoint/2010/main" val="3786292205"/>
+      </p:ext>
+    </p:extLst>
+  </p:cSld>
+  <p:clrMapOvr>
+    <a:masterClrMapping/>
+  </p:clrMapOvr>
+</p:sld>
+</file>
+
+<file path=ppt/slides/slide11.xml><?xml version="1.0" encoding="utf-8"?>
+<p:sld xmlns:a="http://schemas.openxmlformats.org/drawingml/2006/main" xmlns:r="http://schemas.openxmlformats.org/officeDocument/2006/relationships" xmlns:p="http://schemas.openxmlformats.org/presentationml/2006/main">
+  <p:cSld>
+    <p:spTree>
+      <p:nvGrpSpPr>
+        <p:cNvPr id="1" name=""/>
+        <p:cNvGrpSpPr/>
+        <p:nvPr/>
+      </p:nvGrpSpPr>
+      <p:grpSpPr>
+        <a:xfrm>
+          <a:off x="0" y="0"/>
+          <a:ext cx="0" cy="0"/>
+          <a:chOff x="0" y="0"/>
+          <a:chExt cx="0" cy="0"/>
+        </a:xfrm>
+      </p:grpSpPr>
+      <p:sp>
+        <p:nvSpPr>
+          <p:cNvPr id="2" name="Title 1"/>
+          <p:cNvSpPr>
+            <a:spLocks noGrp="1"/>
+          </p:cNvSpPr>
+          <p:nvPr>
+            <p:ph type="title"/>
+          </p:nvPr>
+        </p:nvSpPr>
+        <p:spPr/>
+        <p:txBody>
+          <a:bodyPr/>
+          <a:lstStyle/>
+          <a:p>
+            <a:r>
+              <a:rPr lang="en-US" dirty="0" smtClean="0"/>
+              <a:t>Individual Core Architecture</a:t>
+            </a:r>
+            <a:endParaRPr lang="en-US" dirty="0"/>
+          </a:p>
+        </p:txBody>
+      </p:sp>
+      <p:sp>
+        <p:nvSpPr>
+          <p:cNvPr id="4" name="Slide Number Placeholder 3"/>
+          <p:cNvSpPr>
+            <a:spLocks noGrp="1"/>
+          </p:cNvSpPr>
+          <p:nvPr>
+            <p:ph type="sldNum" sz="quarter" idx="12"/>
+          </p:nvPr>
+        </p:nvSpPr>
+        <p:spPr/>
+        <p:txBody>
+          <a:bodyPr/>
+          <a:lstStyle/>
+          <a:p>
+            <a:fld id="{6DA12B36-9664-4CB0-8B2E-F4A2F44AE97E}" type="slidenum">
+              <a:rPr lang="en-US" smtClean="0"/>
+              <a:t>11</a:t>
+            </a:fld>
+            <a:endParaRPr lang="en-US"/>
+          </a:p>
+        </p:txBody>
+      </p:sp>
+      <p:pic>
+        <p:nvPicPr>
+          <p:cNvPr id="3074" name="Picture 2"/>
+          <p:cNvPicPr>
+            <a:picLocks noChangeAspect="1" noChangeArrowheads="1"/>
+          </p:cNvPicPr>
+          <p:nvPr/>
+        </p:nvPicPr>
+        <p:blipFill>
+          <a:blip r:embed="rId2">
+            <a:extLst>
+              <a:ext uri="{28A0092B-C50C-407E-A947-70E740481C1C}">
+                <a14:useLocalDpi xmlns:a14="http://schemas.microsoft.com/office/drawing/2010/main" val="0"/>
+              </a:ext>
+            </a:extLst>
+          </a:blip>
+          <a:srcRect/>
+          <a:stretch>
+            <a:fillRect/>
+          </a:stretch>
+        </p:blipFill>
+        <p:spPr bwMode="auto">
+          <a:xfrm>
+            <a:off x="533400" y="1728788"/>
+            <a:ext cx="7951506" cy="4367212"/>
+          </a:xfrm>
+          <a:prstGeom prst="rect">
+            <a:avLst/>
+          </a:prstGeom>
+          <a:noFill/>
+          <a:ln>
+            <a:noFill/>
+          </a:ln>
+          <a:extLst>
+            <a:ext uri="{909E8E84-426E-40DD-AFC4-6F175D3DCCD1}">
+              <a14:hiddenFill xmlns:a14="http://schemas.microsoft.com/office/drawing/2010/main">
+                <a:solidFill>
+                  <a:schemeClr val="accent1"/>
+                </a:solidFill>
+              </a14:hiddenFill>
+            </a:ext>
+            <a:ext uri="{91240B29-F687-4F45-9708-019B960494DF}">
+              <a14:hiddenLine xmlns:a14="http://schemas.microsoft.com/office/drawing/2010/main" w="9525">
+                <a:solidFill>
+                  <a:schemeClr val="tx1"/>
+                </a:solidFill>
+                <a:miter lim="800000"/>
+                <a:headEnd/>
+                <a:tailEnd/>
+              </a14:hiddenLine>
+            </a:ext>
+          </a:extLst>
+        </p:spPr>
+      </p:pic>
+      <p:sp>
+        <p:nvSpPr>
+          <p:cNvPr id="5" name="Footer Placeholder 4"/>
+          <p:cNvSpPr>
+            <a:spLocks noGrp="1"/>
+          </p:cNvSpPr>
+          <p:nvPr>
+            <p:ph type="ftr" sz="quarter" idx="11"/>
+          </p:nvPr>
+        </p:nvSpPr>
+        <p:spPr/>
+        <p:txBody>
+          <a:bodyPr/>
+          <a:lstStyle/>
+          <a:p>
+            <a:r>
+              <a:rPr lang="en-US" dirty="0"/>
+              <a:t>Source: </a:t>
+            </a:r>
+            <a:r>
+              <a:rPr lang="en-US" dirty="0">
+                <a:hlinkClick r:id="rId3"/>
+              </a:rPr>
+              <a:t>Intel</a:t>
+            </a:r>
+            <a:endParaRPr lang="en-US" dirty="0"/>
+          </a:p>
+        </p:txBody>
+      </p:sp>
+    </p:spTree>
+    <p:extLst>
+      <p:ext uri="{BB962C8B-B14F-4D97-AF65-F5344CB8AC3E}">
+        <p14:creationId xmlns:p14="http://schemas.microsoft.com/office/powerpoint/2010/main" val="2433174994"/>
+      </p:ext>
+    </p:extLst>
+  </p:cSld>
+  <p:clrMapOvr>
+    <a:masterClrMapping/>
+  </p:clrMapOvr>
+</p:sld>
+</file>
+
+<file path=ppt/slides/slide12.xml><?xml version="1.0" encoding="utf-8"?>
+<p:sld xmlns:a="http://schemas.openxmlformats.org/drawingml/2006/main" xmlns:r="http://schemas.openxmlformats.org/officeDocument/2006/relationships" xmlns:p="http://schemas.openxmlformats.org/presentationml/2006/main">
+  <p:cSld>
+    <p:spTree>
+      <p:nvGrpSpPr>
+        <p:cNvPr id="1" name=""/>
+        <p:cNvGrpSpPr/>
+        <p:nvPr/>
+      </p:nvGrpSpPr>
+      <p:grpSpPr>
+        <a:xfrm>
+          <a:off x="0" y="0"/>
+          <a:ext cx="0" cy="0"/>
+          <a:chOff x="0" y="0"/>
+          <a:chExt cx="0" cy="0"/>
+        </a:xfrm>
+      </p:grpSpPr>
+      <p:sp>
+        <p:nvSpPr>
+          <p:cNvPr id="2" name="Title 1"/>
+          <p:cNvSpPr>
+            <a:spLocks noGrp="1"/>
+          </p:cNvSpPr>
+          <p:nvPr>
+            <p:ph type="title"/>
+          </p:nvPr>
+        </p:nvSpPr>
+        <p:spPr/>
+        <p:txBody>
+          <a:bodyPr/>
+          <a:lstStyle/>
+          <a:p>
+            <a:r>
+              <a:rPr lang="en-US" dirty="0" smtClean="0"/>
+              <a:t>Vector Processing Unit</a:t>
+            </a:r>
+            <a:endParaRPr lang="en-US" dirty="0"/>
+          </a:p>
+        </p:txBody>
+      </p:sp>
+      <p:sp>
+        <p:nvSpPr>
+          <p:cNvPr id="4" name="Slide Number Placeholder 3"/>
+          <p:cNvSpPr>
+            <a:spLocks noGrp="1"/>
+          </p:cNvSpPr>
+          <p:nvPr>
+            <p:ph type="sldNum" sz="quarter" idx="12"/>
+          </p:nvPr>
+        </p:nvSpPr>
+        <p:spPr/>
+        <p:txBody>
+          <a:bodyPr/>
+          <a:lstStyle/>
+          <a:p>
+            <a:fld id="{6DA12B36-9664-4CB0-8B2E-F4A2F44AE97E}" type="slidenum">
+              <a:rPr lang="en-US" smtClean="0"/>
+              <a:t>12</a:t>
+            </a:fld>
+            <a:endParaRPr lang="en-US"/>
+          </a:p>
+        </p:txBody>
+      </p:sp>
+      <p:pic>
+        <p:nvPicPr>
+          <p:cNvPr id="4098" name="Picture 2"/>
+          <p:cNvPicPr>
+            <a:picLocks noChangeAspect="1" noChangeArrowheads="1"/>
+          </p:cNvPicPr>
+          <p:nvPr/>
+        </p:nvPicPr>
+        <p:blipFill>
+          <a:blip r:embed="rId2">
+            <a:extLst>
+              <a:ext uri="{28A0092B-C50C-407E-A947-70E740481C1C}">
+                <a14:useLocalDpi xmlns:a14="http://schemas.microsoft.com/office/drawing/2010/main" val="0"/>
+              </a:ext>
+            </a:extLst>
+          </a:blip>
+          <a:srcRect/>
+          <a:stretch>
+            <a:fillRect/>
+          </a:stretch>
+        </p:blipFill>
+        <p:spPr bwMode="auto">
+          <a:xfrm>
+            <a:off x="92869" y="1676400"/>
+            <a:ext cx="8822531" cy="4343400"/>
+          </a:xfrm>
+          <a:prstGeom prst="rect">
+            <a:avLst/>
+          </a:prstGeom>
+          <a:noFill/>
+          <a:ln>
+            <a:noFill/>
+          </a:ln>
+          <a:extLst>
+            <a:ext uri="{909E8E84-426E-40DD-AFC4-6F175D3DCCD1}">
+              <a14:hiddenFill xmlns:a14="http://schemas.microsoft.com/office/drawing/2010/main">
+                <a:solidFill>
+                  <a:schemeClr val="accent1"/>
+                </a:solidFill>
+              </a14:hiddenFill>
+            </a:ext>
+            <a:ext uri="{91240B29-F687-4F45-9708-019B960494DF}">
+              <a14:hiddenLine xmlns:a14="http://schemas.microsoft.com/office/drawing/2010/main" w="9525">
+                <a:solidFill>
+                  <a:schemeClr val="tx1"/>
+                </a:solidFill>
+                <a:miter lim="800000"/>
+                <a:headEnd/>
+                <a:tailEnd/>
+              </a14:hiddenLine>
+            </a:ext>
+          </a:extLst>
+        </p:spPr>
+      </p:pic>
+      <p:sp>
+        <p:nvSpPr>
+          <p:cNvPr id="5" name="Footer Placeholder 4"/>
+          <p:cNvSpPr>
+            <a:spLocks noGrp="1"/>
+          </p:cNvSpPr>
+          <p:nvPr>
+            <p:ph type="ftr" sz="quarter" idx="11"/>
+          </p:nvPr>
+        </p:nvSpPr>
+        <p:spPr/>
+        <p:txBody>
+          <a:bodyPr/>
+          <a:lstStyle/>
+          <a:p>
+            <a:r>
+              <a:rPr lang="en-US" dirty="0"/>
+              <a:t>Source: </a:t>
+            </a:r>
+            <a:r>
+              <a:rPr lang="en-US" dirty="0">
+                <a:hlinkClick r:id="rId3"/>
+              </a:rPr>
+              <a:t>Intel</a:t>
+            </a:r>
+            <a:endParaRPr lang="en-US" dirty="0"/>
+          </a:p>
+        </p:txBody>
+      </p:sp>
+    </p:spTree>
+    <p:extLst>
+      <p:ext uri="{BB962C8B-B14F-4D97-AF65-F5344CB8AC3E}">
+        <p14:creationId xmlns:p14="http://schemas.microsoft.com/office/powerpoint/2010/main" val="3676249053"/>
+      </p:ext>
+    </p:extLst>
+  </p:cSld>
+  <p:clrMapOvr>
+    <a:masterClrMapping/>
+  </p:clrMapOvr>
+</p:sld>
+</file>
+
+<file path=ppt/slides/slide13.xml><?xml version="1.0" encoding="utf-8"?>
+<p:sld xmlns:a="http://schemas.openxmlformats.org/drawingml/2006/main" xmlns:r="http://schemas.openxmlformats.org/officeDocument/2006/relationships" xmlns:p="http://schemas.openxmlformats.org/presentationml/2006/main">
+  <p:cSld>
+    <p:spTree>
+      <p:nvGrpSpPr>
+        <p:cNvPr id="1" name=""/>
+        <p:cNvGrpSpPr/>
+        <p:nvPr/>
+      </p:nvGrpSpPr>
+      <p:grpSpPr>
+        <a:xfrm>
+          <a:off x="0" y="0"/>
+          <a:ext cx="0" cy="0"/>
+          <a:chOff x="0" y="0"/>
+          <a:chExt cx="0" cy="0"/>
+        </a:xfrm>
+      </p:grpSpPr>
+      <p:sp>
+        <p:nvSpPr>
+          <p:cNvPr id="2" name="Title 1"/>
+          <p:cNvSpPr>
+            <a:spLocks noGrp="1"/>
+          </p:cNvSpPr>
+          <p:nvPr>
+            <p:ph type="title"/>
+          </p:nvPr>
+        </p:nvSpPr>
+        <p:spPr/>
+        <p:txBody>
+          <a:bodyPr/>
+          <a:lstStyle/>
+          <a:p>
+            <a:r>
+              <a:rPr lang="en-US" dirty="0" smtClean="0"/>
+              <a:t>Programming for the Xeon Phi</a:t>
+            </a:r>
+            <a:endParaRPr lang="en-US" dirty="0"/>
+          </a:p>
+        </p:txBody>
+      </p:sp>
+      <p:sp>
+        <p:nvSpPr>
+          <p:cNvPr id="3" name="Content Placeholder 2"/>
+          <p:cNvSpPr>
+            <a:spLocks noGrp="1"/>
+          </p:cNvSpPr>
+          <p:nvPr>
+            <p:ph idx="1"/>
+          </p:nvPr>
+        </p:nvSpPr>
+        <p:spPr/>
+        <p:txBody>
+          <a:bodyPr/>
+          <a:lstStyle/>
+          <a:p>
+            <a:r>
+              <a:rPr lang="en-US" dirty="0" smtClean="0"/>
+              <a:t>Like other GPUs, Xeon Phi supports an offload model.</a:t>
+            </a:r>
+          </a:p>
+          <a:p>
+            <a:pPr marL="800100" lvl="1" indent="-342900"/>
+            <a:r>
+              <a:rPr lang="en-US" dirty="0" smtClean="0"/>
+              <a:t>Using the Intel C++ compiler, special directives can be added to code.</a:t>
+            </a:r>
+          </a:p>
+          <a:p>
+            <a:pPr marL="800100" lvl="1" indent="-342900"/>
+            <a:r>
+              <a:rPr lang="en-US" dirty="0" smtClean="0"/>
+              <a:t>Also supports </a:t>
+            </a:r>
+            <a:r>
+              <a:rPr lang="en-US" i="1" dirty="0" smtClean="0"/>
+              <a:t>native compilation</a:t>
+            </a:r>
+            <a:endParaRPr lang="en-US" dirty="0" smtClean="0"/>
+          </a:p>
+          <a:p>
+            <a:pPr marL="1485900" lvl="2" indent="-342900"/>
+            <a:r>
+              <a:rPr lang="en-US" dirty="0" smtClean="0"/>
+              <a:t>Compile an entire executable to run only on the Xeon Phi</a:t>
+            </a:r>
+          </a:p>
+          <a:p>
+            <a:pPr marL="1485900" lvl="2" indent="-342900"/>
+            <a:r>
+              <a:rPr lang="en-US" dirty="0" smtClean="0"/>
+              <a:t>No special directives</a:t>
+            </a:r>
+          </a:p>
+          <a:p>
+            <a:pPr marL="1485900" lvl="2" indent="-342900"/>
+            <a:r>
+              <a:rPr lang="en-US" dirty="0" smtClean="0"/>
+              <a:t>Concurrency support for</a:t>
+            </a:r>
+          </a:p>
+          <a:p>
+            <a:pPr marL="1943100" lvl="3" indent="-342900"/>
+            <a:r>
+              <a:rPr lang="en-US" dirty="0" smtClean="0"/>
+              <a:t>Intel MPI</a:t>
+            </a:r>
+          </a:p>
+          <a:p>
+            <a:pPr marL="1943100" lvl="3" indent="-342900"/>
+            <a:r>
+              <a:rPr lang="en-US" dirty="0" smtClean="0"/>
+              <a:t>Open MP</a:t>
+            </a:r>
+          </a:p>
+          <a:p>
+            <a:pPr marL="1943100" lvl="3" indent="-342900"/>
+            <a:r>
+              <a:rPr lang="en-US" dirty="0" smtClean="0"/>
+              <a:t>Intel </a:t>
+            </a:r>
+            <a:r>
+              <a:rPr lang="en-US" dirty="0" err="1" smtClean="0"/>
+              <a:t>Cilk</a:t>
+            </a:r>
+            <a:r>
+              <a:rPr lang="en-US" dirty="0" smtClean="0"/>
+              <a:t> Plus extensions</a:t>
+            </a:r>
+          </a:p>
+          <a:p>
+            <a:pPr marL="1943100" lvl="3" indent="-342900"/>
+            <a:r>
+              <a:rPr lang="en-US" dirty="0" smtClean="0"/>
+              <a:t>Intel Threading Build Blocks</a:t>
+            </a:r>
+          </a:p>
+          <a:p>
+            <a:pPr marL="800100" lvl="1" indent="-342900"/>
+            <a:r>
+              <a:rPr lang="en-US" dirty="0" smtClean="0"/>
+              <a:t>Let’s look at an example</a:t>
+            </a:r>
+            <a:endParaRPr lang="en-US" dirty="0"/>
+          </a:p>
+        </p:txBody>
+      </p:sp>
+      <p:sp>
+        <p:nvSpPr>
+          <p:cNvPr id="4" name="Slide Number Placeholder 3"/>
+          <p:cNvSpPr>
+            <a:spLocks noGrp="1"/>
+          </p:cNvSpPr>
+          <p:nvPr>
+            <p:ph type="sldNum" sz="quarter" idx="12"/>
+          </p:nvPr>
+        </p:nvSpPr>
+        <p:spPr/>
+        <p:txBody>
+          <a:bodyPr/>
+          <a:lstStyle/>
+          <a:p>
+            <a:fld id="{6DA12B36-9664-4CB0-8B2E-F4A2F44AE97E}" type="slidenum">
+              <a:rPr lang="en-US" smtClean="0"/>
+              <a:t>13</a:t>
+            </a:fld>
+            <a:endParaRPr lang="en-US"/>
+          </a:p>
+        </p:txBody>
+      </p:sp>
+    </p:spTree>
+    <p:extLst>
+      <p:ext uri="{BB962C8B-B14F-4D97-AF65-F5344CB8AC3E}">
+        <p14:creationId xmlns:p14="http://schemas.microsoft.com/office/powerpoint/2010/main" val="2722109450"/>
+      </p:ext>
+    </p:extLst>
+  </p:cSld>
+  <p:clrMapOvr>
+    <a:masterClrMapping/>
+  </p:clrMapOvr>
+</p:sld>
+</file>
+
+<file path=ppt/slides/slide14.xml><?xml version="1.0" encoding="utf-8"?>
+<p:sld xmlns:a="http://schemas.openxmlformats.org/drawingml/2006/main" xmlns:r="http://schemas.openxmlformats.org/officeDocument/2006/relationships" xmlns:p="http://schemas.openxmlformats.org/presentationml/2006/main">
+  <p:cSld>
+    <p:spTree>
+      <p:nvGrpSpPr>
+        <p:cNvPr id="1" name=""/>
+        <p:cNvGrpSpPr/>
+        <p:nvPr/>
+      </p:nvGrpSpPr>
+      <p:grpSpPr>
+        <a:xfrm>
+          <a:off x="0" y="0"/>
+          <a:ext cx="0" cy="0"/>
+          <a:chOff x="0" y="0"/>
+          <a:chExt cx="0" cy="0"/>
+        </a:xfrm>
+      </p:grpSpPr>
+      <p:sp>
+        <p:nvSpPr>
+          <p:cNvPr id="2" name="Title 1"/>
+          <p:cNvSpPr>
+            <a:spLocks noGrp="1"/>
+          </p:cNvSpPr>
+          <p:nvPr>
+            <p:ph type="title"/>
+          </p:nvPr>
+        </p:nvSpPr>
+        <p:spPr/>
+        <p:txBody>
+          <a:bodyPr/>
+          <a:lstStyle/>
+          <a:p>
+            <a:r>
+              <a:rPr lang="en-US" dirty="0" smtClean="0"/>
+              <a:t>Digression: Nash solutions</a:t>
+            </a:r>
+            <a:endParaRPr lang="en-US" dirty="0"/>
+          </a:p>
+        </p:txBody>
+      </p:sp>
+      <p:sp>
+        <p:nvSpPr>
+          <p:cNvPr id="3" name="Content Placeholder 2"/>
+          <p:cNvSpPr>
+            <a:spLocks noGrp="1"/>
+          </p:cNvSpPr>
+          <p:nvPr>
+            <p:ph idx="1"/>
+          </p:nvPr>
+        </p:nvSpPr>
+        <p:spPr/>
+        <p:txBody>
+          <a:bodyPr/>
+          <a:lstStyle/>
+          <a:p>
+            <a:r>
+              <a:rPr lang="en-US" dirty="0" smtClean="0"/>
+              <a:t>The algorithm and we will explore categorizes Nash solutions.</a:t>
+            </a:r>
+          </a:p>
+          <a:p>
+            <a:pPr marL="800100" lvl="1" indent="-342900"/>
+            <a:r>
+              <a:rPr lang="en-US" dirty="0" smtClean="0"/>
+              <a:t>Embarrassingly parallel</a:t>
+            </a:r>
+          </a:p>
+          <a:p>
+            <a:pPr marL="800100" lvl="1" indent="-342900"/>
+            <a:r>
+              <a:rPr lang="en-US" dirty="0" smtClean="0"/>
+              <a:t>Processor-bound</a:t>
+            </a:r>
+          </a:p>
+          <a:p>
+            <a:pPr marL="800100" lvl="1" indent="-342900"/>
+            <a:r>
+              <a:rPr lang="en-US" dirty="0" smtClean="0"/>
+              <a:t>Does not do floating point calculations</a:t>
+            </a:r>
+          </a:p>
+          <a:p>
+            <a:pPr marL="800100" lvl="1" indent="-342900"/>
+            <a:r>
+              <a:rPr lang="en-US" dirty="0" smtClean="0"/>
+              <a:t>Implemented using Threading </a:t>
+            </a:r>
+            <a:r>
+              <a:rPr lang="en-US" dirty="0"/>
+              <a:t>B</a:t>
+            </a:r>
+            <a:r>
+              <a:rPr lang="en-US" dirty="0" smtClean="0"/>
+              <a:t>uilding </a:t>
+            </a:r>
+            <a:r>
+              <a:rPr lang="en-US" dirty="0"/>
+              <a:t>B</a:t>
+            </a:r>
+            <a:r>
+              <a:rPr lang="en-US" dirty="0" smtClean="0"/>
+              <a:t>locks</a:t>
+            </a:r>
+          </a:p>
+          <a:p>
+            <a:pPr marL="800100" lvl="1" indent="-342900"/>
+            <a:endParaRPr lang="en-US" dirty="0"/>
+          </a:p>
+        </p:txBody>
+      </p:sp>
+      <p:sp>
+        <p:nvSpPr>
+          <p:cNvPr id="4" name="Slide Number Placeholder 3"/>
+          <p:cNvSpPr>
+            <a:spLocks noGrp="1"/>
+          </p:cNvSpPr>
+          <p:nvPr>
+            <p:ph type="sldNum" sz="quarter" idx="12"/>
+          </p:nvPr>
+        </p:nvSpPr>
+        <p:spPr/>
+        <p:txBody>
+          <a:bodyPr/>
+          <a:lstStyle/>
+          <a:p>
+            <a:fld id="{6DA12B36-9664-4CB0-8B2E-F4A2F44AE97E}" type="slidenum">
+              <a:rPr lang="en-US" smtClean="0"/>
+              <a:t>14</a:t>
+            </a:fld>
+            <a:endParaRPr lang="en-US"/>
+          </a:p>
+        </p:txBody>
+      </p:sp>
+    </p:spTree>
+    <p:extLst>
+      <p:ext uri="{BB962C8B-B14F-4D97-AF65-F5344CB8AC3E}">
+        <p14:creationId xmlns:p14="http://schemas.microsoft.com/office/powerpoint/2010/main" val="3367586106"/>
+      </p:ext>
+    </p:extLst>
+  </p:cSld>
+  <p:clrMapOvr>
+    <a:masterClrMapping/>
+  </p:clrMapOvr>
+</p:sld>
+</file>
+
+<file path=ppt/slides/slide15.xml><?xml version="1.0" encoding="utf-8"?>
+<p:sld xmlns:a="http://schemas.openxmlformats.org/drawingml/2006/main" xmlns:r="http://schemas.openxmlformats.org/officeDocument/2006/relationships" xmlns:p="http://schemas.openxmlformats.org/presentationml/2006/main">
+  <p:cSld>
+    <p:spTree>
+      <p:nvGrpSpPr>
+        <p:cNvPr id="1" name=""/>
+        <p:cNvGrpSpPr/>
+        <p:nvPr/>
+      </p:nvGrpSpPr>
+      <p:grpSpPr>
+        <a:xfrm>
+          <a:off x="0" y="0"/>
+          <a:ext cx="0" cy="0"/>
+          <a:chOff x="0" y="0"/>
+          <a:chExt cx="0" cy="0"/>
+        </a:xfrm>
+      </p:grpSpPr>
+      <p:sp>
+        <p:nvSpPr>
+          <p:cNvPr id="2" name="Title 1"/>
+          <p:cNvSpPr>
+            <a:spLocks noGrp="1"/>
+          </p:cNvSpPr>
+          <p:nvPr>
+            <p:ph type="title"/>
+          </p:nvPr>
+        </p:nvSpPr>
+        <p:spPr/>
+        <p:txBody>
+          <a:bodyPr/>
+          <a:lstStyle/>
+          <a:p>
+            <a:r>
+              <a:rPr lang="en-US" dirty="0" smtClean="0"/>
+              <a:t>Nash algorithm (6x6) on Xeon Data</a:t>
+            </a:r>
+            <a:endParaRPr lang="en-US" dirty="0"/>
+          </a:p>
+        </p:txBody>
+      </p:sp>
+      <p:graphicFrame>
+        <p:nvGraphicFramePr>
+          <p:cNvPr id="8" name="Content Placeholder 7"/>
+          <p:cNvGraphicFramePr>
+            <a:graphicFrameLocks noGrp="1"/>
+          </p:cNvGraphicFramePr>
+          <p:nvPr>
+            <p:ph idx="1"/>
+            <p:extLst>
+              <p:ext uri="{D42A27DB-BD31-4B8C-83A1-F6EECF244321}">
+                <p14:modId xmlns:p14="http://schemas.microsoft.com/office/powerpoint/2010/main" val="1616949080"/>
+              </p:ext>
+            </p:extLst>
+          </p:nvPr>
+        </p:nvGraphicFramePr>
+        <p:xfrm>
+          <a:off x="457200" y="1752600"/>
+          <a:ext cx="7620000" cy="4820920"/>
+        </p:xfrm>
+        <a:graphic>
+          <a:graphicData uri="http://schemas.openxmlformats.org/drawingml/2006/table">
+            <a:tbl>
+              <a:tblPr firstRow="1" bandRow="1">
+                <a:tableStyleId>{5C22544A-7EE6-4342-B048-85BDC9FD1C3A}</a:tableStyleId>
+              </a:tblPr>
+              <a:tblGrid>
+                <a:gridCol w="2540000"/>
+                <a:gridCol w="2540000"/>
+                <a:gridCol w="2540000"/>
+              </a:tblGrid>
+              <a:tr h="370840">
+                <a:tc>
+                  <a:txBody>
+                    <a:bodyPr/>
+                    <a:lstStyle/>
+                    <a:p>
+                      <a:pPr algn="l" rtl="0" fontAlgn="b"/>
+                      <a:r>
+                        <a:rPr lang="en-US" dirty="0">
+                          <a:solidFill>
+                            <a:srgbClr val="000000"/>
+                          </a:solidFill>
+                          <a:effectLst/>
+                        </a:rPr>
+                        <a:t>Number of Threads</a:t>
+                      </a:r>
+                    </a:p>
+                  </a:txBody>
+                  <a:tcPr marL="28575" marR="28575" marT="0" marB="0" anchor="b"/>
+                </a:tc>
+                <a:tc>
+                  <a:txBody>
+                    <a:bodyPr/>
+                    <a:lstStyle/>
+                    <a:p>
+                      <a:pPr algn="l" rtl="0" fontAlgn="b"/>
+                      <a:r>
+                        <a:rPr lang="en-US">
+                          <a:solidFill>
+                            <a:srgbClr val="000000"/>
+                          </a:solidFill>
+                          <a:effectLst/>
+                        </a:rPr>
+                        <a:t>Actual Run Time</a:t>
+                      </a:r>
+                    </a:p>
+                  </a:txBody>
+                  <a:tcPr marL="28575" marR="28575" marT="0" marB="0" anchor="b"/>
+                </a:tc>
+                <a:tc>
+                  <a:txBody>
+                    <a:bodyPr/>
+                    <a:lstStyle/>
+                    <a:p>
+                      <a:pPr algn="l" rtl="0" fontAlgn="b"/>
+                      <a:r>
+                        <a:rPr lang="en-US" dirty="0">
+                          <a:solidFill>
+                            <a:srgbClr val="000000"/>
+                          </a:solidFill>
+                          <a:effectLst/>
+                        </a:rPr>
+                        <a:t>Linear </a:t>
+                      </a:r>
+                      <a:r>
+                        <a:rPr lang="en-US" dirty="0" smtClean="0">
+                          <a:solidFill>
+                            <a:srgbClr val="000000"/>
+                          </a:solidFill>
+                          <a:effectLst/>
+                        </a:rPr>
+                        <a:t>Scalability</a:t>
+                      </a:r>
+                      <a:endParaRPr lang="en-US" dirty="0">
+                        <a:solidFill>
+                          <a:srgbClr val="000000"/>
+                        </a:solidFill>
+                        <a:effectLst/>
+                      </a:endParaRPr>
+                    </a:p>
+                  </a:txBody>
+                  <a:tcPr marL="28575" marR="28575" marT="0" marB="0" anchor="b"/>
+                </a:tc>
+              </a:tr>
+              <a:tr h="370840">
+                <a:tc>
+                  <a:txBody>
+                    <a:bodyPr/>
+                    <a:lstStyle/>
+                    <a:p>
+                      <a:pPr algn="r" rtl="0" fontAlgn="b"/>
+                      <a:r>
+                        <a:rPr lang="en-US">
+                          <a:solidFill>
+                            <a:srgbClr val="000000"/>
+                          </a:solidFill>
+                          <a:effectLst/>
+                        </a:rPr>
+                        <a:t>1</a:t>
+                      </a:r>
+                    </a:p>
+                  </a:txBody>
+                  <a:tcPr marL="28575" marR="28575" marT="0" marB="0" anchor="b"/>
+                </a:tc>
+                <a:tc>
+                  <a:txBody>
+                    <a:bodyPr/>
+                    <a:lstStyle/>
+                    <a:p>
+                      <a:pPr algn="r" rtl="0" fontAlgn="b"/>
+                      <a:r>
+                        <a:rPr lang="en-US">
+                          <a:solidFill>
+                            <a:srgbClr val="000000"/>
+                          </a:solidFill>
+                          <a:effectLst/>
+                        </a:rPr>
+                        <a:t>668.07</a:t>
+                      </a:r>
+                    </a:p>
+                  </a:txBody>
+                  <a:tcPr marL="28575" marR="28575" marT="0" marB="0" anchor="b"/>
+                </a:tc>
+                <a:tc>
+                  <a:txBody>
+                    <a:bodyPr/>
+                    <a:lstStyle/>
+                    <a:p>
+                      <a:pPr algn="r" rtl="0" fontAlgn="b"/>
+                      <a:r>
+                        <a:rPr lang="en-US">
+                          <a:solidFill>
+                            <a:srgbClr val="000000"/>
+                          </a:solidFill>
+                          <a:effectLst/>
+                        </a:rPr>
+                        <a:t>668.07</a:t>
+                      </a:r>
+                    </a:p>
+                  </a:txBody>
+                  <a:tcPr marL="28575" marR="28575" marT="0" marB="0" anchor="b"/>
+                </a:tc>
+              </a:tr>
+              <a:tr h="370840">
+                <a:tc>
+                  <a:txBody>
+                    <a:bodyPr/>
+                    <a:lstStyle/>
+                    <a:p>
+                      <a:pPr algn="r" rtl="0" fontAlgn="b"/>
+                      <a:r>
+                        <a:rPr lang="en-US">
+                          <a:solidFill>
+                            <a:srgbClr val="000000"/>
+                          </a:solidFill>
+                          <a:effectLst/>
+                        </a:rPr>
+                        <a:t>2</a:t>
+                      </a:r>
+                    </a:p>
+                  </a:txBody>
+                  <a:tcPr marL="28575" marR="28575" marT="0" marB="0" anchor="b"/>
+                </a:tc>
+                <a:tc>
+                  <a:txBody>
+                    <a:bodyPr/>
+                    <a:lstStyle/>
+                    <a:p>
+                      <a:pPr algn="r" rtl="0" fontAlgn="b"/>
+                      <a:r>
+                        <a:rPr lang="en-US">
+                          <a:solidFill>
+                            <a:srgbClr val="000000"/>
+                          </a:solidFill>
+                          <a:effectLst/>
+                        </a:rPr>
+                        <a:t>341.61</a:t>
+                      </a:r>
+                    </a:p>
+                  </a:txBody>
+                  <a:tcPr marL="28575" marR="28575" marT="0" marB="0" anchor="b"/>
+                </a:tc>
+                <a:tc>
+                  <a:txBody>
+                    <a:bodyPr/>
+                    <a:lstStyle/>
+                    <a:p>
+                      <a:pPr algn="r" rtl="0" fontAlgn="b"/>
+                      <a:r>
+                        <a:rPr lang="en-US">
+                          <a:solidFill>
+                            <a:srgbClr val="000000"/>
+                          </a:solidFill>
+                          <a:effectLst/>
+                        </a:rPr>
+                        <a:t>334.04</a:t>
+                      </a:r>
+                    </a:p>
+                  </a:txBody>
+                  <a:tcPr marL="28575" marR="28575" marT="0" marB="0" anchor="b"/>
+                </a:tc>
+              </a:tr>
+              <a:tr h="370840">
+                <a:tc>
+                  <a:txBody>
+                    <a:bodyPr/>
+                    <a:lstStyle/>
+                    <a:p>
+                      <a:pPr algn="r" rtl="0" fontAlgn="b"/>
+                      <a:r>
+                        <a:rPr lang="en-US">
+                          <a:solidFill>
+                            <a:srgbClr val="000000"/>
+                          </a:solidFill>
+                          <a:effectLst/>
+                        </a:rPr>
+                        <a:t>3</a:t>
+                      </a:r>
+                    </a:p>
+                  </a:txBody>
+                  <a:tcPr marL="28575" marR="28575" marT="0" marB="0" anchor="b"/>
+                </a:tc>
+                <a:tc>
+                  <a:txBody>
+                    <a:bodyPr/>
+                    <a:lstStyle/>
+                    <a:p>
+                      <a:pPr algn="r" rtl="0" fontAlgn="b"/>
+                      <a:r>
+                        <a:rPr lang="en-US">
+                          <a:solidFill>
+                            <a:srgbClr val="000000"/>
+                          </a:solidFill>
+                          <a:effectLst/>
+                        </a:rPr>
+                        <a:t>232.12</a:t>
+                      </a:r>
+                    </a:p>
+                  </a:txBody>
+                  <a:tcPr marL="28575" marR="28575" marT="0" marB="0" anchor="b"/>
+                </a:tc>
+                <a:tc>
+                  <a:txBody>
+                    <a:bodyPr/>
+                    <a:lstStyle/>
+                    <a:p>
+                      <a:pPr algn="r" rtl="0" fontAlgn="b"/>
+                      <a:r>
+                        <a:rPr lang="en-US">
+                          <a:solidFill>
+                            <a:srgbClr val="000000"/>
+                          </a:solidFill>
+                          <a:effectLst/>
+                        </a:rPr>
+                        <a:t>222.69</a:t>
+                      </a:r>
+                    </a:p>
+                  </a:txBody>
+                  <a:tcPr marL="28575" marR="28575" marT="0" marB="0" anchor="b"/>
+                </a:tc>
+              </a:tr>
+              <a:tr h="370840">
+                <a:tc>
+                  <a:txBody>
+                    <a:bodyPr/>
+                    <a:lstStyle/>
+                    <a:p>
+                      <a:pPr algn="r" rtl="0" fontAlgn="b"/>
+                      <a:r>
+                        <a:rPr lang="en-US">
+                          <a:solidFill>
+                            <a:srgbClr val="000000"/>
+                          </a:solidFill>
+                          <a:effectLst/>
+                        </a:rPr>
+                        <a:t>4</a:t>
+                      </a:r>
+                    </a:p>
+                  </a:txBody>
+                  <a:tcPr marL="28575" marR="28575" marT="0" marB="0" anchor="b"/>
+                </a:tc>
+                <a:tc>
+                  <a:txBody>
+                    <a:bodyPr/>
+                    <a:lstStyle/>
+                    <a:p>
+                      <a:pPr algn="r" rtl="0" fontAlgn="b"/>
+                      <a:r>
+                        <a:rPr lang="en-US">
+                          <a:solidFill>
+                            <a:srgbClr val="000000"/>
+                          </a:solidFill>
+                          <a:effectLst/>
+                        </a:rPr>
+                        <a:t>174.99</a:t>
+                      </a:r>
+                    </a:p>
+                  </a:txBody>
+                  <a:tcPr marL="28575" marR="28575" marT="0" marB="0" anchor="b"/>
+                </a:tc>
+                <a:tc>
+                  <a:txBody>
+                    <a:bodyPr/>
+                    <a:lstStyle/>
+                    <a:p>
+                      <a:pPr algn="r" rtl="0" fontAlgn="b"/>
+                      <a:r>
+                        <a:rPr lang="en-US">
+                          <a:solidFill>
+                            <a:srgbClr val="000000"/>
+                          </a:solidFill>
+                          <a:effectLst/>
+                        </a:rPr>
+                        <a:t>167.02</a:t>
+                      </a:r>
+                    </a:p>
+                  </a:txBody>
+                  <a:tcPr marL="28575" marR="28575" marT="0" marB="0" anchor="b"/>
+                </a:tc>
+              </a:tr>
+              <a:tr h="370840">
+                <a:tc>
+                  <a:txBody>
+                    <a:bodyPr/>
+                    <a:lstStyle/>
+                    <a:p>
+                      <a:pPr algn="r" rtl="0" fontAlgn="b"/>
+                      <a:r>
+                        <a:rPr lang="en-US">
+                          <a:solidFill>
+                            <a:srgbClr val="000000"/>
+                          </a:solidFill>
+                          <a:effectLst/>
+                        </a:rPr>
+                        <a:t>5</a:t>
+                      </a:r>
+                    </a:p>
+                  </a:txBody>
+                  <a:tcPr marL="28575" marR="28575" marT="0" marB="0" anchor="b"/>
+                </a:tc>
+                <a:tc>
+                  <a:txBody>
+                    <a:bodyPr/>
+                    <a:lstStyle/>
+                    <a:p>
+                      <a:pPr algn="r" rtl="0" fontAlgn="b"/>
+                      <a:r>
+                        <a:rPr lang="en-US">
+                          <a:solidFill>
+                            <a:srgbClr val="000000"/>
+                          </a:solidFill>
+                          <a:effectLst/>
+                        </a:rPr>
+                        <a:t>139.35</a:t>
+                      </a:r>
+                    </a:p>
+                  </a:txBody>
+                  <a:tcPr marL="28575" marR="28575" marT="0" marB="0" anchor="b"/>
+                </a:tc>
+                <a:tc>
+                  <a:txBody>
+                    <a:bodyPr/>
+                    <a:lstStyle/>
+                    <a:p>
+                      <a:pPr algn="r" rtl="0" fontAlgn="b"/>
+                      <a:r>
+                        <a:rPr lang="en-US">
+                          <a:solidFill>
+                            <a:srgbClr val="000000"/>
+                          </a:solidFill>
+                          <a:effectLst/>
+                        </a:rPr>
+                        <a:t>133.61</a:t>
+                      </a:r>
+                    </a:p>
+                  </a:txBody>
+                  <a:tcPr marL="28575" marR="28575" marT="0" marB="0" anchor="b"/>
+                </a:tc>
+              </a:tr>
+              <a:tr h="370840">
+                <a:tc>
+                  <a:txBody>
+                    <a:bodyPr/>
+                    <a:lstStyle/>
+                    <a:p>
+                      <a:pPr algn="r" rtl="0" fontAlgn="b"/>
+                      <a:r>
+                        <a:rPr lang="en-US">
+                          <a:solidFill>
+                            <a:srgbClr val="000000"/>
+                          </a:solidFill>
+                          <a:effectLst/>
+                        </a:rPr>
+                        <a:t>6</a:t>
+                      </a:r>
+                    </a:p>
+                  </a:txBody>
+                  <a:tcPr marL="28575" marR="28575" marT="0" marB="0" anchor="b"/>
+                </a:tc>
+                <a:tc>
+                  <a:txBody>
+                    <a:bodyPr/>
+                    <a:lstStyle/>
+                    <a:p>
+                      <a:pPr algn="r" rtl="0" fontAlgn="b"/>
+                      <a:r>
+                        <a:rPr lang="en-US">
+                          <a:solidFill>
+                            <a:srgbClr val="000000"/>
+                          </a:solidFill>
+                          <a:effectLst/>
+                        </a:rPr>
+                        <a:t>116.44</a:t>
+                      </a:r>
+                    </a:p>
+                  </a:txBody>
+                  <a:tcPr marL="28575" marR="28575" marT="0" marB="0" anchor="b"/>
+                </a:tc>
+                <a:tc>
+                  <a:txBody>
+                    <a:bodyPr/>
+                    <a:lstStyle/>
+                    <a:p>
+                      <a:pPr algn="r" rtl="0" fontAlgn="b"/>
+                      <a:r>
+                        <a:rPr lang="en-US">
+                          <a:solidFill>
+                            <a:srgbClr val="000000"/>
+                          </a:solidFill>
+                          <a:effectLst/>
+                        </a:rPr>
+                        <a:t>111.35</a:t>
+                      </a:r>
+                    </a:p>
+                  </a:txBody>
+                  <a:tcPr marL="28575" marR="28575" marT="0" marB="0" anchor="b"/>
+                </a:tc>
+              </a:tr>
+              <a:tr h="370840">
+                <a:tc>
+                  <a:txBody>
+                    <a:bodyPr/>
+                    <a:lstStyle/>
+                    <a:p>
+                      <a:pPr algn="r" rtl="0" fontAlgn="b"/>
+                      <a:r>
+                        <a:rPr lang="en-US">
+                          <a:solidFill>
+                            <a:srgbClr val="000000"/>
+                          </a:solidFill>
+                          <a:effectLst/>
+                        </a:rPr>
+                        <a:t>7</a:t>
+                      </a:r>
+                    </a:p>
+                  </a:txBody>
+                  <a:tcPr marL="28575" marR="28575" marT="0" marB="0" anchor="b"/>
+                </a:tc>
+                <a:tc>
+                  <a:txBody>
+                    <a:bodyPr/>
+                    <a:lstStyle/>
+                    <a:p>
+                      <a:pPr algn="r" rtl="0" fontAlgn="b"/>
+                      <a:r>
+                        <a:rPr lang="en-US">
+                          <a:solidFill>
+                            <a:srgbClr val="000000"/>
+                          </a:solidFill>
+                          <a:effectLst/>
+                        </a:rPr>
+                        <a:t>99.91</a:t>
+                      </a:r>
+                    </a:p>
+                  </a:txBody>
+                  <a:tcPr marL="28575" marR="28575" marT="0" marB="0" anchor="b"/>
+                </a:tc>
+                <a:tc>
+                  <a:txBody>
+                    <a:bodyPr/>
+                    <a:lstStyle/>
+                    <a:p>
+                      <a:pPr algn="r" rtl="0" fontAlgn="b"/>
+                      <a:r>
+                        <a:rPr lang="en-US">
+                          <a:solidFill>
+                            <a:srgbClr val="000000"/>
+                          </a:solidFill>
+                          <a:effectLst/>
+                        </a:rPr>
+                        <a:t>95.44</a:t>
+                      </a:r>
+                    </a:p>
+                  </a:txBody>
+                  <a:tcPr marL="28575" marR="28575" marT="0" marB="0" anchor="b"/>
+                </a:tc>
+              </a:tr>
+              <a:tr h="370840">
+                <a:tc>
+                  <a:txBody>
+                    <a:bodyPr/>
+                    <a:lstStyle/>
+                    <a:p>
+                      <a:pPr algn="r" rtl="0" fontAlgn="b"/>
+                      <a:r>
+                        <a:rPr lang="en-US">
+                          <a:solidFill>
+                            <a:srgbClr val="000000"/>
+                          </a:solidFill>
+                          <a:effectLst/>
+                        </a:rPr>
+                        <a:t>8</a:t>
+                      </a:r>
+                    </a:p>
+                  </a:txBody>
+                  <a:tcPr marL="28575" marR="28575" marT="0" marB="0" anchor="b"/>
+                </a:tc>
+                <a:tc>
+                  <a:txBody>
+                    <a:bodyPr/>
+                    <a:lstStyle/>
+                    <a:p>
+                      <a:pPr algn="r" rtl="0" fontAlgn="b"/>
+                      <a:r>
+                        <a:rPr lang="en-US">
+                          <a:solidFill>
+                            <a:srgbClr val="000000"/>
+                          </a:solidFill>
+                          <a:effectLst/>
+                        </a:rPr>
+                        <a:t>87.43</a:t>
+                      </a:r>
+                    </a:p>
+                  </a:txBody>
+                  <a:tcPr marL="28575" marR="28575" marT="0" marB="0" anchor="b"/>
+                </a:tc>
+                <a:tc>
+                  <a:txBody>
+                    <a:bodyPr/>
+                    <a:lstStyle/>
+                    <a:p>
+                      <a:pPr algn="r" rtl="0" fontAlgn="b"/>
+                      <a:r>
+                        <a:rPr lang="en-US">
+                          <a:solidFill>
+                            <a:srgbClr val="000000"/>
+                          </a:solidFill>
+                          <a:effectLst/>
+                        </a:rPr>
+                        <a:t>83.51</a:t>
+                      </a:r>
+                    </a:p>
+                  </a:txBody>
+                  <a:tcPr marL="28575" marR="28575" marT="0" marB="0" anchor="b"/>
+                </a:tc>
+              </a:tr>
+              <a:tr h="370840">
+                <a:tc>
+                  <a:txBody>
+                    <a:bodyPr/>
+                    <a:lstStyle/>
+                    <a:p>
+                      <a:pPr algn="r" rtl="0" fontAlgn="b"/>
+                      <a:r>
+                        <a:rPr lang="en-US">
+                          <a:solidFill>
+                            <a:srgbClr val="000000"/>
+                          </a:solidFill>
+                          <a:effectLst/>
+                        </a:rPr>
+                        <a:t>9</a:t>
+                      </a:r>
+                    </a:p>
+                  </a:txBody>
+                  <a:tcPr marL="28575" marR="28575" marT="0" marB="0" anchor="b"/>
+                </a:tc>
+                <a:tc>
+                  <a:txBody>
+                    <a:bodyPr/>
+                    <a:lstStyle/>
+                    <a:p>
+                      <a:pPr algn="r" rtl="0" fontAlgn="b"/>
+                      <a:r>
+                        <a:rPr lang="en-US">
+                          <a:solidFill>
+                            <a:srgbClr val="000000"/>
+                          </a:solidFill>
+                          <a:effectLst/>
+                        </a:rPr>
+                        <a:t>77.79</a:t>
+                      </a:r>
+                    </a:p>
+                  </a:txBody>
+                  <a:tcPr marL="28575" marR="28575" marT="0" marB="0" anchor="b"/>
+                </a:tc>
+                <a:tc>
+                  <a:txBody>
+                    <a:bodyPr/>
+                    <a:lstStyle/>
+                    <a:p>
+                      <a:pPr algn="r" rtl="0" fontAlgn="b"/>
+                      <a:r>
+                        <a:rPr lang="en-US">
+                          <a:solidFill>
+                            <a:srgbClr val="000000"/>
+                          </a:solidFill>
+                          <a:effectLst/>
+                        </a:rPr>
+                        <a:t>74.23</a:t>
+                      </a:r>
+                    </a:p>
+                  </a:txBody>
+                  <a:tcPr marL="28575" marR="28575" marT="0" marB="0" anchor="b"/>
+                </a:tc>
+              </a:tr>
+              <a:tr h="370840">
+                <a:tc>
+                  <a:txBody>
+                    <a:bodyPr/>
+                    <a:lstStyle/>
+                    <a:p>
+                      <a:pPr algn="r" rtl="0" fontAlgn="b"/>
+                      <a:r>
+                        <a:rPr lang="en-US">
+                          <a:solidFill>
+                            <a:srgbClr val="000000"/>
+                          </a:solidFill>
+                          <a:effectLst/>
+                        </a:rPr>
+                        <a:t>10</a:t>
+                      </a:r>
+                    </a:p>
+                  </a:txBody>
+                  <a:tcPr marL="28575" marR="28575" marT="0" marB="0" anchor="b"/>
+                </a:tc>
+                <a:tc>
+                  <a:txBody>
+                    <a:bodyPr/>
+                    <a:lstStyle/>
+                    <a:p>
+                      <a:pPr algn="r" rtl="0" fontAlgn="b"/>
+                      <a:r>
+                        <a:rPr lang="en-US">
+                          <a:solidFill>
+                            <a:srgbClr val="000000"/>
+                          </a:solidFill>
+                          <a:effectLst/>
+                        </a:rPr>
+                        <a:t>70.04</a:t>
+                      </a:r>
+                    </a:p>
+                  </a:txBody>
+                  <a:tcPr marL="28575" marR="28575" marT="0" marB="0" anchor="b"/>
+                </a:tc>
+                <a:tc>
+                  <a:txBody>
+                    <a:bodyPr/>
+                    <a:lstStyle/>
+                    <a:p>
+                      <a:pPr algn="r" rtl="0" fontAlgn="b"/>
+                      <a:r>
+                        <a:rPr lang="en-US">
+                          <a:solidFill>
+                            <a:srgbClr val="000000"/>
+                          </a:solidFill>
+                          <a:effectLst/>
+                        </a:rPr>
+                        <a:t>66.81</a:t>
+                      </a:r>
+                    </a:p>
+                  </a:txBody>
+                  <a:tcPr marL="28575" marR="28575" marT="0" marB="0" anchor="b"/>
+                </a:tc>
+              </a:tr>
+              <a:tr h="370840">
+                <a:tc>
+                  <a:txBody>
+                    <a:bodyPr/>
+                    <a:lstStyle/>
+                    <a:p>
+                      <a:pPr algn="r" rtl="0" fontAlgn="b"/>
+                      <a:r>
+                        <a:rPr lang="en-US">
+                          <a:solidFill>
+                            <a:srgbClr val="000000"/>
+                          </a:solidFill>
+                          <a:effectLst/>
+                        </a:rPr>
+                        <a:t>11</a:t>
+                      </a:r>
+                    </a:p>
+                  </a:txBody>
+                  <a:tcPr marL="28575" marR="28575" marT="0" marB="0" anchor="b"/>
+                </a:tc>
+                <a:tc>
+                  <a:txBody>
+                    <a:bodyPr/>
+                    <a:lstStyle/>
+                    <a:p>
+                      <a:pPr algn="r" rtl="0" fontAlgn="b"/>
+                      <a:r>
+                        <a:rPr lang="en-US">
+                          <a:solidFill>
+                            <a:srgbClr val="000000"/>
+                          </a:solidFill>
+                          <a:effectLst/>
+                        </a:rPr>
+                        <a:t>63.47</a:t>
+                      </a:r>
+                    </a:p>
+                  </a:txBody>
+                  <a:tcPr marL="28575" marR="28575" marT="0" marB="0" anchor="b"/>
+                </a:tc>
+                <a:tc>
+                  <a:txBody>
+                    <a:bodyPr/>
+                    <a:lstStyle/>
+                    <a:p>
+                      <a:pPr algn="r" rtl="0" fontAlgn="b"/>
+                      <a:r>
+                        <a:rPr lang="en-US">
+                          <a:solidFill>
+                            <a:srgbClr val="000000"/>
+                          </a:solidFill>
+                          <a:effectLst/>
+                        </a:rPr>
+                        <a:t>60.73</a:t>
+                      </a:r>
+                    </a:p>
+                  </a:txBody>
+                  <a:tcPr marL="28575" marR="28575" marT="0" marB="0" anchor="b"/>
+                </a:tc>
+              </a:tr>
+              <a:tr h="370840">
+                <a:tc>
+                  <a:txBody>
+                    <a:bodyPr/>
+                    <a:lstStyle/>
+                    <a:p>
+                      <a:pPr algn="r" rtl="0" fontAlgn="b"/>
+                      <a:r>
+                        <a:rPr lang="en-US">
+                          <a:solidFill>
+                            <a:srgbClr val="000000"/>
+                          </a:solidFill>
+                          <a:effectLst/>
+                        </a:rPr>
+                        <a:t>12</a:t>
+                      </a:r>
+                    </a:p>
+                  </a:txBody>
+                  <a:tcPr marL="28575" marR="28575" marT="0" marB="0" anchor="b"/>
+                </a:tc>
+                <a:tc>
+                  <a:txBody>
+                    <a:bodyPr/>
+                    <a:lstStyle/>
+                    <a:p>
+                      <a:pPr algn="r" rtl="0" fontAlgn="b"/>
+                      <a:r>
+                        <a:rPr lang="en-US">
+                          <a:solidFill>
+                            <a:srgbClr val="000000"/>
+                          </a:solidFill>
+                          <a:effectLst/>
+                        </a:rPr>
+                        <a:t>58.27</a:t>
+                      </a:r>
+                    </a:p>
+                  </a:txBody>
+                  <a:tcPr marL="28575" marR="28575" marT="0" marB="0" anchor="b"/>
+                </a:tc>
+                <a:tc>
+                  <a:txBody>
+                    <a:bodyPr/>
+                    <a:lstStyle/>
+                    <a:p>
+                      <a:pPr algn="r" rtl="0" fontAlgn="b"/>
+                      <a:r>
+                        <a:rPr lang="en-US" dirty="0">
+                          <a:solidFill>
+                            <a:srgbClr val="000000"/>
+                          </a:solidFill>
+                          <a:effectLst/>
+                        </a:rPr>
+                        <a:t>55.67</a:t>
+                      </a:r>
+                    </a:p>
+                  </a:txBody>
+                  <a:tcPr marL="28575" marR="28575" marT="0" marB="0" anchor="b"/>
+                </a:tc>
+              </a:tr>
+            </a:tbl>
+          </a:graphicData>
+        </a:graphic>
+      </p:graphicFrame>
+      <p:sp>
+        <p:nvSpPr>
+          <p:cNvPr id="4" name="Slide Number Placeholder 3"/>
+          <p:cNvSpPr>
+            <a:spLocks noGrp="1"/>
+          </p:cNvSpPr>
+          <p:nvPr>
+            <p:ph type="sldNum" sz="quarter" idx="12"/>
+          </p:nvPr>
+        </p:nvSpPr>
+        <p:spPr/>
+        <p:txBody>
+          <a:bodyPr/>
+          <a:lstStyle/>
+          <a:p>
+            <a:fld id="{6DA12B36-9664-4CB0-8B2E-F4A2F44AE97E}" type="slidenum">
+              <a:rPr lang="en-US" smtClean="0"/>
+              <a:t>15</a:t>
+            </a:fld>
+            <a:endParaRPr lang="en-US"/>
+          </a:p>
+        </p:txBody>
+      </p:sp>
+    </p:spTree>
+    <p:extLst>
+      <p:ext uri="{BB962C8B-B14F-4D97-AF65-F5344CB8AC3E}">
+        <p14:creationId xmlns:p14="http://schemas.microsoft.com/office/powerpoint/2010/main" val="1070618170"/>
+      </p:ext>
+    </p:extLst>
+  </p:cSld>
+  <p:clrMapOvr>
+    <a:masterClrMapping/>
+  </p:clrMapOvr>
+</p:sld>
+</file>
+
+<file path=ppt/slides/slide16.xml><?xml version="1.0" encoding="utf-8"?>
+<p:sld xmlns:a="http://schemas.openxmlformats.org/drawingml/2006/main" xmlns:r="http://schemas.openxmlformats.org/officeDocument/2006/relationships" xmlns:p="http://schemas.openxmlformats.org/presentationml/2006/main">
+  <p:cSld>
+    <p:spTree>
+      <p:nvGrpSpPr>
+        <p:cNvPr id="1" name=""/>
+        <p:cNvGrpSpPr/>
+        <p:nvPr/>
+      </p:nvGrpSpPr>
+      <p:grpSpPr>
+        <a:xfrm>
+          <a:off x="0" y="0"/>
+          <a:ext cx="0" cy="0"/>
+          <a:chOff x="0" y="0"/>
+          <a:chExt cx="0" cy="0"/>
+        </a:xfrm>
+      </p:grpSpPr>
+      <p:sp>
+        <p:nvSpPr>
+          <p:cNvPr id="2" name="Title 1"/>
+          <p:cNvSpPr>
+            <a:spLocks noGrp="1"/>
+          </p:cNvSpPr>
+          <p:nvPr>
+            <p:ph type="title"/>
+          </p:nvPr>
+        </p:nvSpPr>
+        <p:spPr/>
+        <p:txBody>
+          <a:bodyPr/>
+          <a:lstStyle/>
+          <a:p>
+            <a:r>
+              <a:rPr lang="en-US" dirty="0"/>
+              <a:t>Nash algorithm (6x6) on Xeon</a:t>
+            </a:r>
+          </a:p>
+        </p:txBody>
+      </p:sp>
+      <p:sp>
+        <p:nvSpPr>
+          <p:cNvPr id="4" name="Slide Number Placeholder 3"/>
+          <p:cNvSpPr>
+            <a:spLocks noGrp="1"/>
+          </p:cNvSpPr>
+          <p:nvPr>
+            <p:ph type="sldNum" sz="quarter" idx="12"/>
+          </p:nvPr>
+        </p:nvSpPr>
+        <p:spPr/>
+        <p:txBody>
+          <a:bodyPr/>
+          <a:lstStyle/>
+          <a:p>
+            <a:fld id="{6DA12B36-9664-4CB0-8B2E-F4A2F44AE97E}" type="slidenum">
+              <a:rPr lang="en-US" smtClean="0"/>
+              <a:t>16</a:t>
+            </a:fld>
+            <a:endParaRPr lang="en-US"/>
+          </a:p>
+        </p:txBody>
+      </p:sp>
+      <p:pic>
+        <p:nvPicPr>
+          <p:cNvPr id="6146" name="Picture 2" descr="C:\Users\Josh\Downloads\chart_1.png"/>
+          <p:cNvPicPr>
+            <a:picLocks noChangeAspect="1" noChangeArrowheads="1"/>
+          </p:cNvPicPr>
+          <p:nvPr/>
+        </p:nvPicPr>
+        <p:blipFill>
+          <a:blip r:embed="rId2">
+            <a:extLst>
+              <a:ext uri="{28A0092B-C50C-407E-A947-70E740481C1C}">
+                <a14:useLocalDpi xmlns:a14="http://schemas.microsoft.com/office/drawing/2010/main" val="0"/>
+              </a:ext>
+            </a:extLst>
+          </a:blip>
+          <a:srcRect/>
+          <a:stretch>
+            <a:fillRect/>
+          </a:stretch>
+        </p:blipFill>
+        <p:spPr bwMode="auto">
+          <a:xfrm>
+            <a:off x="304800" y="1447800"/>
+            <a:ext cx="8305800" cy="5135753"/>
+          </a:xfrm>
+          <a:prstGeom prst="rect">
+            <a:avLst/>
+          </a:prstGeom>
+          <a:noFill/>
+          <a:extLst>
+            <a:ext uri="{909E8E84-426E-40DD-AFC4-6F175D3DCCD1}">
+              <a14:hiddenFill xmlns:a14="http://schemas.microsoft.com/office/drawing/2010/main">
+                <a:solidFill>
+                  <a:srgbClr val="FFFFFF"/>
+                </a:solidFill>
+              </a14:hiddenFill>
+            </a:ext>
+          </a:extLst>
+        </p:spPr>
+      </p:pic>
+    </p:spTree>
+    <p:extLst>
+      <p:ext uri="{BB962C8B-B14F-4D97-AF65-F5344CB8AC3E}">
+        <p14:creationId xmlns:p14="http://schemas.microsoft.com/office/powerpoint/2010/main" val="2182042043"/>
+      </p:ext>
+    </p:extLst>
+  </p:cSld>
+  <p:clrMapOvr>
+    <a:masterClrMapping/>
+  </p:clrMapOvr>
+</p:sld>
+</file>
+
+<file path=ppt/slides/slide17.xml><?xml version="1.0" encoding="utf-8"?>
+<p:sld xmlns:a="http://schemas.openxmlformats.org/drawingml/2006/main" xmlns:r="http://schemas.openxmlformats.org/officeDocument/2006/relationships" xmlns:p="http://schemas.openxmlformats.org/presentationml/2006/main">
+  <p:cSld>
+    <p:spTree>
+      <p:nvGrpSpPr>
+        <p:cNvPr id="1" name=""/>
+        <p:cNvGrpSpPr/>
+        <p:nvPr/>
+      </p:nvGrpSpPr>
+      <p:grpSpPr>
+        <a:xfrm>
+          <a:off x="0" y="0"/>
+          <a:ext cx="0" cy="0"/>
+          <a:chOff x="0" y="0"/>
+          <a:chExt cx="0" cy="0"/>
+        </a:xfrm>
+      </p:grpSpPr>
+      <p:sp>
+        <p:nvSpPr>
+          <p:cNvPr id="2" name="Title 1"/>
+          <p:cNvSpPr>
+            <a:spLocks noGrp="1"/>
+          </p:cNvSpPr>
+          <p:nvPr>
+            <p:ph type="title"/>
+          </p:nvPr>
+        </p:nvSpPr>
+        <p:spPr/>
+        <p:txBody>
+          <a:bodyPr>
+            <a:normAutofit fontScale="90000"/>
+          </a:bodyPr>
+          <a:lstStyle/>
+          <a:p>
+            <a:r>
+              <a:rPr lang="en-US" dirty="0" smtClean="0"/>
+              <a:t>Nash algorithm (6x6) on Xeon Phi Data</a:t>
+            </a:r>
+            <a:endParaRPr lang="en-US" dirty="0"/>
+          </a:p>
+        </p:txBody>
+      </p:sp>
+      <p:graphicFrame>
+        <p:nvGraphicFramePr>
+          <p:cNvPr id="8" name="Content Placeholder 7"/>
+          <p:cNvGraphicFramePr>
+            <a:graphicFrameLocks noGrp="1"/>
+          </p:cNvGraphicFramePr>
+          <p:nvPr>
+            <p:ph idx="1"/>
+            <p:extLst>
+              <p:ext uri="{D42A27DB-BD31-4B8C-83A1-F6EECF244321}">
+                <p14:modId xmlns:p14="http://schemas.microsoft.com/office/powerpoint/2010/main" val="506877733"/>
+              </p:ext>
+            </p:extLst>
+          </p:nvPr>
+        </p:nvGraphicFramePr>
+        <p:xfrm>
+          <a:off x="609600" y="2006600"/>
+          <a:ext cx="7620000" cy="3708400"/>
+        </p:xfrm>
+        <a:graphic>
+          <a:graphicData uri="http://schemas.openxmlformats.org/drawingml/2006/table">
+            <a:tbl>
+              <a:tblPr firstRow="1" bandRow="1">
+                <a:tableStyleId>{5C22544A-7EE6-4342-B048-85BDC9FD1C3A}</a:tableStyleId>
+              </a:tblPr>
+              <a:tblGrid>
+                <a:gridCol w="2540000"/>
+                <a:gridCol w="2540000"/>
+                <a:gridCol w="2540000"/>
+              </a:tblGrid>
+              <a:tr h="370840">
+                <a:tc>
+                  <a:txBody>
+                    <a:bodyPr/>
+                    <a:lstStyle/>
+                    <a:p>
+                      <a:pPr algn="l" rtl="0" fontAlgn="b"/>
+                      <a:r>
+                        <a:rPr lang="en-US" dirty="0">
+                          <a:solidFill>
+                            <a:srgbClr val="000000"/>
+                          </a:solidFill>
+                          <a:effectLst/>
+                        </a:rPr>
+                        <a:t>Number of Threads</a:t>
+                      </a:r>
+                    </a:p>
+                  </a:txBody>
+                  <a:tcPr marL="28575" marR="28575" marT="0" marB="0" anchor="b"/>
+                </a:tc>
+                <a:tc>
+                  <a:txBody>
+                    <a:bodyPr/>
+                    <a:lstStyle/>
+                    <a:p>
+                      <a:pPr algn="l" rtl="0" fontAlgn="b"/>
+                      <a:r>
+                        <a:rPr lang="en-US">
+                          <a:solidFill>
+                            <a:srgbClr val="000000"/>
+                          </a:solidFill>
+                          <a:effectLst/>
+                        </a:rPr>
+                        <a:t>Actual Run Time</a:t>
+                      </a:r>
+                    </a:p>
+                  </a:txBody>
+                  <a:tcPr marL="28575" marR="28575" marT="0" marB="0" anchor="b"/>
+                </a:tc>
+                <a:tc>
+                  <a:txBody>
+                    <a:bodyPr/>
+                    <a:lstStyle/>
+                    <a:p>
+                      <a:pPr algn="l" rtl="0" fontAlgn="b"/>
+                      <a:r>
+                        <a:rPr lang="en-US" dirty="0">
+                          <a:solidFill>
+                            <a:srgbClr val="000000"/>
+                          </a:solidFill>
+                          <a:effectLst/>
+                        </a:rPr>
+                        <a:t>Linear </a:t>
+                      </a:r>
+                      <a:r>
+                        <a:rPr lang="en-US" dirty="0" smtClean="0">
+                          <a:solidFill>
+                            <a:srgbClr val="000000"/>
+                          </a:solidFill>
+                          <a:effectLst/>
+                        </a:rPr>
+                        <a:t>Scalability</a:t>
+                      </a:r>
+                      <a:endParaRPr lang="en-US" dirty="0">
+                        <a:solidFill>
+                          <a:srgbClr val="000000"/>
+                        </a:solidFill>
+                        <a:effectLst/>
+                      </a:endParaRPr>
+                    </a:p>
+                  </a:txBody>
+                  <a:tcPr marL="28575" marR="28575" marT="0" marB="0" anchor="b"/>
+                </a:tc>
+              </a:tr>
+              <a:tr h="370840">
+                <a:tc>
+                  <a:txBody>
+                    <a:bodyPr/>
+                    <a:lstStyle/>
+                    <a:p>
+                      <a:pPr algn="r" rtl="0" fontAlgn="b"/>
+                      <a:r>
+                        <a:rPr lang="en-US">
+                          <a:solidFill>
+                            <a:srgbClr val="000000"/>
+                          </a:solidFill>
+                          <a:effectLst/>
+                        </a:rPr>
+                        <a:t>1</a:t>
+                      </a:r>
+                    </a:p>
+                  </a:txBody>
+                  <a:tcPr marL="28575" marR="28575" marT="0" marB="0" anchor="b"/>
+                </a:tc>
+                <a:tc>
+                  <a:txBody>
+                    <a:bodyPr/>
+                    <a:lstStyle/>
+                    <a:p>
+                      <a:pPr algn="r" rtl="0" fontAlgn="b"/>
+                      <a:r>
+                        <a:rPr lang="en-US">
+                          <a:solidFill>
+                            <a:srgbClr val="000000"/>
+                          </a:solidFill>
+                          <a:effectLst/>
+                        </a:rPr>
+                        <a:t>4,177.10</a:t>
+                      </a:r>
+                    </a:p>
+                  </a:txBody>
+                  <a:tcPr marL="28575" marR="28575" marT="0" marB="0" anchor="b"/>
+                </a:tc>
+                <a:tc>
+                  <a:txBody>
+                    <a:bodyPr/>
+                    <a:lstStyle/>
+                    <a:p>
+                      <a:pPr algn="r" rtl="0" fontAlgn="b"/>
+                      <a:r>
+                        <a:rPr lang="en-US">
+                          <a:solidFill>
+                            <a:srgbClr val="000000"/>
+                          </a:solidFill>
+                          <a:effectLst/>
+                        </a:rPr>
+                        <a:t>4,177.10</a:t>
+                      </a:r>
+                    </a:p>
+                  </a:txBody>
+                  <a:tcPr marL="28575" marR="28575" marT="0" marB="0" anchor="b"/>
+                </a:tc>
+              </a:tr>
+              <a:tr h="370840">
+                <a:tc>
+                  <a:txBody>
+                    <a:bodyPr/>
+                    <a:lstStyle/>
+                    <a:p>
+                      <a:pPr algn="r" rtl="0" fontAlgn="b"/>
+                      <a:r>
+                        <a:rPr lang="en-US">
+                          <a:solidFill>
+                            <a:srgbClr val="000000"/>
+                          </a:solidFill>
+                          <a:effectLst/>
+                        </a:rPr>
+                        <a:t>2</a:t>
+                      </a:r>
+                    </a:p>
+                  </a:txBody>
+                  <a:tcPr marL="28575" marR="28575" marT="0" marB="0" anchor="b"/>
+                </a:tc>
+                <a:tc>
+                  <a:txBody>
+                    <a:bodyPr/>
+                    <a:lstStyle/>
+                    <a:p>
+                      <a:pPr algn="r" rtl="0" fontAlgn="b"/>
+                      <a:r>
+                        <a:rPr lang="en-US">
+                          <a:solidFill>
+                            <a:srgbClr val="000000"/>
+                          </a:solidFill>
+                          <a:effectLst/>
+                        </a:rPr>
+                        <a:t>2,111.20</a:t>
+                      </a:r>
+                    </a:p>
+                  </a:txBody>
+                  <a:tcPr marL="28575" marR="28575" marT="0" marB="0" anchor="b"/>
+                </a:tc>
+                <a:tc>
+                  <a:txBody>
+                    <a:bodyPr/>
+                    <a:lstStyle/>
+                    <a:p>
+                      <a:pPr algn="r" rtl="0" fontAlgn="b"/>
+                      <a:r>
+                        <a:rPr lang="en-US">
+                          <a:solidFill>
+                            <a:srgbClr val="000000"/>
+                          </a:solidFill>
+                          <a:effectLst/>
+                        </a:rPr>
+                        <a:t>2,088.55</a:t>
+                      </a:r>
+                    </a:p>
+                  </a:txBody>
+                  <a:tcPr marL="28575" marR="28575" marT="0" marB="0" anchor="b"/>
+                </a:tc>
+              </a:tr>
+              <a:tr h="370840">
+                <a:tc>
+                  <a:txBody>
+                    <a:bodyPr/>
+                    <a:lstStyle/>
+                    <a:p>
+                      <a:pPr algn="r" rtl="0" fontAlgn="b"/>
+                      <a:r>
+                        <a:rPr lang="en-US">
+                          <a:solidFill>
+                            <a:srgbClr val="000000"/>
+                          </a:solidFill>
+                          <a:effectLst/>
+                        </a:rPr>
+                        <a:t>4</a:t>
+                      </a:r>
+                    </a:p>
+                  </a:txBody>
+                  <a:tcPr marL="28575" marR="28575" marT="0" marB="0" anchor="b"/>
+                </a:tc>
+                <a:tc>
+                  <a:txBody>
+                    <a:bodyPr/>
+                    <a:lstStyle/>
+                    <a:p>
+                      <a:pPr algn="r" rtl="0" fontAlgn="b"/>
+                      <a:r>
+                        <a:rPr lang="en-US">
+                          <a:solidFill>
+                            <a:srgbClr val="000000"/>
+                          </a:solidFill>
+                          <a:effectLst/>
+                        </a:rPr>
+                        <a:t>1,053.28</a:t>
+                      </a:r>
+                    </a:p>
+                  </a:txBody>
+                  <a:tcPr marL="28575" marR="28575" marT="0" marB="0" anchor="b"/>
+                </a:tc>
+                <a:tc>
+                  <a:txBody>
+                    <a:bodyPr/>
+                    <a:lstStyle/>
+                    <a:p>
+                      <a:pPr algn="r" rtl="0" fontAlgn="b"/>
+                      <a:r>
+                        <a:rPr lang="en-US">
+                          <a:solidFill>
+                            <a:srgbClr val="000000"/>
+                          </a:solidFill>
+                          <a:effectLst/>
+                        </a:rPr>
+                        <a:t>1,044.27</a:t>
+                      </a:r>
+                    </a:p>
+                  </a:txBody>
+                  <a:tcPr marL="28575" marR="28575" marT="0" marB="0" anchor="b"/>
+                </a:tc>
+              </a:tr>
+              <a:tr h="370840">
+                <a:tc>
+                  <a:txBody>
+                    <a:bodyPr/>
+                    <a:lstStyle/>
+                    <a:p>
+                      <a:pPr algn="r" rtl="0" fontAlgn="b"/>
+                      <a:r>
+                        <a:rPr lang="en-US">
+                          <a:solidFill>
+                            <a:srgbClr val="000000"/>
+                          </a:solidFill>
+                          <a:effectLst/>
+                        </a:rPr>
+                        <a:t>8</a:t>
+                      </a:r>
+                    </a:p>
+                  </a:txBody>
+                  <a:tcPr marL="28575" marR="28575" marT="0" marB="0" anchor="b"/>
+                </a:tc>
+                <a:tc>
+                  <a:txBody>
+                    <a:bodyPr/>
+                    <a:lstStyle/>
+                    <a:p>
+                      <a:pPr algn="r" rtl="0" fontAlgn="b"/>
+                      <a:r>
+                        <a:rPr lang="en-US">
+                          <a:solidFill>
+                            <a:srgbClr val="000000"/>
+                          </a:solidFill>
+                          <a:effectLst/>
+                        </a:rPr>
+                        <a:t>534.01</a:t>
+                      </a:r>
+                    </a:p>
+                  </a:txBody>
+                  <a:tcPr marL="28575" marR="28575" marT="0" marB="0" anchor="b"/>
+                </a:tc>
+                <a:tc>
+                  <a:txBody>
+                    <a:bodyPr/>
+                    <a:lstStyle/>
+                    <a:p>
+                      <a:pPr algn="r" rtl="0" fontAlgn="b"/>
+                      <a:r>
+                        <a:rPr lang="en-US">
+                          <a:solidFill>
+                            <a:srgbClr val="000000"/>
+                          </a:solidFill>
+                          <a:effectLst/>
+                        </a:rPr>
+                        <a:t>522.14</a:t>
+                      </a:r>
+                    </a:p>
+                  </a:txBody>
+                  <a:tcPr marL="28575" marR="28575" marT="0" marB="0" anchor="b"/>
+                </a:tc>
+              </a:tr>
+              <a:tr h="370840">
+                <a:tc>
+                  <a:txBody>
+                    <a:bodyPr/>
+                    <a:lstStyle/>
+                    <a:p>
+                      <a:pPr algn="r" rtl="0" fontAlgn="b"/>
+                      <a:r>
+                        <a:rPr lang="en-US">
+                          <a:solidFill>
+                            <a:srgbClr val="000000"/>
+                          </a:solidFill>
+                          <a:effectLst/>
+                        </a:rPr>
+                        <a:t>16</a:t>
+                      </a:r>
+                    </a:p>
+                  </a:txBody>
+                  <a:tcPr marL="28575" marR="28575" marT="0" marB="0" anchor="b"/>
+                </a:tc>
+                <a:tc>
+                  <a:txBody>
+                    <a:bodyPr/>
+                    <a:lstStyle/>
+                    <a:p>
+                      <a:pPr algn="r" rtl="0" fontAlgn="b"/>
+                      <a:r>
+                        <a:rPr lang="en-US">
+                          <a:solidFill>
+                            <a:srgbClr val="000000"/>
+                          </a:solidFill>
+                          <a:effectLst/>
+                        </a:rPr>
+                        <a:t>267.94</a:t>
+                      </a:r>
+                    </a:p>
+                  </a:txBody>
+                  <a:tcPr marL="28575" marR="28575" marT="0" marB="0" anchor="b"/>
+                </a:tc>
+                <a:tc>
+                  <a:txBody>
+                    <a:bodyPr/>
+                    <a:lstStyle/>
+                    <a:p>
+                      <a:pPr algn="r" rtl="0" fontAlgn="b"/>
+                      <a:r>
+                        <a:rPr lang="en-US">
+                          <a:solidFill>
+                            <a:srgbClr val="000000"/>
+                          </a:solidFill>
+                          <a:effectLst/>
+                        </a:rPr>
+                        <a:t>261.07</a:t>
+                      </a:r>
+                    </a:p>
+                  </a:txBody>
+                  <a:tcPr marL="28575" marR="28575" marT="0" marB="0" anchor="b"/>
+                </a:tc>
+              </a:tr>
+              <a:tr h="370840">
+                <a:tc>
+                  <a:txBody>
+                    <a:bodyPr/>
+                    <a:lstStyle/>
+                    <a:p>
+                      <a:pPr algn="r" rtl="0" fontAlgn="b"/>
+                      <a:r>
+                        <a:rPr lang="en-US">
+                          <a:solidFill>
+                            <a:srgbClr val="000000"/>
+                          </a:solidFill>
+                          <a:effectLst/>
+                        </a:rPr>
+                        <a:t>32</a:t>
+                      </a:r>
+                    </a:p>
+                  </a:txBody>
+                  <a:tcPr marL="28575" marR="28575" marT="0" marB="0" anchor="b"/>
+                </a:tc>
+                <a:tc>
+                  <a:txBody>
+                    <a:bodyPr/>
+                    <a:lstStyle/>
+                    <a:p>
+                      <a:pPr algn="r" rtl="0" fontAlgn="b"/>
+                      <a:r>
+                        <a:rPr lang="en-US">
+                          <a:solidFill>
+                            <a:srgbClr val="000000"/>
+                          </a:solidFill>
+                          <a:effectLst/>
+                        </a:rPr>
+                        <a:t>133.46</a:t>
+                      </a:r>
+                    </a:p>
+                  </a:txBody>
+                  <a:tcPr marL="28575" marR="28575" marT="0" marB="0" anchor="b"/>
+                </a:tc>
+                <a:tc>
+                  <a:txBody>
+                    <a:bodyPr/>
+                    <a:lstStyle/>
+                    <a:p>
+                      <a:pPr algn="r" rtl="0" fontAlgn="b"/>
+                      <a:r>
+                        <a:rPr lang="en-US">
+                          <a:solidFill>
+                            <a:srgbClr val="000000"/>
+                          </a:solidFill>
+                          <a:effectLst/>
+                        </a:rPr>
+                        <a:t>130.53</a:t>
+                      </a:r>
+                    </a:p>
+                  </a:txBody>
+                  <a:tcPr marL="28575" marR="28575" marT="0" marB="0" anchor="b"/>
+                </a:tc>
+              </a:tr>
+              <a:tr h="370840">
+                <a:tc>
+                  <a:txBody>
+                    <a:bodyPr/>
+                    <a:lstStyle/>
+                    <a:p>
+                      <a:pPr algn="r" rtl="0" fontAlgn="b"/>
+                      <a:r>
+                        <a:rPr lang="en-US">
+                          <a:solidFill>
+                            <a:srgbClr val="000000"/>
+                          </a:solidFill>
+                          <a:effectLst/>
+                        </a:rPr>
+                        <a:t>60</a:t>
+                      </a:r>
+                    </a:p>
+                  </a:txBody>
+                  <a:tcPr marL="28575" marR="28575" marT="0" marB="0" anchor="b"/>
+                </a:tc>
+                <a:tc>
+                  <a:txBody>
+                    <a:bodyPr/>
+                    <a:lstStyle/>
+                    <a:p>
+                      <a:pPr algn="r" rtl="0" fontAlgn="b"/>
+                      <a:r>
+                        <a:rPr lang="en-US">
+                          <a:solidFill>
+                            <a:srgbClr val="000000"/>
+                          </a:solidFill>
+                          <a:effectLst/>
+                        </a:rPr>
+                        <a:t>71.45</a:t>
+                      </a:r>
+                    </a:p>
+                  </a:txBody>
+                  <a:tcPr marL="28575" marR="28575" marT="0" marB="0" anchor="b"/>
+                </a:tc>
+                <a:tc>
+                  <a:txBody>
+                    <a:bodyPr/>
+                    <a:lstStyle/>
+                    <a:p>
+                      <a:pPr algn="r" rtl="0" fontAlgn="b"/>
+                      <a:r>
+                        <a:rPr lang="en-US">
+                          <a:solidFill>
+                            <a:srgbClr val="000000"/>
+                          </a:solidFill>
+                          <a:effectLst/>
+                        </a:rPr>
+                        <a:t>69.62</a:t>
+                      </a:r>
+                    </a:p>
+                  </a:txBody>
+                  <a:tcPr marL="28575" marR="28575" marT="0" marB="0" anchor="b"/>
+                </a:tc>
+              </a:tr>
+              <a:tr h="370840">
+                <a:tc>
+                  <a:txBody>
+                    <a:bodyPr/>
+                    <a:lstStyle/>
+                    <a:p>
+                      <a:pPr algn="r" rtl="0" fontAlgn="b"/>
+                      <a:r>
+                        <a:rPr lang="en-US">
+                          <a:solidFill>
+                            <a:srgbClr val="000000"/>
+                          </a:solidFill>
+                          <a:effectLst/>
+                        </a:rPr>
+                        <a:t>120</a:t>
+                      </a:r>
+                    </a:p>
+                  </a:txBody>
+                  <a:tcPr marL="28575" marR="28575" marT="0" marB="0" anchor="b"/>
+                </a:tc>
+                <a:tc>
+                  <a:txBody>
+                    <a:bodyPr/>
+                    <a:lstStyle/>
+                    <a:p>
+                      <a:pPr algn="r" rtl="0" fontAlgn="b"/>
+                      <a:r>
+                        <a:rPr lang="en-US">
+                          <a:solidFill>
+                            <a:srgbClr val="000000"/>
+                          </a:solidFill>
+                          <a:effectLst/>
+                        </a:rPr>
+                        <a:t>50.09</a:t>
+                      </a:r>
+                    </a:p>
+                  </a:txBody>
+                  <a:tcPr marL="28575" marR="28575" marT="0" marB="0" anchor="b"/>
+                </a:tc>
+                <a:tc>
+                  <a:txBody>
+                    <a:bodyPr/>
+                    <a:lstStyle/>
+                    <a:p>
+                      <a:pPr algn="r" rtl="0" fontAlgn="b"/>
+                      <a:r>
+                        <a:rPr lang="en-US">
+                          <a:solidFill>
+                            <a:srgbClr val="000000"/>
+                          </a:solidFill>
+                          <a:effectLst/>
+                        </a:rPr>
+                        <a:t>34.81</a:t>
+                      </a:r>
+                    </a:p>
+                  </a:txBody>
+                  <a:tcPr marL="28575" marR="28575" marT="0" marB="0" anchor="b"/>
+                </a:tc>
+              </a:tr>
+              <a:tr h="370840">
+                <a:tc>
+                  <a:txBody>
+                    <a:bodyPr/>
+                    <a:lstStyle/>
+                    <a:p>
+                      <a:pPr algn="r" rtl="0" fontAlgn="b"/>
+                      <a:r>
+                        <a:rPr lang="en-US">
+                          <a:solidFill>
+                            <a:srgbClr val="000000"/>
+                          </a:solidFill>
+                          <a:effectLst/>
+                        </a:rPr>
+                        <a:t>240</a:t>
+                      </a:r>
+                    </a:p>
+                  </a:txBody>
+                  <a:tcPr marL="28575" marR="28575" marT="0" marB="0" anchor="b"/>
+                </a:tc>
+                <a:tc>
+                  <a:txBody>
+                    <a:bodyPr/>
+                    <a:lstStyle/>
+                    <a:p>
+                      <a:pPr algn="r" rtl="0" fontAlgn="b"/>
+                      <a:r>
+                        <a:rPr lang="en-US">
+                          <a:solidFill>
+                            <a:srgbClr val="000000"/>
+                          </a:solidFill>
+                          <a:effectLst/>
+                        </a:rPr>
+                        <a:t>48.02</a:t>
+                      </a:r>
+                    </a:p>
+                  </a:txBody>
+                  <a:tcPr marL="28575" marR="28575" marT="0" marB="0" anchor="b"/>
+                </a:tc>
+                <a:tc>
+                  <a:txBody>
+                    <a:bodyPr/>
+                    <a:lstStyle/>
+                    <a:p>
+                      <a:pPr algn="r" rtl="0" fontAlgn="b"/>
+                      <a:r>
+                        <a:rPr lang="en-US" dirty="0">
+                          <a:solidFill>
+                            <a:srgbClr val="000000"/>
+                          </a:solidFill>
+                          <a:effectLst/>
+                        </a:rPr>
+                        <a:t>17.40</a:t>
+                      </a:r>
+                    </a:p>
+                  </a:txBody>
+                  <a:tcPr marL="28575" marR="28575" marT="0" marB="0" anchor="b"/>
+                </a:tc>
+              </a:tr>
+            </a:tbl>
+          </a:graphicData>
+        </a:graphic>
+      </p:graphicFrame>
+      <p:sp>
+        <p:nvSpPr>
+          <p:cNvPr id="4" name="Slide Number Placeholder 3"/>
+          <p:cNvSpPr>
+            <a:spLocks noGrp="1"/>
+          </p:cNvSpPr>
+          <p:nvPr>
+            <p:ph type="sldNum" sz="quarter" idx="12"/>
+          </p:nvPr>
+        </p:nvSpPr>
+        <p:spPr/>
+        <p:txBody>
+          <a:bodyPr/>
+          <a:lstStyle/>
+          <a:p>
+            <a:fld id="{6DA12B36-9664-4CB0-8B2E-F4A2F44AE97E}" type="slidenum">
+              <a:rPr lang="en-US" smtClean="0"/>
+              <a:t>17</a:t>
+            </a:fld>
+            <a:endParaRPr lang="en-US"/>
+          </a:p>
+        </p:txBody>
+      </p:sp>
+    </p:spTree>
+    <p:extLst>
+      <p:ext uri="{BB962C8B-B14F-4D97-AF65-F5344CB8AC3E}">
+        <p14:creationId xmlns:p14="http://schemas.microsoft.com/office/powerpoint/2010/main" val="3799769151"/>
+      </p:ext>
+    </p:extLst>
+  </p:cSld>
+  <p:clrMapOvr>
+    <a:masterClrMapping/>
+  </p:clrMapOvr>
+</p:sld>
+</file>
+
+<file path=ppt/slides/slide18.xml><?xml version="1.0" encoding="utf-8"?>
+<p:sld xmlns:a="http://schemas.openxmlformats.org/drawingml/2006/main" xmlns:r="http://schemas.openxmlformats.org/officeDocument/2006/relationships" xmlns:p="http://schemas.openxmlformats.org/presentationml/2006/main">
+  <p:cSld>
+    <p:spTree>
+      <p:nvGrpSpPr>
+        <p:cNvPr id="1" name=""/>
+        <p:cNvGrpSpPr/>
+        <p:nvPr/>
+      </p:nvGrpSpPr>
+      <p:grpSpPr>
+        <a:xfrm>
+          <a:off x="0" y="0"/>
+          <a:ext cx="0" cy="0"/>
+          <a:chOff x="0" y="0"/>
+          <a:chExt cx="0" cy="0"/>
+        </a:xfrm>
+      </p:grpSpPr>
+      <p:sp>
+        <p:nvSpPr>
+          <p:cNvPr id="2" name="Title 1"/>
+          <p:cNvSpPr>
+            <a:spLocks noGrp="1"/>
+          </p:cNvSpPr>
+          <p:nvPr>
+            <p:ph type="title"/>
+          </p:nvPr>
+        </p:nvSpPr>
+        <p:spPr/>
+        <p:txBody>
+          <a:bodyPr/>
+          <a:lstStyle/>
+          <a:p>
+            <a:r>
+              <a:rPr lang="en-US" dirty="0"/>
+              <a:t>Nash algorithm (6x6) on Xeon Phi</a:t>
+            </a:r>
+          </a:p>
+        </p:txBody>
+      </p:sp>
+      <p:sp>
+        <p:nvSpPr>
+          <p:cNvPr id="4" name="Slide Number Placeholder 3"/>
+          <p:cNvSpPr>
+            <a:spLocks noGrp="1"/>
+          </p:cNvSpPr>
+          <p:nvPr>
+            <p:ph type="sldNum" sz="quarter" idx="12"/>
+          </p:nvPr>
+        </p:nvSpPr>
+        <p:spPr/>
+        <p:txBody>
+          <a:bodyPr/>
+          <a:lstStyle/>
+          <a:p>
+            <a:fld id="{6DA12B36-9664-4CB0-8B2E-F4A2F44AE97E}" type="slidenum">
+              <a:rPr lang="en-US" smtClean="0"/>
+              <a:t>18</a:t>
+            </a:fld>
+            <a:endParaRPr lang="en-US"/>
+          </a:p>
+        </p:txBody>
+      </p:sp>
+      <p:pic>
+        <p:nvPicPr>
+          <p:cNvPr id="7170" name="Picture 2" descr="C:\Users\Josh\Downloads\chart_1 (1).png"/>
+          <p:cNvPicPr>
+            <a:picLocks noChangeAspect="1" noChangeArrowheads="1"/>
+          </p:cNvPicPr>
+          <p:nvPr/>
+        </p:nvPicPr>
+        <p:blipFill>
+          <a:blip r:embed="rId2">
+            <a:extLst>
+              <a:ext uri="{28A0092B-C50C-407E-A947-70E740481C1C}">
+                <a14:useLocalDpi xmlns:a14="http://schemas.microsoft.com/office/drawing/2010/main" val="0"/>
+              </a:ext>
+            </a:extLst>
+          </a:blip>
+          <a:srcRect/>
+          <a:stretch>
+            <a:fillRect/>
+          </a:stretch>
+        </p:blipFill>
+        <p:spPr bwMode="auto">
+          <a:xfrm>
+            <a:off x="533400" y="1676400"/>
+            <a:ext cx="7683500" cy="4750964"/>
+          </a:xfrm>
+          <a:prstGeom prst="rect">
+            <a:avLst/>
+          </a:prstGeom>
+          <a:noFill/>
+          <a:extLst>
+            <a:ext uri="{909E8E84-426E-40DD-AFC4-6F175D3DCCD1}">
+              <a14:hiddenFill xmlns:a14="http://schemas.microsoft.com/office/drawing/2010/main">
+                <a:solidFill>
+                  <a:srgbClr val="FFFFFF"/>
+                </a:solidFill>
+              </a14:hiddenFill>
+            </a:ext>
+          </a:extLst>
+        </p:spPr>
+      </p:pic>
+    </p:spTree>
+    <p:extLst>
+      <p:ext uri="{BB962C8B-B14F-4D97-AF65-F5344CB8AC3E}">
+        <p14:creationId xmlns:p14="http://schemas.microsoft.com/office/powerpoint/2010/main" val="1496759632"/>
+      </p:ext>
+    </p:extLst>
+  </p:cSld>
+  <p:clrMapOvr>
+    <a:masterClrMapping/>
+  </p:clrMapOvr>
+</p:sld>
+</file>
+
+<file path=ppt/slides/slide19.xml><?xml version="1.0" encoding="utf-8"?>
+<p:sld xmlns:a="http://schemas.openxmlformats.org/drawingml/2006/main" xmlns:r="http://schemas.openxmlformats.org/officeDocument/2006/relationships" xmlns:p="http://schemas.openxmlformats.org/presentationml/2006/main">
+  <p:cSld>
+    <p:spTree>
+      <p:nvGrpSpPr>
+        <p:cNvPr id="1" name=""/>
+        <p:cNvGrpSpPr/>
+        <p:nvPr/>
+      </p:nvGrpSpPr>
+      <p:grpSpPr>
+        <a:xfrm>
+          <a:off x="0" y="0"/>
+          <a:ext cx="0" cy="0"/>
+          <a:chOff x="0" y="0"/>
+          <a:chExt cx="0" cy="0"/>
+        </a:xfrm>
+      </p:grpSpPr>
+      <p:sp>
+        <p:nvSpPr>
+          <p:cNvPr id="2" name="Title 1"/>
+          <p:cNvSpPr>
+            <a:spLocks noGrp="1"/>
+          </p:cNvSpPr>
+          <p:nvPr>
+            <p:ph type="title"/>
+          </p:nvPr>
+        </p:nvSpPr>
+        <p:spPr/>
+        <p:txBody>
+          <a:bodyPr/>
+          <a:lstStyle/>
+          <a:p>
+            <a:r>
+              <a:rPr lang="en-US" dirty="0" smtClean="0"/>
+              <a:t>Xeon vs Xeon Phi</a:t>
+            </a:r>
+            <a:endParaRPr lang="en-US" dirty="0"/>
+          </a:p>
+        </p:txBody>
+      </p:sp>
+      <p:sp>
+        <p:nvSpPr>
+          <p:cNvPr id="4" name="Slide Number Placeholder 3"/>
+          <p:cNvSpPr>
+            <a:spLocks noGrp="1"/>
+          </p:cNvSpPr>
+          <p:nvPr>
+            <p:ph type="sldNum" sz="quarter" idx="12"/>
+          </p:nvPr>
+        </p:nvSpPr>
+        <p:spPr/>
+        <p:txBody>
+          <a:bodyPr/>
+          <a:lstStyle/>
+          <a:p>
+            <a:fld id="{6DA12B36-9664-4CB0-8B2E-F4A2F44AE97E}" type="slidenum">
+              <a:rPr lang="en-US" smtClean="0"/>
+              <a:t>19</a:t>
+            </a:fld>
+            <a:endParaRPr lang="en-US"/>
+          </a:p>
+        </p:txBody>
+      </p:sp>
+      <p:pic>
+        <p:nvPicPr>
+          <p:cNvPr id="8194" name="Picture 2" descr="C:\Users\Josh\Downloads\chart_2.png"/>
+          <p:cNvPicPr>
+            <a:picLocks noChangeAspect="1" noChangeArrowheads="1"/>
+          </p:cNvPicPr>
+          <p:nvPr/>
+        </p:nvPicPr>
+        <p:blipFill>
+          <a:blip r:embed="rId2">
+            <a:extLst>
+              <a:ext uri="{28A0092B-C50C-407E-A947-70E740481C1C}">
+                <a14:useLocalDpi xmlns:a14="http://schemas.microsoft.com/office/drawing/2010/main" val="0"/>
+              </a:ext>
+            </a:extLst>
+          </a:blip>
+          <a:srcRect/>
+          <a:stretch>
+            <a:fillRect/>
+          </a:stretch>
+        </p:blipFill>
+        <p:spPr bwMode="auto">
+          <a:xfrm>
+            <a:off x="381000" y="1524000"/>
+            <a:ext cx="8077200" cy="4994401"/>
+          </a:xfrm>
+          <a:prstGeom prst="rect">
+            <a:avLst/>
+          </a:prstGeom>
+          <a:noFill/>
+          <a:extLst>
+            <a:ext uri="{909E8E84-426E-40DD-AFC4-6F175D3DCCD1}">
+              <a14:hiddenFill xmlns:a14="http://schemas.microsoft.com/office/drawing/2010/main">
+                <a:solidFill>
+                  <a:srgbClr val="FFFFFF"/>
+                </a:solidFill>
+              </a14:hiddenFill>
+            </a:ext>
+          </a:extLst>
+        </p:spPr>
+      </p:pic>
+      <p:cxnSp>
+        <p:nvCxnSpPr>
+          <p:cNvPr id="6" name="Straight Connector 5"/>
+          <p:cNvCxnSpPr/>
+          <p:nvPr/>
+        </p:nvCxnSpPr>
+        <p:spPr>
+          <a:xfrm>
+            <a:off x="1981200" y="5334000"/>
+            <a:ext cx="5029200" cy="0"/>
+          </a:xfrm>
+          <a:prstGeom prst="line">
+            <a:avLst/>
+          </a:prstGeom>
+        </p:spPr>
+        <p:style>
+          <a:lnRef idx="2">
+            <a:schemeClr val="accent1"/>
+          </a:lnRef>
+          <a:fillRef idx="0">
+            <a:schemeClr val="accent1"/>
+          </a:fillRef>
+          <a:effectRef idx="1">
+            <a:schemeClr val="accent1"/>
+          </a:effectRef>
+          <a:fontRef idx="minor">
+            <a:schemeClr val="tx1"/>
+          </a:fontRef>
+        </p:style>
+      </p:cxnSp>
+    </p:spTree>
+    <p:extLst>
+      <p:ext uri="{BB962C8B-B14F-4D97-AF65-F5344CB8AC3E}">
+        <p14:creationId xmlns:p14="http://schemas.microsoft.com/office/powerpoint/2010/main" val="2077368706"/>
+      </p:ext>
+    </p:extLst>
+  </p:cSld>
+  <p:clrMapOvr>
+    <a:masterClrMapping/>
+  </p:clrMapOvr>
 </p:sld>
 </file>
 
@@ -4516,6 +7321,174 @@
 </p:sld>
 </file>
 
+<file path=ppt/slides/slide20.xml><?xml version="1.0" encoding="utf-8"?>
+<p:sld xmlns:a="http://schemas.openxmlformats.org/drawingml/2006/main" xmlns:r="http://schemas.openxmlformats.org/officeDocument/2006/relationships" xmlns:p="http://schemas.openxmlformats.org/presentationml/2006/main">
+  <p:cSld>
+    <p:spTree>
+      <p:nvGrpSpPr>
+        <p:cNvPr id="1" name=""/>
+        <p:cNvGrpSpPr/>
+        <p:nvPr/>
+      </p:nvGrpSpPr>
+      <p:grpSpPr>
+        <a:xfrm>
+          <a:off x="0" y="0"/>
+          <a:ext cx="0" cy="0"/>
+          <a:chOff x="0" y="0"/>
+          <a:chExt cx="0" cy="0"/>
+        </a:xfrm>
+      </p:grpSpPr>
+      <p:sp>
+        <p:nvSpPr>
+          <p:cNvPr id="2" name="Title 1"/>
+          <p:cNvSpPr>
+            <a:spLocks noGrp="1"/>
+          </p:cNvSpPr>
+          <p:nvPr>
+            <p:ph type="title"/>
+          </p:nvPr>
+        </p:nvSpPr>
+        <p:spPr/>
+        <p:txBody>
+          <a:bodyPr/>
+          <a:lstStyle/>
+          <a:p>
+            <a:r>
+              <a:rPr lang="en-US" dirty="0" smtClean="0"/>
+              <a:t>Why is this occurring?</a:t>
+            </a:r>
+            <a:endParaRPr lang="en-US" dirty="0"/>
+          </a:p>
+        </p:txBody>
+      </p:sp>
+      <p:sp>
+        <p:nvSpPr>
+          <p:cNvPr id="3" name="Content Placeholder 2"/>
+          <p:cNvSpPr>
+            <a:spLocks noGrp="1"/>
+          </p:cNvSpPr>
+          <p:nvPr>
+            <p:ph idx="1"/>
+          </p:nvPr>
+        </p:nvSpPr>
+        <p:spPr/>
+        <p:txBody>
+          <a:bodyPr/>
+          <a:lstStyle/>
+          <a:p>
+            <a:r>
+              <a:rPr lang="en-US" dirty="0" smtClean="0"/>
+              <a:t>Recall the end  of Dennard scaling.</a:t>
+            </a:r>
+          </a:p>
+          <a:p>
+            <a:pPr marL="800100" lvl="1" indent="-342900"/>
+            <a:r>
+              <a:rPr lang="en-US" dirty="0" smtClean="0"/>
+              <a:t>GPUs exhibit </a:t>
+            </a:r>
+            <a:r>
+              <a:rPr lang="en-US" i="1" dirty="0" smtClean="0"/>
+              <a:t>worse</a:t>
+            </a:r>
+            <a:r>
+              <a:rPr lang="en-US" dirty="0" smtClean="0"/>
+              <a:t> performance.</a:t>
+            </a:r>
+          </a:p>
+          <a:p>
+            <a:pPr marL="800100" lvl="1" indent="-342900"/>
+            <a:r>
+              <a:rPr lang="en-US" dirty="0" smtClean="0"/>
+              <a:t>GPUs exhibit </a:t>
+            </a:r>
+            <a:r>
+              <a:rPr lang="en-US" i="1" dirty="0" smtClean="0"/>
+              <a:t>better</a:t>
+            </a:r>
+            <a:r>
+              <a:rPr lang="en-US" dirty="0" smtClean="0"/>
+              <a:t> performance per watt.</a:t>
+            </a:r>
+          </a:p>
+          <a:p>
+            <a:pPr marL="342900" indent="-342900"/>
+            <a:endParaRPr lang="en-US" dirty="0"/>
+          </a:p>
+          <a:p>
+            <a:pPr marL="342900" indent="-342900"/>
+            <a:r>
+              <a:rPr lang="en-US" dirty="0" smtClean="0"/>
+              <a:t>The near future:</a:t>
+            </a:r>
+          </a:p>
+          <a:p>
+            <a:pPr marL="800100" lvl="1" indent="-342900"/>
+            <a:r>
+              <a:rPr lang="en-US" dirty="0" smtClean="0"/>
+              <a:t>More simple, slow GPU cores available</a:t>
+            </a:r>
+          </a:p>
+          <a:p>
+            <a:pPr marL="800100" lvl="1" indent="-342900"/>
+            <a:r>
+              <a:rPr lang="en-US" dirty="0" smtClean="0"/>
+              <a:t>Improvement in GPU cores for general purpose code</a:t>
+            </a:r>
+          </a:p>
+          <a:p>
+            <a:pPr marL="800100" lvl="1" indent="-342900"/>
+            <a:r>
+              <a:rPr lang="en-US" dirty="0" smtClean="0"/>
+              <a:t>Faster connection to GPU cores (for improved offload performance)</a:t>
+            </a:r>
+          </a:p>
+          <a:p>
+            <a:pPr marL="800100" lvl="1" indent="-342900"/>
+            <a:endParaRPr lang="en-US" dirty="0" smtClean="0"/>
+          </a:p>
+          <a:p>
+            <a:pPr marL="800100" lvl="1" indent="-342900"/>
+            <a:endParaRPr lang="en-US" dirty="0"/>
+          </a:p>
+        </p:txBody>
+      </p:sp>
+      <p:sp>
+        <p:nvSpPr>
+          <p:cNvPr id="4" name="Slide Number Placeholder 3"/>
+          <p:cNvSpPr>
+            <a:spLocks noGrp="1"/>
+          </p:cNvSpPr>
+          <p:nvPr>
+            <p:ph type="sldNum" sz="quarter" idx="12"/>
+          </p:nvPr>
+        </p:nvSpPr>
+        <p:spPr/>
+        <p:txBody>
+          <a:bodyPr/>
+          <a:lstStyle/>
+          <a:p>
+            <a:fld id="{6DA12B36-9664-4CB0-8B2E-F4A2F44AE97E}" type="slidenum">
+              <a:rPr lang="en-US" smtClean="0"/>
+              <a:t>20</a:t>
+            </a:fld>
+            <a:endParaRPr lang="en-US"/>
+          </a:p>
+        </p:txBody>
+      </p:sp>
+    </p:spTree>
+    <p:extLst>
+      <p:ext uri="{BB962C8B-B14F-4D97-AF65-F5344CB8AC3E}">
+        <p14:creationId xmlns:p14="http://schemas.microsoft.com/office/powerpoint/2010/main" val="2166875944"/>
+      </p:ext>
+    </p:extLst>
+  </p:cSld>
+  <p:clrMapOvr>
+    <a:masterClrMapping/>
+  </p:clrMapOvr>
+</p:sld>
+</file>
+
 <file path=ppt/slides/slide3.xml><?xml version="1.0" encoding="utf-8"?>
 <p:sld xmlns:a="http://schemas.openxmlformats.org/drawingml/2006/main" xmlns:r="http://schemas.openxmlformats.org/officeDocument/2006/relationships" xmlns:p="http://schemas.openxmlformats.org/presentationml/2006/main">
   <p:cSld>
@@ -4577,11 +7550,7 @@
             </a:r>
             <a:r>
               <a:rPr lang="en-US" dirty="0" smtClean="0"/>
-              <a:t> uses the available hardware resources in the most efficient manner</a:t>
-            </a:r>
-            <a:r>
-              <a:rPr lang="en-US" dirty="0" smtClean="0"/>
-              <a:t>.</a:t>
+              <a:t> uses the available hardware resources in the most efficient manner.</a:t>
             </a:r>
           </a:p>
           <a:p>
@@ -4947,7 +7916,11 @@
             <a:pPr marL="800100" lvl="1" indent="-342900"/>
             <a:r>
               <a:rPr lang="en-US" dirty="0" smtClean="0"/>
-              <a:t>GPU do not execute not x86 or x64 code</a:t>
+              <a:t>GPUs </a:t>
+            </a:r>
+            <a:r>
+              <a:rPr lang="en-US" dirty="0" smtClean="0"/>
+              <a:t>do not execute not x86 or x64 code</a:t>
             </a:r>
           </a:p>
           <a:p>
@@ -5282,15 +8255,15 @@
             <a:pPr marL="800100" lvl="1" indent="-342900"/>
             <a:r>
               <a:rPr lang="en-US" dirty="0" smtClean="0"/>
-              <a:t>Find code that is highly parallel (</a:t>
-            </a:r>
-            <a:r>
-              <a:rPr lang="en-US" dirty="0" err="1" smtClean="0"/>
-              <a:t>Amhadl’s</a:t>
+              <a:t>Find code that is highly parallel </a:t>
             </a:r>
             <a:r>
               <a:rPr lang="en-US" dirty="0" smtClean="0"/>
-              <a:t> Law)</a:t>
+              <a:t>(Amdahl's </a:t>
+            </a:r>
+            <a:r>
+              <a:rPr lang="en-US" dirty="0" smtClean="0"/>
+              <a:t>Law)</a:t>
             </a:r>
           </a:p>
           <a:p>
@@ -8625,8 +11598,13 @@
             <a:pPr marL="1485900" lvl="2" indent="-342900"/>
             <a:r>
               <a:rPr lang="en-US" dirty="0" smtClean="0"/>
-              <a:t>60 general-purpose CPUs</a:t>
-            </a:r>
+              <a:t>60 general-purpose </a:t>
+            </a:r>
+            <a:r>
+              <a:rPr lang="en-US" dirty="0" smtClean="0"/>
+              <a:t>CPUs, four threads per CPU</a:t>
+            </a:r>
+            <a:endParaRPr lang="en-US" dirty="0" smtClean="0"/>
           </a:p>
           <a:p>
             <a:pPr marL="1943100" lvl="3" indent="-342900"/>
@@ -8681,8 +11659,13 @@
             <a:pPr marL="1485900" lvl="2" indent="-342900"/>
             <a:r>
               <a:rPr lang="en-US" dirty="0" smtClean="0"/>
-              <a:t>Can execute Linux binaries compiled for MIC architecture</a:t>
-            </a:r>
+              <a:t>Can execute Linux binaries compiled for MIC </a:t>
+            </a:r>
+            <a:r>
+              <a:rPr lang="en-US" dirty="0" smtClean="0"/>
+              <a:t>architecture</a:t>
+            </a:r>
+            <a:endParaRPr lang="en-US" dirty="0" smtClean="0"/>
           </a:p>
           <a:p>
             <a:pPr marL="1485900" lvl="2" indent="-342900"/>
@@ -8730,6 +11713,165 @@
       </p:par>
     </p:tnLst>
   </p:timing>
+</p:sld>
+</file>
+
+<file path=ppt/slides/slide9.xml><?xml version="1.0" encoding="utf-8"?>
+<p:sld xmlns:a="http://schemas.openxmlformats.org/drawingml/2006/main" xmlns:r="http://schemas.openxmlformats.org/officeDocument/2006/relationships" xmlns:p="http://schemas.openxmlformats.org/presentationml/2006/main">
+  <p:cSld>
+    <p:spTree>
+      <p:nvGrpSpPr>
+        <p:cNvPr id="1" name=""/>
+        <p:cNvGrpSpPr/>
+        <p:nvPr/>
+      </p:nvGrpSpPr>
+      <p:grpSpPr>
+        <a:xfrm>
+          <a:off x="0" y="0"/>
+          <a:ext cx="0" cy="0"/>
+          <a:chOff x="0" y="0"/>
+          <a:chExt cx="0" cy="0"/>
+        </a:xfrm>
+      </p:grpSpPr>
+      <p:sp>
+        <p:nvSpPr>
+          <p:cNvPr id="2" name="Title 1"/>
+          <p:cNvSpPr>
+            <a:spLocks noGrp="1"/>
+          </p:cNvSpPr>
+          <p:nvPr>
+            <p:ph type="title"/>
+          </p:nvPr>
+        </p:nvSpPr>
+        <p:spPr/>
+        <p:txBody>
+          <a:bodyPr/>
+          <a:lstStyle/>
+          <a:p>
+            <a:r>
+              <a:rPr lang="en-US" dirty="0" smtClean="0"/>
+              <a:t>Xeon Phi</a:t>
+            </a:r>
+            <a:endParaRPr lang="en-US" dirty="0"/>
+          </a:p>
+        </p:txBody>
+      </p:sp>
+      <p:sp>
+        <p:nvSpPr>
+          <p:cNvPr id="4" name="Slide Number Placeholder 3"/>
+          <p:cNvSpPr>
+            <a:spLocks noGrp="1"/>
+          </p:cNvSpPr>
+          <p:nvPr>
+            <p:ph type="sldNum" sz="quarter" idx="12"/>
+          </p:nvPr>
+        </p:nvSpPr>
+        <p:spPr/>
+        <p:txBody>
+          <a:bodyPr/>
+          <a:lstStyle/>
+          <a:p>
+            <a:fld id="{6DA12B36-9664-4CB0-8B2E-F4A2F44AE97E}" type="slidenum">
+              <a:rPr lang="en-US" smtClean="0"/>
+              <a:t>9</a:t>
+            </a:fld>
+            <a:endParaRPr lang="en-US"/>
+          </a:p>
+        </p:txBody>
+      </p:sp>
+      <p:pic>
+        <p:nvPicPr>
+          <p:cNvPr id="1026" name="Picture 2"/>
+          <p:cNvPicPr>
+            <a:picLocks noChangeAspect="1" noChangeArrowheads="1"/>
+          </p:cNvPicPr>
+          <p:nvPr/>
+        </p:nvPicPr>
+        <p:blipFill>
+          <a:blip r:embed="rId2">
+            <a:extLst>
+              <a:ext uri="{28A0092B-C50C-407E-A947-70E740481C1C}">
+                <a14:useLocalDpi xmlns:a14="http://schemas.microsoft.com/office/drawing/2010/main" val="0"/>
+              </a:ext>
+            </a:extLst>
+          </a:blip>
+          <a:srcRect/>
+          <a:stretch>
+            <a:fillRect/>
+          </a:stretch>
+        </p:blipFill>
+        <p:spPr bwMode="auto">
+          <a:xfrm>
+            <a:off x="1524000" y="1752600"/>
+            <a:ext cx="5905500" cy="4429125"/>
+          </a:xfrm>
+          <a:prstGeom prst="rect">
+            <a:avLst/>
+          </a:prstGeom>
+          <a:noFill/>
+          <a:ln>
+            <a:noFill/>
+          </a:ln>
+          <a:extLst>
+            <a:ext uri="{909E8E84-426E-40DD-AFC4-6F175D3DCCD1}">
+              <a14:hiddenFill xmlns:a14="http://schemas.microsoft.com/office/drawing/2010/main">
+                <a:solidFill>
+                  <a:schemeClr val="accent1"/>
+                </a:solidFill>
+              </a14:hiddenFill>
+            </a:ext>
+            <a:ext uri="{91240B29-F687-4F45-9708-019B960494DF}">
+              <a14:hiddenLine xmlns:a14="http://schemas.microsoft.com/office/drawing/2010/main" w="9525">
+                <a:solidFill>
+                  <a:schemeClr val="tx1"/>
+                </a:solidFill>
+                <a:miter lim="800000"/>
+                <a:headEnd/>
+                <a:tailEnd/>
+              </a14:hiddenLine>
+            </a:ext>
+          </a:extLst>
+        </p:spPr>
+      </p:pic>
+      <p:sp>
+        <p:nvSpPr>
+          <p:cNvPr id="5" name="Footer Placeholder 4"/>
+          <p:cNvSpPr>
+            <a:spLocks noGrp="1"/>
+          </p:cNvSpPr>
+          <p:nvPr>
+            <p:ph type="ftr" sz="quarter" idx="11"/>
+          </p:nvPr>
+        </p:nvSpPr>
+        <p:spPr/>
+        <p:txBody>
+          <a:bodyPr/>
+          <a:lstStyle/>
+          <a:p>
+            <a:r>
+              <a:rPr lang="en-US" smtClean="0"/>
+              <a:t>Source: </a:t>
+            </a:r>
+            <a:r>
+              <a:rPr lang="en-US" smtClean="0">
+                <a:hlinkClick r:id="rId3"/>
+              </a:rPr>
+              <a:t>IEEE Spectrum</a:t>
+            </a:r>
+            <a:endParaRPr lang="en-US" dirty="0"/>
+          </a:p>
+        </p:txBody>
+      </p:sp>
+    </p:spTree>
+    <p:extLst>
+      <p:ext uri="{BB962C8B-B14F-4D97-AF65-F5344CB8AC3E}">
+        <p14:creationId xmlns:p14="http://schemas.microsoft.com/office/powerpoint/2010/main" val="3761870858"/>
+      </p:ext>
+    </p:extLst>
+  </p:cSld>
+  <p:clrMapOvr>
+    <a:masterClrMapping/>
+  </p:clrMapOvr>
 </p:sld>
 </file>
 

--- a/Lectures/Hybrid Concurrency/Hybrid Concurrency.pptx
+++ b/Lectures/Hybrid Concurrency/Hybrid Concurrency.pptx
@@ -211,7 +211,7 @@
           <a:p>
             <a:fld id="{DBE0ECA1-3FBF-48AE-AD2A-4439AE745E19}" type="datetimeFigureOut">
               <a:rPr lang="en-US" smtClean="0"/>
-              <a:t>1/13/2014</a:t>
+              <a:t>2/13/2014</a:t>
             </a:fld>
             <a:endParaRPr lang="en-US"/>
           </a:p>
@@ -672,7 +672,7 @@
           <a:p>
             <a:fld id="{9769DED8-28D4-45B9-A00F-7CFE9335FEA6}" type="datetime1">
               <a:rPr lang="en-US" smtClean="0"/>
-              <a:t>1/13/2014</a:t>
+              <a:t>2/13/2014</a:t>
             </a:fld>
             <a:endParaRPr lang="en-US"/>
           </a:p>
@@ -937,7 +937,7 @@
           <a:p>
             <a:fld id="{2DB3D439-1F88-44B4-B5F7-F9BCD4064257}" type="datetime1">
               <a:rPr lang="en-US" smtClean="0"/>
-              <a:t>1/13/2014</a:t>
+              <a:t>2/13/2014</a:t>
             </a:fld>
             <a:endParaRPr lang="en-US"/>
           </a:p>
@@ -1112,7 +1112,7 @@
           <a:p>
             <a:fld id="{99C5638F-6F55-4055-935C-67841BE78C36}" type="datetime1">
               <a:rPr lang="en-US" smtClean="0"/>
-              <a:t>1/13/2014</a:t>
+              <a:t>2/13/2014</a:t>
             </a:fld>
             <a:endParaRPr lang="en-US"/>
           </a:p>
@@ -1277,7 +1277,7 @@
           <a:p>
             <a:fld id="{E6987D90-0C92-4B22-A29D-FED15412CED2}" type="datetime1">
               <a:rPr lang="en-US" smtClean="0"/>
-              <a:t>1/13/2014</a:t>
+              <a:t>2/13/2014</a:t>
             </a:fld>
             <a:endParaRPr lang="en-US"/>
           </a:p>
@@ -1526,7 +1526,7 @@
           <a:p>
             <a:fld id="{DDB67BC4-9554-49E0-BCB3-D1EF965BA0B8}" type="datetime1">
               <a:rPr lang="en-US" smtClean="0"/>
-              <a:t>1/13/2014</a:t>
+              <a:t>2/13/2014</a:t>
             </a:fld>
             <a:endParaRPr lang="en-US"/>
           </a:p>
@@ -1809,7 +1809,7 @@
           <a:p>
             <a:fld id="{EC24D770-803D-4E01-921C-9C100DD8230C}" type="datetime1">
               <a:rPr lang="en-US" smtClean="0"/>
-              <a:t>1/13/2014</a:t>
+              <a:t>2/13/2014</a:t>
             </a:fld>
             <a:endParaRPr lang="en-US"/>
           </a:p>
@@ -2248,7 +2248,7 @@
           <a:p>
             <a:fld id="{356AD44B-78A4-4209-8070-7DCBE2DC4992}" type="datetime1">
               <a:rPr lang="en-US" smtClean="0"/>
-              <a:t>1/13/2014</a:t>
+              <a:t>2/13/2014</a:t>
             </a:fld>
             <a:endParaRPr lang="en-US"/>
           </a:p>
@@ -2361,7 +2361,7 @@
           <a:p>
             <a:fld id="{A993C59A-7CA2-467F-B7F1-9096881A01B8}" type="datetime1">
               <a:rPr lang="en-US" smtClean="0"/>
-              <a:t>1/13/2014</a:t>
+              <a:t>2/13/2014</a:t>
             </a:fld>
             <a:endParaRPr lang="en-US"/>
           </a:p>
@@ -2451,7 +2451,7 @@
           <a:p>
             <a:fld id="{2B6B58D0-2488-434A-8ED1-692E09B85CC5}" type="datetime1">
               <a:rPr lang="en-US" smtClean="0"/>
-              <a:t>1/13/2014</a:t>
+              <a:t>2/13/2014</a:t>
             </a:fld>
             <a:endParaRPr lang="en-US"/>
           </a:p>
@@ -2693,7 +2693,7 @@
           <a:p>
             <a:fld id="{FDB0AFC2-7D64-4F61-A7B7-9932D3305DDA}" type="datetime1">
               <a:rPr lang="en-US" smtClean="0"/>
-              <a:t>1/13/2014</a:t>
+              <a:t>2/13/2014</a:t>
             </a:fld>
             <a:endParaRPr lang="en-US"/>
           </a:p>
@@ -2987,7 +2987,7 @@
           <a:p>
             <a:fld id="{4983D17A-D7B2-4ECE-8A2C-93679B9D177B}" type="datetime1">
               <a:rPr lang="en-US" smtClean="0"/>
-              <a:t>1/13/2014</a:t>
+              <a:t>2/13/2014</a:t>
             </a:fld>
             <a:endParaRPr lang="en-US"/>
           </a:p>
@@ -3281,7 +3281,7 @@
           <a:p>
             <a:fld id="{2A5275F7-419E-4C23-8A3D-2EE5742B2EC9}" type="datetime1">
               <a:rPr lang="en-US" smtClean="0"/>
-              <a:t>1/13/2014</a:t>
+              <a:t>2/13/2014</a:t>
             </a:fld>
             <a:endParaRPr lang="en-US"/>
           </a:p>
@@ -4015,6 +4015,13 @@
   <p:clrMapOvr>
     <a:masterClrMapping/>
   </p:clrMapOvr>
+  <p:timing>
+    <p:tnLst>
+      <p:par>
+        <p:cTn id="1" dur="indefinite" restart="never" nodeType="tmRoot"/>
+      </p:par>
+    </p:tnLst>
+  </p:timing>
 </p:sld>
 </file>
 
@@ -7916,11 +7923,7 @@
             <a:pPr marL="800100" lvl="1" indent="-342900"/>
             <a:r>
               <a:rPr lang="en-US" dirty="0" smtClean="0"/>
-              <a:t>GPUs </a:t>
-            </a:r>
-            <a:r>
-              <a:rPr lang="en-US" dirty="0" smtClean="0"/>
-              <a:t>do not execute not x86 or x64 code</a:t>
+              <a:t>GPUs do not execute not x86 or x64 code</a:t>
             </a:r>
           </a:p>
           <a:p>
@@ -8255,15 +8258,7 @@
             <a:pPr marL="800100" lvl="1" indent="-342900"/>
             <a:r>
               <a:rPr lang="en-US" dirty="0" smtClean="0"/>
-              <a:t>Find code that is highly parallel </a:t>
-            </a:r>
-            <a:r>
-              <a:rPr lang="en-US" dirty="0" smtClean="0"/>
-              <a:t>(Amdahl's </a:t>
-            </a:r>
-            <a:r>
-              <a:rPr lang="en-US" dirty="0" smtClean="0"/>
-              <a:t>Law)</a:t>
+              <a:t>Find code that is highly parallel (Amdahl's Law)</a:t>
             </a:r>
           </a:p>
           <a:p>
@@ -8277,7 +8272,11 @@
             <a:pPr marL="1485900" lvl="2" indent="-342900"/>
             <a:r>
               <a:rPr lang="en-US" dirty="0" smtClean="0"/>
-              <a:t>Cost to move memory to and from the GPU</a:t>
+              <a:t>Costly </a:t>
+            </a:r>
+            <a:r>
+              <a:rPr lang="en-US" dirty="0" smtClean="0"/>
+              <a:t>to move memory to and from the GPU</a:t>
             </a:r>
           </a:p>
           <a:p>
@@ -11598,13 +11597,8 @@
             <a:pPr marL="1485900" lvl="2" indent="-342900"/>
             <a:r>
               <a:rPr lang="en-US" dirty="0" smtClean="0"/>
-              <a:t>60 general-purpose </a:t>
-            </a:r>
-            <a:r>
-              <a:rPr lang="en-US" dirty="0" smtClean="0"/>
-              <a:t>CPUs, four threads per CPU</a:t>
-            </a:r>
-            <a:endParaRPr lang="en-US" dirty="0" smtClean="0"/>
+              <a:t>60 general-purpose CPUs, four threads per CPU</a:t>
+            </a:r>
           </a:p>
           <a:p>
             <a:pPr marL="1943100" lvl="3" indent="-342900"/>
@@ -11659,13 +11653,8 @@
             <a:pPr marL="1485900" lvl="2" indent="-342900"/>
             <a:r>
               <a:rPr lang="en-US" dirty="0" smtClean="0"/>
-              <a:t>Can execute Linux binaries compiled for MIC </a:t>
-            </a:r>
-            <a:r>
-              <a:rPr lang="en-US" dirty="0" smtClean="0"/>
-              <a:t>architecture</a:t>
-            </a:r>
-            <a:endParaRPr lang="en-US" dirty="0" smtClean="0"/>
+              <a:t>Can execute Linux binaries compiled for MIC architecture</a:t>
+            </a:r>
           </a:p>
           <a:p>
             <a:pPr marL="1485900" lvl="2" indent="-342900"/>
@@ -11872,6 +11861,13 @@
   <p:clrMapOvr>
     <a:masterClrMapping/>
   </p:clrMapOvr>
+  <p:timing>
+    <p:tnLst>
+      <p:par>
+        <p:cTn id="1" dur="indefinite" restart="never" nodeType="tmRoot"/>
+      </p:par>
+    </p:tnLst>
+  </p:timing>
 </p:sld>
 </file>
 

--- a/Lectures/Hybrid Concurrency/Hybrid Concurrency.pptx
+++ b/Lectures/Hybrid Concurrency/Hybrid Concurrency.pptx
@@ -126,7 +126,1560 @@
       </a:defRPr>
     </a:lvl9pPr>
   </p:defaultTextStyle>
+  <p:extLst>
+    <p:ext uri="{EFAFB233-063F-42B5-8137-9DF3F51BA10A}">
+      <p15:sldGuideLst xmlns:p15="http://schemas.microsoft.com/office/powerpoint/2012/main">
+        <p15:guide id="1" orient="horz" pos="2160">
+          <p15:clr>
+            <a:srgbClr val="A4A3A4"/>
+          </p15:clr>
+        </p15:guide>
+        <p15:guide id="2" pos="2880">
+          <p15:clr>
+            <a:srgbClr val="A4A3A4"/>
+          </p15:clr>
+        </p15:guide>
+      </p15:sldGuideLst>
+    </p:ext>
+  </p:extLst>
 </p:presentation>
+</file>
+
+<file path=ppt/ink/ink1.xml><?xml version="1.0" encoding="utf-8"?>
+<inkml:ink xmlns:inkml="http://www.w3.org/2003/InkML">
+  <inkml:definitions>
+    <inkml:context xml:id="ctx0">
+      <inkml:inkSource xml:id="inkSrc0">
+        <inkml:traceFormat>
+          <inkml:channel name="X" type="integer" max="26312" units="in"/>
+          <inkml:channel name="Y" type="integer" max="16520" units="in"/>
+          <inkml:channel name="F" type="integer" max="255" units="dev"/>
+          <inkml:channel name="T" type="integer" max="2.14748E9" units="dev"/>
+        </inkml:traceFormat>
+        <inkml:channelProperties>
+          <inkml:channelProperty channel="X" name="resolution" value="2540.01343" units="1/in"/>
+          <inkml:channelProperty channel="Y" name="resolution" value="2540.36597" units="1/in"/>
+          <inkml:channelProperty channel="F" name="resolution" value="3.97878E-7" units="1/dev"/>
+          <inkml:channelProperty channel="T" name="resolution" value="1" units="1/dev"/>
+        </inkml:channelProperties>
+      </inkml:inkSource>
+      <inkml:timestamp xml:id="ts0" timeString="2014-02-18T01:10:03.914"/>
+    </inkml:context>
+    <inkml:brush xml:id="br0">
+      <inkml:brushProperty name="width" value="0.04667" units="cm"/>
+      <inkml:brushProperty name="height" value="0.04667" units="cm"/>
+      <inkml:brushProperty name="fitToCurve" value="1"/>
+    </inkml:brush>
+  </inkml:definitions>
+  <inkml:traceGroup>
+    <inkml:annotationXML>
+      <emma:emma xmlns:emma="http://www.w3.org/2003/04/emma" version="1.0">
+        <emma:interpretation id="{67589F40-3255-4954-978D-0DEF6FAAC3FA}" emma:medium="tactile" emma:mode="ink">
+          <msink:context xmlns:msink="http://schemas.microsoft.com/ink/2010/main" type="inkDrawing" rotatedBoundingBox="9277,13766 9632,16982 9605,16985 9251,13769" semanticType="verticalRange" shapeName="Other"/>
+        </emma:interpretation>
+      </emma:emma>
+    </inkml:annotationXML>
+    <inkml:trace contextRef="#ctx0" brushRef="#br0">-1-5 0 0,'0'0'7'0,"-4"-21"-1"15,4 21-1-15,0 0 1 16,0 0 1-16,0 0 1 16,0 0 0-16,-2 19 0 15,10 16 0-15,-6 3 0 16,9 24 0-16,-7 9 0 15,13 27-2-15,-9 15-1 16,13 33-2-16,-9 18-1 16,12 34 0-16,-4 21 1 15,4 15 0-15,1 3 0 16,4 7-1-16,-4-16 0 15,2-10 1-15,-2-24-1 16,-2-21 0-16,-6-37-1 16,-2-21-1-16,-7-26-2 0,-6-18-1 15,3-8-4-15,-16-34-8 16,11-6-9-16,0-23-8 15,0 0 1-15</inkml:trace>
+  </inkml:traceGroup>
+</inkml:ink>
+</file>
+
+<file path=ppt/ink/ink10.xml><?xml version="1.0" encoding="utf-8"?>
+<inkml:ink xmlns:inkml="http://www.w3.org/2003/InkML">
+  <inkml:definitions>
+    <inkml:context xml:id="ctx0">
+      <inkml:inkSource xml:id="inkSrc0">
+        <inkml:traceFormat>
+          <inkml:channel name="X" type="integer" max="26312" units="in"/>
+          <inkml:channel name="Y" type="integer" max="16520" units="in"/>
+          <inkml:channel name="F" type="integer" max="255" units="dev"/>
+          <inkml:channel name="T" type="integer" max="2.14748E9" units="dev"/>
+        </inkml:traceFormat>
+        <inkml:channelProperties>
+          <inkml:channelProperty channel="X" name="resolution" value="2540.01343" units="1/in"/>
+          <inkml:channelProperty channel="Y" name="resolution" value="2540.36597" units="1/in"/>
+          <inkml:channelProperty channel="F" name="resolution" value="3.97878E-7" units="1/dev"/>
+          <inkml:channelProperty channel="T" name="resolution" value="1" units="1/dev"/>
+        </inkml:channelProperties>
+      </inkml:inkSource>
+      <inkml:timestamp xml:id="ts0" timeString="2014-02-18T01:10:21.508"/>
+    </inkml:context>
+    <inkml:brush xml:id="br0">
+      <inkml:brushProperty name="width" value="0.04667" units="cm"/>
+      <inkml:brushProperty name="height" value="0.04667" units="cm"/>
+      <inkml:brushProperty name="fitToCurve" value="1"/>
+    </inkml:brush>
+  </inkml:definitions>
+  <inkml:traceGroup>
+    <inkml:annotationXML>
+      <emma:emma xmlns:emma="http://www.w3.org/2003/04/emma" version="1.0">
+        <emma:interpretation id="{A5B4B7CB-022A-4004-8C40-206C41BEE9FF}" emma:medium="tactile" emma:mode="ink">
+          <msink:context xmlns:msink="http://schemas.microsoft.com/ink/2010/main" type="writingRegion" rotatedBoundingBox="9801,15480 10360,15480 10360,16105 9801,16105">
+            <msink:destinationLink direction="with" ref="{87ABFD4E-8B68-4587-8254-9DC5642EF560}"/>
+          </msink:context>
+        </emma:interpretation>
+      </emma:emma>
+    </inkml:annotationXML>
+    <inkml:traceGroup>
+      <inkml:annotationXML>
+        <emma:emma xmlns:emma="http://www.w3.org/2003/04/emma" version="1.0">
+          <emma:interpretation id="{4E558C20-ECE3-4A69-940B-510205EDDFBD}" emma:medium="tactile" emma:mode="ink">
+            <msink:context xmlns:msink="http://schemas.microsoft.com/ink/2010/main" type="paragraph" rotatedBoundingBox="9801,15480 10360,15480 10360,16105 9801,16105" alignmentLevel="1"/>
+          </emma:interpretation>
+        </emma:emma>
+      </inkml:annotationXML>
+      <inkml:traceGroup>
+        <inkml:annotationXML>
+          <emma:emma xmlns:emma="http://www.w3.org/2003/04/emma" version="1.0">
+            <emma:interpretation id="{B6DD9434-497D-452A-8E5D-9509141ACFBB}" emma:medium="tactile" emma:mode="ink">
+              <msink:context xmlns:msink="http://schemas.microsoft.com/ink/2010/main" type="line" rotatedBoundingBox="9801,15480 10360,15480 10360,16105 9801,16105"/>
+            </emma:interpretation>
+          </emma:emma>
+        </inkml:annotationXML>
+        <inkml:traceGroup>
+          <inkml:annotationXML>
+            <emma:emma xmlns:emma="http://www.w3.org/2003/04/emma" version="1.0">
+              <emma:interpretation id="{45FD794B-ED03-40CB-8710-98BDA952A2FF}" emma:medium="tactile" emma:mode="ink">
+                <msink:context xmlns:msink="http://schemas.microsoft.com/ink/2010/main" type="inkWord" rotatedBoundingBox="9801,15480 10360,15480 10360,16105 9801,16105"/>
+              </emma:interpretation>
+              <emma:one-of disjunction-type="recognition" id="oneOf0">
+                <emma:interpretation id="interp0" emma:lang="en-US" emma:confidence="1">
+                  <emma:literal>A</emma:literal>
+                </emma:interpretation>
+                <emma:interpretation id="interp1" emma:lang="en-US" emma:confidence="0">
+                  <emma:literal>a</emma:literal>
+                </emma:interpretation>
+                <emma:interpretation id="interp2" emma:lang="en-US" emma:confidence="0">
+                  <emma:literal>£</emma:literal>
+                </emma:interpretation>
+                <emma:interpretation id="interp3" emma:lang="en-US" emma:confidence="0">
+                  <emma:literal>t</emma:literal>
+                </emma:interpretation>
+                <emma:interpretation id="interp4" emma:lang="en-US" emma:confidence="0">
+                  <emma:literal>H</emma:literal>
+                </emma:interpretation>
+              </emma:one-of>
+            </emma:emma>
+          </inkml:annotationXML>
+          <inkml:trace contextRef="#ctx0" brushRef="#br0">-2014 3604 11 0,'-17'17'9'15,"17"-17"-1"-15,-6 23 0 16,6 0-1-16,-9 2 0 16,9 12-1-16,-8-7 1 15,4 3-2-15,-5-8 0 16,7 4 0-1,2-29-1-15,-6 23 0 0,6-23-1 16,0-29 0-16,2-2-1 16,8-5 0-16,-1-8-2 15,8-12 0-15,1-2 0 16,3-5 0-16,4 11-1 0,1 2 1 15,1 10 0-15,0 11 1 16,-2 15 0-16,-2 18 1 16,2 10-1-16,-4 18 1 15,2 3-1-15,0 17 1 16,-2-4 0-16,4 10-1 15,1 1 0-15,-3 1-2 16,4-3 0-16,-4-7-1 16,6 4-3-16,-12-19-4 15,14 7-6-15,-16-17-7 16,-15-25-7-16</inkml:trace>
+          <inkml:trace contextRef="#ctx0" brushRef="#br0" timeOffset="225">-2019 3719 16 0,'0'0'25'0,"44"14"-2"15,-12-11-20-15,8-1-4 16,1-2-2-16,14 10-4 16,-15-4-3-16,10 11-5 15,-6 0-6-15</inkml:trace>
+        </inkml:traceGroup>
+      </inkml:traceGroup>
+    </inkml:traceGroup>
+  </inkml:traceGroup>
+</inkml:ink>
+</file>
+
+<file path=ppt/ink/ink11.xml><?xml version="1.0" encoding="utf-8"?>
+<inkml:ink xmlns:inkml="http://www.w3.org/2003/InkML">
+  <inkml:definitions>
+    <inkml:context xml:id="ctx0">
+      <inkml:inkSource xml:id="inkSrc0">
+        <inkml:traceFormat>
+          <inkml:channel name="X" type="integer" max="26312" units="in"/>
+          <inkml:channel name="Y" type="integer" max="16520" units="in"/>
+          <inkml:channel name="F" type="integer" max="255" units="dev"/>
+          <inkml:channel name="T" type="integer" max="2.14748E9" units="dev"/>
+        </inkml:traceFormat>
+        <inkml:channelProperties>
+          <inkml:channelProperty channel="X" name="resolution" value="2540.01343" units="1/in"/>
+          <inkml:channelProperty channel="Y" name="resolution" value="2540.36597" units="1/in"/>
+          <inkml:channelProperty channel="F" name="resolution" value="3.97878E-7" units="1/dev"/>
+          <inkml:channelProperty channel="T" name="resolution" value="1" units="1/dev"/>
+        </inkml:channelProperties>
+      </inkml:inkSource>
+      <inkml:timestamp xml:id="ts0" timeString="2014-02-18T01:11:01.202"/>
+    </inkml:context>
+    <inkml:brush xml:id="br0">
+      <inkml:brushProperty name="width" value="0.04667" units="cm"/>
+      <inkml:brushProperty name="height" value="0.04667" units="cm"/>
+      <inkml:brushProperty name="fitToCurve" value="1"/>
+    </inkml:brush>
+  </inkml:definitions>
+  <inkml:traceGroup>
+    <inkml:annotationXML>
+      <emma:emma xmlns:emma="http://www.w3.org/2003/04/emma" version="1.0">
+        <emma:interpretation id="{42DE5DFD-11BD-4CF3-9EC5-8DBDF1FCF6E8}" emma:medium="tactile" emma:mode="ink">
+          <msink:context xmlns:msink="http://schemas.microsoft.com/ink/2010/main" type="writingRegion" rotatedBoundingBox="11732,15125 12490,15125 12490,16099 11732,16099"/>
+        </emma:interpretation>
+      </emma:emma>
+    </inkml:annotationXML>
+    <inkml:traceGroup>
+      <inkml:annotationXML>
+        <emma:emma xmlns:emma="http://www.w3.org/2003/04/emma" version="1.0">
+          <emma:interpretation id="{F04B1873-790D-4B66-8462-375AFA8B8878}" emma:medium="tactile" emma:mode="ink">
+            <msink:context xmlns:msink="http://schemas.microsoft.com/ink/2010/main" type="paragraph" rotatedBoundingBox="11732,15125 12490,15125 12490,16099 11732,16099" alignmentLevel="1"/>
+          </emma:interpretation>
+        </emma:emma>
+      </inkml:annotationXML>
+      <inkml:traceGroup>
+        <inkml:annotationXML>
+          <emma:emma xmlns:emma="http://www.w3.org/2003/04/emma" version="1.0">
+            <emma:interpretation id="{E1C9E84D-B458-4BBA-A088-09F82B82FBCD}" emma:medium="tactile" emma:mode="ink">
+              <msink:context xmlns:msink="http://schemas.microsoft.com/ink/2010/main" type="line" rotatedBoundingBox="11732,15125 12490,15125 12490,16099 11732,16099"/>
+            </emma:interpretation>
+          </emma:emma>
+        </inkml:annotationXML>
+        <inkml:traceGroup>
+          <inkml:annotationXML>
+            <emma:emma xmlns:emma="http://www.w3.org/2003/04/emma" version="1.0">
+              <emma:interpretation id="{F1BACBDD-862D-4844-9803-762EEC6D1A3A}" emma:medium="tactile" emma:mode="ink">
+                <msink:context xmlns:msink="http://schemas.microsoft.com/ink/2010/main" type="inkWord" rotatedBoundingBox="11732,15125 12490,15125 12490,16099 11732,16099"/>
+              </emma:interpretation>
+              <emma:one-of disjunction-type="recognition" id="oneOf0">
+                <emma:interpretation id="interp0" emma:lang="en-US" emma:confidence="1">
+                  <emma:literal>3</emma:literal>
+                </emma:interpretation>
+                <emma:interpretation id="interp1" emma:lang="en-US" emma:confidence="0">
+                  <emma:literal>Z</emma:literal>
+                </emma:interpretation>
+                <emma:interpretation id="interp2" emma:lang="en-US" emma:confidence="0">
+                  <emma:literal>,</emma:literal>
+                </emma:interpretation>
+                <emma:interpretation id="interp3" emma:lang="en-US" emma:confidence="0">
+                  <emma:literal>}</emma:literal>
+                </emma:interpretation>
+                <emma:interpretation id="interp4" emma:lang="en-US" emma:confidence="0">
+                  <emma:literal>z</emma:literal>
+                </emma:interpretation>
+              </emma:one-of>
+            </emma:emma>
+          </inkml:annotationXML>
+          <inkml:trace contextRef="#ctx0" brushRef="#br0">1998-1480 6 0,'23'17'22'16,"-23"-17"-8"-16,0 0-6 15,0 0 0-15,0 0-1 16,0 0 0-16,0 0 0 15,0 0 2-15,0 0-3 16,25-9-1-16,-25 9-1 16,42-29-1-16,-15 4 0 15,15 6 0-15,9-8-1 16,3 0-1-16,7 0 1 15,4 8-1-15,-7 0 0 0,-3 11 0 16,-5 8-1-16,-12 11 0 16,-15 7 1-1,-6 12-1-15,-20 15 0 0,-13 3 1 16,-16 11 0-16,-5 3 0 15,-12 1-1 1,-3 1 0-16,-7-1 1 16,7-7-1-16,0-12 0 0,6-4 0 15,12-9 0-15,11-10 0 16,23-21 0-16,0 0 0 15,0 0 0-15,44 6 0 16,4-16 0-16,11-1 0 16,6 3 0-16,4-3 0 15,2 7 1 1,-6 4 0-16,-10 7 0 0,-7 3 1 15,-15 5-1-15,-16 7 1 16,-17 1 0-16,-8 9 1 0,-22-3-2 16,-10 2 1-16,-14 2 0 15,-9 1-2-15,-10-5 1 16,-3-2-1-16,1-4-1 15,-2-4-2-15,7 2-2 16,-3-23-10-16,29 6-17 16,0-6-1-16,13-5 0 15</inkml:trace>
+        </inkml:traceGroup>
+      </inkml:traceGroup>
+    </inkml:traceGroup>
+  </inkml:traceGroup>
+</inkml:ink>
+</file>
+
+<file path=ppt/ink/ink12.xml><?xml version="1.0" encoding="utf-8"?>
+<inkml:ink xmlns:inkml="http://www.w3.org/2003/InkML">
+  <inkml:definitions>
+    <inkml:context xml:id="ctx0">
+      <inkml:inkSource xml:id="inkSrc0">
+        <inkml:traceFormat>
+          <inkml:channel name="X" type="integer" max="26312" units="in"/>
+          <inkml:channel name="Y" type="integer" max="16520" units="in"/>
+          <inkml:channel name="F" type="integer" max="255" units="dev"/>
+          <inkml:channel name="T" type="integer" max="2.14748E9" units="dev"/>
+        </inkml:traceFormat>
+        <inkml:channelProperties>
+          <inkml:channelProperty channel="X" name="resolution" value="2540.01343" units="1/in"/>
+          <inkml:channelProperty channel="Y" name="resolution" value="2540.36597" units="1/in"/>
+          <inkml:channelProperty channel="F" name="resolution" value="3.97878E-7" units="1/dev"/>
+          <inkml:channelProperty channel="T" name="resolution" value="1" units="1/dev"/>
+        </inkml:channelProperties>
+      </inkml:inkSource>
+      <inkml:timestamp xml:id="ts0" timeString="2014-02-18T01:11:08.270"/>
+    </inkml:context>
+    <inkml:brush xml:id="br0">
+      <inkml:brushProperty name="width" value="0.04667" units="cm"/>
+      <inkml:brushProperty name="height" value="0.04667" units="cm"/>
+      <inkml:brushProperty name="fitToCurve" value="1"/>
+    </inkml:brush>
+  </inkml:definitions>
+  <inkml:traceGroup>
+    <inkml:annotationXML>
+      <emma:emma xmlns:emma="http://www.w3.org/2003/04/emma" version="1.0">
+        <emma:interpretation id="{6C3B2107-5B59-4055-A651-763A00B51CF9}" emma:medium="tactile" emma:mode="ink">
+          <msink:context xmlns:msink="http://schemas.microsoft.com/ink/2010/main" type="inkDrawing" rotatedBoundingBox="13445,16415 15794,16140 15809,16264 13460,16539" semanticType="underline" shapeName="Other">
+            <msink:sourceLink direction="with" ref="{42AC4D9B-13E9-4C65-9265-9A90544E6959}"/>
+            <msink:sourceLink direction="with" ref="{2B7E1D62-1CF7-4810-9C0C-AA0FDD6CE2DA}"/>
+          </msink:context>
+        </emma:interpretation>
+      </emma:emma>
+    </inkml:annotationXML>
+    <inkml:trace contextRef="#ctx0" brushRef="#br0">0 308 15 0,'0'0'13'0,"35"-23"-5"0,-8 12-3 16,-1-5 1-16,9 5-1 15,-10-3 1-15,17 5 0 16,-6-7 1-16,8 11-1 15,0-7 0-15,14 8-1 16,1-9-1-16,4 7-2 16,10-7 1-16,7 3-1 15,3-7 1-15,12 3-1 16,-3-7 1-16,6 4-1 15,-3-2 0-15,5 7-1 16,-8-1 0-16,0 1 0 16,-6 4 0-16,0 1-1 15,-2 3 0-15,0 2 0 16,-11 2 0-16,0 2 0 0,-6 0 0 15,-4-2 0 1,-4 4-1-16,-9-1 0 0,-4 1 0 16,-4-6-2-16,0 8-1 15,-15-8-3-15,9 10-3 16,-36-8-8-16,35-8-11 15,-35 8 0-15</inkml:trace>
+  </inkml:traceGroup>
+</inkml:ink>
+</file>
+
+<file path=ppt/ink/ink13.xml><?xml version="1.0" encoding="utf-8"?>
+<inkml:ink xmlns:inkml="http://www.w3.org/2003/InkML">
+  <inkml:definitions>
+    <inkml:context xml:id="ctx0">
+      <inkml:inkSource xml:id="inkSrc0">
+        <inkml:traceFormat>
+          <inkml:channel name="X" type="integer" max="26312" units="in"/>
+          <inkml:channel name="Y" type="integer" max="16520" units="in"/>
+          <inkml:channel name="F" type="integer" max="255" units="dev"/>
+          <inkml:channel name="T" type="integer" max="2.14748E9" units="dev"/>
+        </inkml:traceFormat>
+        <inkml:channelProperties>
+          <inkml:channelProperty channel="X" name="resolution" value="2540.01343" units="1/in"/>
+          <inkml:channelProperty channel="Y" name="resolution" value="2540.36597" units="1/in"/>
+          <inkml:channelProperty channel="F" name="resolution" value="3.97878E-7" units="1/dev"/>
+          <inkml:channelProperty channel="T" name="resolution" value="1" units="1/dev"/>
+        </inkml:channelProperties>
+      </inkml:inkSource>
+      <inkml:timestamp xml:id="ts0" timeString="2014-02-18T01:10:46.817"/>
+    </inkml:context>
+    <inkml:brush xml:id="br0">
+      <inkml:brushProperty name="width" value="0.04667" units="cm"/>
+      <inkml:brushProperty name="height" value="0.04667" units="cm"/>
+      <inkml:brushProperty name="fitToCurve" value="1"/>
+    </inkml:brush>
+  </inkml:definitions>
+  <inkml:traceGroup>
+    <inkml:annotationXML>
+      <emma:emma xmlns:emma="http://www.w3.org/2003/04/emma" version="1.0">
+        <emma:interpretation id="{6A99A2CF-ED80-424C-A4F2-8F987266C45C}" emma:medium="tactile" emma:mode="ink">
+          <msink:context xmlns:msink="http://schemas.microsoft.com/ink/2010/main" type="writingRegion" rotatedBoundingBox="19063,17706 24970,15361 25433,16527 19525,18871"/>
+        </emma:interpretation>
+      </emma:emma>
+    </inkml:annotationXML>
+    <inkml:traceGroup>
+      <inkml:annotationXML>
+        <emma:emma xmlns:emma="http://www.w3.org/2003/04/emma" version="1.0">
+          <emma:interpretation id="{DC31D2D9-5461-4003-B5F9-E70E07C643EA}" emma:medium="tactile" emma:mode="ink">
+            <msink:context xmlns:msink="http://schemas.microsoft.com/ink/2010/main" type="paragraph" rotatedBoundingBox="19063,17706 24970,15361 25433,16527 19525,18871" alignmentLevel="1"/>
+          </emma:interpretation>
+        </emma:emma>
+      </inkml:annotationXML>
+      <inkml:traceGroup>
+        <inkml:annotationXML>
+          <emma:emma xmlns:emma="http://www.w3.org/2003/04/emma" version="1.0">
+            <emma:interpretation id="{5E5360C4-BC30-4279-ACFA-60E629DDD51E}" emma:medium="tactile" emma:mode="ink">
+              <msink:context xmlns:msink="http://schemas.microsoft.com/ink/2010/main" type="line" rotatedBoundingBox="19063,17706 24970,15361 25433,16527 19525,18871"/>
+            </emma:interpretation>
+          </emma:emma>
+        </inkml:annotationXML>
+        <inkml:traceGroup>
+          <inkml:annotationXML>
+            <emma:emma xmlns:emma="http://www.w3.org/2003/04/emma" version="1.0">
+              <emma:interpretation id="{1CE05F16-4E44-462D-A3AF-DC3A6540C161}" emma:medium="tactile" emma:mode="ink">
+                <msink:context xmlns:msink="http://schemas.microsoft.com/ink/2010/main" type="inkWord" rotatedBoundingBox="21513,16981 25055,15575 25433,16527 21891,17933"/>
+              </emma:interpretation>
+              <emma:one-of disjunction-type="recognition" id="oneOf0">
+                <emma:interpretation id="interp0" emma:lang="en-US" emma:confidence="0">
+                  <emma:literal>optima.</emma:literal>
+                </emma:interpretation>
+                <emma:interpretation id="interp1" emma:lang="en-US" emma:confidence="0">
+                  <emma:literal>optima,</emma:literal>
+                </emma:interpretation>
+                <emma:interpretation id="interp2" emma:lang="en-US" emma:confidence="0">
+                  <emma:literal>optima:</emma:literal>
+                </emma:interpretation>
+                <emma:interpretation id="interp3" emma:lang="en-US" emma:confidence="0">
+                  <emma:literal>a-parrot</emma:literal>
+                </emma:interpretation>
+                <emma:interpretation id="interp4" emma:lang="en-US" emma:confidence="0">
+                  <emma:literal>a-Daewoo*</emma:literal>
+                </emma:interpretation>
+              </emma:one-of>
+            </emma:emma>
+          </inkml:annotationXML>
+          <inkml:trace contextRef="#ctx0" brushRef="#br0">7659 3445 8 0,'-10'-21'31'0,"10"21"1"15,0 0-7-15,0 0-11 16,-7 27-4-16,7-27-3 16,7 52-1-16,-7-16-2 15,8 16 0-15,-6 0-2 16,2 8 0-16,-4 1-1 15,3-11 0-15,-6 0-1 16,1-15 0-16,0-8 0 16,2-27 0-16,0 0-1 0,0 0 0 15,-6-33 0-15,4-9-1 16,4-10 1-16,0-6-1 15,2-15 1 1,-2-8 0-16,7-1-1 0,-3-1 1 16,4 8 1-16,1 4 0 15,6 10 0-15,2 13 1 16,-1 13 0-16,8 16 0 15,3 13 1-15,6 16 0 16,-3 11 0-16,6 13 0 16,-3 7-1-16,5 14 0 15,-7 1 0-15,3 4-1 16,-7-3 1-16,-4 1-2 15,1-6-1-15,-10-10 0 0,5-7-1 16,-12-16-3-16,10 12-8 16,-19-31-18-16,0 0-3 15,0 0 2-15</inkml:trace>
+          <inkml:trace contextRef="#ctx0" brushRef="#br0" timeOffset="288">7655 3662 10 0,'0'0'31'0,"-21"10"2"0,21-10 1 16,0 0-20-16,23 0-6 15,-4-8-2-15,17 8-1 16,-3-11-1-16,11 3-2 16,-4-7 0-16,4 1-2 15,-2-1-1 1,-7-6-2-16,3 9-1 0,-15-11-3 15,17 17-10-15,-40 6-17 16,46-28 0-16,-25 14 1 16</inkml:trace>
+          <inkml:trace contextRef="#ctx0" brushRef="#br0" timeOffset="1285">8847 3024 7 0,'-36'16'33'0,"0"5"0"16,-3 2 1-16,11 10-19 16,-24-18-6-16,19 16-3 15,-9-6-1-15,17 11-2 0,-3-11-1 16,16 4 0-16,3-6 0 15,14 2 0 1,-5-25-1-16,37 35 0 0,-3-26-1 16,6-1 0-16,4 0-1 15,4-8-2-15,-4 5 1 31,0-12-4-31,6 16-7 0,-19-20-21 0,7 5-2 16,-9-9 2-16</inkml:trace>
+          <inkml:trace contextRef="#ctx0" brushRef="#br0" timeOffset="992">9245 3055 29 0,'18'-11'32'15,"-18"11"0"-15,0 0-13 16,-16 17-6-16,-18-15-5 16,11 19-3-16,-17-6 0 15,-2 8-2-15,-16-3 0 16,5 8-1-16,-14-3-1 15,5 6 0-15,-3-6 0 16,6 0-1-16,11-6 0 16,6-5 0-16,6-1-1 15,11-11-1 1,25-2 0-16,0 0-2 0,0 0-6 15,9-46-11-15,20 29-14 0,2-10 1 16,7 2 1-16</inkml:trace>
+          <inkml:trace contextRef="#ctx0" brushRef="#br0" timeOffset="2290">9500 2309 4 0,'0'0'30'0,"0"0"-7"16,-19-17-3-16,19 17-2 16,0 0-5-16,2 23-2 15,-2-23-3-15,-10 29-2 16,-3-6-2-16,15 12 0 15,-8 1-2-15,10 6 1 16,-4 3-2-16,9-1 1 16,-1-2-2-16,3-9 1 15,-1-8 0-15,-10-25-1 16,29 23 1-16,-29-23-1 0,30-14-1 15,-30 14 1-15,31-38 0 16,-14 11-1-16,-3-2 1 16,-1 0-1-1,2 1 0-15,-3 3 1 0,1 0-1 16,-3 7 1-16,-10 18 0 15,17-21 0-15,-17 21 0 16,19 8 0-16,-19-8 0 16,25 34 1-16,-10-14-1 15,6 1 0-15,0-2 0 16,4-4 0-16,-2-9 1 15,0-4-1-15,-2-8 1 16,-2-5-1-16,-19 11 1 16,23-37-1-16,-19 14 1 0,-4-2-1 15,-6-2 1 1,-5 2-1-16,-4 4 0 0,-1 2 0 15,-3 0-1-15,0 5 1 16,0 3-2-16,19 11 0 16,-27-16-1-16,27 16-1 15,0 0-5-15,0 0-7 16,0 0-12-16,29-11-6 15,5 11 1-15</inkml:trace>
+          <inkml:trace contextRef="#ctx0" brushRef="#br0" timeOffset="2665">10177 2250 28 0,'0'0'32'0,"-19"4"1"16,19-4-12-16,-36 13-8 15,36-13-5-15,-48 25-3 16,31-4-1-16,-10 0 0 15,8 6-2-15,0-2 0 16,11 4-1-16,8-4-1 16,10 0 1-16,-10-25-1 15,46 27 1-15,-16-25-1 16,5-6 0-16,-1-6 0 15,-3-3 1-15,-6-4-1 16,-6-4 0-16,-8 3 1 16,-11 18-1-16,0-34 0 15,0 34 0-15,-23-33 0 16,4 16-1-16,-4 1 1 0,2 1-1 15,0 3-1-15,0-1 0 16,21 13 0-16,-31-17-2 16,31 17-3-16,0 0-4 15,0 0-19-15,16-6-4 16,9 6 0-16</inkml:trace>
+          <inkml:trace contextRef="#ctx0" brushRef="#br0" timeOffset="3093">10399 2192 14 0,'0'0'29'0,"-38"2"0"0,38-2-11 15,-23-4-6-15,0-5-5 16,23 9-1-16,0 0-2 15,0 0 0-15,0 0-1 16,-2 23 0-16,2-23 0 16,25 25-2-16,-25-25 0 15,35 27-1-15,-14-10 0 16,-2 2 0-16,-2 0-1 15,-4 2 1-15,-13-21 0 16,25 29 1-16,-25-29-1 16,8 18 0-16,-8-18 1 15,0 0 0-15,0 0 1 16,-10-18-1-16,-5-3 1 15,7-6 0-15,-9-7 0 16,6 3-1-16,-5-4 1 0,-1-3-1 16,0 3-1-16,9 1 2 15,-1 7-2 1,7 2 0-16,2 25-3 0,4-33 0 15,19 37-11-15,-23-4-19 16,26-6-2-16,-10 2 2 16</inkml:trace>
+          <inkml:trace contextRef="#ctx0" brushRef="#br0" timeOffset="3446">10646 1875 20 0,'-28'-13'30'16,"5"7"0"-16,-8-4-14 16,31 10-6-16,-36 4-3 15,36-4-1-15,-18 12-3 16,18-12 0-16,0 0 0 15,33 25-1-15,-8-16 1 16,2 5-1-16,5 3 0 16,-5 6-1-16,-2 4 0 15,-8 6-1-15,-9-1 1 16,-8 3-2-16,-6-4 1 15,0-1-2-15,-7-3 1 16,-1-9-1-16,14-18 0 0,-26 15-2 16,26-15-2-16,-21-23-7 15,21 23-14-15,-8-39-4 16,2 5 0-16</inkml:trace>
+          <inkml:trace contextRef="#ctx0" brushRef="#br0" timeOffset="3877">10581 1814 26 0,'0'0'28'16,"0"0"-5"-16,12-20-10 16,13 26-4-16,-6-17-1 0,19 16-2 15,-13-12-2-15,11 5-2 16,-1-2-2-16,-5-10-8 15,5 5-20-15,-3 1-3 16,-9-3 0-16</inkml:trace>
+          <inkml:trace contextRef="#ctx0" brushRef="#br0" timeOffset="3678">10604 1656 26 0,'10'19'28'16,"-10"-19"-6"-16,32 60-3 15,-24-31-5-15,28 26-3 16,-20-12-4-16,12 7-4 0,-3-6 0 15,-2-2-2-15,0-7-2 16,-6-16-3-16,4 6-6 16,-21-25-11-16,0 0-12 15,0 0 1-15,0 0 0 16</inkml:trace>
+          <inkml:trace contextRef="#ctx0" brushRef="#br0" timeOffset="-2836">4968 3645 16 0,'0'0'32'0,"0"0"0"0,19 6-12 15,-19-6-7-15,0 0-5 16,0 0-2-16,-11 38-2 16,1-15-1-16,4 6-1 15,-3 0 0-15,1 4 0 16,2 3-1-16,4 1 1 15,2-3-1-15,2 1 0 16,4-4 0-16,4-1 1 16,5-7-1-16,4-3 0 15,2-7-1-15,6-5 1 16,0-4-1-16,7-6 0 15,1-2 0-15,-1-8-1 16,6-1-1-16,-3-6 0 16,5 3-2-16,-14-16-4 0,20 24-9 15,-34-21-18-15,16 8 2 16,-14-8-1-16</inkml:trace>
+          <inkml:trace contextRef="#ctx0" brushRef="#br0" timeOffset="-2548">5387 3587 27 0,'0'0'33'0,"0"0"2"15,0 0-15-15,-21 6-7 16,31 21-3-16,-16-6-3 15,8 23-1-15,-4 1-2 0,6 20 0 16,-6 6-1-16,9 10 0 16,-7-2-2-16,8 9 1 15,-4-13 0-15,2-2-1 16,3-13-2-16,-1-16-1 15,7-8 0-15,-15-36-1 16,19 31-1 0,-19-31-4-16,33-8-16 0,-24-17-12 15,9 4-1-15,-3-19 1 16</inkml:trace>
+          <inkml:trace contextRef="#ctx0" brushRef="#br0" timeOffset="-831">6411 3482 30 0,'4'-25'32'15,"-4"25"2"-15,42 15-16 16,-23-15-7-16,33 21-3 16,-6-13-2-16,21 17-1 15,-8 0-2-15,8 13 0 16,-12-3-1-16,-5 7 0 15,-10 6-1-15,-15 2 0 16,-21-2-1-16,-6 0 0 16,-17 0 0-1,-12-3 0-15,-18 3 0 0,-1-10-1 16,-4-1 0-16,-5-5 0 15,2-3-1-15,1-12-1 16,12-1 1-16,2-16-2 16,19 2 0-16,2-16-1 0,21 14-2 15,-4-34-2-15,31 30-7 16,-14-23-13-16,18 10-3 15,3-3 0-15</inkml:trace>
+          <inkml:trace contextRef="#ctx0" brushRef="#br0" timeOffset="-2354">5948 4012 10 0,'25'35'30'0,"-4"-1"2"16,4-3-1-16,1 4-24 0,-12-12-4 15,7-4-4-15,0 6-12 16,-2-15-17-16,-19-10 0 16,27-8-1-16</inkml:trace>
+          <inkml:trace contextRef="#ctx0" brushRef="#br0" timeOffset="-1186">6426 3511 10 0,'0'0'32'0,"0"0"1"16,-19 11-11-16,38 20-6 15,-19-31-5-15,14 54-2 16,-7-20-3-16,9 16-1 15,-7-2-2-15,5 10 0 16,-3 0-2-16,-3-5-1 16,5 3 0-16,-5-14-1 0,5-1-2 15,-5-18 1-15,7 4-3 16,-15-27 0-16,25 15-4 15,-25-15-6 1,21-21-16-16,-21 21-2 0,8-37 0 16</inkml:trace>
+        </inkml:traceGroup>
+      </inkml:traceGroup>
+    </inkml:traceGroup>
+  </inkml:traceGroup>
+</inkml:ink>
+</file>
+
+<file path=ppt/ink/ink14.xml><?xml version="1.0" encoding="utf-8"?>
+<inkml:ink xmlns:inkml="http://www.w3.org/2003/InkML">
+  <inkml:definitions>
+    <inkml:context xml:id="ctx0">
+      <inkml:inkSource xml:id="inkSrc0">
+        <inkml:traceFormat>
+          <inkml:channel name="X" type="integer" max="26312" units="in"/>
+          <inkml:channel name="Y" type="integer" max="16520" units="in"/>
+          <inkml:channel name="F" type="integer" max="255" units="dev"/>
+          <inkml:channel name="T" type="integer" max="2.14748E9" units="dev"/>
+        </inkml:traceFormat>
+        <inkml:channelProperties>
+          <inkml:channelProperty channel="X" name="resolution" value="2540.01343" units="1/in"/>
+          <inkml:channelProperty channel="Y" name="resolution" value="2540.36597" units="1/in"/>
+          <inkml:channelProperty channel="F" name="resolution" value="3.97878E-7" units="1/dev"/>
+          <inkml:channelProperty channel="T" name="resolution" value="1" units="1/dev"/>
+        </inkml:channelProperties>
+      </inkml:inkSource>
+      <inkml:timestamp xml:id="ts0" timeString="2014-02-18T01:10:05.426"/>
+    </inkml:context>
+    <inkml:brush xml:id="br0">
+      <inkml:brushProperty name="width" value="0.04667" units="cm"/>
+      <inkml:brushProperty name="height" value="0.04667" units="cm"/>
+      <inkml:brushProperty name="fitToCurve" value="1"/>
+    </inkml:brush>
+  </inkml:definitions>
+  <inkml:traceGroup>
+    <inkml:annotationXML>
+      <emma:emma xmlns:emma="http://www.w3.org/2003/04/emma" version="1.0">
+        <emma:interpretation id="{6789C58E-0DB5-4641-AD6D-247DA4194281}" emma:medium="tactile" emma:mode="ink">
+          <msink:context xmlns:msink="http://schemas.microsoft.com/ink/2010/main" type="writingRegion" rotatedBoundingBox="11851,11827 24794,11111 25040,15564 12097,16279"/>
+        </emma:interpretation>
+      </emma:emma>
+    </inkml:annotationXML>
+    <inkml:traceGroup>
+      <inkml:annotationXML>
+        <emma:emma xmlns:emma="http://www.w3.org/2003/04/emma" version="1.0">
+          <emma:interpretation id="{B1645F02-08BC-4AC1-A8A2-288F8A84BF7C}" emma:medium="tactile" emma:mode="ink">
+            <msink:context xmlns:msink="http://schemas.microsoft.com/ink/2010/main" type="paragraph" rotatedBoundingBox="11869,11543 24370,11435 24382,12870 11882,12978" alignmentLevel="1"/>
+          </emma:interpretation>
+        </emma:emma>
+      </inkml:annotationXML>
+      <inkml:traceGroup>
+        <inkml:annotationXML>
+          <emma:emma xmlns:emma="http://www.w3.org/2003/04/emma" version="1.0">
+            <emma:interpretation id="{3C48B680-9DD7-4F38-B818-02898A904B9F}" emma:medium="tactile" emma:mode="ink">
+              <msink:context xmlns:msink="http://schemas.microsoft.com/ink/2010/main" type="inkBullet" rotatedBoundingBox="11874,12100 13231,12088 13238,12860 11881,12872"/>
+            </emma:interpretation>
+            <emma:one-of disjunction-type="recognition" id="oneOf0">
+              <emma:interpretation id="interp0" emma:lang="en-US" emma:confidence="0">
+                <emma:literal>↳</emma:literal>
+              </emma:interpretation>
+            </emma:one-of>
+          </emma:emma>
+        </inkml:annotationXML>
+        <inkml:trace contextRef="#ctx0" brushRef="#br0">-2278-1892 10 0,'0'0'24'16,"0"0"-13"-16,-25-15 0 15,25 15-1-15,0 0-1 0,0 0 1 16,-25 21-2-16,22 8 1 16,-11 0-2-16,12 19 0 15,-7 4-3-15,13 11 0 16,1 2-1-16,11 1 0 15,10-3-2-15,9-5 0 16,9-14-1-16,13-13 1 16,3-18-1-16,10-13 0 15,-1-17 0-15,2-10 0 16,6-17 0-16,-5-6 0 15,-3-10 0-15,-9-3-1 16,1-1 1-16,-9-1-1 16,-3 9 1-16,-10 8 0 15,-7 12 0-15,-7 11 0 0,-6 17 1 16,-19 8-1-16,21 27 1 15,-17 11 0-15,2 14-1 16,5 8 1-16,-1 15-1 16,7 0 0-16,2 7-2 15,4-10 2-15,4 4-3 16,-2-18 1-16,5-6-2 15,-3-17-3-15,6-3-4 16,-14-24-7-16,6-12-12 16,5-2 1-16,-7-17 1 15</inkml:trace>
+      </inkml:traceGroup>
+      <inkml:traceGroup>
+        <inkml:annotationXML>
+          <emma:emma xmlns:emma="http://www.w3.org/2003/04/emma" version="1.0">
+            <emma:interpretation id="{6C61F22F-DB02-4969-95AE-DA1F0020A22C}" emma:medium="tactile" emma:mode="ink">
+              <msink:context xmlns:msink="http://schemas.microsoft.com/ink/2010/main" type="line" rotatedBoundingBox="13305,11531 24370,11435 24382,12870 13317,12965"/>
+            </emma:interpretation>
+          </emma:emma>
+        </inkml:annotationXML>
+        <inkml:traceGroup>
+          <inkml:annotationXML>
+            <emma:emma xmlns:emma="http://www.w3.org/2003/04/emma" version="1.0">
+              <emma:interpretation id="{326A114D-2278-48B0-926B-05700B7B0EB5}" emma:medium="tactile" emma:mode="ink">
+                <msink:context xmlns:msink="http://schemas.microsoft.com/ink/2010/main" type="inkWord" rotatedBoundingBox="13310,12085 13756,12082 13764,12945 13317,12949"/>
+              </emma:interpretation>
+              <emma:one-of disjunction-type="recognition" id="oneOf1">
+                <emma:interpretation id="interp1" emma:lang="en-US" emma:confidence="0">
+                  <emma:literal>s</emma:literal>
+                </emma:interpretation>
+                <emma:interpretation id="interp2" emma:lang="en-US" emma:confidence="0">
+                  <emma:literal>5</emma:literal>
+                </emma:interpretation>
+                <emma:interpretation id="interp3" emma:lang="en-US" emma:confidence="0">
+                  <emma:literal>S</emma:literal>
+                </emma:interpretation>
+                <emma:interpretation id="interp4" emma:lang="en-US" emma:confidence="0">
+                  <emma:literal>{</emma:literal>
+                </emma:interpretation>
+                <emma:interpretation id="interp5" emma:lang="en-US" emma:confidence="0">
+                  <emma:literal>&lt;</emma:literal>
+                </emma:interpretation>
+              </emma:one-of>
+            </emma:emma>
+          </inkml:annotationXML>
+          <inkml:trace contextRef="#ctx0" brushRef="#br0" timeOffset="348">-494-1919 17 0,'0'0'23'0,"-54"-5"-2"15,14 5-17-15,-4 15 0 16,0 0-3-16,-6 10 1 15,-1 2-1-15,5 12 2 32,7 3-2-32,9 2 1 0,7 6-1 0,19-2 0 15,10 4 0-15,17-4 0 16,13-2-1-16,16-2 0 15,5-7 0-15,4-1 2 0,-1-3-2 16,-1-6 0-16,-15 0 0 16,-8-2 0-16,-20 2 0 15,-18 4-2-15,-19-1-3 16,-25 1-9-16,-17-10-9 15,-6 23-2-15</inkml:trace>
+        </inkml:traceGroup>
+        <inkml:traceGroup>
+          <inkml:annotationXML>
+            <emma:emma xmlns:emma="http://www.w3.org/2003/04/emma" version="1.0">
+              <emma:interpretation id="{87264240-30C7-45C8-AACB-38D92D97D392}" emma:medium="tactile" emma:mode="ink">
+                <msink:context xmlns:msink="http://schemas.microsoft.com/ink/2010/main" type="inkWord" rotatedBoundingBox="15521,11511 20170,11471 20182,12906 15533,12946"/>
+              </emma:interpretation>
+              <emma:one-of disjunction-type="recognition" id="oneOf2">
+                <emma:interpretation id="interp6" emma:lang="en-US" emma:confidence="0">
+                  <emma:literal>ambassador</emma:literal>
+                </emma:interpretation>
+                <emma:interpretation id="interp7" emma:lang="en-US" emma:confidence="0">
+                  <emma:literal>arm (disarm,</emma:literal>
+                </emma:interpretation>
+                <emma:interpretation id="interp8" emma:lang="en-US" emma:confidence="0">
+                  <emma:literal>arm Kaisaris</emma:literal>
+                </emma:interpretation>
+                <emma:interpretation id="interp9" emma:lang="en-US" emma:confidence="0">
+                  <emma:literal>amain</emma:literal>
+                </emma:interpretation>
+                <emma:interpretation id="interp10" emma:lang="en-US" emma:confidence="0">
+                  <emma:literal>arm Kaisaris,</emma:literal>
+                </emma:interpretation>
+              </emma:one-of>
+            </emma:emma>
+          </inkml:annotationXML>
+          <inkml:trace contextRef="#ctx0" brushRef="#br0" timeOffset="9115">1649-1971 14 0,'2'-23'22'16,"-2"23"1"-16,0 0-4 15,0 0-2-15,0 0-2 16,0 0-4-16,0 0 0 16,0 0-4-16,0 0 0 15,0 0-2-15,0 0-2 16,0 0 0-16,0 0-1 15,0 0 1-15,-30-21-1 16,14 4 1-16,-10 5-2 0,-1-1 2 16,-6 7-1-16,-3-5 0 15,-2 13-1-15,1 9-2 16,3 10 1-16,5 6-2 15,4 6 2-15,10 7-2 16,5-3 2-16,10 1-3 16,2 1 2-16,10-7 1 15,5-7 0-15,0-4 0 16,2-11 0-16,0-2 0 15,1-10-1-15,1-4 1 16,-2-4 0-16,0-7 0 16,4-6 0-1,-4 0 0 1,4 0 0-16,-2 0-1 0,0 6 1 0,0 5 0 15,-4 6 0-15,4 6-1 16,-21 0 0-16,29 27 0 0,-19-6-1 16,5 10 0-16,-5-6 0 15,7 4-1 1,-8-10-2-16,16 10-5 15,-25-29-14-15,31 11-7 0,-8-11 1 16,0-9 0 0</inkml:trace>
+          <inkml:trace contextRef="#ctx0" brushRef="#br0" timeOffset="9358">2023-1630 36 0,'-25'7'30'0,"25"-7"0"0,-37-30-11 15,37 30-6-15,-34-47-4 16,26 24-3-16,-7-13-2 16,11 9-2 15,0-4 1-31,6 6-2 0,4 2 0 0,0 4-2 0,-6 19-1 15,21-37-4-15,4 32-6 16,-25 5-15-16,38-29-5 16,-11 15 0-16,-6 3 1 15</inkml:trace>
+          <inkml:trace contextRef="#ctx0" brushRef="#br0" timeOffset="9994">2199-2013 13 0,'0'29'28'0,"-4"-6"1"16,13-2-9-16,-1 16-4 15,-8-10-6-15,15 15-3 16,-5-13-2-16,5 3-2 16,-5-10-1-16,1-1-1 15,-11-21 0-15,23 19 0 16,-23-19 0-16,19-10 0 0,-19 10 0 15,16-40 0-15,-3 9 0 16,-1-9-2-16,7-8 2 16,4 0 0-1,-4-6 2-15,13 6-1 16,-9 4 0-16,6 7 1 0,-8 10-1 15,4 18 2-15,-2 18-2 16,-4 14-1-16,-2 10-2 16,-1 13 2-16,1 4-2 15,-6 4 1-15,3-6-1 16,-3-6 0-16,3-15 1 15,-14-27 0-15,26 17 0 16,-26-17 0-16,27-36 0 16,-10 3-2-16,-7-11 3 0,5-6 0 15,1-4 0-15,-1 2-1 16,-2 2 1-16,1 8 0 15,1 13 0-15,-15 29 1 16,29-23-2-16,-10 31 0 16,-2 17-1-16,6 8 1 15,-2 5-1-15,2 8 1 16,-2-2-1-16,0-1 0 15,0-1-1-15,-4-11 0 16,6-1-3-16,-23-30-7 16,25 25-19-16,-25-25 0 15,19 4-1-15,-19-4 1 16</inkml:trace>
+          <inkml:trace contextRef="#ctx0" brushRef="#br0" timeOffset="10262">3249-2491 21 0,'0'0'29'16,"-17"27"1"-16,17 13 2 15,4 23-13-15,-8-11-8 16,16 31-3-16,-12-4-4 15,9 17-1-15,-9-4-3 16,6 0 1-16,5-5-4 16,-5-12-1-16,15-2-10 15,-13-18-17-15,9-20-2 16,0-12 2-16,-17-23-1 0</inkml:trace>
+          <inkml:trace contextRef="#ctx0" brushRef="#br0" timeOffset="11309">3554-2336 36 0,'0'0'31'15,"2"18"1"-15,1 12-1 16,5-3-20-16,11 27-4 0,-13-8-2 16,9 16-2-16,-5-3-3 15,3-1 1-15,-3-8-2 16,3-6 1-16,-1-11-1 15,-3-12 2-15,-9-21-3 16,0 0 1-16,25 13-2 16,-25-13 0-16,4-34-1 15,-12 9 1-15,1 6 0 16,-11-10-1-16,1 8 1 15,-8-4 1-15,-3 9 1 16,-3 3 0-16,0 7 1 16,-5 8 1-16,5 8 0 15,-1 11 1 1,3 4-2-16,6 9 2 0,6 1-2 0,2 3 2 15,11-7-2-15,13-2 0 16,1-8 0-16,13-9 0 16,4-5 0-16,11-9-1 15,2-5 1-15,6-3-1 16,2-7 0-16,0 1 0 15,3-7-1-15,-5-4 1 16,0-1 0-16,-4-3-1 16,-3 4 2-16,-7-6-1 15,-5 6 1-15,-6 2 0 16,-8 4 2-16,-13 21-3 15,16-27 3-15,-16 27-1 16,0 0 0-16,0 0-1 16,0 0 1-16,-8 18-1 15,8-18 0-15,-6 36 1 0,4-17-2 16,-1 6 3-16,1-2-3 15,2 2 2-15,2 0-2 16,-2-7 2-16,7 1-2 16,-7-19 0-16,12 25 0 15,-12-25 0-15,19 6 1 16,-19-6-1-16,27-12 1 15,-27 12-1-15,32-25 1 16,-32 25 0-16,27-33 0 16,-27 33-1-16,29-38 1 15,-16 13-1-15,-3-2 2 16,3 0-1-16,-1-2 1 0,3-3 0 15,-2 1 0-15,1 0 1 16,1 8-1 0,-15 23 0-16,31-25-2 0,-31 25 2 15,32 2-4-15,-32-2-3 31,35 23 0-31,-35-23-1 0,40 33 1 0,-19-20-1 16,4 12 1 0,-6-9-1-16,6 3 3 0,-10 0 3 15,0 0 0-15,-5 2 2 16,-4-3 0-1,-6 3 0-15,-4 0 0 0,-4-2 3 16,8-19-3-16,-30 29 2 16,7-19-1-16,7-1 0 15,-5-5-1-15,0-4-2 0,21 0-7 16,-32-4-14-16,11-17-3 15,21 21-1-15</inkml:trace>
+          <inkml:trace contextRef="#ctx0" brushRef="#br0" timeOffset="12163">4608-2274 13 0,'0'0'27'16,"-11"-25"3"-16,5 9-8 15,6 16-4-15,-31-28-5 16,31 28-4-16,-42-10-2 16,23 18-1-16,-6-4-2 15,0 15-1-15,-3-2 0 0,5 14-1 16,5 7-1-16,1 8-2 15,8-3 1-15,7 5 0 16,4-6-1-16,7-4 0 16,5-7 0-16,5-8 1 15,4-13-1-15,0-8 1 16,3-6 0-16,-6-10-2 15,-1-3 3-15,-2-4-2 16,0-4 1-16,-7-2 1 16,-1 0 0-16,-3-2 0 15,-4 1 0-15,4 8 1 16,-4-3-2-16,-2 23 2 15,9-23-2-15,-9 23 0 16,0 0 0-16,0 0 0 0,14 31 0 16,-14-31-1-16,9 38 1 15,-7-18-3-15,8 5 1 16,-10-25-2-16,23 42 0 15,-23-42-3-15,36 31-6 16,-36-31-11-16,25 0-7 16,0-2 0-16,-8-10 2 15</inkml:trace>
+          <inkml:trace contextRef="#ctx0" brushRef="#br0" timeOffset="11516">4610-2426 36 0,'-4'35'29'16,"-3"1"1"-16,1 8-2 0,10 8-19 15,-16-8-7-15,3 4-5 16,9-1-5-16,-8-15-11 15,6-3-12-15,4-4 0 16,-2-25 0-16</inkml:trace>
+          <inkml:trace contextRef="#ctx0" brushRef="#br0" timeOffset="12485">4937-2065 29 0,'-5'23'22'15,"5"-23"-3"-15,-6 35 0 16,6-35-6-16,0 0-3 15,-25 0-1-15,25 0-4 16,-4-27 0-16,6 4 0 16,-2-10-3-16,6-3 1 15,5-1-1-15,-1-5 0 16,3 7-2-16,-1-1 0 15,7 13-3-15,-2-10-5 16,8 20-7-16,-8-10-10 0,2 9-5 16,2 3-1-1,0 1 2-15</inkml:trace>
+          <inkml:trace contextRef="#ctx0" brushRef="#br0" timeOffset="13516">4151-2376 24 0,'-6'-31'31'0,"2"12"1"16,4 19-1-16,-19-31-19 15,19 31-3-15,-19 6-4 16,19-6-4-16,-15 29-1 0,15-29-4 16,0 48-7-16,0-21-17 15,7 0-3-15,9 5 1 16,-1-7 1-16</inkml:trace>
+          <inkml:trace contextRef="#ctx0" brushRef="#br0" timeOffset="13080">5228-2409 5 0,'0'0'23'0,"8"18"-4"16,-8-18-1-16,2 25-4 15,7-2 0-15,-9-23-4 16,10 48-1-16,-8-25-4 16,9 9 0-16,-5-3-1 15,6 2-3-15,-3-6 1 16,-1-2-3-16,-8-23 1 0,17 27-2 15,-17-27 2-15,21 0-2 16,-21 0 2-16,27-33 1 16,-8 6-1-16,0-5 1 15,4-5-1-15,2-7 1 16,-2 2-1-16,-2-4 1 15,-2 7 0-15,0 6-1 16,-5 3 0-16,1 9 1 16,-15 21 0-16,0 0 0 15,23 0 0-15,-19 21 1 16,-4 4-1-16,2 9 0 15,-2-3 0-15,0 4-1 16,2-5 1-16,1-7-1 16,-3-23 0-16,10 22 1 15,-10-22-1-15,23-12 1 0,-10-5 0 16,5-6-1-16,-3-8 1 15,2 0 0-15,-2-3 0 16,1 5 0-16,-1-4 0 16,0 10 0-16,-5 4 1 15,-10 19-2-15,23-14 1 16,-23 14-1-16,21 18 1 15,-13 3-1-15,3 2 0 16,-1 6-1-16,3-4 0 16,-3-4 0-16,7 2-2 15,-17-23-2-15,34 33-5 16,-34-33-13-16,0 0-8 15,25 3 0-15,-25-3 1 16</inkml:trace>
+          <inkml:trace contextRef="#ctx0" brushRef="#br0" timeOffset="30319">5399-1600 23 0,'0'0'26'16,"-23"23"-9"-16,23 6-2 15,0-29-1-15,-14 50-3 0,1-25-3 16,13 19 0-16,-12-9-3 16,12 11 0-16,-2-7-2 15,4 7-1-15,-4-8 0 16,10 1 0-16,-2-9-1 15,7-3 1-15,-13-27-2 16,25 29 1-16,-25-29 0 16,33 4-1-16,-33-4 1 15,32-23-1-15,-32 23 0 16,21-39 0-16,-9 9 0 15,-1-9 0-15,-3-1-1 16,-4-2 1-16,3-1 0 16,-5-1 0-16,4 2 0 15,-4 3-1-15,-2 1 1 0,2 15 0 16,2 2 0-16,-4 21 1 15,5-27-1-15,-5 27 0 16,0 0 0-16,23 23 0 16,-15-4 0-16,0 4 0 15,1 6 0-15,-1 4 0 16,1 7 0-16,-3-3 0 15,-2 1-2-15,-4-5 1 16,6-1-3-16,-12-12-1 16,14 10-5-16,-8-30-10 15,0 0-11-15,0 0 0 16,0 0 1-16</inkml:trace>
+        </inkml:traceGroup>
+        <inkml:traceGroup>
+          <inkml:annotationXML>
+            <emma:emma xmlns:emma="http://www.w3.org/2003/04/emma" version="1.0">
+              <emma:interpretation id="{589199FD-FACF-44E4-B1CB-56F2F95BDDA1}" emma:medium="tactile" emma:mode="ink">
+                <msink:context xmlns:msink="http://schemas.microsoft.com/ink/2010/main" type="inkWord" rotatedBoundingBox="20705,12100 22490,12085 22495,12656 20710,12671"/>
+              </emma:interpretation>
+              <emma:one-of disjunction-type="recognition" id="oneOf3">
+                <emma:interpretation id="interp11" emma:lang="en-US" emma:confidence="1">
+                  <emma:literal>them</emma:literal>
+                </emma:interpretation>
+                <emma:interpretation id="interp12" emma:lang="en-US" emma:confidence="0">
+                  <emma:literal>Them</emma:literal>
+                </emma:interpretation>
+                <emma:interpretation id="interp13" emma:lang="en-US" emma:confidence="0">
+                  <emma:literal>ahem</emma:literal>
+                </emma:interpretation>
+                <emma:interpretation id="interp14" emma:lang="en-US" emma:confidence="0">
+                  <emma:literal>Ahem</emma:literal>
+                </emma:interpretation>
+                <emma:interpretation id="interp15" emma:lang="en-US" emma:confidence="0">
+                  <emma:literal>Shem</emma:literal>
+                </emma:interpretation>
+              </emma:one-of>
+            </emma:emma>
+          </inkml:annotationXML>
+          <inkml:trace contextRef="#ctx0" brushRef="#br0" timeOffset="52106">6476-1617 2 0,'21'15'25'0,"-21"-15"1"16,38 6-6-16,-7-4-2 0,-12-21-4 15,12 9-4-15,-12-22-2 16,10 9-1-16,-10-18-3 15,4 9 0-15,-8-5-1 16,2 8 0-16,-9 0 0 16,-8 29-1-16,21-32 0 15,-21 32 0-15,0 0 0 16,29 21-1-16,-22 4 0 15,5 13 1-15,1 1-2 16,1 13 1-16,-1 3-1 16,0-1 0-16,-1-2 0 15,-1-8 0-15,-3-11 0 16,0-8 0-16,-8-25 0 15,0 0 0-15,28-12 0 0,-18-20 0 16,1-1 1 0,1-5-1-16,1-1 0 0,1 1-1 31,-1 9 2-31,2 10-1 0,-15 19 0 0,23-6 0 15,-23 6 0 1,23 27 0-16,-7-4 0 0,5 2 0 31,0 0 0-31,4 2 0 0,1-6 0 0,1-6 0 16,0-7-1-16,0-4 1 15,-4-6 1-15,-6-6-1 16,-17 8 0-16,34-38 0 16,-26 7 0-16,-2 0 0 0,-4-7 0 15,-2 5 1-15,-4-5-1 16,0 5 0-16,-7 8 0 15,11 25 0-15,-25-25 0 16,25 25 0-16,-31 10 0 16,18 11 0-16,1 6 0 15,5 9 0-15,5 8-1 16,4-5 1-16,7 3-1 15,1-3 1 1,7-3-2-16,-4-13 1 0,10-2-2 16,-23-21-1-1,37 6-2-15,-26-27-3 0,18 15-6 16,-25-30-5-16,19 13-4 15,-14-16-1-15,5-1-1 16,-3 1 2-16</inkml:trace>
+          <inkml:trace contextRef="#ctx0" brushRef="#br0" timeOffset="51347">6681-1853 17 0,'0'0'30'0,"0"0"0"15,25 2 2-15,-25-2-16 16,19 36-5-16,-15-9-3 16,15 13-3-16,-8 3-1 15,5 12-1-15,-3-3-1 16,2 4-1-16,-5-4-1 0,-1-4 0 15,-1-4-3-15,-8-17-1 16,10 4-8-16,-10-31-14 16,0 0-7-16,-27 2 1 15,27-2 1-15</inkml:trace>
+          <inkml:trace contextRef="#ctx0" brushRef="#br0" timeOffset="52724">7496-1869 36 0,'0'0'22'0,"25"6"-1"16,-25-6-2-16,8 50-5 16,-14-25-3-16,19 17-3 15,-18-7-2-15,18 13-1 16,-11-8-2-16,9 1 0 15,-7-9-1-15,6-3-1 16,-3-10 0-16,-7-19 0 16,20 4 0-16,-20-4 0 15,26-42-1-15,-12 9 1 0,3-13 0 16,0 0 0-16,-5-8 0 15,5 4 0-15,-2 6 0 16,-1 4 0-16,-7 11-1 16,-7 29 1-16,14-21 0 15,-14 21 0-15,9 34-1 16,-9-5 1-16,2 10-1 15,2-3 0-15,-2 1 0 16,0-1 0-16,5-11 0 16,-7-25-1-16,18 23 1 15,-18-23 0-15,23-17 0 16,-12-2 0-16,1-6 0 15,-1-8 0-15,-3 0 1 16,3 1-1-16,-1-3 1 16,7 6-1-16,-9 4 1 0,-8 25 1 15,34-27 0-15,-15 29-1 16,4 12 0-16,4 11 0 15,-4 9 0-15,4 9 0 16,0 1-1-16,5 4 0 16,-5 2-1-1,-2-10 0-15,2 2-3 0,-10-22-3 16,15 12-20-16,-32-32-8 15,16 18 0-15,-16-18 0 16</inkml:trace>
+        </inkml:traceGroup>
+        <inkml:traceGroup>
+          <inkml:annotationXML>
+            <emma:emma xmlns:emma="http://www.w3.org/2003/04/emma" version="1.0">
+              <emma:interpretation id="{6F058605-143C-4273-B0E4-6AE440F3D56B}" emma:medium="tactile" emma:mode="ink">
+                <msink:context xmlns:msink="http://schemas.microsoft.com/ink/2010/main" type="inkWord" rotatedBoundingBox="23476,11765 24373,11758 24378,12404 23482,12412"/>
+              </emma:interpretation>
+              <emma:one-of disjunction-type="recognition" id="oneOf4">
+                <emma:interpretation id="interp16" emma:lang="en-US" emma:confidence="1">
+                  <emma:literal>for</emma:literal>
+                </emma:interpretation>
+                <emma:interpretation id="interp17" emma:lang="en-US" emma:confidence="0">
+                  <emma:literal>far</emma:literal>
+                </emma:interpretation>
+                <emma:interpretation id="interp18" emma:lang="en-US" emma:confidence="0">
+                  <emma:literal>to</emma:literal>
+                </emma:interpretation>
+                <emma:interpretation id="interp19" emma:lang="en-US" emma:confidence="0">
+                  <emma:literal>foe</emma:literal>
+                </emma:interpretation>
+                <emma:interpretation id="interp20" emma:lang="en-US" emma:confidence="0">
+                  <emma:literal>fir</emma:literal>
+                </emma:interpretation>
+              </emma:one-of>
+            </emma:emma>
+          </inkml:annotationXML>
+          <inkml:trace contextRef="#ctx0" brushRef="#br0" timeOffset="78734">9286-1767 14 0,'-16'27'31'0,"16"-27"-2"16,-21 27 4-16,21-27-19 15,23 4-6-15,10-8-2 16,1-17-1-16,18 2-1 15,-2-12-1-15,11 6 0 16,-2-8 0-16,-1 8-2 16,-9 0 0-16,-10 6 0 15,-9 9-1-15,-11 5 0 16,-19 5 1-16,0 0-1 0,0 23 0 15,-13 0 1-15,-4 2-1 16,1 4 1-16,1 3-1 16,2-1 0-16,3-4 0 15,8-6 0-15,2-21 0 16,14 25 0-16,-14-25 0 15,36-8 0-15,-13-7 0 16,-2-6 0-16,-2 0 0 16,-2-4 0-16,-5 0 0 15,-3 2-1-15,-5 5 0 16,-2-1 0-16,-2 19-1 15,4-34-1-15,-4 34-1 16,4-20-1-16,-4 20-3 0,0 0-2 16,32-11 0-16,-32 11 2 15,23 2 1-15,-23-2 2 16,25 13 2-16,-25-13 4 15,25 14 3-15,-25-14 5 16,21 17 0-16,-21-17 0 16,0 0 0-16,25 13-1 15,-25-13-2-15,8-25-1 16,-8 4-2-16,9 0-2 15,1-8 2-15,1 2-4 16,5-1 3 0,1 8-3-16,0 1 1 0,-17 19-5 15,42-11-13-15,-42 11-15 16,27 13-4-16,-27-13 5 0</inkml:trace>
+          <inkml:trace contextRef="#ctx0" brushRef="#br0" timeOffset="78122">9691-1698 28 0,'-2'18'33'15,"-1"1"3"-15,3-19-2 16,-23 21-21-16,28 0-5 15,-5-21-3-15,-23 14-2 16,23-14 0-16,-26 7 0 16,26-7-1-16,-23-7 0 0,23 7 0 15,-27-25-1-15,17 0-1 16,-7-4 1-16,0-8-1 15,-2-9 0 1,1-4 2-16,-1-2-4 16,-2 0 3-16,0-7-3 0,6 7 3 15,5 4-2-15,3 6 2 16,3 7-2-16,8 8 0 15,3 0 2-15,-7 27-2 16,29-29 1-16,-6 26-4 16,-23 3 0-16,50 11-9 15,-50-11-22-15,32 21 0 16,-16-2-1-1,1 3 3-15</inkml:trace>
+        </inkml:traceGroup>
+      </inkml:traceGroup>
+    </inkml:traceGroup>
+    <inkml:traceGroup>
+      <inkml:annotationXML>
+        <emma:emma xmlns:emma="http://www.w3.org/2003/04/emma" version="1.0">
+          <emma:interpretation id="{16F7E7D8-CC20-423B-99E6-3737F72A09E9}" emma:medium="tactile" emma:mode="ink">
+            <msink:context xmlns:msink="http://schemas.microsoft.com/ink/2010/main" type="paragraph" rotatedBoundingBox="18861,13521 24714,12079 25013,13291 19159,14733" alignmentLevel="3"/>
+          </emma:interpretation>
+        </emma:emma>
+      </inkml:annotationXML>
+      <inkml:traceGroup>
+        <inkml:annotationXML>
+          <emma:emma xmlns:emma="http://www.w3.org/2003/04/emma" version="1.0">
+            <emma:interpretation id="{A6FBF1CF-B8BF-4AB0-8E9C-96DD99F2F329}" emma:medium="tactile" emma:mode="ink">
+              <msink:context xmlns:msink="http://schemas.microsoft.com/ink/2010/main" type="inkBullet" rotatedBoundingBox="18997,14076 19056,14062 19065,14101 19007,14115"/>
+            </emma:interpretation>
+            <emma:one-of disjunction-type="recognition" id="oneOf5">
+              <emma:interpretation id="interp21" emma:lang="en-US" emma:confidence="0">
+                <emma:literal>v</emma:literal>
+              </emma:interpretation>
+              <emma:interpretation id="interp22" emma:lang="en-US" emma:confidence="0">
+                <emma:literal>V</emma:literal>
+              </emma:interpretation>
+              <emma:interpretation id="interp23" emma:lang="en-US" emma:confidence="0">
+                <emma:literal>u</emma:literal>
+              </emma:interpretation>
+              <emma:interpretation id="interp24" emma:lang="en-US" emma:confidence="0">
+                <emma:literal>.</emma:literal>
+              </emma:interpretation>
+              <emma:interpretation id="interp25" emma:lang="en-US" emma:confidence="0">
+                <emma:literal>U</emma:literal>
+              </emma:interpretation>
+            </emma:one-of>
+          </emma:emma>
+        </inkml:annotationXML>
+        <inkml:trace contextRef="#ctx0" brushRef="#br0" timeOffset="23880">4771 90 11 0,'0'0'8'15,"19"15"-3"-15,-19-15-4 16,0 0-5-16,27-29-4 0,-20 8-4 15</inkml:trace>
+      </inkml:traceGroup>
+      <inkml:traceGroup>
+        <inkml:annotationXML>
+          <emma:emma xmlns:emma="http://www.w3.org/2003/04/emma" version="1.0">
+            <emma:interpretation id="{93930A3D-EEA0-42A3-9169-2FD32E4C61CA}" emma:medium="tactile" emma:mode="ink">
+              <msink:context xmlns:msink="http://schemas.microsoft.com/ink/2010/main" type="line" rotatedBoundingBox="18905,13510 24714,12079 25013,13291 19203,14722">
+                <msink:destinationLink direction="with" ref="{6DB82FE9-E7A9-458B-9226-9B7BD1003629}"/>
+              </msink:context>
+            </emma:interpretation>
+          </emma:emma>
+        </inkml:annotationXML>
+        <inkml:traceGroup>
+          <inkml:annotationXML>
+            <emma:emma xmlns:emma="http://www.w3.org/2003/04/emma" version="1.0">
+              <emma:interpretation id="{6E3E7CCA-400D-456E-A5B2-578E88D88B4E}" emma:medium="tactile" emma:mode="ink">
+                <msink:context xmlns:msink="http://schemas.microsoft.com/ink/2010/main" type="inkWord" rotatedBoundingBox="18905,13510 21648,12834 21947,14046 19203,14722"/>
+              </emma:interpretation>
+              <emma:one-of disjunction-type="recognition" id="oneOf6">
+                <emma:interpretation id="interp26" emma:lang="en-US" emma:confidence="0">
+                  <emma:literal>"AID</emma:literal>
+                </emma:interpretation>
+                <emma:interpretation id="interp27" emma:lang="en-US" emma:confidence="1">
+                  <emma:literal>1. A, D</emma:literal>
+                </emma:interpretation>
+                <emma:interpretation id="interp28" emma:lang="en-US" emma:confidence="0">
+                  <emma:literal>1. A,D</emma:literal>
+                </emma:interpretation>
+                <emma:interpretation id="interp29" emma:lang="en-US" emma:confidence="0">
+                  <emma:literal>1. AD</emma:literal>
+                </emma:interpretation>
+                <emma:interpretation id="interp30" emma:lang="en-US" emma:confidence="0">
+                  <emma:literal>1.A,D</emma:literal>
+                </emma:interpretation>
+              </emma:one-of>
+            </emma:emma>
+          </inkml:annotationXML>
+          <inkml:trace contextRef="#ctx0" brushRef="#br0" timeOffset="26200">5848-56 3 0,'0'0'29'0,"16"5"1"16,14-3 1-16,18 0-18 15,-15-19-4-15,28 15-2 16,-13-13-2-16,11 9-2 16,-7-2-2-16,1-7-6 15,-1 15-9-15,-18-6-17 16,-1 0 0-16,-6 2 0 15</inkml:trace>
+          <inkml:trace contextRef="#ctx0" brushRef="#br0" timeOffset="25928">5967-464 5 0,'0'0'29'15,"0"0"0"-15,0 0-10 16,15 37-4-16,-22-10-5 16,16 21-2-16,-15 2-2 15,12 19-1-15,-17 2-1 16,5 6-1-16,-2-4-1 15,-1-4-1-15,-1-13 0 16,4-8 0-16,-5-14-1 0,11-34 0 16,0 0 0-16,0 0 0 15,-6-48 0-15,12 0 0 16,5-15-1-16,-5-10 1 15,6-6-1 1,1-9 0-16,0 5 0 0,3 2-1 16,1 10 2-16,4 2-2 15,-4 15 3-15,4 8-2 16,-5 17 1-16,12 14 0 15,-5 13 1-15,-2 19 0 16,-3 14 0-16,3 21 0 16,-2 11-1-16,-6 12 1 15,8 0-2-15,-9 0 1 16,9 8-2-16,-10-18-1 0,12 2-4 15,-13-28-2-15,15 9-10 16,-18-17-12-16,-1-8 0 16,-4-6 0-16</inkml:trace>
+          <inkml:trace contextRef="#ctx0" brushRef="#br0" timeOffset="26487">6585-68 12 0,'6'29'32'15,"-6"-29"1"-15,9 38 1 16,-5-3-18-16,-4-35-6 16,-4 54-3-16,-5-27-4 15,1 13 0-15,-3-2-2 16,-3-3 0-16,1-2-1 15,-2-8-1-15,5 0-2 16,10-25-2-16,-15 27-7 16,15-27-21-16,0 0-1 15,-8-25 0-15</inkml:trace>
+          <inkml:trace contextRef="#ctx0" brushRef="#br0" timeOffset="27379">7052-577 15 0,'23'-4'29'0,"2"-2"-2"0,11-7-9 16,18 17-6-16,-8-8-4 15,17 13-2-15,-11-3-1 16,11 15-1-16,-13 2-2 16,-1 8 0-16,-12 4-1 15,-5 7 0-15,-9-2-1 16,-9 3 1-16,-7 3-1 15,-7-4 1-15,-9-2 0 16,-5 3 0-16,-11-7 0 16,-7-1-1-1,-10-6 1-15,-4-1-1 0,-4-5 1 16,2-7-1-16,-5 1-1 15,3-9 1-15,6 1-2 16,2-9 0-16,17 8-4 0,-8-19-10 31,33 11-16-31,-26-16 0 0,26 16 0 0</inkml:trace>
+          <inkml:trace contextRef="#ctx0" brushRef="#br0" timeOffset="27012">7071-456 15 0,'0'0'31'15,"0"0"1"-15,0 0-10 16,0 0-7-16,0 0-5 16,14 21-2-16,-14-21-2 15,19 42-2-15,-10-11 0 16,3 9-2-16,1 1 0 0,-3 5 0 15,-4-4-1-15,3-5-1 16,-1-3 0-16,-8-9-2 16,4-2-1-1,-4-23-3-15,0 0-7 0,0 0-10 16,0 0-12-16,-16-34 2 15,11 7 0-15</inkml:trace>
+          <inkml:trace contextRef="#ctx0" brushRef="#br0" timeOffset="24602">4761-518 3 0,'8'18'30'16,"-8"-18"-1"-16,0 0-11 15,15 25-2-15,-15-25-4 16,8 34-3-16,-10-16-3 16,15 16 0-16,-13-1-1 0,10 15-1 15,-8-6-1-15,9 18 0 16,-7-3-1-16,2 7 1 15,-4-1-2-15,0-7 1 16,0-2-1-16,0-8 0 16,-2-10-1-16,5-9 0 15,-5-6-1-15,0-21 0 16,0 0-2-16,0 0-2 15,0 0-2-15,0 0-9 16,0 0-15-16,2-30-3 16,-2 30 1-16</inkml:trace>
+          <inkml:trace contextRef="#ctx0" brushRef="#br0" timeOffset="24882">5125 49 23 0,'0'0'33'0,"17"29"0"16,-11-4-3-16,-6-25-20 15,0 17-4-15,0-17-3 16,0 0-1-16,-4 22-3 16,4-22 0-16,0 0-3 15,0 0-2-15,0 0-12 16,0 0-15-16,21-8 2 0,-21 8-1 15</inkml:trace>
+        </inkml:traceGroup>
+        <inkml:traceGroup>
+          <inkml:annotationXML>
+            <emma:emma xmlns:emma="http://www.w3.org/2003/04/emma" version="1.0">
+              <emma:interpretation id="{52E00E15-D9DB-4C4A-9D5B-B0E53854B22D}" emma:medium="tactile" emma:mode="ink">
+                <msink:context xmlns:msink="http://schemas.microsoft.com/ink/2010/main" type="inkWord" rotatedBoundingBox="22470,12812 23779,12490 23968,13256 22659,13579"/>
+              </emma:interpretation>
+              <emma:one-of disjunction-type="recognition" id="oneOf7">
+                <emma:interpretation id="interp31" emma:lang="en-US" emma:confidence="0">
+                  <emma:literal>best</emma:literal>
+                </emma:interpretation>
+                <emma:interpretation id="interp32" emma:lang="en-US" emma:confidence="0">
+                  <emma:literal>west</emma:literal>
+                </emma:interpretation>
+                <emma:interpretation id="interp33" emma:lang="en-US" emma:confidence="0">
+                  <emma:literal>hest</emma:literal>
+                </emma:interpretation>
+                <emma:interpretation id="interp34" emma:lang="en-US" emma:confidence="0">
+                  <emma:literal>bent</emma:literal>
+                </emma:interpretation>
+                <emma:interpretation id="interp35" emma:lang="en-US" emma:confidence="0">
+                  <emma:literal>went</emma:literal>
+                </emma:interpretation>
+              </emma:one-of>
+            </emma:emma>
+          </inkml:annotationXML>
+          <inkml:trace contextRef="#ctx0" brushRef="#br0" timeOffset="75471">8352-1194 32 0,'0'0'29'0,"0"0"-4"16,-21-23-7-16,21 23-4 16,0 0-3-16,0 0-2 15,0 0-2-15,0 0-1 16,0 25-2-16,3-2 0 15,-6 2-2-15,12 9 1 0,-9 1-2 16,2 9 0-16,4 0 0 16,1 1 0-1,-5 3-2-15,0-2 0 0,2 0 0 16,-2-10-1-16,0-3 1 15,-4-6-1-15,2-2 1 16,0-25-2-16,0 0 3 16,0 0-1-16,0 0 0 15,27-40 3-15,-10 7-2 16,2 0 3-16,4-7-3 15,2 5 2-15,0 3-1 16,-2 11 2-16,0 7-3 16,0 3 1-16,-4 16-1 15,-19-5 0-15,27 18 0 16,-12-1 1-16,-7 4-1 15,-6 8 0-15,1 0 0 0,-6 5-2 16,1-5 1-16,-6 2-1 16,-7-2 2-16,1-4-2 15,-1-4 2-15,15-21-2 16,-34 27 2-16,34-27-1 15,-27 13 0-15,27-13 0 16,0 0-1-16,-23-17-3 16,23 17 1-16,9-29-4 15,7 18-2-15,-7-24-9 16,26 16-3-16,-16-16-5 15,19 14 5-15,-17-10 2 16</inkml:trace>
+          <inkml:trace contextRef="#ctx0" brushRef="#br0" timeOffset="75845">8771-827 20 0,'0'0'16'15,"0"0"-2"-15,23 13 1 16,-4-9 0-16,-19-4-3 16,25-15 0-16,-18-6-5 15,9 13 2-15,-7-15-4 16,-9 23 2-16,16-38-3 15,-5 20-1-15,-9-11 0 16,6 10 0-16,-10-4-1 16,2 23 1-16,0-34 0 15,0 34-1-15,-16-16 1 16,16 16-1-16,-19 0 1 0,19 0-1 15,-25 21-1-15,16-5 1 16,-1 7 0-16,3 4-1 16,7 7-1-16,0-3 0 15,7 7 0-15,1-1-4 16,3-6 4-16,1-6-4 15,9-2 2-15,-21-23-3 16,42 9 1-16,-42-9-1 16,44-21-6-16,-36-8-12 15,11 1-11-15,-4-5 3 16,4 0-1-16</inkml:trace>
+          <inkml:trace contextRef="#ctx0" brushRef="#br0" timeOffset="76201">9136-1140 8 0,'-28'13'29'16,"-1"-5"1"-16,8 1-2 15,13 11-10-15,-17-18-6 16,29 17-4-16,-4-19-3 16,17 23-1-16,4-12 0 15,14 3-2-15,-1 3 1 16,8 4-2-16,-1-3 1 15,3 12-1-15,-8-5 0 0,-5 0 0 16,-10 6-1-16,-6 2-3 16,-13 3 3-16,-2-7-2 15,-10 2 2-15,-3-4-3 16,-6-2 2-16,-2-6-3 15,0-4-1-15,-8-22-8 16,29 7-16-16,-29-8-5 16,29 8 2-16</inkml:trace>
+          <inkml:trace contextRef="#ctx0" brushRef="#br0" timeOffset="76717">9379-1106 40 0,'0'0'32'0,"23"0"2"16,-23 0-14-16,48 6-8 16,-29-12-3-16,18 14-3 15,-14-10-2-15,9 6-2 16,-7 0-3-16,-25-4-10 15,38-6-22-15,-38 6-2 16,27 2 1-16,-27-2 0 16</inkml:trace>
+          <inkml:trace contextRef="#ctx0" brushRef="#br0" timeOffset="76515">9429-1231 28 0,'-2'31'32'16,"2"6"3"-16,4-1-3 15,11 18-16-15,-15-21-9 16,25 5-3-16,-13-9-2 15,5 2-2-15,-4-8-1 16,-13-23-3-16,25 32-10 16,-25-32-18-16,0 0-1 15,0 0-1-15,0 0 2 16</inkml:trace>
+        </inkml:traceGroup>
+        <inkml:traceGroup>
+          <inkml:annotationXML>
+            <emma:emma xmlns:emma="http://www.w3.org/2003/04/emma" version="1.0">
+              <emma:interpretation id="{213AE460-BA1D-4FFB-8D27-CF22FE2FE048}" emma:medium="tactile" emma:mode="ink">
+                <msink:context xmlns:msink="http://schemas.microsoft.com/ink/2010/main" type="inkWord" rotatedBoundingBox="24196,12427 24765,12287 24968,13110 24398,13250"/>
+              </emma:interpretation>
+              <emma:one-of disjunction-type="recognition" id="oneOf8">
+                <emma:interpretation id="interp36" emma:lang="en-US" emma:confidence="1">
+                  <emma:literal>us</emma:literal>
+                </emma:interpretation>
+                <emma:interpretation id="interp37" emma:lang="en-US" emma:confidence="0">
+                  <emma:literal>is</emma:literal>
+                </emma:interpretation>
+                <emma:interpretation id="interp38" emma:lang="en-US" emma:confidence="0">
+                  <emma:literal>nig</emma:literal>
+                </emma:interpretation>
+                <emma:interpretation id="interp39" emma:lang="en-US" emma:confidence="0">
+                  <emma:literal>"is</emma:literal>
+                </emma:interpretation>
+                <emma:interpretation id="interp40" emma:lang="en-US" emma:confidence="0">
+                  <emma:literal>his</emma:literal>
+                </emma:interpretation>
+              </emma:one-of>
+            </emma:emma>
+          </inkml:annotationXML>
+          <inkml:trace contextRef="#ctx0" brushRef="#br0" timeOffset="79290">10068-1317 45 0,'0'0'34'15,"-2"-23"1"-15,2 23-9 16,-11 19-17-16,15 8-4 15,-6-4-2-15,4 12-1 16,-2-1-1-16,9 3 1 16,-3-5-2-16,9-5 1 15,-15-27-1-15,35 21 1 16,-35-21-1-16,40-23 0 15,-19-2 0-15,0-7 0 16,-2-1 0-16,-3-2-1 0,-3 5 1 16,0 3 0-16,-5 8 0 15,-8 19 1-15,0 0-1 16,19 0 0-16,-13 19 0 15,-2 8 0-15,3 7 0 16,1 3 0-16,0 1-1 16,-1-3 0-16,5-1-3 15,-12-34-3-15,32 35-22 16,-32-35-5-16,29-6-1 15,-8-17 1-15</inkml:trace>
+          <inkml:trace contextRef="#ctx0" brushRef="#br0" timeOffset="79578">10466-1703 30 0,'-23'32'35'0,"10"1"0"16,5 0 0-16,20 22-18 15,-6-32-8-15,30 20-3 16,-7-11-1-16,9 7-1 16,-2-3-2-16,-3 14 0 15,-10-4-1-15,-4 4 0 16,-17 2-1-16,-8 0 0 15,-11 2-1-15,-12-6-1 16,-5 2-2-16,-12-10-4 16,15 10-19-16,-30-19-12 0,13 4 3 15,-7-12-3-15</inkml:trace>
+        </inkml:traceGroup>
+      </inkml:traceGroup>
+    </inkml:traceGroup>
+    <inkml:traceGroup>
+      <inkml:annotationXML>
+        <emma:emma xmlns:emma="http://www.w3.org/2003/04/emma" version="1.0">
+          <emma:interpretation id="{AE6D75F7-E3EB-4DDD-8652-6B6E71413DDD}" emma:medium="tactile" emma:mode="ink">
+            <msink:context xmlns:msink="http://schemas.microsoft.com/ink/2010/main" type="paragraph" rotatedBoundingBox="14323,15092 22111,14661 22169,15722 14382,16153" alignmentLevel="2"/>
+          </emma:interpretation>
+        </emma:emma>
+      </inkml:annotationXML>
+      <inkml:traceGroup>
+        <inkml:annotationXML>
+          <emma:emma xmlns:emma="http://www.w3.org/2003/04/emma" version="1.0">
+            <emma:interpretation id="{7A544205-25E3-474C-A5A0-992D30A2F639}" emma:medium="tactile" emma:mode="ink">
+              <msink:context xmlns:msink="http://schemas.microsoft.com/ink/2010/main" type="line" rotatedBoundingBox="14323,15092 22111,14661 22169,15722 14382,16153">
+                <msink:destinationLink direction="with" ref="{6DB82FE9-E7A9-458B-9226-9B7BD1003629}"/>
+              </msink:context>
+            </emma:interpretation>
+          </emma:emma>
+        </inkml:annotationXML>
+        <inkml:traceGroup>
+          <inkml:annotationXML>
+            <emma:emma xmlns:emma="http://www.w3.org/2003/04/emma" version="1.0">
+              <emma:interpretation id="{2B7E1D62-1CF7-4810-9C0C-AA0FDD6CE2DA}" emma:medium="tactile" emma:mode="ink">
+                <msink:context xmlns:msink="http://schemas.microsoft.com/ink/2010/main" type="inkWord" rotatedBoundingBox="14323,15092 15992,14999 16051,16061 14382,16153">
+                  <msink:destinationLink direction="with" ref="{6C3B2107-5B59-4055-A651-763A00B51CF9}"/>
+                </msink:context>
+              </emma:interpretation>
+              <emma:one-of disjunction-type="recognition" id="oneOf9">
+                <emma:interpretation id="interp41" emma:lang="en-US" emma:confidence="0">
+                  <emma:literal>4,1</emma:literal>
+                </emma:interpretation>
+                <emma:interpretation id="interp42" emma:lang="en-US" emma:confidence="0">
+                  <emma:literal>411</emma:literal>
+                </emma:interpretation>
+                <emma:interpretation id="interp43" emma:lang="en-US" emma:confidence="0">
+                  <emma:literal>41</emma:literal>
+                </emma:interpretation>
+                <emma:interpretation id="interp44" emma:lang="en-US" emma:confidence="0">
+                  <emma:literal>4,'</emma:literal>
+                </emma:interpretation>
+                <emma:interpretation id="interp45" emma:lang="en-US" emma:confidence="0">
+                  <emma:literal>4.1</emma:literal>
+                </emma:interpretation>
+              </emma:one-of>
+            </emma:emma>
+          </inkml:annotationXML>
+          <inkml:trace contextRef="#ctx0" brushRef="#br0" timeOffset="61532">331 1072 9 0,'0'0'22'0,"0"0"-14"16,0 0-1-16,-6 23 0 15,6-2 2-15,0-21-1 16,-19 46 2-16,-4-23 0 16,13 19-1-16,-15-7-2 15,8 15-2-15,-10-2-1 0,8 2-1 16,-4-4-1-1,6 0 0-15,4-11-1 0,7 1 1 16,0-16-1 0,14-1 1-16,-8-19-1 0,34 13 1 15,-7-13-1-15,13-2 1 16,4-9-1-16,8 1 0 15,11-3 0 1,4-1-1 0,0-5 0-16,0 0 0 0,-2 0-1 0,-9 3 1 15,-5 1-2-15,-9 1 0 16,-13 11-3-16,-29 3-5 15,23 0-7-15,-23 0-8 16,-36 9-6-16,5 3 0 0</inkml:trace>
+          <inkml:trace contextRef="#ctx0" brushRef="#br0" timeOffset="61909">608 1135 14 0,'0'0'19'15,"0"0"-17"-15,0 0 1 16,0 0 1-16,6 21 3 16,-21 6 2-16,13 21 1 15,-14 2 0-15,7 23 2 16,-16-9-3-16,17 20-3 15,-13-7-1-15,6 0-2 16,-2-6-1-16,9-6 0 16,-3-11-2-16,1-6 0 15,4-11-2-15,-3-6 0 16,11-3-3-16,-2-28-3 15,0 25-11-15,0-25-9 16,0 0-2-16</inkml:trace>
+          <inkml:trace contextRef="#ctx0" brushRef="#br0" timeOffset="83729">1016 1662 30 0,'0'0'35'16,"0"0"1"-16,13-23-2 15,-13 23-22-15,0 0-5 16,23 40-1-16,-25-17-2 15,2 12 0-15,-2-1-1 16,-3 12-1-16,-3 4-1 16,-3-2-1-16,3-1 0 15,0-5-2-15,-1-2 0 16,-3-15-4-16,12 6-1 15,0-31-15-15,0 0-14 16,-6-19 0-16,20-2 0 16</inkml:trace>
+          <inkml:trace contextRef="#ctx0" brushRef="#br0" timeOffset="84102">1728 1060 11 0,'6'-25'33'15,"-6"25"0"-15,7-19 2 16,-7 19-18-16,0 0-6 0,0 0-2 16,21 2-2-16,-21-2-1 15,2 36-2-15,-6-9 1 16,6 10-1-16,-7 7-2 15,5 12-1-15,-4 1 0 16,2 3 0-16,0-2-1 16,2-1-1-16,2-3-2 15,-8-8 0-15,14 6-7 16,-20-25-22-16,22 10-4 15,-10-12-1-15,9 11 0 16</inkml:trace>
+        </inkml:traceGroup>
+        <inkml:traceGroup>
+          <inkml:annotationXML>
+            <emma:emma xmlns:emma="http://www.w3.org/2003/04/emma" version="1.0">
+              <emma:interpretation id="{1F17CBC7-B0E8-452C-B0BD-091A30F3BB75}" emma:medium="tactile" emma:mode="ink">
+                <msink:context xmlns:msink="http://schemas.microsoft.com/ink/2010/main" type="inkWord" rotatedBoundingBox="20173,14874 22117,14766 22159,15529 20215,15636"/>
+              </emma:interpretation>
+              <emma:one-of disjunction-type="recognition" id="oneOf10">
+                <emma:interpretation id="interp46" emma:lang="en-US" emma:confidence="0">
+                  <emma:literal>2221</emma:literal>
+                </emma:interpretation>
+                <emma:interpretation id="interp47" emma:lang="en-US" emma:confidence="0">
+                  <emma:literal>321</emma:literal>
+                </emma:interpretation>
+                <emma:interpretation id="interp48" emma:lang="en-US" emma:confidence="0">
+                  <emma:literal>3221</emma:literal>
+                </emma:interpretation>
+                <emma:interpretation id="interp49" emma:lang="en-US" emma:confidence="0">
+                  <emma:literal>7221</emma:literal>
+                </emma:interpretation>
+                <emma:interpretation id="interp50" emma:lang="en-US" emma:confidence="0">
+                  <emma:literal>$221</emma:literal>
+                </emma:interpretation>
+              </emma:one-of>
+            </emma:emma>
+          </inkml:annotationXML>
+          <inkml:trace contextRef="#ctx0" brushRef="#br0" timeOffset="33782">5942 874 20 0,'33'0'29'0,"9"9"-2"0,2-12-9 16,30 22-6-16,-16-4-3 15,18 20-2-15,-11 3-2 16,4 12-1-16,-19 6-2 16,-4 7 0-16,-15 3-1 15,-12-1 0-15,-12-2 0 16,-10-9-1-16,-11-2 0 15,-9-10 1-15,-11-7-1 16,-1-8 0-16,-9-8 0 16,2-7-1-16,-4 1 0 15,2-9-1-15,6 4-1 16,0-12-3-16,38 4-7 15,-44 4-12-15,44-4-7 16,0 0 0-16</inkml:trace>
+          <inkml:trace contextRef="#ctx0" brushRef="#br0" timeOffset="33461">6055 989 1 0,'0'0'27'0,"0"0"-6"16,0 0-4-16,0 0-2 15,0 0-1-15,0 0-4 16,0 0-2-16,6 21-1 16,5 6-1-16,-13-2-2 15,10 19 0-15,-6-1-2 16,7 12 0-16,-5 3-1 15,8 7 1-15,-8-9-2 16,9-2 1-16,-5-8-2 0,1-15 0 16,3-4-2-16,-12-27-4 15,19 13-10-15,-21-32-17 16,4-8 2-16,-2-8-1 15</inkml:trace>
+          <inkml:trace contextRef="#ctx0" brushRef="#br0" timeOffset="34489">7284 793 18 0,'0'0'29'16,"0"0"1"-16,32 12-12 16,-5-12-8-16,32 23-1 15,-7-14-3-15,19 16-1 16,-4-9-2-16,9 12 0 15,-9-1-2-15,-7 8 0 16,-16 3-1-16,-8 1 0 16,-13 7-1-16,-15 0 0 0,-16 2-1 15,-11-4 0 1,-10 6-2-1,-17-17-3-15,10 17-6 0,-23-29-10 0,7 8-7 16,2-8-2-16</inkml:trace>
+          <inkml:trace contextRef="#ctx0" brushRef="#br0" timeOffset="34210">7349 933 27 0,'0'0'30'0,"17"29"-9"16,10 4-3-16,-18-4-6 16,18 23-3-16,-15-8-2 15,9 10-3-15,-6-6-2 16,4-2-1-16,-4-4-2 15,-5-11-1-15,5-4-3 16,-15-27-8-16,0 0-18 16,25 2-1-16,-25-2 1 15</inkml:trace>
+          <inkml:trace contextRef="#ctx0" brushRef="#br0" timeOffset="28655">4507 1091 1 0,'0'0'29'16,"0"0"1"-16,0 0-10 16,0 0-5-16,0 0-4 15,0 0-2-15,0 0-3 16,4-23 0-16,-4 23-2 0,21-21-1 15,-2 13 0-15,2-11 0 16,13 5-1-16,-5-1 0 16,11 2 0-16,-5 1 0 15,1 6-1-15,-2 2-1 16,-3 8 1-16,-10 4-1 15,-21-8 0 1,27 40 0-16,-21-11 1 16,-3 6-1-16,-6 9 0 0,-5-2 0 15,-2 8 0 1,-5-2 0-16,-12 2 0 0,2 2 0 15,-5-6 1 17,1-2-2-32,-2-3 2 0,1-3-1 0,3-7 0 0,2-4 0 15,8-4 0-15,17-23 0 0,-19 29 0 16,19-29 0-16,0 0 1 15,21 13-1-15,4-13 0 16,5-6 0-16,7 1 0 16,5-3 0-16,2 0-1 15,4 1 1-15,-2-3-2 16,5 0 0-16,-12-5-1 15,5 11-3-15,-18-23-12 16,9 14-15-16,-8-3-2 16,1-1 2-16</inkml:trace>
+        </inkml:traceGroup>
+      </inkml:traceGroup>
+    </inkml:traceGroup>
+  </inkml:traceGroup>
+</inkml:ink>
+</file>
+
+<file path=ppt/ink/ink15.xml><?xml version="1.0" encoding="utf-8"?>
+<inkml:ink xmlns:inkml="http://www.w3.org/2003/InkML">
+  <inkml:definitions>
+    <inkml:context xml:id="ctx0">
+      <inkml:inkSource xml:id="inkSrc0">
+        <inkml:traceFormat>
+          <inkml:channel name="X" type="integer" max="26312" units="in"/>
+          <inkml:channel name="Y" type="integer" max="16520" units="in"/>
+          <inkml:channel name="F" type="integer" max="255" units="dev"/>
+          <inkml:channel name="T" type="integer" max="2.14748E9" units="dev"/>
+        </inkml:traceFormat>
+        <inkml:channelProperties>
+          <inkml:channelProperty channel="X" name="resolution" value="2540.01343" units="1/in"/>
+          <inkml:channelProperty channel="Y" name="resolution" value="2540.36597" units="1/in"/>
+          <inkml:channelProperty channel="F" name="resolution" value="3.97878E-7" units="1/dev"/>
+          <inkml:channelProperty channel="T" name="resolution" value="1" units="1/dev"/>
+        </inkml:channelProperties>
+      </inkml:inkSource>
+      <inkml:timestamp xml:id="ts0" timeString="2014-02-18T01:10:23.407"/>
+    </inkml:context>
+    <inkml:brush xml:id="br0">
+      <inkml:brushProperty name="width" value="0.04667" units="cm"/>
+      <inkml:brushProperty name="height" value="0.04667" units="cm"/>
+      <inkml:brushProperty name="fitToCurve" value="1"/>
+    </inkml:brush>
+  </inkml:definitions>
+  <inkml:traceGroup>
+    <inkml:annotationXML>
+      <emma:emma xmlns:emma="http://www.w3.org/2003/04/emma" version="1.0">
+        <emma:interpretation id="{0B746377-7D5B-47A7-AB86-4FD672A3765C}" emma:medium="tactile" emma:mode="ink">
+          <msink:context xmlns:msink="http://schemas.microsoft.com/ink/2010/main" type="writingRegion" rotatedBoundingBox="9687,16830 22090,15929 22168,16999 9764,17899">
+            <msink:destinationLink direction="with" ref="{6DB82FE9-E7A9-458B-9226-9B7BD1003629}"/>
+          </msink:context>
+        </emma:interpretation>
+      </emma:emma>
+    </inkml:annotationXML>
+    <inkml:traceGroup>
+      <inkml:annotationXML>
+        <emma:emma xmlns:emma="http://www.w3.org/2003/04/emma" version="1.0">
+          <emma:interpretation id="{90BB99CC-BF5A-4AE0-9F89-26647C7E3CD1}" emma:medium="tactile" emma:mode="ink">
+            <msink:context xmlns:msink="http://schemas.microsoft.com/ink/2010/main" type="paragraph" rotatedBoundingBox="9687,16830 22090,15929 22168,16999 9764,17899" alignmentLevel="1"/>
+          </emma:interpretation>
+        </emma:emma>
+      </inkml:annotationXML>
+      <inkml:traceGroup>
+        <inkml:annotationXML>
+          <emma:emma xmlns:emma="http://www.w3.org/2003/04/emma" version="1.0">
+            <emma:interpretation id="{60197A3F-2C88-4CD7-BDA1-94F3A5353005}" emma:medium="tactile" emma:mode="ink">
+              <msink:context xmlns:msink="http://schemas.microsoft.com/ink/2010/main" type="line" rotatedBoundingBox="9687,16830 22090,15929 22168,16999 9764,17899"/>
+            </emma:interpretation>
+          </emma:emma>
+        </inkml:annotationXML>
+        <inkml:traceGroup>
+          <inkml:annotationXML>
+            <emma:emma xmlns:emma="http://www.w3.org/2003/04/emma" version="1.0">
+              <emma:interpretation id="{865BA5D4-7600-47CA-9A3D-B2308666EEF8}" emma:medium="tactile" emma:mode="ink">
+                <msink:context xmlns:msink="http://schemas.microsoft.com/ink/2010/main" type="inkWord" rotatedBoundingBox="9520,17396 10079,16721 10590,17144 10032,17819"/>
+              </emma:interpretation>
+              <emma:one-of disjunction-type="recognition" id="oneOf0">
+                <emma:interpretation id="interp0" emma:lang="en-US" emma:confidence="1">
+                  <emma:literal>D</emma:literal>
+                </emma:interpretation>
+                <emma:interpretation id="interp1" emma:lang="en-US" emma:confidence="0">
+                  <emma:literal>B</emma:literal>
+                </emma:interpretation>
+                <emma:interpretation id="interp2" emma:lang="en-US" emma:confidence="0">
+                  <emma:literal>A</emma:literal>
+                </emma:interpretation>
+                <emma:interpretation id="interp3" emma:lang="en-US" emma:confidence="0">
+                  <emma:literal>N</emma:literal>
+                </emma:interpretation>
+                <emma:interpretation id="interp4" emma:lang="en-US" emma:confidence="0">
+                  <emma:literal>n</emma:literal>
+                </emma:interpretation>
+              </emma:one-of>
+            </emma:emma>
+          </inkml:annotationXML>
+          <inkml:trace contextRef="#ctx0" brushRef="#br0">-4414 3030 10 0,'-9'29'15'15,"7"9"0"-15,-13 1-2 0,13 18-1 16,-14-5-3-16,9 14-1 16,-9-11 0-16,14 7-3 15,-7-12-1-15,11-2-2 16,-4-23 0-16,8 0 0 15,-6-25-1-15,21-8 0 16,-6-15 0-16,2-11-1 16,2-11 1-16,-1-10 0 15,8-5-1-15,-5-7 0 16,6-2 1-16,-8-1-1 15,8-3 0-15,0 10 1 0,-2 3-1 16,0 7 0-16,3 12 0 16,-3 3 0-16,6 19 0 15,-6 11-1-15,2 14 1 16,5 13 0-16,-3 15 0 15,-4 7 0-15,3 9 0 16,3 7 0-16,-6-1 1 16,0 2-1-16,-6-6 0 15,-2-4 0-15,-7 2 1 16,-3-14-1-16,-14 1 0 15,-1-5 0-15,-13-7 1 16,-10 2-2-16,-5-6 2 16,-8 1-1-16,-8-9 0 15,-7 2-1-15,0-7-2 0,-1-16-5 16,14 14-14-1,-1-4-7-15,3-8-2 0</inkml:trace>
+        </inkml:traceGroup>
+        <inkml:traceGroup>
+          <inkml:annotationXML>
+            <emma:emma xmlns:emma="http://www.w3.org/2003/04/emma" version="1.0">
+              <emma:interpretation id="{4C5F7356-24C5-41EC-BA10-6F43F10357CE}" emma:medium="tactile" emma:mode="ink">
+                <msink:context xmlns:msink="http://schemas.microsoft.com/ink/2010/main" type="inkWord" rotatedBoundingBox="12284,16922 12464,16909 12503,17450 12323,17463"/>
+              </emma:interpretation>
+              <emma:one-of disjunction-type="recognition" id="oneOf1">
+                <emma:interpretation id="interp5" emma:lang="en-US" emma:confidence="0">
+                  <emma:literal>{</emma:literal>
+                </emma:interpretation>
+                <emma:interpretation id="interp6" emma:lang="en-US" emma:confidence="0">
+                  <emma:literal>[</emma:literal>
+                </emma:interpretation>
+                <emma:interpretation id="interp7" emma:lang="en-US" emma:confidence="0">
+                  <emma:literal>(</emma:literal>
+                </emma:interpretation>
+                <emma:interpretation id="interp8" emma:lang="en-US" emma:confidence="0">
+                  <emma:literal>I</emma:literal>
+                </emma:interpretation>
+                <emma:interpretation id="interp9" emma:lang="en-US" emma:confidence="0">
+                  <emma:literal>C</emma:literal>
+                </emma:interpretation>
+              </emma:one-of>
+            </emma:emma>
+          </inkml:annotationXML>
+          <inkml:trace contextRef="#ctx0" brushRef="#br0" timeOffset="48359">-1765 2940 15 0,'-27'-19'30'0,"27"19"1"16,0 0-15-16,-40-14-5 15,40 14-3-15,-19 29-1 16,17 4-2-16,-15 1-1 0,9 12-1 16,-7 4-1-16,11 4-1 15,-4-2 0-15,1 0 0 16,7-8-1-16,0-2-1 15,0-9 1-15,0-6-3 16,9-4 0-16,-9-23-3 16,14 29-3-16,-14-29-9 15,19-2-14-15,-19 2 1 16,32-19-1-16</inkml:trace>
+        </inkml:traceGroup>
+        <inkml:traceGroup>
+          <inkml:annotationXML>
+            <emma:emma xmlns:emma="http://www.w3.org/2003/04/emma" version="1.0">
+              <emma:interpretation id="{F77C7DAC-9069-4D47-BF8B-8058B38D8360}" emma:medium="tactile" emma:mode="ink">
+                <msink:context xmlns:msink="http://schemas.microsoft.com/ink/2010/main" type="inkWord" rotatedBoundingBox="14597,16556 16475,16420 16546,17401 14668,17537"/>
+              </emma:interpretation>
+              <emma:one-of disjunction-type="recognition" id="oneOf2">
+                <emma:interpretation id="interp10" emma:lang="en-US" emma:confidence="1">
+                  <emma:literal>213</emma:literal>
+                </emma:interpretation>
+                <emma:interpretation id="interp11" emma:lang="en-US" emma:confidence="0">
+                  <emma:literal>23</emma:literal>
+                </emma:interpretation>
+                <emma:interpretation id="interp12" emma:lang="en-US" emma:confidence="0">
+                  <emma:literal>2.3</emma:literal>
+                </emma:interpretation>
+                <emma:interpretation id="interp13" emma:lang="en-US" emma:confidence="0">
+                  <emma:literal>203</emma:literal>
+                </emma:interpretation>
+                <emma:interpretation id="interp14" emma:lang="en-US" emma:confidence="0">
+                  <emma:literal>233</emma:literal>
+                </emma:interpretation>
+              </emma:one-of>
+            </emma:emma>
+          </inkml:annotationXML>
+          <inkml:trace contextRef="#ctx0" brushRef="#br0" timeOffset="49349">480 2738 16 0,'0'0'10'16,"-23"-10"-2"-16,23 10 0 15,-23-11 2-15,23 11 0 16,0 0 1-16,-23-23 1 16,23 23-1-16,0 0-1 15,19-12-3-15,-9-7-2 16,20 11-2-16,-3-11 0 15,15 0-2-15,-5-4 1 16,11 2-1-16,1 3 0 31,-1 5 0-31,-4 7 0 0,0 6-1 0,-11 2 1 0,-1 12 1 16,-9 5-1-16,-7 13 0 15,-9-1 0-15,-7 4 0 16,-13 9 0-16,-6 2 0 16,-10 4 0-16,-7 0 0 15,-3-2 0 1,-5 6 1-16,-4-8-1 0,6 0 1 15,-11-2 0-15,11-3-1 16,3-7 1-16,5 3-1 16,5-12 0-1,10-2 0-15,19-23 0 0,-15 29-1 16,15-29 1-16,30 13 0 15,1-13-1-15,11-2 1 16,8-4-1 0,5-3 0-16,3-3 0 0,3 1 0 15,0-5 0-15,-5 1 0 0,-12 7-1 31,-6-7 0-31,-7 11-1 0,-31 4-2 0,34 2 0 16,-34-2-5-16,6 21-13 16,-6-21-14-16,-21 27 2 15,21-27 0-15</inkml:trace>
+          <inkml:trace contextRef="#ctx0" brushRef="#br0" timeOffset="67265">1330 2984 16 0,'0'0'33'16,"7"-25"0"-16,-7 25 2 15,-5-19-22-15,5 19-4 16,0 0-3-16,0 0-1 16,15 21-2-16,-7-2 0 15,-8-19 0-15,9 42-1 16,-9-13 0-16,2 6-1 15,-2 3 0-15,-2 3-1 16,-5 5 1-16,1 2-1 16,0 0-1-16,-2-8-1 15,3 1 0-15,-5-18-3 16,10 9-1-16,0-32-6 15,2 23-19-15,-2-23-6 0,0 0 2 16,10-23 1-16</inkml:trace>
+          <inkml:trace contextRef="#ctx0" brushRef="#br0" timeOffset="68775">1747 2600 24 0,'-21'3'23'16,"21"-3"-2"-16,0 0-2 16,-25-11-5-16,25 11-3 15,0 0-2-15,0 0-2 0,0 0-2 16,0 0-1-16,25-25 0 15,0 10-1-15,0-10 0 16,7 7-1-16,-3-5 0 16,11 0-1-16,-11 4 0 15,3 11-1-15,-11 6 1 16,-21 2-2-16,29 25 1 15,-27-2 0-15,-4 4-1 16,-7 6 1-16,1 7-1 16,-2-5 1-16,-3 3-1 15,5-5 0-15,6 0 0 16,2-3 0-16,16-3 0 15,3 0 0-15,13 0 1 16,3-4-1-16,7 2 1 16,2-2 0-16,0 2 0 15,-2-2 0-15,-9 2 0 0,-7 0 1 16,-10-4-1-16,-14 4 1 31,-10-5-1-31,-11 1 1 0,-8 0-1 0,-15-4 0 31,-6-3 0-31,-4-9-2 0,-3-1-1 0,-12-13-4 16,17 9-16-16,-15-16-11 15,6-1 2-15,-1-14-1 16</inkml:trace>
+        </inkml:traceGroup>
+        <inkml:traceGroup>
+          <inkml:annotationXML>
+            <emma:emma xmlns:emma="http://www.w3.org/2003/04/emma" version="1.0">
+              <emma:interpretation id="{40D72C31-6853-4C34-B84F-6310D3B2389D}" emma:medium="tactile" emma:mode="ink">
+                <msink:context xmlns:msink="http://schemas.microsoft.com/ink/2010/main" type="inkWord" rotatedBoundingBox="18973,16507 19427,16474 19479,17194 19025,17227"/>
+              </emma:interpretation>
+              <emma:one-of disjunction-type="recognition" id="oneOf3">
+                <emma:interpretation id="interp15" emma:lang="en-US" emma:confidence="1">
+                  <emma:literal>3</emma:literal>
+                </emma:interpretation>
+                <emma:interpretation id="interp16" emma:lang="en-US" emma:confidence="0">
+                  <emma:literal>}</emma:literal>
+                </emma:interpretation>
+                <emma:interpretation id="interp17" emma:lang="en-US" emma:confidence="0">
+                  <emma:literal>s</emma:literal>
+                </emma:interpretation>
+                <emma:interpretation id="interp18" emma:lang="en-US" emma:confidence="0">
+                  <emma:literal>S</emma:literal>
+                </emma:interpretation>
+                <emma:interpretation id="interp19" emma:lang="en-US" emma:confidence="0">
+                  <emma:literal>z</emma:literal>
+                </emma:interpretation>
+              </emma:one-of>
+            </emma:emma>
+          </inkml:annotationXML>
+          <inkml:trace contextRef="#ctx0" brushRef="#br0" timeOffset="17536">4748 2596 7 0,'0'0'31'0,"0"0"0"16,0 0-11-16,27-12-7 16,-18-9-3-16,22 15-1 15,-12-17-2-15,17 14-2 16,-11-7-2-16,6 5-1 15,-6 1 0-15,-4 6-1 16,-21 4-1-16,32 4 0 16,-32-4 1-16,8 21-1 15,-8-21 0-15,-8 33 0 0,-7-12-1 16,5 6 1-16,-3 0 0 15,0-2-1-15,5 2 0 16,2-2 0 0,8 4 0-16,4-6 0 0,11 0 0 15,6-2 0-15,6-2 0 16,7-2 1-16,4 3-1 15,-5 1 1-15,-1-2-1 16,-5 6 2-16,-6 0-1 16,-8 4 0-16,-9 3 1 15,-10-1 0-15,-9-2 0 16,-6 2 0-16,-4-6 1 15,-6 2-1-15,-11-6 1 16,3-2-1-16,-5-6 0 16,2-3-1-16,0-4 1 0,9-4-1 15,-1-2-1-15,9-10 0 16,23 10-1-16,-25-25 0 15,25 25-4-15,0-38-7 16,23 15-18-16,-4-4-3 16,12-4 2-16</inkml:trace>
+        </inkml:traceGroup>
+        <inkml:traceGroup>
+          <inkml:annotationXML>
+            <emma:emma xmlns:emma="http://www.w3.org/2003/04/emma" version="1.0">
+              <emma:interpretation id="{0921B4CE-AFD3-4644-BA4A-2E0AD511F6DF}" emma:medium="tactile" emma:mode="ink">
+                <msink:context xmlns:msink="http://schemas.microsoft.com/ink/2010/main" type="inkWord" rotatedBoundingBox="20433,16819 20539,16177 21064,16263 20959,16905"/>
+              </emma:interpretation>
+              <emma:one-of disjunction-type="recognition" id="oneOf4">
+                <emma:interpretation id="interp20" emma:lang="en-US" emma:confidence="1">
+                  <emma:literal>L</emma:literal>
+                </emma:interpretation>
+                <emma:interpretation id="interp21" emma:lang="en-US" emma:confidence="0">
+                  <emma:literal>a</emma:literal>
+                </emma:interpretation>
+                <emma:interpretation id="interp22" emma:lang="en-US" emma:confidence="0">
+                  <emma:literal>x</emma:literal>
+                </emma:interpretation>
+                <emma:interpretation id="interp23" emma:lang="en-US" emma:confidence="0">
+                  <emma:literal>X</emma:literal>
+                </emma:interpretation>
+                <emma:interpretation id="interp24" emma:lang="en-US" emma:confidence="0">
+                  <emma:literal>*</emma:literal>
+                </emma:interpretation>
+              </emma:one-of>
+            </emma:emma>
+          </inkml:annotationXML>
+          <inkml:trace contextRef="#ctx0" brushRef="#br0" timeOffset="18626">6239 2586 7 0,'0'0'30'0,"0"0"0"16,0 0-11-16,9-27-5 16,26 25-3-16,-8-19-4 15,24 10-2-15,-3-3-3 16,6-1-3-16,9 5-4 15,-13-13-12-15,15 8-15 32,-2 1 1-32,2-3 0 0</inkml:trace>
+          <inkml:trace contextRef="#ctx0" brushRef="#br0" timeOffset="18407">6344 2338 26 0,'0'0'30'16,"2"35"-5"-16,6 5-8 16,-16-9-6-16,12 23-4 0,-12-2-3 15,8 9-1-15,-8-9-1 16,1 2-1-16,-1-14 0 15,4-3 0-15,-5-12-1 16,9-25 0-16,0 0 1 16,-23 7-1-16,15-26 0 15,6-6 0-15,-4-9 0 16,6-7-1-16,0-13 1 15,6-3-1-15,2-5 1 16,3 1 0-16,-1 1 0 16,5 6 0-16,4 1 0 15,-1 12 0-15,1 7 1 0,2 11 0 16,0 9 0-16,2 12-1 15,-2 12 1-15,2 13 0 16,0 6-1-16,0 17 1 16,-4 8-1-16,6 3 0 15,0 12-1-15,-2-7 0 16,7 5-2-16,-13-21-4 15,16 16-13-15,-14-24-12 16,-2-13 0-16,-9-7 0 16</inkml:trace>
+        </inkml:traceGroup>
+        <inkml:traceGroup>
+          <inkml:annotationXML>
+            <emma:emma xmlns:emma="http://www.w3.org/2003/04/emma" version="1.0">
+              <emma:interpretation id="{15C953F1-4007-4639-9630-99152CD996C7}" emma:medium="tactile" emma:mode="ink">
+                <msink:context xmlns:msink="http://schemas.microsoft.com/ink/2010/main" type="inkWord" rotatedBoundingBox="21730,16619 21740,16040 22127,16046 22117,16626"/>
+              </emma:interpretation>
+              <emma:one-of disjunction-type="recognition" id="oneOf5">
+                <emma:interpretation id="interp25" emma:lang="en-US" emma:confidence="1">
+                  <emma:literal>R</emma:literal>
+                </emma:interpretation>
+                <emma:interpretation id="interp26" emma:lang="en-US" emma:confidence="0">
+                  <emma:literal>N</emma:literal>
+                </emma:interpretation>
+                <emma:interpretation id="interp27" emma:lang="en-US" emma:confidence="0">
+                  <emma:literal>K</emma:literal>
+                </emma:interpretation>
+                <emma:interpretation id="interp28" emma:lang="en-US" emma:confidence="0">
+                  <emma:literal>x</emma:literal>
+                </emma:interpretation>
+                <emma:interpretation id="interp29" emma:lang="en-US" emma:confidence="0">
+                  <emma:literal>L</emma:literal>
+                </emma:interpretation>
+              </emma:one-of>
+            </emma:emma>
+          </inkml:annotationXML>
+          <inkml:trace contextRef="#ctx0" brushRef="#br0" timeOffset="19633">7525 2317 4 0,'-21'2'31'15,"21"-2"1"-15,0 0 1 16,23-19-17-16,11 19-8 15,-7-14-2-15,13 7-2 16,-2-5-1-16,3 4-1 16,-3-1-2-16,-4-1-1 15,3 8-2 1,-18-7-2-16,8 18-5 0,-27-9-10 15,19-4-13-15,-19 4 1 16,0 0 0-16</inkml:trace>
+          <inkml:trace contextRef="#ctx0" brushRef="#br0" timeOffset="19374">7555 2102 0 0,'0'0'29'0,"-17"25"2"16,25 0-12-16,-8-25-3 15,-2 54-6-15,-6-22-2 16,10 16-2-16,-6 4-2 15,1 6-1-15,-1-2-1 16,4-1-1-16,-2-12 0 16,4-5 0-16,-2-13 0 0,0-25-1 15,0 0 1-15,0 0-1 16,0 0 1-16,9-42-1 15,-7 5 0-15,2-5 0 16,0-8 0-16,2-6 0 16,3 2 0-16,-3-9-1 15,2 9 1-15,1 4 0 16,-1 6 0-16,-2 8 1 15,3 5 0-15,-1 12 0 16,-8 19 0-16,23 3-1 16,-23-3 0-16,23 43 1 15,-8-9-1-15,8 7-1 0,-4 5 2 16,4 6-2-16,-4-4 1 15,8 2 0-15,-4-8-1 16,-2-7 0-16,-2 1 0 16,-7-13-2-16,3 2-1 15,-15-25-6-15,10 19-14 16,-10-19-9-16,0 0 1 15</inkml:trace>
+        </inkml:traceGroup>
+      </inkml:traceGroup>
+    </inkml:traceGroup>
+  </inkml:traceGroup>
+</inkml:ink>
+</file>
+
+<file path=ppt/ink/ink16.xml><?xml version="1.0" encoding="utf-8"?>
+<inkml:ink xmlns:inkml="http://www.w3.org/2003/InkML">
+  <inkml:definitions>
+    <inkml:context xml:id="ctx0">
+      <inkml:inkSource xml:id="inkSrc0">
+        <inkml:traceFormat>
+          <inkml:channel name="X" type="integer" max="26312" units="in"/>
+          <inkml:channel name="Y" type="integer" max="16520" units="in"/>
+          <inkml:channel name="F" type="integer" max="255" units="dev"/>
+          <inkml:channel name="T" type="integer" max="2.14748E9" units="dev"/>
+        </inkml:traceFormat>
+        <inkml:channelProperties>
+          <inkml:channelProperty channel="X" name="resolution" value="2540.01343" units="1/in"/>
+          <inkml:channelProperty channel="Y" name="resolution" value="2540.36597" units="1/in"/>
+          <inkml:channelProperty channel="F" name="resolution" value="3.97878E-7" units="1/dev"/>
+          <inkml:channelProperty channel="T" name="resolution" value="1" units="1/dev"/>
+        </inkml:channelProperties>
+      </inkml:inkSource>
+      <inkml:timestamp xml:id="ts0" timeString="2014-02-18T01:11:34.510"/>
+    </inkml:context>
+    <inkml:brush xml:id="br0">
+      <inkml:brushProperty name="width" value="0.04667" units="cm"/>
+      <inkml:brushProperty name="height" value="0.04667" units="cm"/>
+      <inkml:brushProperty name="fitToCurve" value="1"/>
+    </inkml:brush>
+  </inkml:definitions>
+  <inkml:traceGroup>
+    <inkml:annotationXML>
+      <emma:emma xmlns:emma="http://www.w3.org/2003/04/emma" version="1.0">
+        <emma:interpretation id="{DB1C2921-7F38-48D0-8EBB-821FC2BC9B80}" emma:medium="tactile" emma:mode="ink">
+          <msink:context xmlns:msink="http://schemas.microsoft.com/ink/2010/main" type="writingRegion" rotatedBoundingBox="13316,15275 13386,17747 12479,17773 12408,15301"/>
+        </emma:interpretation>
+      </emma:emma>
+    </inkml:annotationXML>
+    <inkml:traceGroup>
+      <inkml:annotationXML>
+        <emma:emma xmlns:emma="http://www.w3.org/2003/04/emma" version="1.0">
+          <emma:interpretation id="{E1188A2D-1193-4598-90DD-409A348ACE68}" emma:medium="tactile" emma:mode="ink">
+            <msink:context xmlns:msink="http://schemas.microsoft.com/ink/2010/main" type="paragraph" rotatedBoundingBox="13316,15275 13386,17747 12479,17773 12408,15301" alignmentLevel="1"/>
+          </emma:interpretation>
+        </emma:emma>
+      </inkml:annotationXML>
+      <inkml:traceGroup>
+        <inkml:annotationXML>
+          <emma:emma xmlns:emma="http://www.w3.org/2003/04/emma" version="1.0">
+            <emma:interpretation id="{C6216895-3B50-4463-A802-AC88BDA743AA}" emma:medium="tactile" emma:mode="ink">
+              <msink:context xmlns:msink="http://schemas.microsoft.com/ink/2010/main" type="line" rotatedBoundingBox="13316,15275 13386,17747 12478,17773 12408,15301"/>
+            </emma:interpretation>
+          </emma:emma>
+        </inkml:annotationXML>
+        <inkml:traceGroup>
+          <inkml:annotationXML>
+            <emma:emma xmlns:emma="http://www.w3.org/2003/04/emma" version="1.0">
+              <emma:interpretation id="{2E52AD2D-BBD3-4EAD-BCBE-72165A217B4A}" emma:medium="tactile" emma:mode="ink">
+                <msink:context xmlns:msink="http://schemas.microsoft.com/ink/2010/main" type="inkWord" rotatedBoundingBox="13363,16934 13386,17747 12479,17773 12455,16960"/>
+              </emma:interpretation>
+              <emma:one-of disjunction-type="recognition" id="oneOf0">
+                <emma:interpretation id="interp0" emma:lang="en-US" emma:confidence="0">
+                  <emma:literal>in,</emma:literal>
+                </emma:interpretation>
+                <emma:interpretation id="interp1" emma:lang="en-US" emma:confidence="0">
+                  <emma:literal>12 14</emma:literal>
+                </emma:interpretation>
+                <emma:interpretation id="interp2" emma:lang="en-US" emma:confidence="0">
+                  <emma:literal>12 121</emma:literal>
+                </emma:interpretation>
+                <emma:interpretation id="interp3" emma:lang="en-US" emma:confidence="0">
+                  <emma:literal>in.</emma:literal>
+                </emma:interpretation>
+                <emma:interpretation id="interp4" emma:lang="en-US" emma:confidence="0">
+                  <emma:literal>12 141</emma:literal>
+                </emma:interpretation>
+              </emma:one-of>
+            </emma:emma>
+          </inkml:annotationXML>
+          <inkml:trace contextRef="#ctx0" brushRef="#br0">155 1704 0 0,'19'-17'30'15,"-19"17"0"-15,34-21 2 0,-34 21-15 16,19-8-5-16,-19 8-4 16,0 0-1-16,0 0-3 15,21 36 0-15,-21-14-1 16,2 8-1-16,-4 1 0 15,-5 9-1-15,-1-5 0 16,-1 7 1-16,-3-7-1 16,4 1 0-16,-3-9 0 15,5-2-1-15,6-25 1 16,-4 27 0-16,4-27-1 15,0 0 0-15,29-4 0 16,-29 4-1-16,38-25 0 16,-15 4-1-16,6 6-1 0,-8-14-3 15,19 21-12-15,-21-19-16 16,8 8 1-16,-6-6-1 15</inkml:trace>
+          <inkml:trace contextRef="#ctx0" brushRef="#br0" timeOffset="282">532 1687 29 0,'0'0'33'16,"0"0"1"-16,0 0-10 15,-25 9-9-15,34 16-4 0,-9-25-4 16,-11 48-1 0,1-13-2-16,3 13-1 0,-3-4-2 15,-1 14 2-15,-5-4-3 16,5 1 0-16,1-3-2 15,-3-11-1-15,9 5 0 16,-9-15-4-16,22 15-13 16,-15-25-15-16,10 6-1 15,-4-27 1-15</inkml:trace>
+          <inkml:trace contextRef="#ctx0" brushRef="#br0" timeOffset="-426">-134 2027 6 0,'0'0'32'0,"0"0"2"16,0 0 0-16,-18 6-17 15,20 26-6-15,-23-12-4 16,12 16-5-16,-14 4 1 16,2 5-3-16,-4 3 1 15,0 2-2-15,2 0 1 16,2-12-1-16,4 4-2 15,1-19-2-15,13 8-5 16,3-31-11-16,0 0-13 16,0 0 2-16,0-34-1 0</inkml:trace>
+          <inkml:trace contextRef="#ctx0" brushRef="#br0" timeOffset="-1688">-251 545 18 0,'0'0'30'0,"0"0"-7"15,2-36-3-15,-2 36-6 0,0 0-5 32,0 0-1-32,0 0-3 0,0 0 0 0,0 0-2 15,9 30-1-15,-9-10 0 16,0 10 0-16,-5 1-1 15,1 11 0-15,-4-1 0 16,-1 1 0-16,1 0-1 16,0-5 0-16,-3-6-1 15,1-6-1-15,3-4-1 16,7-21-3-16,-2 23-13 15,2-23-13-15,0 0-1 16,2-23 1-16</inkml:trace>
+          <inkml:trace contextRef="#ctx0" brushRef="#br0" timeOffset="-1139">7 136 8 0,'0'0'31'0,"-7"-31"1"16,7 31 1-16,0 0-15 0,2-42-7 15,-2 42-5-15,21-29-1 16,-2 25-2-16,-19 4 0 15,42-19-1-15,-17 9 0 16,7 10 0-16,-7 0-1 16,2 8 0-16,-6 2-1 15,2 7 1-15,-4 4-1 16,-11 4 1-16,-4 8-1 15,-6 7 0-15,-6 6 0 16,-11 2 0-16,-4 10 0 16,-6 3 2-16,-9 3-2 15,-2-1 1-15,5-3-1 16,5-10 1-16,9-2-1 15,5-8 0-15,9-17 1 0,7-23-1 16,34 19 0-16,-1-22 0 16,11-5 0-16,0-2 0 15,7-5 0-15,-1-4 1 16,2 7-3-16,-10-5-2 15,4 19-5-15,-25-16-16 16,8 20-10-16,-8-2 1 16,-2 15-1-16</inkml:trace>
+        </inkml:traceGroup>
+      </inkml:traceGroup>
+    </inkml:traceGroup>
+  </inkml:traceGroup>
+</inkml:ink>
+</file>
+
+<file path=ppt/ink/ink2.xml><?xml version="1.0" encoding="utf-8"?>
+<inkml:ink xmlns:inkml="http://www.w3.org/2003/InkML">
+  <inkml:definitions>
+    <inkml:context xml:id="ctx0">
+      <inkml:inkSource xml:id="inkSrc0">
+        <inkml:traceFormat>
+          <inkml:channel name="X" type="integer" max="26312" units="in"/>
+          <inkml:channel name="Y" type="integer" max="16520" units="in"/>
+          <inkml:channel name="F" type="integer" max="255" units="dev"/>
+          <inkml:channel name="T" type="integer" max="2.14748E9" units="dev"/>
+        </inkml:traceFormat>
+        <inkml:channelProperties>
+          <inkml:channelProperty channel="X" name="resolution" value="2540.01343" units="1/in"/>
+          <inkml:channelProperty channel="Y" name="resolution" value="2540.36597" units="1/in"/>
+          <inkml:channelProperty channel="F" name="resolution" value="3.97878E-7" units="1/dev"/>
+          <inkml:channelProperty channel="T" name="resolution" value="1" units="1/dev"/>
+        </inkml:channelProperties>
+      </inkml:inkSource>
+      <inkml:timestamp xml:id="ts0" timeString="2014-02-18T01:10:04.605"/>
+    </inkml:context>
+    <inkml:brush xml:id="br0">
+      <inkml:brushProperty name="width" value="0.04667" units="cm"/>
+      <inkml:brushProperty name="height" value="0.04667" units="cm"/>
+      <inkml:brushProperty name="fitToCurve" value="1"/>
+    </inkml:brush>
+  </inkml:definitions>
+  <inkml:traceGroup>
+    <inkml:annotationXML>
+      <emma:emma xmlns:emma="http://www.w3.org/2003/04/emma" version="1.0">
+        <emma:interpretation id="{9C3B9BB8-5A5B-4E2E-8D4B-6C4F1A959A89}" emma:medium="tactile" emma:mode="ink">
+          <msink:context xmlns:msink="http://schemas.microsoft.com/ink/2010/main" type="inkDrawing" rotatedBoundingBox="9427,13452 15570,13672 15561,13924 9418,13705" semanticType="callout" shapeName="Other"/>
+        </emma:interpretation>
+      </emma:emma>
+    </inkml:annotationXML>
+    <inkml:trace contextRef="#ctx0" brushRef="#br0">0 162 0 0,'54'-8'15'0,"3"-2"0"16,16-5-2-16,15 7-1 16,12-11-1-16,37 9-3 15,9-13 0-15,34 12-1 16,25-10-2-16,30 11-2 15,27-7 0-15,16 13-2 0,18-2 0 16,14 10 0 0,8 0-1-16,7 7 1 0,-1 3-1 15,-5 7 0-15,-5 6-1 16,-17 4 2-16,-16 11-2 15,-22-2 1-15,-24 1-1 16,-19-1 0-16,-22-7 0 16,-26-14-3-16,-15 0-3 15,-30-23-11-15,-18-11-9 16,-11 3-2-16</inkml:trace>
+  </inkml:traceGroup>
+</inkml:ink>
+</file>
+
+<file path=ppt/ink/ink3.xml><?xml version="1.0" encoding="utf-8"?>
+<inkml:ink xmlns:inkml="http://www.w3.org/2003/InkML">
+  <inkml:definitions>
+    <inkml:context xml:id="ctx0">
+      <inkml:inkSource xml:id="inkSrc0">
+        <inkml:traceFormat>
+          <inkml:channel name="X" type="integer" max="26312" units="in"/>
+          <inkml:channel name="Y" type="integer" max="16520" units="in"/>
+          <inkml:channel name="F" type="integer" max="255" units="dev"/>
+          <inkml:channel name="T" type="integer" max="2.14748E9" units="dev"/>
+        </inkml:traceFormat>
+        <inkml:channelProperties>
+          <inkml:channelProperty channel="X" name="resolution" value="2540.01343" units="1/in"/>
+          <inkml:channelProperty channel="Y" name="resolution" value="2540.36597" units="1/in"/>
+          <inkml:channelProperty channel="F" name="resolution" value="3.97878E-7" units="1/dev"/>
+          <inkml:channelProperty channel="T" name="resolution" value="1" units="1/dev"/>
+        </inkml:channelProperties>
+      </inkml:inkSource>
+      <inkml:timestamp xml:id="ts0" timeString="2014-02-18T01:10:06.894"/>
+    </inkml:context>
+    <inkml:brush xml:id="br0">
+      <inkml:brushProperty name="width" value="0.04667" units="cm"/>
+      <inkml:brushProperty name="height" value="0.04667" units="cm"/>
+      <inkml:brushProperty name="fitToCurve" value="1"/>
+    </inkml:brush>
+  </inkml:definitions>
+  <inkml:traceGroup>
+    <inkml:annotationXML>
+      <emma:emma xmlns:emma="http://www.w3.org/2003/04/emma" version="1.0">
+        <emma:interpretation id="{7D248EF2-22D9-4D7A-8BC3-B01418BE8E7C}" emma:medium="tactile" emma:mode="ink">
+          <msink:context xmlns:msink="http://schemas.microsoft.com/ink/2010/main" type="writingRegion" rotatedBoundingBox="5481,14467 8675,14515 8657,15683 5464,15635"/>
+        </emma:interpretation>
+      </emma:emma>
+    </inkml:annotationXML>
+    <inkml:traceGroup>
+      <inkml:annotationXML>
+        <emma:emma xmlns:emma="http://www.w3.org/2003/04/emma" version="1.0">
+          <emma:interpretation id="{D0972729-E666-4832-BA04-245FFCDEBF9F}" emma:medium="tactile" emma:mode="ink">
+            <msink:context xmlns:msink="http://schemas.microsoft.com/ink/2010/main" type="paragraph" rotatedBoundingBox="5481,14467 8675,14515 8657,15683 5464,15635" alignmentLevel="1"/>
+          </emma:interpretation>
+        </emma:emma>
+      </inkml:annotationXML>
+      <inkml:traceGroup>
+        <inkml:annotationXML>
+          <emma:emma xmlns:emma="http://www.w3.org/2003/04/emma" version="1.0">
+            <emma:interpretation id="{5A08418E-0AAE-46C5-AEEC-9C877BA394B2}" emma:medium="tactile" emma:mode="ink">
+              <msink:context xmlns:msink="http://schemas.microsoft.com/ink/2010/main" type="line" rotatedBoundingBox="5481,14467 8675,14515 8657,15683 5464,15635"/>
+            </emma:interpretation>
+          </emma:emma>
+        </inkml:annotationXML>
+        <inkml:traceGroup>
+          <inkml:annotationXML>
+            <emma:emma xmlns:emma="http://www.w3.org/2003/04/emma" version="1.0">
+              <emma:interpretation id="{22CE038E-3D88-4B5F-BD2F-4C6E8DA90B17}" emma:medium="tactile" emma:mode="ink">
+                <msink:context xmlns:msink="http://schemas.microsoft.com/ink/2010/main" type="inkWord" rotatedBoundingBox="5481,14467 8675,14515 8657,15683 5464,15635"/>
+              </emma:interpretation>
+              <emma:one-of disjunction-type="recognition" id="oneOf0">
+                <emma:interpretation id="interp0" emma:lang="en-US" emma:confidence="0">
+                  <emma:literal>USSR</emma:literal>
+                </emma:interpretation>
+                <emma:interpretation id="interp1" emma:lang="en-US" emma:confidence="0">
+                  <emma:literal>USN</emma:literal>
+                </emma:interpretation>
+                <emma:interpretation id="interp2" emma:lang="en-US" emma:confidence="0">
+                  <emma:literal>assn</emma:literal>
+                </emma:interpretation>
+                <emma:interpretation id="interp3" emma:lang="en-US" emma:confidence="0">
+                  <emma:literal>USER</emma:literal>
+                </emma:interpretation>
+                <emma:interpretation id="interp4" emma:lang="en-US" emma:confidence="0">
+                  <emma:literal>USNR</emma:literal>
+                </emma:interpretation>
+              </emma:one-of>
+            </emma:emma>
+          </inkml:annotationXML>
+          <inkml:trace contextRef="#ctx0" brushRef="#br0">-6343 2685 13 0,'0'0'10'16,"0"0"1"-16,-23-19 0 15,23 19 0-15,-15 27-2 16,11 7 0-16,-7 1-1 16,9 21 0-1,-2 7-3-15,6 14 0 0,4 2-1 16,11 7-1-16,0-9-2 15,10-4 1-15,5-15-2 16,3-12 1-16,-1-23-1 31,8-19 0-31,-5-21 0 0,5-22-1 0,4-20 1 0,-4-14-2 16,8-10 1-16,-6-13 0 15,9 0-1-15,-9 2 1 16,4 5 0-16,-10 8 2 16,-5 20-1-16,-2 13 2 15,-10 23-1-15,-21 25 1 16,26 13-1-16,-22 26 1 15,-4 15-1-15,0 21 0 16,-7 5 0-16,1 9-1 16,-4 9 0-16,3-6-1 15,1 2-1-15,-2-17-2 16,12 4-3-16,-19-24-7 15,26 1-8-15,-1-14-8 16,-10-44 1-16</inkml:trace>
+          <inkml:trace contextRef="#ctx0" brushRef="#br0" timeOffset="410">-4716 2495 6 0,'0'0'28'16,"-23"-33"-3"-16,2 31 3 15,-17-5-25-15,-4 5-2 16,-8 7-1-16,-4 11 0 15,-5 3-1-15,0 8 1 0,5 6 0 16,2 3 1-16,3 10-1 16,16-7 0-16,16 9 0 15,9-6 1-15,16 0 0 16,9-3-1-16,14-3 0 15,9-5 0-15,4-2 0 16,2-2 0-16,2-6 1 16,-6-2-1-16,-4 0 1 15,-15 2-1-15,-4 1 0 16,-17 6 0-16,-13 1 0 15,-3 8-1-15,-16-3-1 16,5 11-3-16,-12-13-4 16,11 7-5-16,-5-7-12 15,2-22-1-15</inkml:trace>
+          <inkml:trace contextRef="#ctx0" brushRef="#br0" timeOffset="863">-4301 2572 14 0,'-19'17'26'15,"-31"-17"-4"-15,10 4-18 16,-15 11-1-16,-5 1-3 16,3 7 1-16,-4 2-1 0,9 5 0 15,0-1 1-15,16 2 0 16,5-2 0-16,14 0 0 15,8 1 0-15,18-5 1 16,14-5-1-16,6 1 0 16,11 0 0-16,10-4 1 15,-4 2 1-15,11-1 0 16,-13-5 0-16,0 12 0 15,-13-2 1-15,-4 8-1 16,-18 2 1-16,-9 7-1 16,-11 0-1-16,-12 5-1 15,-6 3 0-15,-5-4 0 16,-5-2-2-16,-10-5 0 15,12-5-3-15,-7-14-2 0,17 3-8 16,-5-23-10-16,11-12-5 16,17-7-1-16</inkml:trace>
+          <inkml:trace contextRef="#ctx0" brushRef="#br0" timeOffset="1399">-3960 2768 19 0,'-2'48'28'0,"4"21"-1"15,-12 12-20-15,1-4-2 16,5 7-4-16,-2 3 0 0,-1-3 0 15,-1-9 0-15,0-8 1 16,-3-13 0-16,5-10 0 16,-5-24 0-16,11-20 1 15,0 0-1-15,-25-23 0 16,17-18-1-16,8-16-1 15,-2-11 0-15,4-18-1 16,6-10 1-16,5-8-1 16,10-2 0-16,2-3 0 15,13 1 2-15,2 14-1 16,6 9-1-16,0 12 2 15,-4 21-1-15,-3 14 1 16,-7 17 0-16,-7 19 0 16,-17 23 0-16,-8 14-1 0,-12 15 2 15,-5 13-1-15,-10 6 1 16,4 6-1-16,0 8 0 15,2 3-1-15,12-13 0 16,5 0 1-16,15-5-1 16,12-5 1-16,4-7-2 15,13-6 2-15,4-6-2 16,8-6 1-16,7-3-2 15,-1-10-2-15,16 6-7 16,-10-4-20-16,8-12 1 16,11 2-1-16</inkml:trace>
+        </inkml:traceGroup>
+      </inkml:traceGroup>
+    </inkml:traceGroup>
+  </inkml:traceGroup>
+</inkml:ink>
+</file>
+
+<file path=ppt/ink/ink4.xml><?xml version="1.0" encoding="utf-8"?>
+<inkml:ink xmlns:inkml="http://www.w3.org/2003/InkML">
+  <inkml:definitions>
+    <inkml:context xml:id="ctx0">
+      <inkml:inkSource xml:id="inkSrc0">
+        <inkml:traceFormat>
+          <inkml:channel name="X" type="integer" max="26312" units="in"/>
+          <inkml:channel name="Y" type="integer" max="16520" units="in"/>
+          <inkml:channel name="F" type="integer" max="255" units="dev"/>
+          <inkml:channel name="T" type="integer" max="2.14748E9" units="dev"/>
+        </inkml:traceFormat>
+        <inkml:channelProperties>
+          <inkml:channelProperty channel="X" name="resolution" value="2540.01343" units="1/in"/>
+          <inkml:channelProperty channel="Y" name="resolution" value="2540.36597" units="1/in"/>
+          <inkml:channelProperty channel="F" name="resolution" value="3.97878E-7" units="1/dev"/>
+          <inkml:channelProperty channel="T" name="resolution" value="1" units="1/dev"/>
+        </inkml:channelProperties>
+      </inkml:inkSource>
+      <inkml:timestamp xml:id="ts0" timeString="2014-02-18T01:10:10.366"/>
+    </inkml:context>
+    <inkml:brush xml:id="br0">
+      <inkml:brushProperty name="width" value="0.04667" units="cm"/>
+      <inkml:brushProperty name="height" value="0.04667" units="cm"/>
+      <inkml:brushProperty name="fitToCurve" value="1"/>
+    </inkml:brush>
+  </inkml:definitions>
+  <inkml:traceGroup>
+    <inkml:annotationXML>
+      <emma:emma xmlns:emma="http://www.w3.org/2003/04/emma" version="1.0">
+        <emma:interpretation id="{9B8F50DF-D97B-4B7C-B994-58646066A4F6}" emma:medium="tactile" emma:mode="ink">
+          <msink:context xmlns:msink="http://schemas.microsoft.com/ink/2010/main" type="inkDrawing" rotatedBoundingBox="10757,13734 11049,16945 10948,16954 10656,13743" semanticType="callout" shapeName="Other"/>
+        </emma:interpretation>
+      </emma:emma>
+    </inkml:annotationXML>
+    <inkml:trace contextRef="#ctx0" brushRef="#br0">0 0 5 0,'0'0'20'0,"0"0"-17"16,0 0 0-16,0 0 1 0,0 0 1 15,17 23 0-15,-17-4 2 16,8 14 0-16,-8 13 0 15,8 23 0-15,-8 10 0 16,11 23 0-16,-11 15-2 16,12 24-2-16,-5 22-1 15,7 33 0-15,1 15 0 16,4 16-1-16,0 17 0 15,0 10-1-15,1 3 0 16,-1-11 1-16,4-25-1 16,5-34 0-16,-5-35-3 15,0-43-8-15,2-43-18 16,6-22 0-16,-12-52 0 0</inkml:trace>
+  </inkml:traceGroup>
+</inkml:ink>
+</file>
+
+<file path=ppt/ink/ink5.xml><?xml version="1.0" encoding="utf-8"?>
+<inkml:ink xmlns:inkml="http://www.w3.org/2003/InkML">
+  <inkml:definitions>
+    <inkml:context xml:id="ctx0">
+      <inkml:inkSource xml:id="inkSrc0">
+        <inkml:traceFormat>
+          <inkml:channel name="X" type="integer" max="26312" units="in"/>
+          <inkml:channel name="Y" type="integer" max="16520" units="in"/>
+          <inkml:channel name="F" type="integer" max="255" units="dev"/>
+          <inkml:channel name="T" type="integer" max="2.14748E9" units="dev"/>
+        </inkml:traceFormat>
+        <inkml:channelProperties>
+          <inkml:channelProperty channel="X" name="resolution" value="2540.01343" units="1/in"/>
+          <inkml:channelProperty channel="Y" name="resolution" value="2540.36597" units="1/in"/>
+          <inkml:channelProperty channel="F" name="resolution" value="3.97878E-7" units="1/dev"/>
+          <inkml:channelProperty channel="T" name="resolution" value="1" units="1/dev"/>
+        </inkml:channelProperties>
+      </inkml:inkSource>
+      <inkml:timestamp xml:id="ts0" timeString="2014-02-18T01:10:12.078"/>
+    </inkml:context>
+    <inkml:brush xml:id="br0">
+      <inkml:brushProperty name="width" value="0.04667" units="cm"/>
+      <inkml:brushProperty name="height" value="0.04667" units="cm"/>
+      <inkml:brushProperty name="fitToCurve" value="1"/>
+    </inkml:brush>
+  </inkml:definitions>
+  <inkml:traceGroup>
+    <inkml:annotationXML>
+      <emma:emma xmlns:emma="http://www.w3.org/2003/04/emma" version="1.0">
+        <emma:interpretation id="{6DB82FE9-E7A9-458B-9226-9B7BD1003629}" emma:medium="tactile" emma:mode="ink">
+          <msink:context xmlns:msink="http://schemas.microsoft.com/ink/2010/main" type="inkDrawing" rotatedBoundingBox="13644,13403 13670,17161 13508,17162 13481,13404" semanticType="verticalRange" shapeName="Other">
+            <msink:sourceLink direction="with" ref="{3ADFBC6F-D6FC-4B27-98C5-C9FBC8153A0F}"/>
+            <msink:sourceLink direction="with" ref="{83BC627D-F335-4F18-A7E3-C96B77F9A50F}"/>
+            <msink:sourceLink direction="with" ref="{4A356784-A7DF-4604-A848-E70BC8565B06}"/>
+            <msink:sourceLink direction="with" ref="{0B746377-7D5B-47A7-AB86-4FD672A3765C}"/>
+            <msink:sourceLink direction="with" ref="{93930A3D-EEA0-42A3-9169-2FD32E4C61CA}"/>
+            <msink:sourceLink direction="with" ref="{7A544205-25E3-474C-A5A0-992D30A2F639}"/>
+          </msink:context>
+        </emma:interpretation>
+      </emma:emma>
+    </inkml:annotationXML>
+    <inkml:trace contextRef="#ctx0" brushRef="#br0">150 0 9 0,'0'0'25'0,"0"0"1"15,-25 13-19-15,25-13 0 16,-19 39 0-16,2-14 2 16,9 27 0-16,-13 13-1 15,10 29 0-15,-10 16-1 16,13 36 0-16,-9 15-2 15,17 28-2-15,-8 24 0 16,16 25-2-16,-6 6 1 16,15 6 0-16,-8-2-2 15,7 2 0-15,-7-10 0 16,3-9 0-16,-1-22 0 15,-3-24 0-15,-2-24-1 0,-4-30-2 16,7-18 0-16,-13-40-2 16,16-11-6-1,-22-45-8-15,10-17-14 0,0 0-1 16,0 0 2-16</inkml:trace>
+  </inkml:traceGroup>
+</inkml:ink>
+</file>
+
+<file path=ppt/ink/ink6.xml><?xml version="1.0" encoding="utf-8"?>
+<inkml:ink xmlns:inkml="http://www.w3.org/2003/InkML">
+  <inkml:definitions>
+    <inkml:context xml:id="ctx0">
+      <inkml:inkSource xml:id="inkSrc0">
+        <inkml:traceFormat>
+          <inkml:channel name="X" type="integer" max="26312" units="in"/>
+          <inkml:channel name="Y" type="integer" max="16520" units="in"/>
+          <inkml:channel name="F" type="integer" max="255" units="dev"/>
+          <inkml:channel name="T" type="integer" max="2.14748E9" units="dev"/>
+        </inkml:traceFormat>
+        <inkml:channelProperties>
+          <inkml:channelProperty channel="X" name="resolution" value="2540.01343" units="1/in"/>
+          <inkml:channelProperty channel="Y" name="resolution" value="2540.36597" units="1/in"/>
+          <inkml:channelProperty channel="F" name="resolution" value="3.97878E-7" units="1/dev"/>
+          <inkml:channelProperty channel="T" name="resolution" value="1" units="1/dev"/>
+        </inkml:channelProperties>
+      </inkml:inkSource>
+      <inkml:timestamp xml:id="ts0" timeString="2014-02-18T01:10:22.390"/>
+    </inkml:context>
+    <inkml:brush xml:id="br0">
+      <inkml:brushProperty name="width" value="0.04667" units="cm"/>
+      <inkml:brushProperty name="height" value="0.04667" units="cm"/>
+      <inkml:brushProperty name="fitToCurve" value="1"/>
+    </inkml:brush>
+  </inkml:definitions>
+  <inkml:traceGroup>
+    <inkml:annotationXML>
+      <emma:emma xmlns:emma="http://www.w3.org/2003/04/emma" version="1.0">
+        <emma:interpretation id="{87ABFD4E-8B68-4587-8254-9DC5642EF560}" emma:medium="tactile" emma:mode="ink">
+          <msink:context xmlns:msink="http://schemas.microsoft.com/ink/2010/main" type="inkDrawing" rotatedBoundingBox="9325,16529 13517,16281 13525,16411 9333,16658" semanticType="underline" shapeName="Other">
+            <msink:sourceLink direction="with" ref="{A5B4B7CB-022A-4004-8C40-206C41BEE9FF}"/>
+          </msink:context>
+        </emma:interpretation>
+      </emma:emma>
+    </inkml:annotationXML>
+    <inkml:trace contextRef="#ctx0" brushRef="#br0">-6 197 12 0,'0'20'23'0,"0"-20"-15"15,0 0-2-15,0 0-2 16,44 3-1-16,6-3 1 16,11-15 1-16,24 11 1 15,22-13 1-15,36 7 0 16,22-17-1-16,38 10 0 15,26-14 0 1,49 4-2-16,32-3-1 0,46 7-2 16,32 9-4-16,16 3-7 15,46 20-12-15,9 1-6 0,4-2-2 16</inkml:trace>
+  </inkml:traceGroup>
+</inkml:ink>
+</file>
+
+<file path=ppt/ink/ink7.xml><?xml version="1.0" encoding="utf-8"?>
+<inkml:ink xmlns:inkml="http://www.w3.org/2003/InkML">
+  <inkml:definitions>
+    <inkml:context xml:id="ctx0">
+      <inkml:inkSource xml:id="inkSrc0">
+        <inkml:traceFormat>
+          <inkml:channel name="X" type="integer" max="26312" units="in"/>
+          <inkml:channel name="Y" type="integer" max="16520" units="in"/>
+          <inkml:channel name="F" type="integer" max="255" units="dev"/>
+          <inkml:channel name="T" type="integer" max="2.14748E9" units="dev"/>
+        </inkml:traceFormat>
+        <inkml:channelProperties>
+          <inkml:channelProperty channel="X" name="resolution" value="2540.01343" units="1/in"/>
+          <inkml:channelProperty channel="Y" name="resolution" value="2540.36597" units="1/in"/>
+          <inkml:channelProperty channel="F" name="resolution" value="3.97878E-7" units="1/dev"/>
+          <inkml:channelProperty channel="T" name="resolution" value="1" units="1/dev"/>
+        </inkml:channelProperties>
+      </inkml:inkSource>
+      <inkml:timestamp xml:id="ts0" timeString="2014-02-18T01:10:20.649"/>
+    </inkml:context>
+    <inkml:brush xml:id="br0">
+      <inkml:brushProperty name="width" value="0.04667" units="cm"/>
+      <inkml:brushProperty name="height" value="0.04667" units="cm"/>
+      <inkml:brushProperty name="fitToCurve" value="1"/>
+    </inkml:brush>
+  </inkml:definitions>
+  <inkml:traceGroup>
+    <inkml:annotationXML>
+      <emma:emma xmlns:emma="http://www.w3.org/2003/04/emma" version="1.0">
+        <emma:interpretation id="{292D720D-F0B8-4823-8524-15952348CBBC}" emma:medium="tactile" emma:mode="ink">
+          <msink:context xmlns:msink="http://schemas.microsoft.com/ink/2010/main" type="inkDrawing" rotatedBoundingBox="9335,14853 15753,14611 15764,14890 9346,15133" semanticType="underline" shapeName="Other">
+            <msink:sourceLink direction="with" ref="{0D30255E-D522-414B-ADAA-C8D0EC7F0701}"/>
+          </msink:context>
+        </emma:interpretation>
+      </emma:emma>
+    </inkml:annotationXML>
+    <inkml:trace contextRef="#ctx0" brushRef="#br0">0 371 22 0,'23'-22'26'0,"28"-12"-15"16,12 9-2-16,6-10-1 15,21 8-3-15,25-13 1 16,25 11-2-16,19-7 0 15,30 9 0-15,31 0 0 16,42 4-1-16,37 5 0 0,36 5 0 16,25 7 0-16,30 2-2 15,18 4 0 1,15 10-2-16,0-2 0 0,-12 3-1 15,-17-5-2-15,-22-8-2 16,-16 8-5-16,-46-10-9 16,-19 0-11-16,-29 8 2 31</inkml:trace>
+  </inkml:traceGroup>
+</inkml:ink>
+</file>
+
+<file path=ppt/ink/ink8.xml><?xml version="1.0" encoding="utf-8"?>
+<inkml:ink xmlns:inkml="http://www.w3.org/2003/InkML">
+  <inkml:definitions>
+    <inkml:context xml:id="ctx0">
+      <inkml:inkSource xml:id="inkSrc0">
+        <inkml:traceFormat>
+          <inkml:channel name="X" type="integer" max="26312" units="in"/>
+          <inkml:channel name="Y" type="integer" max="16520" units="in"/>
+          <inkml:channel name="F" type="integer" max="255" units="dev"/>
+          <inkml:channel name="T" type="integer" max="2.14748E9" units="dev"/>
+        </inkml:traceFormat>
+        <inkml:channelProperties>
+          <inkml:channelProperty channel="X" name="resolution" value="2540.01343" units="1/in"/>
+          <inkml:channelProperty channel="Y" name="resolution" value="2540.36597" units="1/in"/>
+          <inkml:channelProperty channel="F" name="resolution" value="3.97878E-7" units="1/dev"/>
+          <inkml:channelProperty channel="T" name="resolution" value="1" units="1/dev"/>
+        </inkml:channelProperties>
+      </inkml:inkSource>
+      <inkml:timestamp xml:id="ts0" timeString="2014-02-18T01:10:13.205"/>
+    </inkml:context>
+    <inkml:brush xml:id="br0">
+      <inkml:brushProperty name="width" value="0.04667" units="cm"/>
+      <inkml:brushProperty name="height" value="0.04667" units="cm"/>
+      <inkml:brushProperty name="fitToCurve" value="1"/>
+    </inkml:brush>
+  </inkml:definitions>
+  <inkml:traceGroup>
+    <inkml:annotationXML>
+      <emma:emma xmlns:emma="http://www.w3.org/2003/04/emma" version="1.0">
+        <emma:interpretation id="{3ADFBC6F-D6FC-4B27-98C5-C9FBC8153A0F}" emma:medium="tactile" emma:mode="ink">
+          <msink:context xmlns:msink="http://schemas.microsoft.com/ink/2010/main" type="writingRegion" rotatedBoundingBox="14121,13951 15512,13951 15512,14808 14121,14808">
+            <msink:destinationLink direction="with" ref="{6DB82FE9-E7A9-458B-9226-9B7BD1003629}"/>
+          </msink:context>
+        </emma:interpretation>
+      </emma:emma>
+    </inkml:annotationXML>
+    <inkml:traceGroup>
+      <inkml:annotationXML>
+        <emma:emma xmlns:emma="http://www.w3.org/2003/04/emma" version="1.0">
+          <emma:interpretation id="{E557C039-6453-4475-A865-7529986C5AA6}" emma:medium="tactile" emma:mode="ink">
+            <msink:context xmlns:msink="http://schemas.microsoft.com/ink/2010/main" type="paragraph" rotatedBoundingBox="14121,13951 15512,13951 15512,14808 14121,14808" alignmentLevel="1"/>
+          </emma:interpretation>
+        </emma:emma>
+      </inkml:annotationXML>
+      <inkml:traceGroup>
+        <inkml:annotationXML>
+          <emma:emma xmlns:emma="http://www.w3.org/2003/04/emma" version="1.0">
+            <emma:interpretation id="{78D226E1-F707-4D3D-9939-4041687C0CE2}" emma:medium="tactile" emma:mode="ink">
+              <msink:context xmlns:msink="http://schemas.microsoft.com/ink/2010/main" type="line" rotatedBoundingBox="14121,13951 15512,13951 15512,14808 14121,14808"/>
+            </emma:interpretation>
+          </emma:emma>
+        </inkml:annotationXML>
+        <inkml:traceGroup>
+          <inkml:annotationXML>
+            <emma:emma xmlns:emma="http://www.w3.org/2003/04/emma" version="1.0">
+              <emma:interpretation id="{99B3A4E4-2598-4159-B120-C60314DAC32A}" emma:medium="tactile" emma:mode="ink">
+                <msink:context xmlns:msink="http://schemas.microsoft.com/ink/2010/main" type="inkWord" rotatedBoundingBox="13854,14249 15195,13460 15533,14035 14192,14824"/>
+              </emma:interpretation>
+              <emma:one-of disjunction-type="recognition" id="oneOf0">
+                <emma:interpretation id="interp0" emma:lang="en-US" emma:confidence="0">
+                  <emma:literal>D.</emma:literal>
+                </emma:interpretation>
+                <emma:interpretation id="interp1" emma:lang="en-US" emma:confidence="0">
+                  <emma:literal>Jr</emma:literal>
+                </emma:interpretation>
+                <emma:interpretation id="interp2" emma:lang="en-US" emma:confidence="0">
+                  <emma:literal>D].</emma:literal>
+                </emma:interpretation>
+                <emma:interpretation id="interp3" emma:lang="en-US" emma:confidence="0">
+                  <emma:literal>P].</emma:literal>
+                </emma:interpretation>
+                <emma:interpretation id="interp4" emma:lang="en-US" emma:confidence="0">
+                  <emma:literal>x</emma:literal>
+                </emma:interpretation>
+              </emma:one-of>
+            </emma:emma>
+          </inkml:annotationXML>
+          <inkml:trace contextRef="#ctx0" brushRef="#br0">4495-2773 10 0,'27'-12'10'0,"2"4"0"15,13 14-1-15,-2 2 0 16,8 15-1-16,-2-2-1 16,8 19-1-16,-10-9-1 15,3 19 1-15,-14-6-1 16,1 12 1-16,-20-10-2 15,1 6 0-15,-17-8-1 16,-2 4 0-16,-17-11 0 16,-4-1 1-16,-15-9-2 15,0-2 0-15,-4-7-1 16,-6-5 0-16,4-3-3 15,-7-10-2-15,16 5-4 16,-10-18-14-16,6 1-6 16,13-1-3-16</inkml:trace>
+          <inkml:trace contextRef="#ctx0" brushRef="#br0" timeOffset="-278">4400-2418 13 0,'0'0'5'16,"0"0"-2"-16,0 0 2 15,-4 21 3-15,4-21 0 16,-6 29 2-16,6-29 0 15,-2 39 0-15,-7-16-1 16,18 13 0-16,-9-1-4 0,6 9-3 16,-4-6 0-16,7 3-2 15,-1-1 1-15,0-7-3 16,3-8 1-16,-3-2-3 15,-8-23 2-15,0 0-3 16,25 2-3-16,-27-29-5 16,4 0-1-16,-10-15-1 15,8-6-1-15</inkml:trace>
+          <inkml:trace contextRef="#ctx0" brushRef="#br0" timeOffset="55925">5695-2846 11 0,'16'21'7'16,"-16"-21"1"-16,0 0-3 15,23 13 0-15,-23-13-1 16,0 0-1-1,19 6-1-15,-19-6 0 16,0 0-1-16,0 0-1 0,0 0 0 16,17 8-1-16,-17-8-4 15,0 0-4-15,0 0-11 16</inkml:trace>
+        </inkml:traceGroup>
+      </inkml:traceGroup>
+    </inkml:traceGroup>
+  </inkml:traceGroup>
+</inkml:ink>
+</file>
+
+<file path=ppt/ink/ink9.xml><?xml version="1.0" encoding="utf-8"?>
+<inkml:ink xmlns:inkml="http://www.w3.org/2003/InkML">
+  <inkml:definitions>
+    <inkml:context xml:id="ctx0">
+      <inkml:inkSource xml:id="inkSrc0">
+        <inkml:traceFormat>
+          <inkml:channel name="X" type="integer" max="26312" units="in"/>
+          <inkml:channel name="Y" type="integer" max="16520" units="in"/>
+          <inkml:channel name="F" type="integer" max="255" units="dev"/>
+          <inkml:channel name="T" type="integer" max="2.14748E9" units="dev"/>
+        </inkml:traceFormat>
+        <inkml:channelProperties>
+          <inkml:channelProperty channel="X" name="resolution" value="2540.01343" units="1/in"/>
+          <inkml:channelProperty channel="Y" name="resolution" value="2540.36597" units="1/in"/>
+          <inkml:channelProperty channel="F" name="resolution" value="3.97878E-7" units="1/dev"/>
+          <inkml:channelProperty channel="T" name="resolution" value="1" units="1/dev"/>
+        </inkml:channelProperties>
+      </inkml:inkSource>
+      <inkml:timestamp xml:id="ts0" timeString="2014-02-18T01:10:11.280"/>
+    </inkml:context>
+    <inkml:brush xml:id="br0">
+      <inkml:brushProperty name="width" value="0.04667" units="cm"/>
+      <inkml:brushProperty name="height" value="0.04667" units="cm"/>
+      <inkml:brushProperty name="fitToCurve" value="1"/>
+    </inkml:brush>
+  </inkml:definitions>
+  <inkml:traceGroup>
+    <inkml:annotationXML>
+      <emma:emma xmlns:emma="http://www.w3.org/2003/04/emma" version="1.0">
+        <emma:interpretation id="{0D30255E-D522-414B-ADAA-C8D0EC7F0701}" emma:medium="tactile" emma:mode="ink">
+          <msink:context xmlns:msink="http://schemas.microsoft.com/ink/2010/main" type="writingRegion" rotatedBoundingBox="11765,13808 12678,13808 12678,14633 11765,14633">
+            <msink:destinationLink direction="with" ref="{292D720D-F0B8-4823-8524-15952348CBBC}"/>
+          </msink:context>
+        </emma:interpretation>
+      </emma:emma>
+    </inkml:annotationXML>
+    <inkml:traceGroup>
+      <inkml:annotationXML>
+        <emma:emma xmlns:emma="http://www.w3.org/2003/04/emma" version="1.0">
+          <emma:interpretation id="{97DD7B2B-226F-4A5A-9D64-35291FFBB94E}" emma:medium="tactile" emma:mode="ink">
+            <msink:context xmlns:msink="http://schemas.microsoft.com/ink/2010/main" type="paragraph" rotatedBoundingBox="11765,13808 12678,13808 12678,14633 11765,14633" alignmentLevel="1"/>
+          </emma:interpretation>
+        </emma:emma>
+      </inkml:annotationXML>
+      <inkml:traceGroup>
+        <inkml:annotationXML>
+          <emma:emma xmlns:emma="http://www.w3.org/2003/04/emma" version="1.0">
+            <emma:interpretation id="{5C785D31-F21B-4029-B4A8-8D3881B98CB6}" emma:medium="tactile" emma:mode="ink">
+              <msink:context xmlns:msink="http://schemas.microsoft.com/ink/2010/main" type="line" rotatedBoundingBox="11765,13808 12678,13808 12678,14633 11765,14633"/>
+            </emma:interpretation>
+          </emma:emma>
+        </inkml:annotationXML>
+        <inkml:traceGroup>
+          <inkml:annotationXML>
+            <emma:emma xmlns:emma="http://www.w3.org/2003/04/emma" version="1.0">
+              <emma:interpretation id="{7DE41383-36A9-4462-B36D-10F5BD627573}" emma:medium="tactile" emma:mode="ink">
+                <msink:context xmlns:msink="http://schemas.microsoft.com/ink/2010/main" type="inkWord" rotatedBoundingBox="11765,13808 12678,13808 12678,14633 11765,14633"/>
+              </emma:interpretation>
+              <emma:one-of disjunction-type="recognition" id="oneOf0">
+                <emma:interpretation id="interp0" emma:lang="en-US" emma:confidence="1">
+                  <emma:literal>x</emma:literal>
+                </emma:interpretation>
+                <emma:interpretation id="interp1" emma:lang="en-US" emma:confidence="0">
+                  <emma:literal>X</emma:literal>
+                </emma:interpretation>
+                <emma:interpretation id="interp2" emma:lang="en-US" emma:confidence="0">
+                  <emma:literal>y</emma:literal>
+                </emma:interpretation>
+                <emma:interpretation id="interp3" emma:lang="en-US" emma:confidence="0">
+                  <emma:literal>*</emma:literal>
+                </emma:interpretation>
+                <emma:interpretation id="interp4" emma:lang="en-US" emma:confidence="0">
+                  <emma:literal>a</emma:literal>
+                </emma:interpretation>
+              </emma:one-of>
+            </emma:emma>
+          </inkml:annotationXML>
+          <inkml:trace contextRef="#ctx0" brushRef="#br0">-2326 349 25 0,'-30'60'12'16,"-3"3"-3"-16,6-13-1 16,1 0-3-16,10-17-1 15,7-12-2-15,9-21 0 16,0 0-1-16,15-31-1 15,8-7 2-15,0-14-3 16,11-10 2-16,-1-13-2 16,11-9 2-16,0-1-3 15,0-3 1-15,4 5 1 16,-4 6 0-1,0 12 1-15,-4 19 0 0,-7 11 1 16,-1 31 1-16,-13 24 0 0,2 24 0 16,-17 17 0-1,6 20 1-15,-8 7-2 0,0 5 0 16,1-1-2-16,-1-11-2 15,4-10 0-15,-4-17-4 16,11-12-5 0,-7-13-12-16,-6-29-2 0</inkml:trace>
+          <inkml:trace contextRef="#ctx0" brushRef="#br0" timeOffset="243">-2257 182 15 0,'-17'33'30'0,"21"1"-2"15,-4-34 1-15,38 23-27 16,0-25-4-16,18-3-1 15,9-11-2-15,17 7 0 16,-5-13-4-16,17 11-1 16,-10-12-6-16,4 0-10 15,6 17-1-15</inkml:trace>
+        </inkml:traceGroup>
+      </inkml:traceGroup>
+    </inkml:traceGroup>
+  </inkml:traceGroup>
+</inkml:ink>
 </file>
 
 <file path=ppt/notesMasters/notesMaster1.xml><?xml version="1.0" encoding="utf-8"?>
@@ -211,7 +1764,7 @@
           <a:p>
             <a:fld id="{DBE0ECA1-3FBF-48AE-AD2A-4439AE745E19}" type="datetimeFigureOut">
               <a:rPr lang="en-US" smtClean="0"/>
-              <a:t>1/13/2014</a:t>
+              <a:t>2/17/2014</a:t>
             </a:fld>
             <a:endParaRPr lang="en-US"/>
           </a:p>
@@ -479,6 +2032,1242 @@
 </p:notesMaster>
 </file>
 
+<file path=ppt/notesSlides/notesSlide1.xml><?xml version="1.0" encoding="utf-8"?>
+<p:notes xmlns:a="http://schemas.openxmlformats.org/drawingml/2006/main" xmlns:r="http://schemas.openxmlformats.org/officeDocument/2006/relationships" xmlns:p="http://schemas.openxmlformats.org/presentationml/2006/main">
+  <p:cSld>
+    <p:spTree>
+      <p:nvGrpSpPr>
+        <p:cNvPr id="1" name=""/>
+        <p:cNvGrpSpPr/>
+        <p:nvPr/>
+      </p:nvGrpSpPr>
+      <p:grpSpPr>
+        <a:xfrm>
+          <a:off x="0" y="0"/>
+          <a:ext cx="0" cy="0"/>
+          <a:chOff x="0" y="0"/>
+          <a:chExt cx="0" cy="0"/>
+        </a:xfrm>
+      </p:grpSpPr>
+      <p:sp>
+        <p:nvSpPr>
+          <p:cNvPr id="2" name="Slide Image Placeholder 1"/>
+          <p:cNvSpPr>
+            <a:spLocks noGrp="1" noRot="1" noChangeAspect="1"/>
+          </p:cNvSpPr>
+          <p:nvPr>
+            <p:ph type="sldImg"/>
+          </p:nvPr>
+        </p:nvSpPr>
+        <p:spPr/>
+      </p:sp>
+      <p:sp>
+        <p:nvSpPr>
+          <p:cNvPr id="3" name="Notes Placeholder 2"/>
+          <p:cNvSpPr>
+            <a:spLocks noGrp="1"/>
+          </p:cNvSpPr>
+          <p:nvPr>
+            <p:ph type="body" idx="1"/>
+          </p:nvPr>
+        </p:nvSpPr>
+        <p:spPr/>
+        <p:txBody>
+          <a:bodyPr/>
+          <a:lstStyle/>
+          <a:p>
+            <a:pPr marL="171450" indent="-171450">
+              <a:buFont typeface="Arial" panose="020B0604020202020204" pitchFamily="34" charset="0"/>
+              <a:buChar char="•"/>
+            </a:pPr>
+            <a:r>
+              <a:rPr lang="en-US" dirty="0" smtClean="0"/>
+              <a:t>Newer</a:t>
+            </a:r>
+            <a:r>
+              <a:rPr lang="en-US" baseline="0" dirty="0" smtClean="0"/>
+              <a:t> technology</a:t>
+            </a:r>
+          </a:p>
+          <a:p>
+            <a:pPr marL="171450" indent="-171450">
+              <a:buFont typeface="Arial" panose="020B0604020202020204" pitchFamily="34" charset="0"/>
+              <a:buChar char="•"/>
+            </a:pPr>
+            <a:r>
+              <a:rPr lang="en-US" baseline="0" dirty="0" smtClean="0"/>
+              <a:t>Result of Dennard Scaling</a:t>
+            </a:r>
+          </a:p>
+          <a:p>
+            <a:pPr marL="171450" lvl="0" indent="-171450">
+              <a:buFont typeface="Arial" panose="020B0604020202020204" pitchFamily="34" charset="0"/>
+              <a:buChar char="•"/>
+            </a:pPr>
+            <a:r>
+              <a:rPr lang="en-US" baseline="0" dirty="0" smtClean="0"/>
+              <a:t>How do I take advantage of disparate hardware on my machine?</a:t>
+            </a:r>
+            <a:endParaRPr lang="en-US" dirty="0"/>
+          </a:p>
+        </p:txBody>
+      </p:sp>
+      <p:sp>
+        <p:nvSpPr>
+          <p:cNvPr id="4" name="Slide Number Placeholder 3"/>
+          <p:cNvSpPr>
+            <a:spLocks noGrp="1"/>
+          </p:cNvSpPr>
+          <p:nvPr>
+            <p:ph type="sldNum" sz="quarter" idx="10"/>
+          </p:nvPr>
+        </p:nvSpPr>
+        <p:spPr/>
+        <p:txBody>
+          <a:bodyPr/>
+          <a:lstStyle/>
+          <a:p>
+            <a:fld id="{33EB61B5-0B25-4052-8EFA-97E46EEADB31}" type="slidenum">
+              <a:rPr lang="en-US" smtClean="0"/>
+              <a:t>1</a:t>
+            </a:fld>
+            <a:endParaRPr lang="en-US"/>
+          </a:p>
+        </p:txBody>
+      </p:sp>
+    </p:spTree>
+    <p:extLst>
+      <p:ext uri="{BB962C8B-B14F-4D97-AF65-F5344CB8AC3E}">
+        <p14:creationId xmlns:p14="http://schemas.microsoft.com/office/powerpoint/2010/main" val="3800679504"/>
+      </p:ext>
+    </p:extLst>
+  </p:cSld>
+  <p:clrMapOvr>
+    <a:masterClrMapping/>
+  </p:clrMapOvr>
+</p:notes>
+</file>
+
+<file path=ppt/notesSlides/notesSlide10.xml><?xml version="1.0" encoding="utf-8"?>
+<p:notes xmlns:a="http://schemas.openxmlformats.org/drawingml/2006/main" xmlns:r="http://schemas.openxmlformats.org/officeDocument/2006/relationships" xmlns:p="http://schemas.openxmlformats.org/presentationml/2006/main">
+  <p:cSld>
+    <p:spTree>
+      <p:nvGrpSpPr>
+        <p:cNvPr id="1" name=""/>
+        <p:cNvGrpSpPr/>
+        <p:nvPr/>
+      </p:nvGrpSpPr>
+      <p:grpSpPr>
+        <a:xfrm>
+          <a:off x="0" y="0"/>
+          <a:ext cx="0" cy="0"/>
+          <a:chOff x="0" y="0"/>
+          <a:chExt cx="0" cy="0"/>
+        </a:xfrm>
+      </p:grpSpPr>
+      <p:sp>
+        <p:nvSpPr>
+          <p:cNvPr id="2" name="Slide Image Placeholder 1"/>
+          <p:cNvSpPr>
+            <a:spLocks noGrp="1" noRot="1" noChangeAspect="1"/>
+          </p:cNvSpPr>
+          <p:nvPr>
+            <p:ph type="sldImg"/>
+          </p:nvPr>
+        </p:nvSpPr>
+        <p:spPr/>
+      </p:sp>
+      <p:sp>
+        <p:nvSpPr>
+          <p:cNvPr id="3" name="Notes Placeholder 2"/>
+          <p:cNvSpPr>
+            <a:spLocks noGrp="1"/>
+          </p:cNvSpPr>
+          <p:nvPr>
+            <p:ph type="body" idx="1"/>
+          </p:nvPr>
+        </p:nvSpPr>
+        <p:spPr/>
+        <p:txBody>
+          <a:bodyPr/>
+          <a:lstStyle/>
+          <a:p>
+            <a:endParaRPr lang="en-US" dirty="0"/>
+          </a:p>
+        </p:txBody>
+      </p:sp>
+      <p:sp>
+        <p:nvSpPr>
+          <p:cNvPr id="4" name="Slide Number Placeholder 3"/>
+          <p:cNvSpPr>
+            <a:spLocks noGrp="1"/>
+          </p:cNvSpPr>
+          <p:nvPr>
+            <p:ph type="sldNum" sz="quarter" idx="10"/>
+          </p:nvPr>
+        </p:nvSpPr>
+        <p:spPr/>
+        <p:txBody>
+          <a:bodyPr/>
+          <a:lstStyle/>
+          <a:p>
+            <a:fld id="{33EB61B5-0B25-4052-8EFA-97E46EEADB31}" type="slidenum">
+              <a:rPr lang="en-US" smtClean="0"/>
+              <a:t>16</a:t>
+            </a:fld>
+            <a:endParaRPr lang="en-US"/>
+          </a:p>
+        </p:txBody>
+      </p:sp>
+    </p:spTree>
+    <p:extLst>
+      <p:ext uri="{BB962C8B-B14F-4D97-AF65-F5344CB8AC3E}">
+        <p14:creationId xmlns:p14="http://schemas.microsoft.com/office/powerpoint/2010/main" val="2048351019"/>
+      </p:ext>
+    </p:extLst>
+  </p:cSld>
+  <p:clrMapOvr>
+    <a:masterClrMapping/>
+  </p:clrMapOvr>
+</p:notes>
+</file>
+
+<file path=ppt/notesSlides/notesSlide11.xml><?xml version="1.0" encoding="utf-8"?>
+<p:notes xmlns:a="http://schemas.openxmlformats.org/drawingml/2006/main" xmlns:r="http://schemas.openxmlformats.org/officeDocument/2006/relationships" xmlns:p="http://schemas.openxmlformats.org/presentationml/2006/main">
+  <p:cSld>
+    <p:spTree>
+      <p:nvGrpSpPr>
+        <p:cNvPr id="1" name=""/>
+        <p:cNvGrpSpPr/>
+        <p:nvPr/>
+      </p:nvGrpSpPr>
+      <p:grpSpPr>
+        <a:xfrm>
+          <a:off x="0" y="0"/>
+          <a:ext cx="0" cy="0"/>
+          <a:chOff x="0" y="0"/>
+          <a:chExt cx="0" cy="0"/>
+        </a:xfrm>
+      </p:grpSpPr>
+      <p:sp>
+        <p:nvSpPr>
+          <p:cNvPr id="2" name="Slide Image Placeholder 1"/>
+          <p:cNvSpPr>
+            <a:spLocks noGrp="1" noRot="1" noChangeAspect="1"/>
+          </p:cNvSpPr>
+          <p:nvPr>
+            <p:ph type="sldImg"/>
+          </p:nvPr>
+        </p:nvSpPr>
+        <p:spPr/>
+      </p:sp>
+      <p:sp>
+        <p:nvSpPr>
+          <p:cNvPr id="3" name="Notes Placeholder 2"/>
+          <p:cNvSpPr>
+            <a:spLocks noGrp="1"/>
+          </p:cNvSpPr>
+          <p:nvPr>
+            <p:ph type="body" idx="1"/>
+          </p:nvPr>
+        </p:nvSpPr>
+        <p:spPr/>
+        <p:txBody>
+          <a:bodyPr/>
+          <a:lstStyle/>
+          <a:p>
+            <a:r>
+              <a:rPr lang="en-US" dirty="0" smtClean="0"/>
+              <a:t>Gets up to 2 threads</a:t>
+            </a:r>
+            <a:r>
+              <a:rPr lang="en-US" baseline="0" dirty="0" smtClean="0"/>
+              <a:t> per core here</a:t>
+            </a:r>
+            <a:endParaRPr lang="en-US" dirty="0"/>
+          </a:p>
+        </p:txBody>
+      </p:sp>
+      <p:sp>
+        <p:nvSpPr>
+          <p:cNvPr id="4" name="Slide Number Placeholder 3"/>
+          <p:cNvSpPr>
+            <a:spLocks noGrp="1"/>
+          </p:cNvSpPr>
+          <p:nvPr>
+            <p:ph type="sldNum" sz="quarter" idx="10"/>
+          </p:nvPr>
+        </p:nvSpPr>
+        <p:spPr/>
+        <p:txBody>
+          <a:bodyPr/>
+          <a:lstStyle/>
+          <a:p>
+            <a:fld id="{33EB61B5-0B25-4052-8EFA-97E46EEADB31}" type="slidenum">
+              <a:rPr lang="en-US" smtClean="0"/>
+              <a:t>17</a:t>
+            </a:fld>
+            <a:endParaRPr lang="en-US"/>
+          </a:p>
+        </p:txBody>
+      </p:sp>
+    </p:spTree>
+    <p:extLst>
+      <p:ext uri="{BB962C8B-B14F-4D97-AF65-F5344CB8AC3E}">
+        <p14:creationId xmlns:p14="http://schemas.microsoft.com/office/powerpoint/2010/main" val="2594711033"/>
+      </p:ext>
+    </p:extLst>
+  </p:cSld>
+  <p:clrMapOvr>
+    <a:masterClrMapping/>
+  </p:clrMapOvr>
+</p:notes>
+</file>
+
+<file path=ppt/notesSlides/notesSlide12.xml><?xml version="1.0" encoding="utf-8"?>
+<p:notes xmlns:a="http://schemas.openxmlformats.org/drawingml/2006/main" xmlns:r="http://schemas.openxmlformats.org/officeDocument/2006/relationships" xmlns:p="http://schemas.openxmlformats.org/presentationml/2006/main">
+  <p:cSld>
+    <p:spTree>
+      <p:nvGrpSpPr>
+        <p:cNvPr id="1" name=""/>
+        <p:cNvGrpSpPr/>
+        <p:nvPr/>
+      </p:nvGrpSpPr>
+      <p:grpSpPr>
+        <a:xfrm>
+          <a:off x="0" y="0"/>
+          <a:ext cx="0" cy="0"/>
+          <a:chOff x="0" y="0"/>
+          <a:chExt cx="0" cy="0"/>
+        </a:xfrm>
+      </p:grpSpPr>
+      <p:sp>
+        <p:nvSpPr>
+          <p:cNvPr id="2" name="Slide Image Placeholder 1"/>
+          <p:cNvSpPr>
+            <a:spLocks noGrp="1" noRot="1" noChangeAspect="1"/>
+          </p:cNvSpPr>
+          <p:nvPr>
+            <p:ph type="sldImg"/>
+          </p:nvPr>
+        </p:nvSpPr>
+        <p:spPr/>
+      </p:sp>
+      <p:sp>
+        <p:nvSpPr>
+          <p:cNvPr id="3" name="Notes Placeholder 2"/>
+          <p:cNvSpPr>
+            <a:spLocks noGrp="1"/>
+          </p:cNvSpPr>
+          <p:nvPr>
+            <p:ph type="body" idx="1"/>
+          </p:nvPr>
+        </p:nvSpPr>
+        <p:spPr/>
+        <p:txBody>
+          <a:bodyPr/>
+          <a:lstStyle/>
+          <a:p>
+            <a:r>
+              <a:rPr lang="en-US" dirty="0" smtClean="0"/>
+              <a:t>Once</a:t>
+            </a:r>
+            <a:r>
+              <a:rPr lang="en-US" baseline="0" dirty="0" smtClean="0"/>
+              <a:t> we hit about 60, </a:t>
+            </a:r>
+            <a:r>
+              <a:rPr lang="en-US" baseline="0" dirty="0" err="1" smtClean="0"/>
+              <a:t>xeon</a:t>
+            </a:r>
+            <a:r>
+              <a:rPr lang="en-US" baseline="0" dirty="0" smtClean="0"/>
+              <a:t> phi begins to shine</a:t>
+            </a:r>
+            <a:endParaRPr lang="en-US" dirty="0"/>
+          </a:p>
+        </p:txBody>
+      </p:sp>
+      <p:sp>
+        <p:nvSpPr>
+          <p:cNvPr id="4" name="Slide Number Placeholder 3"/>
+          <p:cNvSpPr>
+            <a:spLocks noGrp="1"/>
+          </p:cNvSpPr>
+          <p:nvPr>
+            <p:ph type="sldNum" sz="quarter" idx="10"/>
+          </p:nvPr>
+        </p:nvSpPr>
+        <p:spPr/>
+        <p:txBody>
+          <a:bodyPr/>
+          <a:lstStyle/>
+          <a:p>
+            <a:fld id="{33EB61B5-0B25-4052-8EFA-97E46EEADB31}" type="slidenum">
+              <a:rPr lang="en-US" smtClean="0"/>
+              <a:t>19</a:t>
+            </a:fld>
+            <a:endParaRPr lang="en-US"/>
+          </a:p>
+        </p:txBody>
+      </p:sp>
+    </p:spTree>
+    <p:extLst>
+      <p:ext uri="{BB962C8B-B14F-4D97-AF65-F5344CB8AC3E}">
+        <p14:creationId xmlns:p14="http://schemas.microsoft.com/office/powerpoint/2010/main" val="3004378848"/>
+      </p:ext>
+    </p:extLst>
+  </p:cSld>
+  <p:clrMapOvr>
+    <a:masterClrMapping/>
+  </p:clrMapOvr>
+</p:notes>
+</file>
+
+<file path=ppt/notesSlides/notesSlide13.xml><?xml version="1.0" encoding="utf-8"?>
+<p:notes xmlns:a="http://schemas.openxmlformats.org/drawingml/2006/main" xmlns:r="http://schemas.openxmlformats.org/officeDocument/2006/relationships" xmlns:p="http://schemas.openxmlformats.org/presentationml/2006/main">
+  <p:cSld>
+    <p:spTree>
+      <p:nvGrpSpPr>
+        <p:cNvPr id="1" name=""/>
+        <p:cNvGrpSpPr/>
+        <p:nvPr/>
+      </p:nvGrpSpPr>
+      <p:grpSpPr>
+        <a:xfrm>
+          <a:off x="0" y="0"/>
+          <a:ext cx="0" cy="0"/>
+          <a:chOff x="0" y="0"/>
+          <a:chExt cx="0" cy="0"/>
+        </a:xfrm>
+      </p:grpSpPr>
+      <p:sp>
+        <p:nvSpPr>
+          <p:cNvPr id="2" name="Slide Image Placeholder 1"/>
+          <p:cNvSpPr>
+            <a:spLocks noGrp="1" noRot="1" noChangeAspect="1"/>
+          </p:cNvSpPr>
+          <p:nvPr>
+            <p:ph type="sldImg"/>
+          </p:nvPr>
+        </p:nvSpPr>
+        <p:spPr/>
+      </p:sp>
+      <p:sp>
+        <p:nvSpPr>
+          <p:cNvPr id="3" name="Notes Placeholder 2"/>
+          <p:cNvSpPr>
+            <a:spLocks noGrp="1"/>
+          </p:cNvSpPr>
+          <p:nvPr>
+            <p:ph type="body" idx="1"/>
+          </p:nvPr>
+        </p:nvSpPr>
+        <p:spPr/>
+        <p:txBody>
+          <a:bodyPr/>
+          <a:lstStyle/>
+          <a:p>
+            <a:r>
+              <a:rPr lang="en-US" dirty="0" smtClean="0"/>
+              <a:t>Can do</a:t>
+            </a:r>
+            <a:r>
+              <a:rPr lang="en-US" baseline="0" dirty="0" smtClean="0"/>
+              <a:t> special-purpose </a:t>
+            </a:r>
+            <a:r>
+              <a:rPr lang="en-US" baseline="0" smtClean="0"/>
+              <a:t>work faster</a:t>
+            </a:r>
+            <a:endParaRPr lang="en-US" dirty="0"/>
+          </a:p>
+        </p:txBody>
+      </p:sp>
+      <p:sp>
+        <p:nvSpPr>
+          <p:cNvPr id="4" name="Slide Number Placeholder 3"/>
+          <p:cNvSpPr>
+            <a:spLocks noGrp="1"/>
+          </p:cNvSpPr>
+          <p:nvPr>
+            <p:ph type="sldNum" sz="quarter" idx="10"/>
+          </p:nvPr>
+        </p:nvSpPr>
+        <p:spPr/>
+        <p:txBody>
+          <a:bodyPr/>
+          <a:lstStyle/>
+          <a:p>
+            <a:fld id="{33EB61B5-0B25-4052-8EFA-97E46EEADB31}" type="slidenum">
+              <a:rPr lang="en-US" smtClean="0"/>
+              <a:t>20</a:t>
+            </a:fld>
+            <a:endParaRPr lang="en-US"/>
+          </a:p>
+        </p:txBody>
+      </p:sp>
+    </p:spTree>
+    <p:extLst>
+      <p:ext uri="{BB962C8B-B14F-4D97-AF65-F5344CB8AC3E}">
+        <p14:creationId xmlns:p14="http://schemas.microsoft.com/office/powerpoint/2010/main" val="3270745827"/>
+      </p:ext>
+    </p:extLst>
+  </p:cSld>
+  <p:clrMapOvr>
+    <a:masterClrMapping/>
+  </p:clrMapOvr>
+</p:notes>
+</file>
+
+<file path=ppt/notesSlides/notesSlide2.xml><?xml version="1.0" encoding="utf-8"?>
+<p:notes xmlns:a="http://schemas.openxmlformats.org/drawingml/2006/main" xmlns:r="http://schemas.openxmlformats.org/officeDocument/2006/relationships" xmlns:p="http://schemas.openxmlformats.org/presentationml/2006/main">
+  <p:cSld>
+    <p:spTree>
+      <p:nvGrpSpPr>
+        <p:cNvPr id="1" name=""/>
+        <p:cNvGrpSpPr/>
+        <p:nvPr/>
+      </p:nvGrpSpPr>
+      <p:grpSpPr>
+        <a:xfrm>
+          <a:off x="0" y="0"/>
+          <a:ext cx="0" cy="0"/>
+          <a:chOff x="0" y="0"/>
+          <a:chExt cx="0" cy="0"/>
+        </a:xfrm>
+      </p:grpSpPr>
+      <p:sp>
+        <p:nvSpPr>
+          <p:cNvPr id="2" name="Slide Image Placeholder 1"/>
+          <p:cNvSpPr>
+            <a:spLocks noGrp="1" noRot="1" noChangeAspect="1"/>
+          </p:cNvSpPr>
+          <p:nvPr>
+            <p:ph type="sldImg"/>
+          </p:nvPr>
+        </p:nvSpPr>
+        <p:spPr/>
+      </p:sp>
+      <p:sp>
+        <p:nvSpPr>
+          <p:cNvPr id="3" name="Notes Placeholder 2"/>
+          <p:cNvSpPr>
+            <a:spLocks noGrp="1"/>
+          </p:cNvSpPr>
+          <p:nvPr>
+            <p:ph type="body" idx="1"/>
+          </p:nvPr>
+        </p:nvSpPr>
+        <p:spPr/>
+        <p:txBody>
+          <a:bodyPr/>
+          <a:lstStyle/>
+          <a:p>
+            <a:r>
+              <a:rPr lang="en-US" dirty="0" smtClean="0"/>
+              <a:t>Uses both thread</a:t>
+            </a:r>
+            <a:r>
+              <a:rPr lang="en-US" baseline="0" dirty="0" smtClean="0"/>
+              <a:t> and processes!</a:t>
+            </a:r>
+            <a:endParaRPr lang="en-US" dirty="0"/>
+          </a:p>
+        </p:txBody>
+      </p:sp>
+      <p:sp>
+        <p:nvSpPr>
+          <p:cNvPr id="4" name="Slide Number Placeholder 3"/>
+          <p:cNvSpPr>
+            <a:spLocks noGrp="1"/>
+          </p:cNvSpPr>
+          <p:nvPr>
+            <p:ph type="sldNum" sz="quarter" idx="10"/>
+          </p:nvPr>
+        </p:nvSpPr>
+        <p:spPr/>
+        <p:txBody>
+          <a:bodyPr/>
+          <a:lstStyle/>
+          <a:p>
+            <a:fld id="{33EB61B5-0B25-4052-8EFA-97E46EEADB31}" type="slidenum">
+              <a:rPr lang="en-US" smtClean="0"/>
+              <a:t>2</a:t>
+            </a:fld>
+            <a:endParaRPr lang="en-US"/>
+          </a:p>
+        </p:txBody>
+      </p:sp>
+    </p:spTree>
+    <p:extLst>
+      <p:ext uri="{BB962C8B-B14F-4D97-AF65-F5344CB8AC3E}">
+        <p14:creationId xmlns:p14="http://schemas.microsoft.com/office/powerpoint/2010/main" val="2832599549"/>
+      </p:ext>
+    </p:extLst>
+  </p:cSld>
+  <p:clrMapOvr>
+    <a:masterClrMapping/>
+  </p:clrMapOvr>
+</p:notes>
+</file>
+
+<file path=ppt/notesSlides/notesSlide3.xml><?xml version="1.0" encoding="utf-8"?>
+<p:notes xmlns:a="http://schemas.openxmlformats.org/drawingml/2006/main" xmlns:r="http://schemas.openxmlformats.org/officeDocument/2006/relationships" xmlns:p="http://schemas.openxmlformats.org/presentationml/2006/main">
+  <p:cSld>
+    <p:spTree>
+      <p:nvGrpSpPr>
+        <p:cNvPr id="1" name=""/>
+        <p:cNvGrpSpPr/>
+        <p:nvPr/>
+      </p:nvGrpSpPr>
+      <p:grpSpPr>
+        <a:xfrm>
+          <a:off x="0" y="0"/>
+          <a:ext cx="0" cy="0"/>
+          <a:chOff x="0" y="0"/>
+          <a:chExt cx="0" cy="0"/>
+        </a:xfrm>
+      </p:grpSpPr>
+      <p:sp>
+        <p:nvSpPr>
+          <p:cNvPr id="2" name="Slide Image Placeholder 1"/>
+          <p:cNvSpPr>
+            <a:spLocks noGrp="1" noRot="1" noChangeAspect="1"/>
+          </p:cNvSpPr>
+          <p:nvPr>
+            <p:ph type="sldImg"/>
+          </p:nvPr>
+        </p:nvSpPr>
+        <p:spPr/>
+      </p:sp>
+      <p:sp>
+        <p:nvSpPr>
+          <p:cNvPr id="3" name="Notes Placeholder 2"/>
+          <p:cNvSpPr>
+            <a:spLocks noGrp="1"/>
+          </p:cNvSpPr>
+          <p:nvPr>
+            <p:ph type="body" idx="1"/>
+          </p:nvPr>
+        </p:nvSpPr>
+        <p:spPr/>
+        <p:txBody>
+          <a:bodyPr/>
+          <a:lstStyle/>
+          <a:p>
+            <a:endParaRPr lang="en-US" dirty="0"/>
+          </a:p>
+        </p:txBody>
+      </p:sp>
+      <p:sp>
+        <p:nvSpPr>
+          <p:cNvPr id="4" name="Slide Number Placeholder 3"/>
+          <p:cNvSpPr>
+            <a:spLocks noGrp="1"/>
+          </p:cNvSpPr>
+          <p:nvPr>
+            <p:ph type="sldNum" sz="quarter" idx="10"/>
+          </p:nvPr>
+        </p:nvSpPr>
+        <p:spPr/>
+        <p:txBody>
+          <a:bodyPr/>
+          <a:lstStyle/>
+          <a:p>
+            <a:fld id="{33EB61B5-0B25-4052-8EFA-97E46EEADB31}" type="slidenum">
+              <a:rPr lang="en-US" smtClean="0"/>
+              <a:t>3</a:t>
+            </a:fld>
+            <a:endParaRPr lang="en-US"/>
+          </a:p>
+        </p:txBody>
+      </p:sp>
+    </p:spTree>
+    <p:extLst>
+      <p:ext uri="{BB962C8B-B14F-4D97-AF65-F5344CB8AC3E}">
+        <p14:creationId xmlns:p14="http://schemas.microsoft.com/office/powerpoint/2010/main" val="934110138"/>
+      </p:ext>
+    </p:extLst>
+  </p:cSld>
+  <p:clrMapOvr>
+    <a:masterClrMapping/>
+  </p:clrMapOvr>
+</p:notes>
+</file>
+
+<file path=ppt/notesSlides/notesSlide4.xml><?xml version="1.0" encoding="utf-8"?>
+<p:notes xmlns:a="http://schemas.openxmlformats.org/drawingml/2006/main" xmlns:r="http://schemas.openxmlformats.org/officeDocument/2006/relationships" xmlns:p="http://schemas.openxmlformats.org/presentationml/2006/main">
+  <p:cSld>
+    <p:spTree>
+      <p:nvGrpSpPr>
+        <p:cNvPr id="1" name=""/>
+        <p:cNvGrpSpPr/>
+        <p:nvPr/>
+      </p:nvGrpSpPr>
+      <p:grpSpPr>
+        <a:xfrm>
+          <a:off x="0" y="0"/>
+          <a:ext cx="0" cy="0"/>
+          <a:chOff x="0" y="0"/>
+          <a:chExt cx="0" cy="0"/>
+        </a:xfrm>
+      </p:grpSpPr>
+      <p:sp>
+        <p:nvSpPr>
+          <p:cNvPr id="2" name="Slide Image Placeholder 1"/>
+          <p:cNvSpPr>
+            <a:spLocks noGrp="1" noRot="1" noChangeAspect="1"/>
+          </p:cNvSpPr>
+          <p:nvPr>
+            <p:ph type="sldImg"/>
+          </p:nvPr>
+        </p:nvSpPr>
+        <p:spPr/>
+      </p:sp>
+      <p:sp>
+        <p:nvSpPr>
+          <p:cNvPr id="3" name="Notes Placeholder 2"/>
+          <p:cNvSpPr>
+            <a:spLocks noGrp="1"/>
+          </p:cNvSpPr>
+          <p:nvPr>
+            <p:ph type="body" idx="1"/>
+          </p:nvPr>
+        </p:nvSpPr>
+        <p:spPr/>
+        <p:txBody>
+          <a:bodyPr/>
+          <a:lstStyle/>
+          <a:p>
+            <a:r>
+              <a:rPr lang="en-US" dirty="0" smtClean="0"/>
+              <a:t>60 cores, each with L2</a:t>
+            </a:r>
+            <a:r>
+              <a:rPr lang="en-US" baseline="0" dirty="0" smtClean="0"/>
+              <a:t> Cache and L1 cache</a:t>
+            </a:r>
+          </a:p>
+          <a:p>
+            <a:endParaRPr lang="en-US" baseline="0" dirty="0" smtClean="0"/>
+          </a:p>
+          <a:p>
+            <a:r>
+              <a:rPr lang="en-US" baseline="0" dirty="0" smtClean="0"/>
+              <a:t>GDDR MC – memory cache </a:t>
+            </a:r>
+            <a:endParaRPr lang="en-US" dirty="0"/>
+          </a:p>
+        </p:txBody>
+      </p:sp>
+      <p:sp>
+        <p:nvSpPr>
+          <p:cNvPr id="4" name="Slide Number Placeholder 3"/>
+          <p:cNvSpPr>
+            <a:spLocks noGrp="1"/>
+          </p:cNvSpPr>
+          <p:nvPr>
+            <p:ph type="sldNum" sz="quarter" idx="10"/>
+          </p:nvPr>
+        </p:nvSpPr>
+        <p:spPr/>
+        <p:txBody>
+          <a:bodyPr/>
+          <a:lstStyle/>
+          <a:p>
+            <a:fld id="{33EB61B5-0B25-4052-8EFA-97E46EEADB31}" type="slidenum">
+              <a:rPr lang="en-US" smtClean="0"/>
+              <a:t>10</a:t>
+            </a:fld>
+            <a:endParaRPr lang="en-US"/>
+          </a:p>
+        </p:txBody>
+      </p:sp>
+    </p:spTree>
+    <p:extLst>
+      <p:ext uri="{BB962C8B-B14F-4D97-AF65-F5344CB8AC3E}">
+        <p14:creationId xmlns:p14="http://schemas.microsoft.com/office/powerpoint/2010/main" val="758771825"/>
+      </p:ext>
+    </p:extLst>
+  </p:cSld>
+  <p:clrMapOvr>
+    <a:masterClrMapping/>
+  </p:clrMapOvr>
+</p:notes>
+</file>
+
+<file path=ppt/notesSlides/notesSlide5.xml><?xml version="1.0" encoding="utf-8"?>
+<p:notes xmlns:a="http://schemas.openxmlformats.org/drawingml/2006/main" xmlns:r="http://schemas.openxmlformats.org/officeDocument/2006/relationships" xmlns:p="http://schemas.openxmlformats.org/presentationml/2006/main">
+  <p:cSld>
+    <p:spTree>
+      <p:nvGrpSpPr>
+        <p:cNvPr id="1" name=""/>
+        <p:cNvGrpSpPr/>
+        <p:nvPr/>
+      </p:nvGrpSpPr>
+      <p:grpSpPr>
+        <a:xfrm>
+          <a:off x="0" y="0"/>
+          <a:ext cx="0" cy="0"/>
+          <a:chOff x="0" y="0"/>
+          <a:chExt cx="0" cy="0"/>
+        </a:xfrm>
+      </p:grpSpPr>
+      <p:sp>
+        <p:nvSpPr>
+          <p:cNvPr id="2" name="Slide Image Placeholder 1"/>
+          <p:cNvSpPr>
+            <a:spLocks noGrp="1" noRot="1" noChangeAspect="1"/>
+          </p:cNvSpPr>
+          <p:nvPr>
+            <p:ph type="sldImg"/>
+          </p:nvPr>
+        </p:nvSpPr>
+        <p:spPr/>
+      </p:sp>
+      <p:sp>
+        <p:nvSpPr>
+          <p:cNvPr id="3" name="Notes Placeholder 2"/>
+          <p:cNvSpPr>
+            <a:spLocks noGrp="1"/>
+          </p:cNvSpPr>
+          <p:nvPr>
+            <p:ph type="body" idx="1"/>
+          </p:nvPr>
+        </p:nvSpPr>
+        <p:spPr/>
+        <p:txBody>
+          <a:bodyPr/>
+          <a:lstStyle/>
+          <a:p>
+            <a:r>
+              <a:rPr lang="en-US" dirty="0" smtClean="0"/>
+              <a:t>Has special</a:t>
+            </a:r>
+            <a:r>
+              <a:rPr lang="en-US" baseline="0" dirty="0" smtClean="0"/>
+              <a:t> floating-point hardware</a:t>
+            </a:r>
+            <a:endParaRPr lang="en-US" dirty="0"/>
+          </a:p>
+        </p:txBody>
+      </p:sp>
+      <p:sp>
+        <p:nvSpPr>
+          <p:cNvPr id="4" name="Slide Number Placeholder 3"/>
+          <p:cNvSpPr>
+            <a:spLocks noGrp="1"/>
+          </p:cNvSpPr>
+          <p:nvPr>
+            <p:ph type="sldNum" sz="quarter" idx="10"/>
+          </p:nvPr>
+        </p:nvSpPr>
+        <p:spPr/>
+        <p:txBody>
+          <a:bodyPr/>
+          <a:lstStyle/>
+          <a:p>
+            <a:fld id="{33EB61B5-0B25-4052-8EFA-97E46EEADB31}" type="slidenum">
+              <a:rPr lang="en-US" smtClean="0"/>
+              <a:t>11</a:t>
+            </a:fld>
+            <a:endParaRPr lang="en-US"/>
+          </a:p>
+        </p:txBody>
+      </p:sp>
+    </p:spTree>
+    <p:extLst>
+      <p:ext uri="{BB962C8B-B14F-4D97-AF65-F5344CB8AC3E}">
+        <p14:creationId xmlns:p14="http://schemas.microsoft.com/office/powerpoint/2010/main" val="780186466"/>
+      </p:ext>
+    </p:extLst>
+  </p:cSld>
+  <p:clrMapOvr>
+    <a:masterClrMapping/>
+  </p:clrMapOvr>
+</p:notes>
+</file>
+
+<file path=ppt/notesSlides/notesSlide6.xml><?xml version="1.0" encoding="utf-8"?>
+<p:notes xmlns:a="http://schemas.openxmlformats.org/drawingml/2006/main" xmlns:r="http://schemas.openxmlformats.org/officeDocument/2006/relationships" xmlns:p="http://schemas.openxmlformats.org/presentationml/2006/main">
+  <p:cSld>
+    <p:spTree>
+      <p:nvGrpSpPr>
+        <p:cNvPr id="1" name=""/>
+        <p:cNvGrpSpPr/>
+        <p:nvPr/>
+      </p:nvGrpSpPr>
+      <p:grpSpPr>
+        <a:xfrm>
+          <a:off x="0" y="0"/>
+          <a:ext cx="0" cy="0"/>
+          <a:chOff x="0" y="0"/>
+          <a:chExt cx="0" cy="0"/>
+        </a:xfrm>
+      </p:grpSpPr>
+      <p:sp>
+        <p:nvSpPr>
+          <p:cNvPr id="2" name="Slide Image Placeholder 1"/>
+          <p:cNvSpPr>
+            <a:spLocks noGrp="1" noRot="1" noChangeAspect="1"/>
+          </p:cNvSpPr>
+          <p:nvPr>
+            <p:ph type="sldImg"/>
+          </p:nvPr>
+        </p:nvSpPr>
+        <p:spPr/>
+      </p:sp>
+      <p:sp>
+        <p:nvSpPr>
+          <p:cNvPr id="3" name="Notes Placeholder 2"/>
+          <p:cNvSpPr>
+            <a:spLocks noGrp="1"/>
+          </p:cNvSpPr>
+          <p:nvPr>
+            <p:ph type="body" idx="1"/>
+          </p:nvPr>
+        </p:nvSpPr>
+        <p:spPr/>
+        <p:txBody>
+          <a:bodyPr/>
+          <a:lstStyle/>
+          <a:p>
+            <a:r>
+              <a:rPr lang="en-US" dirty="0" smtClean="0"/>
+              <a:t>Scatter Gather – built in </a:t>
+            </a:r>
+            <a:r>
+              <a:rPr lang="en-US" dirty="0" err="1" smtClean="0"/>
+              <a:t>mapreduce</a:t>
+            </a:r>
+            <a:endParaRPr lang="en-US" dirty="0"/>
+          </a:p>
+        </p:txBody>
+      </p:sp>
+      <p:sp>
+        <p:nvSpPr>
+          <p:cNvPr id="4" name="Slide Number Placeholder 3"/>
+          <p:cNvSpPr>
+            <a:spLocks noGrp="1"/>
+          </p:cNvSpPr>
+          <p:nvPr>
+            <p:ph type="sldNum" sz="quarter" idx="10"/>
+          </p:nvPr>
+        </p:nvSpPr>
+        <p:spPr/>
+        <p:txBody>
+          <a:bodyPr/>
+          <a:lstStyle/>
+          <a:p>
+            <a:fld id="{33EB61B5-0B25-4052-8EFA-97E46EEADB31}" type="slidenum">
+              <a:rPr lang="en-US" smtClean="0"/>
+              <a:t>12</a:t>
+            </a:fld>
+            <a:endParaRPr lang="en-US"/>
+          </a:p>
+        </p:txBody>
+      </p:sp>
+    </p:spTree>
+    <p:extLst>
+      <p:ext uri="{BB962C8B-B14F-4D97-AF65-F5344CB8AC3E}">
+        <p14:creationId xmlns:p14="http://schemas.microsoft.com/office/powerpoint/2010/main" val="3078301091"/>
+      </p:ext>
+    </p:extLst>
+  </p:cSld>
+  <p:clrMapOvr>
+    <a:masterClrMapping/>
+  </p:clrMapOvr>
+</p:notes>
+</file>
+
+<file path=ppt/notesSlides/notesSlide7.xml><?xml version="1.0" encoding="utf-8"?>
+<p:notes xmlns:a="http://schemas.openxmlformats.org/drawingml/2006/main" xmlns:r="http://schemas.openxmlformats.org/officeDocument/2006/relationships" xmlns:p="http://schemas.openxmlformats.org/presentationml/2006/main">
+  <p:cSld>
+    <p:spTree>
+      <p:nvGrpSpPr>
+        <p:cNvPr id="1" name=""/>
+        <p:cNvGrpSpPr/>
+        <p:nvPr/>
+      </p:nvGrpSpPr>
+      <p:grpSpPr>
+        <a:xfrm>
+          <a:off x="0" y="0"/>
+          <a:ext cx="0" cy="0"/>
+          <a:chOff x="0" y="0"/>
+          <a:chExt cx="0" cy="0"/>
+        </a:xfrm>
+      </p:grpSpPr>
+      <p:sp>
+        <p:nvSpPr>
+          <p:cNvPr id="2" name="Slide Image Placeholder 1"/>
+          <p:cNvSpPr>
+            <a:spLocks noGrp="1" noRot="1" noChangeAspect="1"/>
+          </p:cNvSpPr>
+          <p:nvPr>
+            <p:ph type="sldImg"/>
+          </p:nvPr>
+        </p:nvSpPr>
+        <p:spPr/>
+      </p:sp>
+      <p:sp>
+        <p:nvSpPr>
+          <p:cNvPr id="3" name="Notes Placeholder 2"/>
+          <p:cNvSpPr>
+            <a:spLocks noGrp="1"/>
+          </p:cNvSpPr>
+          <p:nvPr>
+            <p:ph type="body" idx="1"/>
+          </p:nvPr>
+        </p:nvSpPr>
+        <p:spPr/>
+        <p:txBody>
+          <a:bodyPr/>
+          <a:lstStyle/>
+          <a:p>
+            <a:r>
+              <a:rPr lang="en-US" dirty="0" smtClean="0"/>
+              <a:t>Will run on</a:t>
+            </a:r>
+            <a:r>
+              <a:rPr lang="en-US" baseline="0" dirty="0" smtClean="0"/>
+              <a:t> xenon card with NO modifications</a:t>
+            </a:r>
+            <a:endParaRPr lang="en-US" dirty="0"/>
+          </a:p>
+        </p:txBody>
+      </p:sp>
+      <p:sp>
+        <p:nvSpPr>
+          <p:cNvPr id="4" name="Slide Number Placeholder 3"/>
+          <p:cNvSpPr>
+            <a:spLocks noGrp="1"/>
+          </p:cNvSpPr>
+          <p:nvPr>
+            <p:ph type="sldNum" sz="quarter" idx="10"/>
+          </p:nvPr>
+        </p:nvSpPr>
+        <p:spPr/>
+        <p:txBody>
+          <a:bodyPr/>
+          <a:lstStyle/>
+          <a:p>
+            <a:fld id="{33EB61B5-0B25-4052-8EFA-97E46EEADB31}" type="slidenum">
+              <a:rPr lang="en-US" smtClean="0"/>
+              <a:t>13</a:t>
+            </a:fld>
+            <a:endParaRPr lang="en-US"/>
+          </a:p>
+        </p:txBody>
+      </p:sp>
+    </p:spTree>
+    <p:extLst>
+      <p:ext uri="{BB962C8B-B14F-4D97-AF65-F5344CB8AC3E}">
+        <p14:creationId xmlns:p14="http://schemas.microsoft.com/office/powerpoint/2010/main" val="455600807"/>
+      </p:ext>
+    </p:extLst>
+  </p:cSld>
+  <p:clrMapOvr>
+    <a:masterClrMapping/>
+  </p:clrMapOvr>
+</p:notes>
+</file>
+
+<file path=ppt/notesSlides/notesSlide8.xml><?xml version="1.0" encoding="utf-8"?>
+<p:notes xmlns:a="http://schemas.openxmlformats.org/drawingml/2006/main" xmlns:r="http://schemas.openxmlformats.org/officeDocument/2006/relationships" xmlns:p="http://schemas.openxmlformats.org/presentationml/2006/main">
+  <p:cSld>
+    <p:spTree>
+      <p:nvGrpSpPr>
+        <p:cNvPr id="1" name=""/>
+        <p:cNvGrpSpPr/>
+        <p:nvPr/>
+      </p:nvGrpSpPr>
+      <p:grpSpPr>
+        <a:xfrm>
+          <a:off x="0" y="0"/>
+          <a:ext cx="0" cy="0"/>
+          <a:chOff x="0" y="0"/>
+          <a:chExt cx="0" cy="0"/>
+        </a:xfrm>
+      </p:grpSpPr>
+      <p:sp>
+        <p:nvSpPr>
+          <p:cNvPr id="2" name="Slide Image Placeholder 1"/>
+          <p:cNvSpPr>
+            <a:spLocks noGrp="1" noRot="1" noChangeAspect="1"/>
+          </p:cNvSpPr>
+          <p:nvPr>
+            <p:ph type="sldImg"/>
+          </p:nvPr>
+        </p:nvSpPr>
+        <p:spPr/>
+      </p:sp>
+      <p:sp>
+        <p:nvSpPr>
+          <p:cNvPr id="3" name="Notes Placeholder 2"/>
+          <p:cNvSpPr>
+            <a:spLocks noGrp="1"/>
+          </p:cNvSpPr>
+          <p:nvPr>
+            <p:ph type="body" idx="1"/>
+          </p:nvPr>
+        </p:nvSpPr>
+        <p:spPr/>
+        <p:txBody>
+          <a:bodyPr/>
+          <a:lstStyle/>
+          <a:p>
+            <a:r>
+              <a:rPr lang="en-US" dirty="0" smtClean="0"/>
+              <a:t>NOT ON FINAL::</a:t>
+            </a:r>
+          </a:p>
+          <a:p>
+            <a:r>
+              <a:rPr lang="en-US" dirty="0" smtClean="0"/>
+              <a:t>Nash</a:t>
+            </a:r>
+            <a:r>
+              <a:rPr lang="en-US" baseline="0" dirty="0" smtClean="0"/>
+              <a:t> solutions &amp; game theory</a:t>
+            </a:r>
+          </a:p>
+          <a:p>
+            <a:endParaRPr lang="en-US" dirty="0" smtClean="0"/>
+          </a:p>
+          <a:p>
+            <a:endParaRPr lang="en-US" dirty="0" smtClean="0"/>
+          </a:p>
+        </p:txBody>
+      </p:sp>
+      <p:sp>
+        <p:nvSpPr>
+          <p:cNvPr id="4" name="Slide Number Placeholder 3"/>
+          <p:cNvSpPr>
+            <a:spLocks noGrp="1"/>
+          </p:cNvSpPr>
+          <p:nvPr>
+            <p:ph type="sldNum" sz="quarter" idx="10"/>
+          </p:nvPr>
+        </p:nvSpPr>
+        <p:spPr/>
+        <p:txBody>
+          <a:bodyPr/>
+          <a:lstStyle/>
+          <a:p>
+            <a:fld id="{33EB61B5-0B25-4052-8EFA-97E46EEADB31}" type="slidenum">
+              <a:rPr lang="en-US" smtClean="0"/>
+              <a:t>14</a:t>
+            </a:fld>
+            <a:endParaRPr lang="en-US"/>
+          </a:p>
+        </p:txBody>
+      </p:sp>
+    </p:spTree>
+    <p:extLst>
+      <p:ext uri="{BB962C8B-B14F-4D97-AF65-F5344CB8AC3E}">
+        <p14:creationId xmlns:p14="http://schemas.microsoft.com/office/powerpoint/2010/main" val="3270480606"/>
+      </p:ext>
+    </p:extLst>
+  </p:cSld>
+  <p:clrMapOvr>
+    <a:masterClrMapping/>
+  </p:clrMapOvr>
+</p:notes>
+</file>
+
+<file path=ppt/notesSlides/notesSlide9.xml><?xml version="1.0" encoding="utf-8"?>
+<p:notes xmlns:a="http://schemas.openxmlformats.org/drawingml/2006/main" xmlns:r="http://schemas.openxmlformats.org/officeDocument/2006/relationships" xmlns:p="http://schemas.openxmlformats.org/presentationml/2006/main">
+  <p:cSld>
+    <p:spTree>
+      <p:nvGrpSpPr>
+        <p:cNvPr id="1" name=""/>
+        <p:cNvGrpSpPr/>
+        <p:nvPr/>
+      </p:nvGrpSpPr>
+      <p:grpSpPr>
+        <a:xfrm>
+          <a:off x="0" y="0"/>
+          <a:ext cx="0" cy="0"/>
+          <a:chOff x="0" y="0"/>
+          <a:chExt cx="0" cy="0"/>
+        </a:xfrm>
+      </p:grpSpPr>
+      <p:sp>
+        <p:nvSpPr>
+          <p:cNvPr id="2" name="Slide Image Placeholder 1"/>
+          <p:cNvSpPr>
+            <a:spLocks noGrp="1" noRot="1" noChangeAspect="1"/>
+          </p:cNvSpPr>
+          <p:nvPr>
+            <p:ph type="sldImg"/>
+          </p:nvPr>
+        </p:nvSpPr>
+        <p:spPr/>
+      </p:sp>
+      <p:sp>
+        <p:nvSpPr>
+          <p:cNvPr id="3" name="Notes Placeholder 2"/>
+          <p:cNvSpPr>
+            <a:spLocks noGrp="1"/>
+          </p:cNvSpPr>
+          <p:nvPr>
+            <p:ph type="body" idx="1"/>
+          </p:nvPr>
+        </p:nvSpPr>
+        <p:spPr/>
+        <p:txBody>
+          <a:bodyPr/>
+          <a:lstStyle/>
+          <a:p>
+            <a:r>
+              <a:rPr lang="en-US" dirty="0" smtClean="0"/>
+              <a:t>EMBARARSINGLY PARALLEL</a:t>
+            </a:r>
+            <a:r>
+              <a:rPr lang="en-US" baseline="0" dirty="0" smtClean="0"/>
+              <a:t> - LINEAR</a:t>
+            </a:r>
+            <a:endParaRPr lang="en-US" dirty="0"/>
+          </a:p>
+        </p:txBody>
+      </p:sp>
+      <p:sp>
+        <p:nvSpPr>
+          <p:cNvPr id="4" name="Slide Number Placeholder 3"/>
+          <p:cNvSpPr>
+            <a:spLocks noGrp="1"/>
+          </p:cNvSpPr>
+          <p:nvPr>
+            <p:ph type="sldNum" sz="quarter" idx="10"/>
+          </p:nvPr>
+        </p:nvSpPr>
+        <p:spPr/>
+        <p:txBody>
+          <a:bodyPr/>
+          <a:lstStyle/>
+          <a:p>
+            <a:fld id="{33EB61B5-0B25-4052-8EFA-97E46EEADB31}" type="slidenum">
+              <a:rPr lang="en-US" smtClean="0"/>
+              <a:t>15</a:t>
+            </a:fld>
+            <a:endParaRPr lang="en-US"/>
+          </a:p>
+        </p:txBody>
+      </p:sp>
+    </p:spTree>
+    <p:extLst>
+      <p:ext uri="{BB962C8B-B14F-4D97-AF65-F5344CB8AC3E}">
+        <p14:creationId xmlns:p14="http://schemas.microsoft.com/office/powerpoint/2010/main" val="810590340"/>
+      </p:ext>
+    </p:extLst>
+  </p:cSld>
+  <p:clrMapOvr>
+    <a:masterClrMapping/>
+  </p:clrMapOvr>
+</p:notes>
+</file>
+
 <file path=ppt/slideLayouts/slideLayout1.xml><?xml version="1.0" encoding="utf-8"?>
 <p:sldLayout xmlns:a="http://schemas.openxmlformats.org/drawingml/2006/main" xmlns:r="http://schemas.openxmlformats.org/officeDocument/2006/relationships" xmlns:p="http://schemas.openxmlformats.org/presentationml/2006/main" showMasterSp="0" type="title" preserve="1">
   <p:cSld name="Title Slide">
@@ -672,7 +3461,7 @@
           <a:p>
             <a:fld id="{9769DED8-28D4-45B9-A00F-7CFE9335FEA6}" type="datetime1">
               <a:rPr lang="en-US" smtClean="0"/>
-              <a:t>1/13/2014</a:t>
+              <a:t>2/17/2014</a:t>
             </a:fld>
             <a:endParaRPr lang="en-US"/>
           </a:p>
@@ -937,7 +3726,7 @@
           <a:p>
             <a:fld id="{2DB3D439-1F88-44B4-B5F7-F9BCD4064257}" type="datetime1">
               <a:rPr lang="en-US" smtClean="0"/>
-              <a:t>1/13/2014</a:t>
+              <a:t>2/17/2014</a:t>
             </a:fld>
             <a:endParaRPr lang="en-US"/>
           </a:p>
@@ -1112,7 +3901,7 @@
           <a:p>
             <a:fld id="{99C5638F-6F55-4055-935C-67841BE78C36}" type="datetime1">
               <a:rPr lang="en-US" smtClean="0"/>
-              <a:t>1/13/2014</a:t>
+              <a:t>2/17/2014</a:t>
             </a:fld>
             <a:endParaRPr lang="en-US"/>
           </a:p>
@@ -1277,7 +4066,7 @@
           <a:p>
             <a:fld id="{E6987D90-0C92-4B22-A29D-FED15412CED2}" type="datetime1">
               <a:rPr lang="en-US" smtClean="0"/>
-              <a:t>1/13/2014</a:t>
+              <a:t>2/17/2014</a:t>
             </a:fld>
             <a:endParaRPr lang="en-US"/>
           </a:p>
@@ -1526,7 +4315,7 @@
           <a:p>
             <a:fld id="{DDB67BC4-9554-49E0-BCB3-D1EF965BA0B8}" type="datetime1">
               <a:rPr lang="en-US" smtClean="0"/>
-              <a:t>1/13/2014</a:t>
+              <a:t>2/17/2014</a:t>
             </a:fld>
             <a:endParaRPr lang="en-US"/>
           </a:p>
@@ -1809,7 +4598,7 @@
           <a:p>
             <a:fld id="{EC24D770-803D-4E01-921C-9C100DD8230C}" type="datetime1">
               <a:rPr lang="en-US" smtClean="0"/>
-              <a:t>1/13/2014</a:t>
+              <a:t>2/17/2014</a:t>
             </a:fld>
             <a:endParaRPr lang="en-US"/>
           </a:p>
@@ -2248,7 +5037,7 @@
           <a:p>
             <a:fld id="{356AD44B-78A4-4209-8070-7DCBE2DC4992}" type="datetime1">
               <a:rPr lang="en-US" smtClean="0"/>
-              <a:t>1/13/2014</a:t>
+              <a:t>2/17/2014</a:t>
             </a:fld>
             <a:endParaRPr lang="en-US"/>
           </a:p>
@@ -2361,7 +5150,7 @@
           <a:p>
             <a:fld id="{A993C59A-7CA2-467F-B7F1-9096881A01B8}" type="datetime1">
               <a:rPr lang="en-US" smtClean="0"/>
-              <a:t>1/13/2014</a:t>
+              <a:t>2/17/2014</a:t>
             </a:fld>
             <a:endParaRPr lang="en-US"/>
           </a:p>
@@ -2451,7 +5240,7 @@
           <a:p>
             <a:fld id="{2B6B58D0-2488-434A-8ED1-692E09B85CC5}" type="datetime1">
               <a:rPr lang="en-US" smtClean="0"/>
-              <a:t>1/13/2014</a:t>
+              <a:t>2/17/2014</a:t>
             </a:fld>
             <a:endParaRPr lang="en-US"/>
           </a:p>
@@ -2693,7 +5482,7 @@
           <a:p>
             <a:fld id="{FDB0AFC2-7D64-4F61-A7B7-9932D3305DDA}" type="datetime1">
               <a:rPr lang="en-US" smtClean="0"/>
-              <a:t>1/13/2014</a:t>
+              <a:t>2/17/2014</a:t>
             </a:fld>
             <a:endParaRPr lang="en-US"/>
           </a:p>
@@ -2987,7 +5776,7 @@
           <a:p>
             <a:fld id="{4983D17A-D7B2-4ECE-8A2C-93679B9D177B}" type="datetime1">
               <a:rPr lang="en-US" smtClean="0"/>
-              <a:t>1/13/2014</a:t>
+              <a:t>2/17/2014</a:t>
             </a:fld>
             <a:endParaRPr lang="en-US"/>
           </a:p>
@@ -3281,7 +6070,7 @@
           <a:p>
             <a:fld id="{2A5275F7-419E-4C23-8A3D-2EE5742B2EC9}" type="datetime1">
               <a:rPr lang="en-US" smtClean="0"/>
-              <a:t>1/13/2014</a:t>
+              <a:t>2/17/2014</a:t>
             </a:fld>
             <a:endParaRPr lang="en-US"/>
           </a:p>
@@ -3931,7 +6720,7 @@
           <p:nvPr/>
         </p:nvPicPr>
         <p:blipFill>
-          <a:blip r:embed="rId2">
+          <a:blip r:embed="rId3">
             <a:extLst>
               <a:ext uri="{28A0092B-C50C-407E-A947-70E740481C1C}">
                 <a14:useLocalDpi xmlns:a14="http://schemas.microsoft.com/office/drawing/2010/main" val="0"/>
@@ -3997,7 +6786,7 @@
             </a:r>
             <a:r>
               <a:rPr lang="en-US" dirty="0">
-                <a:hlinkClick r:id="rId3"/>
+                <a:hlinkClick r:id="rId4"/>
               </a:rPr>
               <a:t>Intel</a:t>
             </a:r>
@@ -4090,7 +6879,7 @@
           <p:nvPr/>
         </p:nvPicPr>
         <p:blipFill>
-          <a:blip r:embed="rId2">
+          <a:blip r:embed="rId3">
             <a:extLst>
               <a:ext uri="{28A0092B-C50C-407E-A947-70E740481C1C}">
                 <a14:useLocalDpi xmlns:a14="http://schemas.microsoft.com/office/drawing/2010/main" val="0"/>
@@ -4156,7 +6945,7 @@
             </a:r>
             <a:r>
               <a:rPr lang="en-US" dirty="0">
-                <a:hlinkClick r:id="rId3"/>
+                <a:hlinkClick r:id="rId4"/>
               </a:rPr>
               <a:t>Intel</a:t>
             </a:r>
@@ -4249,7 +7038,7 @@
           <p:nvPr/>
         </p:nvPicPr>
         <p:blipFill>
-          <a:blip r:embed="rId2">
+          <a:blip r:embed="rId3">
             <a:extLst>
               <a:ext uri="{28A0092B-C50C-407E-A947-70E740481C1C}">
                 <a14:useLocalDpi xmlns:a14="http://schemas.microsoft.com/office/drawing/2010/main" val="0"/>
@@ -4315,7 +7104,7 @@
             </a:r>
             <a:r>
               <a:rPr lang="en-US" dirty="0">
-                <a:hlinkClick r:id="rId3"/>
+                <a:hlinkClick r:id="rId4"/>
               </a:rPr>
               <a:t>Intel</a:t>
             </a:r>
@@ -4388,7 +7177,9 @@
         </p:nvSpPr>
         <p:spPr/>
         <p:txBody>
-          <a:bodyPr/>
+          <a:bodyPr>
+            <a:normAutofit lnSpcReduction="10000"/>
+          </a:bodyPr>
           <a:lstStyle/>
           <a:p>
             <a:r>
@@ -4400,8 +7191,20 @@
             <a:pPr marL="800100" lvl="1" indent="-342900"/>
             <a:r>
               <a:rPr lang="en-US" dirty="0" smtClean="0"/>
-              <a:t>Using the Intel C++ compiler, special directives can be added to code.</a:t>
-            </a:r>
+              <a:t>Using the Intel C++ compiler, special directives can be added to code</a:t>
+            </a:r>
+            <a:r>
+              <a:rPr lang="en-US" dirty="0" smtClean="0"/>
+              <a:t>.</a:t>
+            </a:r>
+          </a:p>
+          <a:p>
+            <a:pPr marL="1485900" lvl="2" indent="-342900"/>
+            <a:r>
+              <a:rPr lang="en-US" dirty="0" smtClean="0"/>
+              <a:t>For offloading to GPU: memory copy, etc.</a:t>
+            </a:r>
+            <a:endParaRPr lang="en-US" dirty="0" smtClean="0"/>
           </a:p>
           <a:p>
             <a:pPr marL="800100" lvl="1" indent="-342900"/>
@@ -4426,8 +7229,13 @@
             <a:pPr marL="1485900" lvl="2" indent="-342900"/>
             <a:r>
               <a:rPr lang="en-US" dirty="0" smtClean="0"/>
-              <a:t>No special directives</a:t>
-            </a:r>
+              <a:t>No special </a:t>
+            </a:r>
+            <a:r>
+              <a:rPr lang="en-US" dirty="0" smtClean="0"/>
+              <a:t>directives</a:t>
+            </a:r>
+            <a:endParaRPr lang="en-US" dirty="0" smtClean="0"/>
           </a:p>
           <a:p>
             <a:pPr marL="1485900" lvl="2" indent="-342900"/>
@@ -4651,6 +7459,630 @@
           </a:p>
         </p:txBody>
       </p:sp>
+      <mc:AlternateContent xmlns:mc="http://schemas.openxmlformats.org/markup-compatibility/2006">
+        <mc:Choice xmlns:p14="http://schemas.microsoft.com/office/powerpoint/2010/main" Requires="p14">
+          <p:contentPart p14:bwMode="auto" r:id="rId3">
+            <p14:nvContentPartPr>
+              <p14:cNvPr id="7" name="Ink 6"/>
+              <p14:cNvContentPartPr/>
+              <p14:nvPr/>
+            </p14:nvContentPartPr>
+            <p14:xfrm>
+              <a:off x="3337957" y="4965980"/>
+              <a:ext cx="123480" cy="1149120"/>
+            </p14:xfrm>
+          </p:contentPart>
+        </mc:Choice>
+        <mc:Fallback>
+          <p:pic>
+            <p:nvPicPr>
+              <p:cNvPr id="7" name="Ink 6"/>
+              <p:cNvPicPr/>
+              <p:nvPr/>
+            </p:nvPicPr>
+            <p:blipFill>
+              <a:blip r:embed="rId4"/>
+              <a:stretch>
+                <a:fillRect/>
+              </a:stretch>
+            </p:blipFill>
+            <p:spPr>
+              <a:xfrm>
+                <a:off x="3332917" y="4961660"/>
+                <a:ext cx="136080" cy="1159200"/>
+              </a:xfrm>
+              <a:prstGeom prst="rect">
+                <a:avLst/>
+              </a:prstGeom>
+            </p:spPr>
+          </p:pic>
+        </mc:Fallback>
+      </mc:AlternateContent>
+      <mc:AlternateContent xmlns:mc="http://schemas.openxmlformats.org/markup-compatibility/2006">
+        <mc:Choice xmlns:p14="http://schemas.microsoft.com/office/powerpoint/2010/main" Requires="p14">
+          <p:contentPart p14:bwMode="auto" r:id="rId5">
+            <p14:nvContentPartPr>
+              <p14:cNvPr id="12" name="Ink 11"/>
+              <p14:cNvContentPartPr/>
+              <p14:nvPr/>
+            </p14:nvContentPartPr>
+            <p14:xfrm>
+              <a:off x="3390517" y="4875620"/>
+              <a:ext cx="2212920" cy="122040"/>
+            </p14:xfrm>
+          </p:contentPart>
+        </mc:Choice>
+        <mc:Fallback>
+          <p:pic>
+            <p:nvPicPr>
+              <p:cNvPr id="12" name="Ink 11"/>
+              <p:cNvPicPr/>
+              <p:nvPr/>
+            </p:nvPicPr>
+            <p:blipFill>
+              <a:blip r:embed="rId6"/>
+              <a:stretch>
+                <a:fillRect/>
+              </a:stretch>
+            </p:blipFill>
+            <p:spPr>
+              <a:xfrm>
+                <a:off x="3388357" y="4868420"/>
+                <a:ext cx="2217960" cy="135720"/>
+              </a:xfrm>
+              <a:prstGeom prst="rect">
+                <a:avLst/>
+              </a:prstGeom>
+            </p:spPr>
+          </p:pic>
+        </mc:Fallback>
+      </mc:AlternateContent>
+      <mc:AlternateContent xmlns:mc="http://schemas.openxmlformats.org/markup-compatibility/2006">
+        <mc:Choice xmlns:p14="http://schemas.microsoft.com/office/powerpoint/2010/main" Requires="p14">
+          <p:contentPart p14:bwMode="auto" r:id="rId7">
+            <p14:nvContentPartPr>
+              <p14:cNvPr id="16" name="Ink 15"/>
+              <p14:cNvContentPartPr/>
+              <p14:nvPr/>
+            </p14:nvContentPartPr>
+            <p14:xfrm>
+              <a:off x="1970317" y="5223020"/>
+              <a:ext cx="1147320" cy="419040"/>
+            </p14:xfrm>
+          </p:contentPart>
+        </mc:Choice>
+        <mc:Fallback>
+          <p:pic>
+            <p:nvPicPr>
+              <p:cNvPr id="16" name="Ink 15"/>
+              <p:cNvPicPr/>
+              <p:nvPr/>
+            </p:nvPicPr>
+            <p:blipFill>
+              <a:blip r:embed="rId8"/>
+              <a:stretch>
+                <a:fillRect/>
+              </a:stretch>
+            </p:blipFill>
+            <p:spPr>
+              <a:xfrm>
+                <a:off x="1963477" y="5215820"/>
+                <a:ext cx="1156680" cy="433440"/>
+              </a:xfrm>
+              <a:prstGeom prst="rect">
+                <a:avLst/>
+              </a:prstGeom>
+            </p:spPr>
+          </p:pic>
+        </mc:Fallback>
+      </mc:AlternateContent>
+      <mc:AlternateContent xmlns:mc="http://schemas.openxmlformats.org/markup-compatibility/2006">
+        <mc:Choice xmlns:p14="http://schemas.microsoft.com/office/powerpoint/2010/main" Requires="p14">
+          <p:contentPart p14:bwMode="auto" r:id="rId9">
+            <p14:nvContentPartPr>
+              <p14:cNvPr id="19" name="Ink 18"/>
+              <p14:cNvContentPartPr/>
+              <p14:nvPr/>
+            </p14:nvContentPartPr>
+            <p14:xfrm>
+              <a:off x="3848077" y="4946900"/>
+              <a:ext cx="129960" cy="1154520"/>
+            </p14:xfrm>
+          </p:contentPart>
+        </mc:Choice>
+        <mc:Fallback>
+          <p:pic>
+            <p:nvPicPr>
+              <p:cNvPr id="19" name="Ink 18"/>
+              <p:cNvPicPr/>
+              <p:nvPr/>
+            </p:nvPicPr>
+            <p:blipFill>
+              <a:blip r:embed="rId10"/>
+              <a:stretch>
+                <a:fillRect/>
+              </a:stretch>
+            </p:blipFill>
+            <p:spPr>
+              <a:xfrm>
+                <a:off x="3844117" y="4942940"/>
+                <a:ext cx="136080" cy="1162080"/>
+              </a:xfrm>
+              <a:prstGeom prst="rect">
+                <a:avLst/>
+              </a:prstGeom>
+            </p:spPr>
+          </p:pic>
+        </mc:Fallback>
+      </mc:AlternateContent>
+      <mc:AlternateContent xmlns:mc="http://schemas.openxmlformats.org/markup-compatibility/2006">
+        <mc:Choice xmlns:p14="http://schemas.microsoft.com/office/powerpoint/2010/main" Requires="p14">
+          <p:contentPart p14:bwMode="auto" r:id="rId11">
+            <p14:nvContentPartPr>
+              <p14:cNvPr id="25" name="Ink 24"/>
+              <p14:cNvContentPartPr/>
+              <p14:nvPr/>
+            </p14:nvContentPartPr>
+            <p14:xfrm>
+              <a:off x="4857877" y="4825220"/>
+              <a:ext cx="54360" cy="1353600"/>
+            </p14:xfrm>
+          </p:contentPart>
+        </mc:Choice>
+        <mc:Fallback>
+          <p:pic>
+            <p:nvPicPr>
+              <p:cNvPr id="25" name="Ink 24"/>
+              <p:cNvPicPr/>
+              <p:nvPr/>
+            </p:nvPicPr>
+            <p:blipFill>
+              <a:blip r:embed="rId12"/>
+              <a:stretch>
+                <a:fillRect/>
+              </a:stretch>
+            </p:blipFill>
+            <p:spPr>
+              <a:xfrm>
+                <a:off x="4848877" y="4820180"/>
+                <a:ext cx="68400" cy="1365840"/>
+              </a:xfrm>
+              <a:prstGeom prst="rect">
+                <a:avLst/>
+              </a:prstGeom>
+            </p:spPr>
+          </p:pic>
+        </mc:Fallback>
+      </mc:AlternateContent>
+      <mc:AlternateContent xmlns:mc="http://schemas.openxmlformats.org/markup-compatibility/2006">
+        <mc:Choice xmlns:p14="http://schemas.microsoft.com/office/powerpoint/2010/main" Requires="p14">
+          <p:contentPart p14:bwMode="auto" r:id="rId13">
+            <p14:nvContentPartPr>
+              <p14:cNvPr id="44" name="Ink 43"/>
+              <p14:cNvContentPartPr/>
+              <p14:nvPr/>
+            </p14:nvContentPartPr>
+            <p14:xfrm>
+              <a:off x="3360997" y="5900540"/>
+              <a:ext cx="1508400" cy="74520"/>
+            </p14:xfrm>
+          </p:contentPart>
+        </mc:Choice>
+        <mc:Fallback>
+          <p:pic>
+            <p:nvPicPr>
+              <p:cNvPr id="44" name="Ink 43"/>
+              <p:cNvPicPr/>
+              <p:nvPr/>
+            </p:nvPicPr>
+            <p:blipFill>
+              <a:blip r:embed="rId14"/>
+              <a:stretch>
+                <a:fillRect/>
+              </a:stretch>
+            </p:blipFill>
+            <p:spPr>
+              <a:xfrm>
+                <a:off x="3356317" y="5893700"/>
+                <a:ext cx="1515960" cy="86400"/>
+              </a:xfrm>
+              <a:prstGeom prst="rect">
+                <a:avLst/>
+              </a:prstGeom>
+            </p:spPr>
+          </p:pic>
+        </mc:Fallback>
+      </mc:AlternateContent>
+      <mc:AlternateContent xmlns:mc="http://schemas.openxmlformats.org/markup-compatibility/2006">
+        <mc:Choice xmlns:p14="http://schemas.microsoft.com/office/powerpoint/2010/main" Requires="p14">
+          <p:contentPart p14:bwMode="auto" r:id="rId15">
+            <p14:nvContentPartPr>
+              <p14:cNvPr id="45" name="Ink 44"/>
+              <p14:cNvContentPartPr/>
+              <p14:nvPr/>
+            </p14:nvContentPartPr>
+            <p14:xfrm>
+              <a:off x="3364597" y="5314460"/>
+              <a:ext cx="2309760" cy="133920"/>
+            </p14:xfrm>
+          </p:contentPart>
+        </mc:Choice>
+        <mc:Fallback>
+          <p:pic>
+            <p:nvPicPr>
+              <p:cNvPr id="45" name="Ink 44"/>
+              <p:cNvPicPr/>
+              <p:nvPr/>
+            </p:nvPicPr>
+            <p:blipFill>
+              <a:blip r:embed="rId16"/>
+              <a:stretch>
+                <a:fillRect/>
+              </a:stretch>
+            </p:blipFill>
+            <p:spPr>
+              <a:xfrm>
+                <a:off x="3361357" y="5306540"/>
+                <a:ext cx="2315520" cy="145080"/>
+              </a:xfrm>
+              <a:prstGeom prst="rect">
+                <a:avLst/>
+              </a:prstGeom>
+            </p:spPr>
+          </p:pic>
+        </mc:Fallback>
+      </mc:AlternateContent>
+      <mc:AlternateContent xmlns:mc="http://schemas.openxmlformats.org/markup-compatibility/2006">
+        <mc:Choice xmlns:p14="http://schemas.microsoft.com/office/powerpoint/2010/main" Requires="p14">
+          <p:contentPart p14:bwMode="auto" r:id="rId17">
+            <p14:nvContentPartPr>
+              <p14:cNvPr id="49" name="Ink 48"/>
+              <p14:cNvContentPartPr/>
+              <p14:nvPr/>
+            </p14:nvContentPartPr>
+            <p14:xfrm>
+              <a:off x="5083597" y="5022500"/>
+              <a:ext cx="501120" cy="308880"/>
+            </p14:xfrm>
+          </p:contentPart>
+        </mc:Choice>
+        <mc:Fallback>
+          <p:pic>
+            <p:nvPicPr>
+              <p:cNvPr id="49" name="Ink 48"/>
+              <p:cNvPicPr/>
+              <p:nvPr/>
+            </p:nvPicPr>
+            <p:blipFill>
+              <a:blip r:embed="rId18"/>
+              <a:stretch>
+                <a:fillRect/>
+              </a:stretch>
+            </p:blipFill>
+            <p:spPr>
+              <a:xfrm>
+                <a:off x="5077477" y="5019980"/>
+                <a:ext cx="511560" cy="317520"/>
+              </a:xfrm>
+              <a:prstGeom prst="rect">
+                <a:avLst/>
+              </a:prstGeom>
+            </p:spPr>
+          </p:pic>
+        </mc:Fallback>
+      </mc:AlternateContent>
+      <mc:AlternateContent xmlns:mc="http://schemas.openxmlformats.org/markup-compatibility/2006">
+        <mc:Choice xmlns:p14="http://schemas.microsoft.com/office/powerpoint/2010/main" Requires="p14">
+          <p:contentPart p14:bwMode="auto" r:id="rId19">
+            <p14:nvContentPartPr>
+              <p14:cNvPr id="90" name="Ink 89"/>
+              <p14:cNvContentPartPr/>
+              <p14:nvPr/>
+            </p14:nvContentPartPr>
+            <p14:xfrm>
+              <a:off x="4235437" y="4972100"/>
+              <a:ext cx="329040" cy="296280"/>
+            </p14:xfrm>
+          </p:contentPart>
+        </mc:Choice>
+        <mc:Fallback>
+          <p:pic>
+            <p:nvPicPr>
+              <p:cNvPr id="90" name="Ink 89"/>
+              <p:cNvPicPr/>
+              <p:nvPr/>
+            </p:nvPicPr>
+            <p:blipFill>
+              <a:blip r:embed="rId20"/>
+              <a:stretch>
+                <a:fillRect/>
+              </a:stretch>
+            </p:blipFill>
+            <p:spPr>
+              <a:xfrm>
+                <a:off x="4230037" y="4966340"/>
+                <a:ext cx="336600" cy="307440"/>
+              </a:xfrm>
+              <a:prstGeom prst="rect">
+                <a:avLst/>
+              </a:prstGeom>
+            </p:spPr>
+          </p:pic>
+        </mc:Fallback>
+      </mc:AlternateContent>
+      <mc:AlternateContent xmlns:mc="http://schemas.openxmlformats.org/markup-compatibility/2006">
+        <mc:Choice xmlns:p14="http://schemas.microsoft.com/office/powerpoint/2010/main" Requires="p14">
+          <p:contentPart p14:bwMode="auto" r:id="rId21">
+            <p14:nvContentPartPr>
+              <p14:cNvPr id="95" name="Ink 94"/>
+              <p14:cNvContentPartPr/>
+              <p14:nvPr/>
+            </p14:nvContentPartPr>
+            <p14:xfrm>
+              <a:off x="3528757" y="5572940"/>
+              <a:ext cx="201240" cy="225360"/>
+            </p14:xfrm>
+          </p:contentPart>
+        </mc:Choice>
+        <mc:Fallback>
+          <p:pic>
+            <p:nvPicPr>
+              <p:cNvPr id="95" name="Ink 94"/>
+              <p:cNvPicPr/>
+              <p:nvPr/>
+            </p:nvPicPr>
+            <p:blipFill>
+              <a:blip r:embed="rId22"/>
+              <a:stretch>
+                <a:fillRect/>
+              </a:stretch>
+            </p:blipFill>
+            <p:spPr>
+              <a:xfrm>
+                <a:off x="3521917" y="5566100"/>
+                <a:ext cx="212760" cy="236880"/>
+              </a:xfrm>
+              <a:prstGeom prst="rect">
+                <a:avLst/>
+              </a:prstGeom>
+            </p:spPr>
+          </p:pic>
+        </mc:Fallback>
+      </mc:AlternateContent>
+      <mc:AlternateContent xmlns:mc="http://schemas.openxmlformats.org/markup-compatibility/2006">
+        <mc:Choice xmlns:p14="http://schemas.microsoft.com/office/powerpoint/2010/main" Requires="p14">
+          <p:contentPart p14:bwMode="auto" r:id="rId23">
+            <p14:nvContentPartPr>
+              <p14:cNvPr id="97" name="Ink 96"/>
+              <p14:cNvContentPartPr/>
+              <p14:nvPr/>
+            </p14:nvContentPartPr>
+            <p14:xfrm>
+              <a:off x="4223557" y="5444780"/>
+              <a:ext cx="273240" cy="349920"/>
+            </p14:xfrm>
+          </p:contentPart>
+        </mc:Choice>
+        <mc:Fallback>
+          <p:pic>
+            <p:nvPicPr>
+              <p:cNvPr id="97" name="Ink 96"/>
+              <p:cNvPicPr/>
+              <p:nvPr/>
+            </p:nvPicPr>
+            <p:blipFill>
+              <a:blip r:embed="rId24"/>
+              <a:stretch>
+                <a:fillRect/>
+              </a:stretch>
+            </p:blipFill>
+            <p:spPr>
+              <a:xfrm>
+                <a:off x="4220317" y="5436860"/>
+                <a:ext cx="285120" cy="365760"/>
+              </a:xfrm>
+              <a:prstGeom prst="rect">
+                <a:avLst/>
+              </a:prstGeom>
+            </p:spPr>
+          </p:pic>
+        </mc:Fallback>
+      </mc:AlternateContent>
+      <mc:AlternateContent xmlns:mc="http://schemas.openxmlformats.org/markup-compatibility/2006">
+        <mc:Choice xmlns:p14="http://schemas.microsoft.com/office/powerpoint/2010/main" Requires="p14">
+          <p:contentPart p14:bwMode="auto" r:id="rId25">
+            <p14:nvContentPartPr>
+              <p14:cNvPr id="98" name="Ink 97"/>
+              <p14:cNvContentPartPr/>
+              <p14:nvPr/>
+            </p14:nvContentPartPr>
+            <p14:xfrm>
+              <a:off x="4845637" y="5843300"/>
+              <a:ext cx="845280" cy="111240"/>
+            </p14:xfrm>
+          </p:contentPart>
+        </mc:Choice>
+        <mc:Fallback>
+          <p:pic>
+            <p:nvPicPr>
+              <p:cNvPr id="98" name="Ink 97"/>
+              <p:cNvPicPr/>
+              <p:nvPr/>
+            </p:nvPicPr>
+            <p:blipFill>
+              <a:blip r:embed="rId26"/>
+              <a:stretch>
+                <a:fillRect/>
+              </a:stretch>
+            </p:blipFill>
+            <p:spPr>
+              <a:xfrm>
+                <a:off x="4842037" y="5835380"/>
+                <a:ext cx="852840" cy="122760"/>
+              </a:xfrm>
+              <a:prstGeom prst="rect">
+                <a:avLst/>
+              </a:prstGeom>
+            </p:spPr>
+          </p:pic>
+        </mc:Fallback>
+      </mc:AlternateContent>
+      <mc:AlternateContent xmlns:mc="http://schemas.openxmlformats.org/markup-compatibility/2006">
+        <mc:Choice xmlns:p14="http://schemas.microsoft.com/office/powerpoint/2010/main" Requires="p14">
+          <p:contentPart p14:bwMode="auto" r:id="rId27">
+            <p14:nvContentPartPr>
+              <p14:cNvPr id="103" name="Ink 102"/>
+              <p14:cNvContentPartPr/>
+              <p14:nvPr/>
+            </p14:nvContentPartPr>
+            <p14:xfrm>
+              <a:off x="6899797" y="5638820"/>
+              <a:ext cx="2144880" cy="999720"/>
+            </p14:xfrm>
+          </p:contentPart>
+        </mc:Choice>
+        <mc:Fallback>
+          <p:pic>
+            <p:nvPicPr>
+              <p:cNvPr id="103" name="Ink 102"/>
+              <p:cNvPicPr/>
+              <p:nvPr/>
+            </p:nvPicPr>
+            <p:blipFill>
+              <a:blip r:embed="rId28"/>
+              <a:stretch>
+                <a:fillRect/>
+              </a:stretch>
+            </p:blipFill>
+            <p:spPr>
+              <a:xfrm>
+                <a:off x="6890437" y="5635580"/>
+                <a:ext cx="2157480" cy="1013040"/>
+              </a:xfrm>
+              <a:prstGeom prst="rect">
+                <a:avLst/>
+              </a:prstGeom>
+            </p:spPr>
+          </p:pic>
+        </mc:Fallback>
+      </mc:AlternateContent>
+      <mc:AlternateContent xmlns:mc="http://schemas.openxmlformats.org/markup-compatibility/2006">
+        <mc:Choice xmlns:p14="http://schemas.microsoft.com/office/powerpoint/2010/main" Requires="p14">
+          <p:contentPart p14:bwMode="auto" r:id="rId29">
+            <p14:nvContentPartPr>
+              <p14:cNvPr id="113" name="Ink 112"/>
+              <p14:cNvContentPartPr/>
+              <p14:nvPr/>
+            </p14:nvContentPartPr>
+            <p14:xfrm>
+              <a:off x="4275397" y="4130420"/>
+              <a:ext cx="4685400" cy="1667520"/>
+            </p14:xfrm>
+          </p:contentPart>
+        </mc:Choice>
+        <mc:Fallback>
+          <p:pic>
+            <p:nvPicPr>
+              <p:cNvPr id="113" name="Ink 112"/>
+              <p:cNvPicPr/>
+              <p:nvPr/>
+            </p:nvPicPr>
+            <p:blipFill>
+              <a:blip r:embed="rId30"/>
+              <a:stretch>
+                <a:fillRect/>
+              </a:stretch>
+            </p:blipFill>
+            <p:spPr>
+              <a:xfrm>
+                <a:off x="4267477" y="4120700"/>
+                <a:ext cx="4704480" cy="1686960"/>
+              </a:xfrm>
+              <a:prstGeom prst="rect">
+                <a:avLst/>
+              </a:prstGeom>
+            </p:spPr>
+          </p:pic>
+        </mc:Fallback>
+      </mc:AlternateContent>
+      <mc:AlternateContent xmlns:mc="http://schemas.openxmlformats.org/markup-compatibility/2006">
+        <mc:Choice xmlns:p14="http://schemas.microsoft.com/office/powerpoint/2010/main" Requires="p14">
+          <p:contentPart p14:bwMode="auto" r:id="rId31">
+            <p14:nvContentPartPr>
+              <p14:cNvPr id="114" name="Ink 113"/>
+              <p14:cNvContentPartPr/>
+              <p14:nvPr/>
+            </p14:nvContentPartPr>
+            <p14:xfrm>
+              <a:off x="3507157" y="5775260"/>
+              <a:ext cx="4456080" cy="555120"/>
+            </p14:xfrm>
+          </p:contentPart>
+        </mc:Choice>
+        <mc:Fallback>
+          <p:pic>
+            <p:nvPicPr>
+              <p:cNvPr id="114" name="Ink 113"/>
+              <p:cNvPicPr/>
+              <p:nvPr/>
+            </p:nvPicPr>
+            <p:blipFill>
+              <a:blip r:embed="rId32"/>
+              <a:stretch>
+                <a:fillRect/>
+              </a:stretch>
+            </p:blipFill>
+            <p:spPr>
+              <a:xfrm>
+                <a:off x="3499957" y="5766260"/>
+                <a:ext cx="4470120" cy="571320"/>
+              </a:xfrm>
+              <a:prstGeom prst="rect">
+                <a:avLst/>
+              </a:prstGeom>
+            </p:spPr>
+          </p:pic>
+        </mc:Fallback>
+      </mc:AlternateContent>
+      <mc:AlternateContent xmlns:mc="http://schemas.openxmlformats.org/markup-compatibility/2006">
+        <mc:Choice xmlns:p14="http://schemas.microsoft.com/office/powerpoint/2010/main" Requires="p14">
+          <p:contentPart p14:bwMode="auto" r:id="rId33">
+            <p14:nvContentPartPr>
+              <p14:cNvPr id="125" name="Ink 124"/>
+              <p14:cNvContentPartPr/>
+              <p14:nvPr/>
+            </p14:nvContentPartPr>
+            <p14:xfrm>
+              <a:off x="4493197" y="5502740"/>
+              <a:ext cx="318600" cy="893160"/>
+            </p14:xfrm>
+          </p:contentPart>
+        </mc:Choice>
+        <mc:Fallback>
+          <p:pic>
+            <p:nvPicPr>
+              <p:cNvPr id="125" name="Ink 124"/>
+              <p:cNvPicPr/>
+              <p:nvPr/>
+            </p:nvPicPr>
+            <p:blipFill>
+              <a:blip r:embed="rId34"/>
+              <a:stretch>
+                <a:fillRect/>
+              </a:stretch>
+            </p:blipFill>
+            <p:spPr>
+              <a:xfrm>
+                <a:off x="4484917" y="5492660"/>
+                <a:ext cx="334800" cy="911520"/>
+              </a:xfrm>
+              <a:prstGeom prst="rect">
+                <a:avLst/>
+              </a:prstGeom>
+            </p:spPr>
+          </p:pic>
+        </mc:Fallback>
+      </mc:AlternateContent>
     </p:spTree>
     <p:extLst>
       <p:ext uri="{BB962C8B-B14F-4D97-AF65-F5344CB8AC3E}">
@@ -5627,7 +9059,7 @@
           <p:nvPr/>
         </p:nvPicPr>
         <p:blipFill>
-          <a:blip r:embed="rId2">
+          <a:blip r:embed="rId3">
             <a:extLst>
               <a:ext uri="{28A0092B-C50C-407E-A947-70E740481C1C}">
                 <a14:useLocalDpi xmlns:a14="http://schemas.microsoft.com/office/drawing/2010/main" val="0"/>
@@ -6577,7 +10009,7 @@
           <p:nvPr/>
         </p:nvPicPr>
         <p:blipFill>
-          <a:blip r:embed="rId2">
+          <a:blip r:embed="rId3">
             <a:extLst>
               <a:ext uri="{28A0092B-C50C-407E-A947-70E740481C1C}">
                 <a14:useLocalDpi xmlns:a14="http://schemas.microsoft.com/office/drawing/2010/main" val="0"/>
@@ -6982,7 +10414,7 @@
           <p:nvPr/>
         </p:nvPicPr>
         <p:blipFill>
-          <a:blip r:embed="rId2" cstate="print">
+          <a:blip r:embed="rId3" cstate="print">
             <a:extLst>
               <a:ext uri="{28A0092B-C50C-407E-A947-70E740481C1C}">
                 <a14:useLocalDpi xmlns:a14="http://schemas.microsoft.com/office/drawing/2010/main" val="0"/>
@@ -7023,7 +10455,7 @@
           <p:nvPr/>
         </p:nvPicPr>
         <p:blipFill>
-          <a:blip r:embed="rId2" cstate="print">
+          <a:blip r:embed="rId3" cstate="print">
             <a:extLst>
               <a:ext uri="{28A0092B-C50C-407E-A947-70E740481C1C}">
                 <a14:useLocalDpi xmlns:a14="http://schemas.microsoft.com/office/drawing/2010/main" val="0"/>
@@ -7064,7 +10496,7 @@
           <p:nvPr/>
         </p:nvPicPr>
         <p:blipFill>
-          <a:blip r:embed="rId3" cstate="print">
+          <a:blip r:embed="rId4" cstate="print">
             <a:extLst>
               <a:ext uri="{28A0092B-C50C-407E-A947-70E740481C1C}">
                 <a14:useLocalDpi xmlns:a14="http://schemas.microsoft.com/office/drawing/2010/main" val="0"/>
@@ -7105,7 +10537,7 @@
           <p:nvPr/>
         </p:nvPicPr>
         <p:blipFill>
-          <a:blip r:embed="rId3" cstate="print">
+          <a:blip r:embed="rId4" cstate="print">
             <a:extLst>
               <a:ext uri="{28A0092B-C50C-407E-A947-70E740481C1C}">
                 <a14:useLocalDpi xmlns:a14="http://schemas.microsoft.com/office/drawing/2010/main" val="0"/>
@@ -7146,7 +10578,7 @@
           <p:nvPr/>
         </p:nvPicPr>
         <p:blipFill>
-          <a:blip r:embed="rId3" cstate="print">
+          <a:blip r:embed="rId4" cstate="print">
             <a:extLst>
               <a:ext uri="{28A0092B-C50C-407E-A947-70E740481C1C}">
                 <a14:useLocalDpi xmlns:a14="http://schemas.microsoft.com/office/drawing/2010/main" val="0"/>
@@ -7187,7 +10619,7 @@
           <p:nvPr/>
         </p:nvPicPr>
         <p:blipFill>
-          <a:blip r:embed="rId3" cstate="print">
+          <a:blip r:embed="rId4" cstate="print">
             <a:extLst>
               <a:ext uri="{28A0092B-C50C-407E-A947-70E740481C1C}">
                 <a14:useLocalDpi xmlns:a14="http://schemas.microsoft.com/office/drawing/2010/main" val="0"/>
@@ -7228,7 +10660,7 @@
           <p:nvPr/>
         </p:nvPicPr>
         <p:blipFill>
-          <a:blip r:embed="rId2" cstate="print">
+          <a:blip r:embed="rId3" cstate="print">
             <a:extLst>
               <a:ext uri="{28A0092B-C50C-407E-A947-70E740481C1C}">
                 <a14:useLocalDpi xmlns:a14="http://schemas.microsoft.com/office/drawing/2010/main" val="0"/>
@@ -7269,7 +10701,7 @@
           <p:nvPr/>
         </p:nvPicPr>
         <p:blipFill>
-          <a:blip r:embed="rId2" cstate="print">
+          <a:blip r:embed="rId3" cstate="print">
             <a:extLst>
               <a:ext uri="{28A0092B-C50C-407E-A947-70E740481C1C}">
                 <a14:useLocalDpi xmlns:a14="http://schemas.microsoft.com/office/drawing/2010/main" val="0"/>
@@ -7408,8 +10840,13 @@
             </a:r>
             <a:r>
               <a:rPr lang="en-US" dirty="0" smtClean="0"/>
-              <a:t> performance per watt.</a:t>
-            </a:r>
+              <a:t> performance per watt</a:t>
+            </a:r>
+            <a:r>
+              <a:rPr lang="en-US" dirty="0" smtClean="0"/>
+              <a:t>.</a:t>
+            </a:r>
+            <a:endParaRPr lang="en-US" dirty="0" smtClean="0"/>
           </a:p>
           <a:p>
             <a:pPr marL="342900" indent="-342900"/>
@@ -7557,8 +10994,13 @@
             <a:pPr marL="800100" lvl="1" indent="-342900"/>
             <a:r>
               <a:rPr lang="en-US" dirty="0" smtClean="0"/>
-              <a:t>Use process-based concurrency (e.g. MPI) to execute one fat process on each node</a:t>
-            </a:r>
+              <a:t>Use process-based concurrency (e.g. MPI) to execute one fat process on each </a:t>
+            </a:r>
+            <a:r>
+              <a:rPr lang="en-US" dirty="0" smtClean="0"/>
+              <a:t>node //not used as commonly</a:t>
+            </a:r>
+            <a:endParaRPr lang="en-US" dirty="0" smtClean="0"/>
           </a:p>
           <a:p>
             <a:pPr marL="800100" lvl="1" indent="-342900"/>
@@ -7714,7 +11156,9 @@
         </p:nvSpPr>
         <p:spPr/>
         <p:txBody>
-          <a:bodyPr/>
+          <a:bodyPr>
+            <a:normAutofit lnSpcReduction="10000"/>
+          </a:bodyPr>
           <a:lstStyle/>
           <a:p>
             <a:r>
@@ -7740,7 +11184,20 @@
             <a:pPr marL="1485900" lvl="2" indent="-342900"/>
             <a:r>
               <a:rPr lang="en-US" dirty="0" smtClean="0"/>
-              <a:t>Latest NVIDIA cards have ~2600 processors</a:t>
+              <a:t>Latest NVIDIA cards have ~2600 </a:t>
+            </a:r>
+            <a:r>
+              <a:rPr lang="en-US" dirty="0" smtClean="0"/>
+              <a:t>processors</a:t>
+            </a:r>
+          </a:p>
+          <a:p>
+            <a:pPr lvl="3" indent="0">
+              <a:buNone/>
+            </a:pPr>
+            <a:r>
+              <a:rPr lang="en-US" dirty="0" smtClean="0"/>
+              <a:t>	* floating point done very well</a:t>
             </a:r>
           </a:p>
           <a:p>
@@ -7762,8 +11219,20 @@
             <a:pPr marL="1485900" lvl="2" indent="-342900"/>
             <a:r>
               <a:rPr lang="en-US" dirty="0" smtClean="0"/>
-              <a:t>Supported by NVIDIA, AMD, Intel</a:t>
-            </a:r>
+              <a:t>Supported by NVIDIA, AMD, </a:t>
+            </a:r>
+            <a:r>
+              <a:rPr lang="en-US" dirty="0" smtClean="0"/>
+              <a:t>Intel</a:t>
+            </a:r>
+          </a:p>
+          <a:p>
+            <a:pPr marL="1943100" lvl="3" indent="-342900"/>
+            <a:r>
+              <a:rPr lang="en-US" dirty="0" smtClean="0"/>
+              <a:t>Started by AMD</a:t>
+            </a:r>
+            <a:endParaRPr lang="en-US" dirty="0" smtClean="0"/>
           </a:p>
           <a:p>
             <a:pPr marL="800100" lvl="1" indent="-342900"/>
@@ -7781,6 +11250,14 @@
             <a:r>
               <a:rPr lang="en-US" dirty="0" err="1" smtClean="0"/>
               <a:t>OpenCL</a:t>
+            </a:r>
+            <a:endParaRPr lang="en-US" dirty="0" smtClean="0"/>
+          </a:p>
+          <a:p>
+            <a:pPr marL="1943100" lvl="3" indent="-342900"/>
+            <a:r>
+              <a:rPr lang="en-US" dirty="0" smtClean="0"/>
+              <a:t>Integrated into Visual Studio</a:t>
             </a:r>
             <a:endParaRPr lang="en-US" dirty="0" smtClean="0"/>
           </a:p>
@@ -7882,7 +11359,7 @@
         <p:spPr/>
         <p:txBody>
           <a:bodyPr>
-            <a:normAutofit lnSpcReduction="10000"/>
+            <a:normAutofit fontScale="92500" lnSpcReduction="20000"/>
           </a:bodyPr>
           <a:lstStyle/>
           <a:p>
@@ -7894,7 +11371,7 @@
           <a:p>
             <a:pPr marL="800100" lvl="1" indent="-342900"/>
             <a:r>
-              <a:rPr lang="en-US" dirty="0" smtClean="0"/>
+              <a:rPr lang="en-US" b="1" u="sng" dirty="0" smtClean="0"/>
               <a:t>Special compilers</a:t>
             </a:r>
           </a:p>
@@ -7916,11 +11393,7 @@
             <a:pPr marL="800100" lvl="1" indent="-342900"/>
             <a:r>
               <a:rPr lang="en-US" dirty="0" smtClean="0"/>
-              <a:t>GPUs </a:t>
-            </a:r>
-            <a:r>
-              <a:rPr lang="en-US" dirty="0" smtClean="0"/>
-              <a:t>do not execute not x86 or x64 code</a:t>
+              <a:t>GPUs do not execute not x86 or x64 code</a:t>
             </a:r>
           </a:p>
           <a:p>
@@ -7952,8 +11425,27 @@
             <a:pPr marL="800100" lvl="1" indent="-342900"/>
             <a:r>
               <a:rPr lang="en-US" dirty="0" smtClean="0"/>
-              <a:t>Very good for floating point math</a:t>
-            </a:r>
+              <a:t>Very good for floating point </a:t>
+            </a:r>
+            <a:r>
+              <a:rPr lang="en-US" dirty="0" smtClean="0"/>
+              <a:t>math</a:t>
+            </a:r>
+          </a:p>
+          <a:p>
+            <a:pPr marL="1485900" lvl="2" indent="-342900"/>
+            <a:r>
+              <a:rPr lang="en-US" dirty="0" smtClean="0"/>
+              <a:t>Terrible for most everything else</a:t>
+            </a:r>
+          </a:p>
+          <a:p>
+            <a:pPr marL="1943100" lvl="3" indent="-342900"/>
+            <a:r>
+              <a:rPr lang="en-US" dirty="0" smtClean="0"/>
+              <a:t>Most other types of processes does predictive execution</a:t>
+            </a:r>
+            <a:endParaRPr lang="en-US" dirty="0" smtClean="0"/>
           </a:p>
           <a:p>
             <a:pPr marL="800100" lvl="1" indent="-342900"/>
@@ -8156,6 +11648,68 @@
                                   </p:childTnLst>
                                 </p:cTn>
                               </p:par>
+                              <p:par>
+                                <p:cTn id="15" presetID="1" presetClass="entr" presetSubtype="0" fill="hold" nodeType="withEffect">
+                                  <p:stCondLst>
+                                    <p:cond delay="0"/>
+                                  </p:stCondLst>
+                                  <p:childTnLst>
+                                    <p:set>
+                                      <p:cBhvr>
+                                        <p:cTn id="16" dur="1" fill="hold">
+                                          <p:stCondLst>
+                                            <p:cond delay="0"/>
+                                          </p:stCondLst>
+                                        </p:cTn>
+                                        <p:tgtEl>
+                                          <p:spTgt spid="3">
+                                            <p:txEl>
+                                              <p:pRg st="10" end="10"/>
+                                            </p:txEl>
+                                          </p:spTgt>
+                                        </p:tgtEl>
+                                        <p:attrNameLst>
+                                          <p:attrName>style.visibility</p:attrName>
+                                        </p:attrNameLst>
+                                      </p:cBhvr>
+                                      <p:to>
+                                        <p:strVal val="visible"/>
+                                      </p:to>
+                                    </p:set>
+                                  </p:childTnLst>
+                                </p:cTn>
+                              </p:par>
+                              <p:par>
+                                <p:cTn id="17" presetID="1" presetClass="entr" presetSubtype="0" fill="hold" nodeType="withEffect">
+                                  <p:stCondLst>
+                                    <p:cond delay="0"/>
+                                  </p:stCondLst>
+                                  <p:childTnLst>
+                                    <p:set>
+                                      <p:cBhvr>
+                                        <p:cTn id="18" dur="1" fill="hold">
+                                          <p:stCondLst>
+                                            <p:cond delay="0"/>
+                                          </p:stCondLst>
+                                        </p:cTn>
+                                        <p:tgtEl>
+                                          <p:spTgt spid="3">
+                                            <p:txEl>
+                                              <p:pRg st="11" end="11"/>
+                                            </p:txEl>
+                                          </p:spTgt>
+                                        </p:tgtEl>
+                                        <p:attrNameLst>
+                                          <p:attrName>style.visibility</p:attrName>
+                                        </p:attrNameLst>
+                                      </p:cBhvr>
+                                      <p:to>
+                                        <p:strVal val="visible"/>
+                                      </p:to>
+                                    </p:set>
+                                  </p:childTnLst>
+                                </p:cTn>
+                              </p:par>
                             </p:childTnLst>
                           </p:cTn>
                         </p:par>
@@ -8255,15 +11809,7 @@
             <a:pPr marL="800100" lvl="1" indent="-342900"/>
             <a:r>
               <a:rPr lang="en-US" dirty="0" smtClean="0"/>
-              <a:t>Find code that is highly parallel </a:t>
-            </a:r>
-            <a:r>
-              <a:rPr lang="en-US" dirty="0" smtClean="0"/>
-              <a:t>(Amdahl's </a:t>
-            </a:r>
-            <a:r>
-              <a:rPr lang="en-US" dirty="0" smtClean="0"/>
-              <a:t>Law)</a:t>
+              <a:t>Find code that is highly parallel (Amdahl's Law)</a:t>
             </a:r>
           </a:p>
           <a:p>
@@ -11577,15 +15123,27 @@
             <p:ph idx="1"/>
           </p:nvPr>
         </p:nvSpPr>
-        <p:spPr/>
-        <p:txBody>
-          <a:bodyPr/>
+        <p:spPr>
+          <a:xfrm>
+            <a:off x="457200" y="1752600"/>
+            <a:ext cx="8458200" cy="4800600"/>
+          </a:xfrm>
+        </p:spPr>
+        <p:txBody>
+          <a:bodyPr>
+            <a:normAutofit/>
+          </a:bodyPr>
           <a:lstStyle/>
           <a:p>
             <a:r>
               <a:rPr lang="en-US" dirty="0" smtClean="0"/>
-              <a:t>Intel’s entry in this market is the Many Integrated Core (MIC) architecture.</a:t>
-            </a:r>
+              <a:t>Intel’s entry in this market is the Many Integrated Core (MIC) architecture</a:t>
+            </a:r>
+            <a:r>
+              <a:rPr lang="en-US" dirty="0" smtClean="0"/>
+              <a:t>. (Late entry)</a:t>
+            </a:r>
+            <a:endParaRPr lang="en-US" dirty="0" smtClean="0"/>
           </a:p>
           <a:p>
             <a:pPr marL="800100" lvl="1" indent="-342900"/>
@@ -11598,11 +15156,11 @@
             <a:pPr marL="1485900" lvl="2" indent="-342900"/>
             <a:r>
               <a:rPr lang="en-US" dirty="0" smtClean="0"/>
-              <a:t>60 general-purpose </a:t>
+              <a:t>60 general-purpose CPUs, four threads per </a:t>
             </a:r>
             <a:r>
               <a:rPr lang="en-US" dirty="0" smtClean="0"/>
-              <a:t>CPUs, four threads per CPU</a:t>
+              <a:t>CPU</a:t>
             </a:r>
             <a:endParaRPr lang="en-US" dirty="0" smtClean="0"/>
           </a:p>
@@ -11617,7 +15175,15 @@
             <a:pPr marL="1943100" lvl="3" indent="-342900"/>
             <a:r>
               <a:rPr lang="en-US" dirty="0" smtClean="0"/>
-              <a:t>Execute x86, x64 code</a:t>
+              <a:t>Execute </a:t>
+            </a:r>
+            <a:r>
+              <a:rPr lang="en-US" dirty="0" smtClean="0"/>
+              <a:t>general-purpose x86</a:t>
+            </a:r>
+            <a:r>
+              <a:rPr lang="en-US" dirty="0" smtClean="0"/>
+              <a:t>, x64 code</a:t>
             </a:r>
           </a:p>
           <a:p>
@@ -11631,8 +15197,13 @@
             <a:pPr marL="1943100" lvl="3" indent="-342900"/>
             <a:r>
               <a:rPr lang="en-US" dirty="0" smtClean="0"/>
-              <a:t>512-bit wide registers</a:t>
-            </a:r>
+              <a:t>512-bit wide </a:t>
+            </a:r>
+            <a:r>
+              <a:rPr lang="en-US" dirty="0" smtClean="0"/>
+              <a:t>registers (multiple floating point instructions in one go)</a:t>
+            </a:r>
+            <a:endParaRPr lang="en-US" dirty="0" smtClean="0"/>
           </a:p>
           <a:p>
             <a:pPr marL="1943100" lvl="3" indent="-342900"/>
@@ -11645,15 +15216,36 @@
             <a:pPr marL="1485900" lvl="2" indent="-342900"/>
             <a:r>
               <a:rPr lang="en-US" dirty="0" smtClean="0"/>
-              <a:t>No graphics output</a:t>
-            </a:r>
+              <a:t>No graphics </a:t>
+            </a:r>
+            <a:r>
+              <a:rPr lang="en-US" dirty="0" smtClean="0"/>
+              <a:t>output – purely an accelerator card</a:t>
+            </a:r>
+            <a:endParaRPr lang="en-US" dirty="0" smtClean="0"/>
           </a:p>
           <a:p>
             <a:pPr marL="1485900" lvl="2" indent="-342900"/>
             <a:r>
               <a:rPr lang="en-US" dirty="0" smtClean="0"/>
-              <a:t>Runs custom version of Linux on the card</a:t>
-            </a:r>
+              <a:t>Runs custom version of Linux on the </a:t>
+            </a:r>
+            <a:r>
+              <a:rPr lang="en-US" dirty="0" smtClean="0"/>
+              <a:t>card</a:t>
+            </a:r>
+          </a:p>
+          <a:p>
+            <a:pPr marL="1943100" lvl="3" indent="-342900"/>
+            <a:r>
+              <a:rPr lang="en-US" dirty="0"/>
+              <a:t>Can SSH to the card from the </a:t>
+            </a:r>
+            <a:r>
+              <a:rPr lang="en-US" dirty="0" smtClean="0"/>
+              <a:t>host</a:t>
+            </a:r>
+            <a:endParaRPr lang="en-US" dirty="0" smtClean="0"/>
           </a:p>
           <a:p>
             <a:pPr marL="1485900" lvl="2" indent="-342900"/>
@@ -11665,7 +15257,6 @@
               <a:rPr lang="en-US" dirty="0" smtClean="0"/>
               <a:t>architecture</a:t>
             </a:r>
-            <a:endParaRPr lang="en-US" dirty="0" smtClean="0"/>
           </a:p>
           <a:p>
             <a:pPr marL="1485900" lvl="2" indent="-342900"/>
